--- a/Project 1 - Slides.pptx
+++ b/Project 1 - Slides.pptx
@@ -1,41 +1,41 @@
 
 <file path=ppt/presentation.xml><?xml version="1.0" encoding="utf-8"?>
-<p:presentation xmlns:a="http://schemas.openxmlformats.org/drawingml/2006/main" xmlns:r="http://schemas.openxmlformats.org/officeDocument/2006/relationships" xmlns:mc="http://schemas.openxmlformats.org/markup-compatibility/2006" xmlns:mv="urn:schemas-microsoft-com:mac:vml" xmlns:p="http://schemas.openxmlformats.org/presentationml/2006/main" xmlns:c="http://schemas.openxmlformats.org/drawingml/2006/chart" xmlns:dgm="http://schemas.openxmlformats.org/drawingml/2006/diagram" xmlns:o="urn:schemas-microsoft-com:office:office" xmlns:v="urn:schemas-microsoft-com:vml" xmlns:pvml="urn:schemas-microsoft-com:office:powerpoint" xmlns:com="http://schemas.openxmlformats.org/drawingml/2006/compatibility" xmlns:p14="http://schemas.microsoft.com/office/powerpoint/2010/main" xmlns:p15="http://schemas.microsoft.com/office/powerpoint/2012/main" xmlns:ahyp="http://schemas.microsoft.com/office/drawing/2018/hyperlinkcolor" autoCompressPictures="0" strictFirstAndLastChars="0" saveSubsetFonts="1">
+<p:presentation xmlns:a="http://schemas.openxmlformats.org/drawingml/2006/main" xmlns:r="http://schemas.openxmlformats.org/officeDocument/2006/relationships" xmlns:p="http://schemas.openxmlformats.org/presentationml/2006/main" strictFirstAndLastChars="0" saveSubsetFonts="1" autoCompressPictures="0">
   <p:sldMasterIdLst>
-    <p:sldMasterId id="2147483659" r:id="rId4"/>
+    <p:sldMasterId id="2147483659" r:id="rId1"/>
   </p:sldMasterIdLst>
   <p:notesMasterIdLst>
-    <p:notesMasterId r:id="rId5"/>
+    <p:notesMasterId r:id="rId25"/>
   </p:notesMasterIdLst>
   <p:sldIdLst>
-    <p:sldId id="256" r:id="rId6"/>
-    <p:sldId id="257" r:id="rId7"/>
-    <p:sldId id="258" r:id="rId8"/>
-    <p:sldId id="259" r:id="rId9"/>
-    <p:sldId id="260" r:id="rId10"/>
-    <p:sldId id="261" r:id="rId11"/>
-    <p:sldId id="262" r:id="rId12"/>
-    <p:sldId id="263" r:id="rId13"/>
-    <p:sldId id="264" r:id="rId14"/>
-    <p:sldId id="265" r:id="rId15"/>
-    <p:sldId id="266" r:id="rId16"/>
-    <p:sldId id="267" r:id="rId17"/>
-    <p:sldId id="268" r:id="rId18"/>
-    <p:sldId id="269" r:id="rId19"/>
-    <p:sldId id="270" r:id="rId20"/>
-    <p:sldId id="271" r:id="rId21"/>
-    <p:sldId id="272" r:id="rId22"/>
-    <p:sldId id="273" r:id="rId23"/>
-    <p:sldId id="274" r:id="rId24"/>
-    <p:sldId id="275" r:id="rId25"/>
-    <p:sldId id="276" r:id="rId26"/>
-    <p:sldId id="277" r:id="rId27"/>
-    <p:sldId id="278" r:id="rId28"/>
+    <p:sldId id="256" r:id="rId2"/>
+    <p:sldId id="257" r:id="rId3"/>
+    <p:sldId id="258" r:id="rId4"/>
+    <p:sldId id="259" r:id="rId5"/>
+    <p:sldId id="260" r:id="rId6"/>
+    <p:sldId id="261" r:id="rId7"/>
+    <p:sldId id="262" r:id="rId8"/>
+    <p:sldId id="263" r:id="rId9"/>
+    <p:sldId id="264" r:id="rId10"/>
+    <p:sldId id="265" r:id="rId11"/>
+    <p:sldId id="266" r:id="rId12"/>
+    <p:sldId id="267" r:id="rId13"/>
+    <p:sldId id="268" r:id="rId14"/>
+    <p:sldId id="269" r:id="rId15"/>
+    <p:sldId id="270" r:id="rId16"/>
+    <p:sldId id="271" r:id="rId17"/>
+    <p:sldId id="272" r:id="rId18"/>
+    <p:sldId id="273" r:id="rId19"/>
+    <p:sldId id="274" r:id="rId20"/>
+    <p:sldId id="275" r:id="rId21"/>
+    <p:sldId id="276" r:id="rId22"/>
+    <p:sldId id="277" r:id="rId23"/>
+    <p:sldId id="278" r:id="rId24"/>
   </p:sldIdLst>
-  <p:sldSz cy="5143500" cx="9144000"/>
+  <p:sldSz cx="9144000" cy="5143500" type="screen16x9"/>
   <p:notesSz cx="6858000" cy="9144000"/>
   <p:defaultTextStyle>
-    <a:defPPr lvl="0" marR="0" rtl="0" algn="l">
+    <a:defPPr marR="0" lvl="0" algn="l" rtl="0">
       <a:lnSpc>
         <a:spcPct val="100000"/>
       </a:lnSpc>
@@ -46,7 +46,7 @@
         <a:spcPts val="0"/>
       </a:spcAft>
     </a:defPPr>
-    <a:lvl1pPr lvl="0" marR="0" rtl="0" algn="l">
+    <a:lvl1pPr marR="0" lvl="0" algn="l" rtl="0">
       <a:lnSpc>
         <a:spcPct val="100000"/>
       </a:lnSpc>
@@ -60,7 +60,7 @@
         <a:srgbClr val="000000"/>
       </a:buClr>
       <a:buFont typeface="Arial"/>
-      <a:defRPr b="0" i="0" sz="1400" u="none" cap="none" strike="noStrike">
+      <a:defRPr sz="1400" b="0" i="0" u="none" strike="noStrike" cap="none">
         <a:solidFill>
           <a:srgbClr val="000000"/>
         </a:solidFill>
@@ -70,7 +70,7 @@
         <a:sym typeface="Arial"/>
       </a:defRPr>
     </a:lvl1pPr>
-    <a:lvl2pPr lvl="1" marR="0" rtl="0" algn="l">
+    <a:lvl2pPr marR="0" lvl="1" algn="l" rtl="0">
       <a:lnSpc>
         <a:spcPct val="100000"/>
       </a:lnSpc>
@@ -84,7 +84,7 @@
         <a:srgbClr val="000000"/>
       </a:buClr>
       <a:buFont typeface="Arial"/>
-      <a:defRPr b="0" i="0" sz="1400" u="none" cap="none" strike="noStrike">
+      <a:defRPr sz="1400" b="0" i="0" u="none" strike="noStrike" cap="none">
         <a:solidFill>
           <a:srgbClr val="000000"/>
         </a:solidFill>
@@ -94,7 +94,7 @@
         <a:sym typeface="Arial"/>
       </a:defRPr>
     </a:lvl2pPr>
-    <a:lvl3pPr lvl="2" marR="0" rtl="0" algn="l">
+    <a:lvl3pPr marR="0" lvl="2" algn="l" rtl="0">
       <a:lnSpc>
         <a:spcPct val="100000"/>
       </a:lnSpc>
@@ -108,7 +108,7 @@
         <a:srgbClr val="000000"/>
       </a:buClr>
       <a:buFont typeface="Arial"/>
-      <a:defRPr b="0" i="0" sz="1400" u="none" cap="none" strike="noStrike">
+      <a:defRPr sz="1400" b="0" i="0" u="none" strike="noStrike" cap="none">
         <a:solidFill>
           <a:srgbClr val="000000"/>
         </a:solidFill>
@@ -118,7 +118,7 @@
         <a:sym typeface="Arial"/>
       </a:defRPr>
     </a:lvl3pPr>
-    <a:lvl4pPr lvl="3" marR="0" rtl="0" algn="l">
+    <a:lvl4pPr marR="0" lvl="3" algn="l" rtl="0">
       <a:lnSpc>
         <a:spcPct val="100000"/>
       </a:lnSpc>
@@ -132,7 +132,7 @@
         <a:srgbClr val="000000"/>
       </a:buClr>
       <a:buFont typeface="Arial"/>
-      <a:defRPr b="0" i="0" sz="1400" u="none" cap="none" strike="noStrike">
+      <a:defRPr sz="1400" b="0" i="0" u="none" strike="noStrike" cap="none">
         <a:solidFill>
           <a:srgbClr val="000000"/>
         </a:solidFill>
@@ -142,7 +142,7 @@
         <a:sym typeface="Arial"/>
       </a:defRPr>
     </a:lvl4pPr>
-    <a:lvl5pPr lvl="4" marR="0" rtl="0" algn="l">
+    <a:lvl5pPr marR="0" lvl="4" algn="l" rtl="0">
       <a:lnSpc>
         <a:spcPct val="100000"/>
       </a:lnSpc>
@@ -156,7 +156,7 @@
         <a:srgbClr val="000000"/>
       </a:buClr>
       <a:buFont typeface="Arial"/>
-      <a:defRPr b="0" i="0" sz="1400" u="none" cap="none" strike="noStrike">
+      <a:defRPr sz="1400" b="0" i="0" u="none" strike="noStrike" cap="none">
         <a:solidFill>
           <a:srgbClr val="000000"/>
         </a:solidFill>
@@ -166,7 +166,7 @@
         <a:sym typeface="Arial"/>
       </a:defRPr>
     </a:lvl5pPr>
-    <a:lvl6pPr lvl="5" marR="0" rtl="0" algn="l">
+    <a:lvl6pPr marR="0" lvl="5" algn="l" rtl="0">
       <a:lnSpc>
         <a:spcPct val="100000"/>
       </a:lnSpc>
@@ -180,7 +180,7 @@
         <a:srgbClr val="000000"/>
       </a:buClr>
       <a:buFont typeface="Arial"/>
-      <a:defRPr b="0" i="0" sz="1400" u="none" cap="none" strike="noStrike">
+      <a:defRPr sz="1400" b="0" i="0" u="none" strike="noStrike" cap="none">
         <a:solidFill>
           <a:srgbClr val="000000"/>
         </a:solidFill>
@@ -190,7 +190,7 @@
         <a:sym typeface="Arial"/>
       </a:defRPr>
     </a:lvl6pPr>
-    <a:lvl7pPr lvl="6" marR="0" rtl="0" algn="l">
+    <a:lvl7pPr marR="0" lvl="6" algn="l" rtl="0">
       <a:lnSpc>
         <a:spcPct val="100000"/>
       </a:lnSpc>
@@ -204,7 +204,7 @@
         <a:srgbClr val="000000"/>
       </a:buClr>
       <a:buFont typeface="Arial"/>
-      <a:defRPr b="0" i="0" sz="1400" u="none" cap="none" strike="noStrike">
+      <a:defRPr sz="1400" b="0" i="0" u="none" strike="noStrike" cap="none">
         <a:solidFill>
           <a:srgbClr val="000000"/>
         </a:solidFill>
@@ -214,7 +214,7 @@
         <a:sym typeface="Arial"/>
       </a:defRPr>
     </a:lvl7pPr>
-    <a:lvl8pPr lvl="7" marR="0" rtl="0" algn="l">
+    <a:lvl8pPr marR="0" lvl="7" algn="l" rtl="0">
       <a:lnSpc>
         <a:spcPct val="100000"/>
       </a:lnSpc>
@@ -228,7 +228,7 @@
         <a:srgbClr val="000000"/>
       </a:buClr>
       <a:buFont typeface="Arial"/>
-      <a:defRPr b="0" i="0" sz="1400" u="none" cap="none" strike="noStrike">
+      <a:defRPr sz="1400" b="0" i="0" u="none" strike="noStrike" cap="none">
         <a:solidFill>
           <a:srgbClr val="000000"/>
         </a:solidFill>
@@ -238,7 +238,7 @@
         <a:sym typeface="Arial"/>
       </a:defRPr>
     </a:lvl8pPr>
-    <a:lvl9pPr lvl="8" marR="0" rtl="0" algn="l">
+    <a:lvl9pPr marR="0" lvl="8" algn="l" rtl="0">
       <a:lnSpc>
         <a:spcPct val="100000"/>
       </a:lnSpc>
@@ -252,7 +252,7 @@
         <a:srgbClr val="000000"/>
       </a:buClr>
       <a:buFont typeface="Arial"/>
-      <a:defRPr b="0" i="0" sz="1400" u="none" cap="none" strike="noStrike">
+      <a:defRPr sz="1400" b="0" i="0" u="none" strike="noStrike" cap="none">
         <a:solidFill>
           <a:srgbClr val="000000"/>
         </a:solidFill>
@@ -265,7 +265,7 @@
   </p:defaultTextStyle>
   <p:extLst>
     <p:ext uri="{EFAFB233-063F-42B5-8137-9DF3F51BA10A}">
-      <p15:sldGuideLst>
+      <p15:sldGuideLst xmlns:p15="http://schemas.microsoft.com/office/powerpoint/2012/main">
         <p15:guide id="1" orient="horz" pos="1620">
           <p15:clr>
             <a:srgbClr val="A4A3A4"/>
@@ -283,11 +283,16 @@
 </file>
 
 <file path=ppt/notesMasters/notesMaster1.xml><?xml version="1.0" encoding="utf-8"?>
-<p:notesMaster xmlns:a="http://schemas.openxmlformats.org/drawingml/2006/main" xmlns:r="http://schemas.openxmlformats.org/officeDocument/2006/relationships" xmlns:mc="http://schemas.openxmlformats.org/markup-compatibility/2006" xmlns:mv="urn:schemas-microsoft-com:mac:vml" xmlns:p="http://schemas.openxmlformats.org/presentationml/2006/main" xmlns:c="http://schemas.openxmlformats.org/drawingml/2006/chart" xmlns:dgm="http://schemas.openxmlformats.org/drawingml/2006/diagram" xmlns:o="urn:schemas-microsoft-com:office:office" xmlns:v="urn:schemas-microsoft-com:vml" xmlns:pvml="urn:schemas-microsoft-com:office:powerpoint" xmlns:com="http://schemas.openxmlformats.org/drawingml/2006/compatibility" xmlns:p14="http://schemas.microsoft.com/office/powerpoint/2010/main" xmlns:p15="http://schemas.microsoft.com/office/powerpoint/2012/main" xmlns:ahyp="http://schemas.microsoft.com/office/drawing/2018/hyperlinkcolor">
+<p:notesMaster xmlns:a="http://schemas.openxmlformats.org/drawingml/2006/main" xmlns:r="http://schemas.openxmlformats.org/officeDocument/2006/relationships" xmlns:p="http://schemas.openxmlformats.org/presentationml/2006/main">
   <p:cSld>
+    <p:bg>
+      <p:bgRef idx="1001">
+        <a:schemeClr val="bg1"/>
+      </p:bgRef>
+    </p:bg>
     <p:spTree>
       <p:nvGrpSpPr>
-        <p:cNvPr id="2" name="Shape 2"/>
+        <p:cNvPr id="1" name="Shape 2"/>
         <p:cNvGrpSpPr/>
         <p:nvPr/>
       </p:nvGrpSpPr>
@@ -302,9 +307,11 @@
       <p:sp>
         <p:nvSpPr>
           <p:cNvPr id="3" name="Google Shape;3;n"/>
-          <p:cNvSpPr/>
+          <p:cNvSpPr>
+            <a:spLocks noGrp="1" noRot="1" noChangeAspect="1"/>
+          </p:cNvSpPr>
           <p:nvPr>
-            <p:ph idx="2" type="sldImg"/>
+            <p:ph type="sldImg" idx="2"/>
           </p:nvPr>
         </p:nvSpPr>
         <p:spPr>
@@ -313,9 +320,13 @@
             <a:ext cx="6096075" cy="3429000"/>
           </a:xfrm>
           <a:custGeom>
-            <a:rect b="b" l="l" r="r" t="t"/>
+            <a:avLst/>
+            <a:gdLst/>
+            <a:ahLst/>
+            <a:cxnLst/>
+            <a:rect l="l" t="t" r="r" b="b"/>
             <a:pathLst>
-              <a:path extrusionOk="0" h="120000" w="120000">
+              <a:path w="120000" h="120000" extrusionOk="0">
                 <a:moveTo>
                   <a:pt x="0" y="0"/>
                 </a:moveTo>
@@ -333,23 +344,25 @@
             </a:pathLst>
           </a:custGeom>
           <a:noFill/>
-          <a:ln cap="flat" cmpd="sng" w="9525">
+          <a:ln w="9525" cap="flat" cmpd="sng">
             <a:solidFill>
               <a:srgbClr val="000000"/>
             </a:solidFill>
             <a:prstDash val="solid"/>
             <a:round/>
-            <a:headEnd len="sm" w="sm" type="none"/>
-            <a:tailEnd len="sm" w="sm" type="none"/>
+            <a:headEnd type="none" w="sm" len="sm"/>
+            <a:tailEnd type="none" w="sm" len="sm"/>
           </a:ln>
         </p:spPr>
       </p:sp>
       <p:sp>
         <p:nvSpPr>
           <p:cNvPr id="4" name="Google Shape;4;n"/>
-          <p:cNvSpPr txBox="1"/>
+          <p:cNvSpPr txBox="1">
+            <a:spLocks noGrp="1"/>
+          </p:cNvSpPr>
           <p:nvPr>
-            <p:ph idx="1" type="body"/>
+            <p:ph type="body" idx="1"/>
           </p:nvPr>
         </p:nvSpPr>
         <p:spPr>
@@ -366,11 +379,11 @@
           </a:ln>
         </p:spPr>
         <p:txBody>
-          <a:bodyPr anchorCtr="0" anchor="t" bIns="91425" lIns="91425" spcFirstLastPara="1" rIns="91425" wrap="square" tIns="91425">
+          <a:bodyPr spcFirstLastPara="1" wrap="square" lIns="91425" tIns="91425" rIns="91425" bIns="91425" anchor="t" anchorCtr="0">
             <a:noAutofit/>
           </a:bodyPr>
           <a:lstStyle>
-            <a:lvl1pPr indent="-298450" lvl="0" marL="457200">
+            <a:lvl1pPr marL="457200" lvl="0" indent="-298450">
               <a:spcBef>
                 <a:spcPts val="0"/>
               </a:spcBef>
@@ -381,7 +394,7 @@
               <a:buChar char="●"/>
               <a:defRPr sz="1100"/>
             </a:lvl1pPr>
-            <a:lvl2pPr indent="-298450" lvl="1" marL="914400">
+            <a:lvl2pPr marL="914400" lvl="1" indent="-298450">
               <a:spcBef>
                 <a:spcPts val="0"/>
               </a:spcBef>
@@ -392,7 +405,7 @@
               <a:buChar char="○"/>
               <a:defRPr sz="1100"/>
             </a:lvl2pPr>
-            <a:lvl3pPr indent="-298450" lvl="2" marL="1371600">
+            <a:lvl3pPr marL="1371600" lvl="2" indent="-298450">
               <a:spcBef>
                 <a:spcPts val="0"/>
               </a:spcBef>
@@ -403,7 +416,7 @@
               <a:buChar char="■"/>
               <a:defRPr sz="1100"/>
             </a:lvl3pPr>
-            <a:lvl4pPr indent="-298450" lvl="3" marL="1828800">
+            <a:lvl4pPr marL="1828800" lvl="3" indent="-298450">
               <a:spcBef>
                 <a:spcPts val="0"/>
               </a:spcBef>
@@ -414,7 +427,7 @@
               <a:buChar char="●"/>
               <a:defRPr sz="1100"/>
             </a:lvl4pPr>
-            <a:lvl5pPr indent="-298450" lvl="4" marL="2286000">
+            <a:lvl5pPr marL="2286000" lvl="4" indent="-298450">
               <a:spcBef>
                 <a:spcPts val="0"/>
               </a:spcBef>
@@ -425,7 +438,7 @@
               <a:buChar char="○"/>
               <a:defRPr sz="1100"/>
             </a:lvl5pPr>
-            <a:lvl6pPr indent="-298450" lvl="5" marL="2743200">
+            <a:lvl6pPr marL="2743200" lvl="5" indent="-298450">
               <a:spcBef>
                 <a:spcPts val="0"/>
               </a:spcBef>
@@ -436,7 +449,7 @@
               <a:buChar char="■"/>
               <a:defRPr sz="1100"/>
             </a:lvl6pPr>
-            <a:lvl7pPr indent="-298450" lvl="6" marL="3200400">
+            <a:lvl7pPr marL="3200400" lvl="6" indent="-298450">
               <a:spcBef>
                 <a:spcPts val="0"/>
               </a:spcBef>
@@ -447,7 +460,7 @@
               <a:buChar char="●"/>
               <a:defRPr sz="1100"/>
             </a:lvl7pPr>
-            <a:lvl8pPr indent="-298450" lvl="7" marL="3657600">
+            <a:lvl8pPr marL="3657600" lvl="7" indent="-298450">
               <a:spcBef>
                 <a:spcPts val="0"/>
               </a:spcBef>
@@ -458,7 +471,7 @@
               <a:buChar char="○"/>
               <a:defRPr sz="1100"/>
             </a:lvl8pPr>
-            <a:lvl9pPr indent="-298450" lvl="8" marL="4114800">
+            <a:lvl9pPr marL="4114800" lvl="8" indent="-298450">
               <a:spcBef>
                 <a:spcPts val="0"/>
               </a:spcBef>
@@ -470,14 +483,16 @@
               <a:defRPr sz="1100"/>
             </a:lvl9pPr>
           </a:lstStyle>
-          <a:p/>
+          <a:p>
+            <a:endParaRPr/>
+          </a:p>
         </p:txBody>
       </p:sp>
     </p:spTree>
   </p:cSld>
-  <p:clrMap accent1="accent1" accent2="accent2" accent3="accent3" accent4="accent4" accent5="accent5" accent6="accent6" bg1="lt1" bg2="dk2" tx1="dk1" tx2="lt2" folHlink="folHlink" hlink="hlink"/>
+  <p:clrMap bg1="lt1" tx1="dk1" bg2="dk2" tx2="lt2" accent1="accent1" accent2="accent2" accent3="accent3" accent4="accent4" accent5="accent5" accent6="accent6" hlink="hlink" folHlink="folHlink"/>
   <p:notesStyle>
-    <a:defPPr lvl="0" marR="0" rtl="0" algn="l">
+    <a:defPPr marR="0" lvl="0" algn="l" rtl="0">
       <a:lnSpc>
         <a:spcPct val="100000"/>
       </a:lnSpc>
@@ -488,7 +503,7 @@
         <a:spcPts val="0"/>
       </a:spcAft>
     </a:defPPr>
-    <a:lvl1pPr lvl="0" marR="0" rtl="0" algn="l">
+    <a:lvl1pPr marR="0" lvl="0" algn="l" rtl="0">
       <a:lnSpc>
         <a:spcPct val="100000"/>
       </a:lnSpc>
@@ -502,7 +517,7 @@
         <a:srgbClr val="000000"/>
       </a:buClr>
       <a:buFont typeface="Arial"/>
-      <a:defRPr b="0" i="0" sz="1400" u="none" cap="none" strike="noStrike">
+      <a:defRPr sz="1400" b="0" i="0" u="none" strike="noStrike" cap="none">
         <a:solidFill>
           <a:srgbClr val="000000"/>
         </a:solidFill>
@@ -512,7 +527,7 @@
         <a:sym typeface="Arial"/>
       </a:defRPr>
     </a:lvl1pPr>
-    <a:lvl2pPr lvl="1" marR="0" rtl="0" algn="l">
+    <a:lvl2pPr marR="0" lvl="1" algn="l" rtl="0">
       <a:lnSpc>
         <a:spcPct val="100000"/>
       </a:lnSpc>
@@ -526,7 +541,7 @@
         <a:srgbClr val="000000"/>
       </a:buClr>
       <a:buFont typeface="Arial"/>
-      <a:defRPr b="0" i="0" sz="1400" u="none" cap="none" strike="noStrike">
+      <a:defRPr sz="1400" b="0" i="0" u="none" strike="noStrike" cap="none">
         <a:solidFill>
           <a:srgbClr val="000000"/>
         </a:solidFill>
@@ -536,7 +551,7 @@
         <a:sym typeface="Arial"/>
       </a:defRPr>
     </a:lvl2pPr>
-    <a:lvl3pPr lvl="2" marR="0" rtl="0" algn="l">
+    <a:lvl3pPr marR="0" lvl="2" algn="l" rtl="0">
       <a:lnSpc>
         <a:spcPct val="100000"/>
       </a:lnSpc>
@@ -550,7 +565,7 @@
         <a:srgbClr val="000000"/>
       </a:buClr>
       <a:buFont typeface="Arial"/>
-      <a:defRPr b="0" i="0" sz="1400" u="none" cap="none" strike="noStrike">
+      <a:defRPr sz="1400" b="0" i="0" u="none" strike="noStrike" cap="none">
         <a:solidFill>
           <a:srgbClr val="000000"/>
         </a:solidFill>
@@ -560,7 +575,7 @@
         <a:sym typeface="Arial"/>
       </a:defRPr>
     </a:lvl3pPr>
-    <a:lvl4pPr lvl="3" marR="0" rtl="0" algn="l">
+    <a:lvl4pPr marR="0" lvl="3" algn="l" rtl="0">
       <a:lnSpc>
         <a:spcPct val="100000"/>
       </a:lnSpc>
@@ -574,7 +589,7 @@
         <a:srgbClr val="000000"/>
       </a:buClr>
       <a:buFont typeface="Arial"/>
-      <a:defRPr b="0" i="0" sz="1400" u="none" cap="none" strike="noStrike">
+      <a:defRPr sz="1400" b="0" i="0" u="none" strike="noStrike" cap="none">
         <a:solidFill>
           <a:srgbClr val="000000"/>
         </a:solidFill>
@@ -584,7 +599,7 @@
         <a:sym typeface="Arial"/>
       </a:defRPr>
     </a:lvl4pPr>
-    <a:lvl5pPr lvl="4" marR="0" rtl="0" algn="l">
+    <a:lvl5pPr marR="0" lvl="4" algn="l" rtl="0">
       <a:lnSpc>
         <a:spcPct val="100000"/>
       </a:lnSpc>
@@ -598,7 +613,7 @@
         <a:srgbClr val="000000"/>
       </a:buClr>
       <a:buFont typeface="Arial"/>
-      <a:defRPr b="0" i="0" sz="1400" u="none" cap="none" strike="noStrike">
+      <a:defRPr sz="1400" b="0" i="0" u="none" strike="noStrike" cap="none">
         <a:solidFill>
           <a:srgbClr val="000000"/>
         </a:solidFill>
@@ -608,7 +623,7 @@
         <a:sym typeface="Arial"/>
       </a:defRPr>
     </a:lvl5pPr>
-    <a:lvl6pPr lvl="5" marR="0" rtl="0" algn="l">
+    <a:lvl6pPr marR="0" lvl="5" algn="l" rtl="0">
       <a:lnSpc>
         <a:spcPct val="100000"/>
       </a:lnSpc>
@@ -622,7 +637,7 @@
         <a:srgbClr val="000000"/>
       </a:buClr>
       <a:buFont typeface="Arial"/>
-      <a:defRPr b="0" i="0" sz="1400" u="none" cap="none" strike="noStrike">
+      <a:defRPr sz="1400" b="0" i="0" u="none" strike="noStrike" cap="none">
         <a:solidFill>
           <a:srgbClr val="000000"/>
         </a:solidFill>
@@ -632,7 +647,7 @@
         <a:sym typeface="Arial"/>
       </a:defRPr>
     </a:lvl6pPr>
-    <a:lvl7pPr lvl="6" marR="0" rtl="0" algn="l">
+    <a:lvl7pPr marR="0" lvl="6" algn="l" rtl="0">
       <a:lnSpc>
         <a:spcPct val="100000"/>
       </a:lnSpc>
@@ -646,7 +661,7 @@
         <a:srgbClr val="000000"/>
       </a:buClr>
       <a:buFont typeface="Arial"/>
-      <a:defRPr b="0" i="0" sz="1400" u="none" cap="none" strike="noStrike">
+      <a:defRPr sz="1400" b="0" i="0" u="none" strike="noStrike" cap="none">
         <a:solidFill>
           <a:srgbClr val="000000"/>
         </a:solidFill>
@@ -656,7 +671,7 @@
         <a:sym typeface="Arial"/>
       </a:defRPr>
     </a:lvl7pPr>
-    <a:lvl8pPr lvl="7" marR="0" rtl="0" algn="l">
+    <a:lvl8pPr marR="0" lvl="7" algn="l" rtl="0">
       <a:lnSpc>
         <a:spcPct val="100000"/>
       </a:lnSpc>
@@ -670,7 +685,7 @@
         <a:srgbClr val="000000"/>
       </a:buClr>
       <a:buFont typeface="Arial"/>
-      <a:defRPr b="0" i="0" sz="1400" u="none" cap="none" strike="noStrike">
+      <a:defRPr sz="1400" b="0" i="0" u="none" strike="noStrike" cap="none">
         <a:solidFill>
           <a:srgbClr val="000000"/>
         </a:solidFill>
@@ -680,7 +695,7 @@
         <a:sym typeface="Arial"/>
       </a:defRPr>
     </a:lvl8pPr>
-    <a:lvl9pPr lvl="8" marR="0" rtl="0" algn="l">
+    <a:lvl9pPr marR="0" lvl="8" algn="l" rtl="0">
       <a:lnSpc>
         <a:spcPct val="100000"/>
       </a:lnSpc>
@@ -694,7 +709,7 @@
         <a:srgbClr val="000000"/>
       </a:buClr>
       <a:buFont typeface="Arial"/>
-      <a:defRPr b="0" i="0" sz="1400" u="none" cap="none" strike="noStrike">
+      <a:defRPr sz="1400" b="0" i="0" u="none" strike="noStrike" cap="none">
         <a:solidFill>
           <a:srgbClr val="000000"/>
         </a:solidFill>
@@ -709,11 +724,11 @@
 </file>
 
 <file path=ppt/notesSlides/notesSlide1.xml><?xml version="1.0" encoding="utf-8"?>
-<p:notes xmlns:a="http://schemas.openxmlformats.org/drawingml/2006/main" xmlns:r="http://schemas.openxmlformats.org/officeDocument/2006/relationships" xmlns:mc="http://schemas.openxmlformats.org/markup-compatibility/2006" xmlns:mv="urn:schemas-microsoft-com:mac:vml" xmlns:p="http://schemas.openxmlformats.org/presentationml/2006/main" xmlns:c="http://schemas.openxmlformats.org/drawingml/2006/chart" xmlns:dgm="http://schemas.openxmlformats.org/drawingml/2006/diagram" xmlns:o="urn:schemas-microsoft-com:office:office" xmlns:v="urn:schemas-microsoft-com:vml" xmlns:pvml="urn:schemas-microsoft-com:office:powerpoint" xmlns:com="http://schemas.openxmlformats.org/drawingml/2006/compatibility" xmlns:p14="http://schemas.microsoft.com/office/powerpoint/2010/main" xmlns:p15="http://schemas.microsoft.com/office/powerpoint/2012/main" xmlns:ahyp="http://schemas.microsoft.com/office/drawing/2018/hyperlinkcolor" showMasterPhAnim="0" showMasterSp="0">
+<p:notes xmlns:a="http://schemas.openxmlformats.org/drawingml/2006/main" xmlns:r="http://schemas.openxmlformats.org/officeDocument/2006/relationships" xmlns:p="http://schemas.openxmlformats.org/presentationml/2006/main" showMasterSp="0" showMasterPhAnim="0">
   <p:cSld>
     <p:spTree>
       <p:nvGrpSpPr>
-        <p:cNvPr id="50" name="Shape 50"/>
+        <p:cNvPr id="1" name="Shape 50"/>
         <p:cNvGrpSpPr/>
         <p:nvPr/>
       </p:nvGrpSpPr>
@@ -728,9 +743,11 @@
       <p:sp>
         <p:nvSpPr>
           <p:cNvPr id="51" name="Google Shape;51;p:notes"/>
-          <p:cNvSpPr/>
+          <p:cNvSpPr>
+            <a:spLocks noGrp="1" noRot="1" noChangeAspect="1"/>
+          </p:cNvSpPr>
           <p:nvPr>
-            <p:ph idx="2" type="sldImg"/>
+            <p:ph type="sldImg" idx="2"/>
           </p:nvPr>
         </p:nvSpPr>
         <p:spPr>
@@ -739,9 +756,13 @@
             <a:ext cx="6096075" cy="3429000"/>
           </a:xfrm>
           <a:custGeom>
-            <a:rect b="b" l="l" r="r" t="t"/>
+            <a:avLst/>
+            <a:gdLst/>
+            <a:ahLst/>
+            <a:cxnLst/>
+            <a:rect l="l" t="t" r="r" b="b"/>
             <a:pathLst>
-              <a:path extrusionOk="0" h="120000" w="120000">
+              <a:path w="120000" h="120000" extrusionOk="0">
                 <a:moveTo>
                   <a:pt x="0" y="0"/>
                 </a:moveTo>
@@ -763,9 +784,11 @@
       <p:sp>
         <p:nvSpPr>
           <p:cNvPr id="52" name="Google Shape;52;p:notes"/>
-          <p:cNvSpPr txBox="1"/>
+          <p:cNvSpPr txBox="1">
+            <a:spLocks noGrp="1"/>
+          </p:cNvSpPr>
           <p:nvPr>
-            <p:ph idx="1" type="body"/>
+            <p:ph type="body" idx="1"/>
           </p:nvPr>
         </p:nvSpPr>
         <p:spPr>
@@ -778,23 +801,20 @@
           </a:prstGeom>
         </p:spPr>
         <p:txBody>
-          <a:bodyPr anchorCtr="0" anchor="t" bIns="91425" lIns="91425" spcFirstLastPara="1" rIns="91425" wrap="square" tIns="91425">
+          <a:bodyPr spcFirstLastPara="1" wrap="square" lIns="91425" tIns="91425" rIns="91425" bIns="91425" anchor="t" anchorCtr="0">
             <a:noAutofit/>
           </a:bodyPr>
           <a:lstStyle/>
           <a:p>
-            <a:pPr indent="0" lvl="0" marL="0" rtl="0" algn="l">
-              <a:spcBef>
-                <a:spcPts val="0"/>
-              </a:spcBef>
-              <a:spcAft>
-                <a:spcPts val="0"/>
-              </a:spcAft>
-              <a:buNone/>
-            </a:pPr>
-            <a:r>
-              <a:t/>
-            </a:r>
+            <a:pPr marL="0" lvl="0" indent="0" algn="l" rtl="0">
+              <a:spcBef>
+                <a:spcPts val="0"/>
+              </a:spcBef>
+              <a:spcAft>
+                <a:spcPts val="0"/>
+              </a:spcAft>
+              <a:buNone/>
+            </a:pPr>
             <a:endParaRPr/>
           </a:p>
         </p:txBody>
@@ -808,11 +828,11 @@
 </file>
 
 <file path=ppt/notesSlides/notesSlide10.xml><?xml version="1.0" encoding="utf-8"?>
-<p:notes xmlns:a="http://schemas.openxmlformats.org/drawingml/2006/main" xmlns:r="http://schemas.openxmlformats.org/officeDocument/2006/relationships" xmlns:mc="http://schemas.openxmlformats.org/markup-compatibility/2006" xmlns:mv="urn:schemas-microsoft-com:mac:vml" xmlns:p="http://schemas.openxmlformats.org/presentationml/2006/main" xmlns:c="http://schemas.openxmlformats.org/drawingml/2006/chart" xmlns:dgm="http://schemas.openxmlformats.org/drawingml/2006/diagram" xmlns:o="urn:schemas-microsoft-com:office:office" xmlns:v="urn:schemas-microsoft-com:vml" xmlns:pvml="urn:schemas-microsoft-com:office:powerpoint" xmlns:com="http://schemas.openxmlformats.org/drawingml/2006/compatibility" xmlns:p14="http://schemas.microsoft.com/office/powerpoint/2010/main" xmlns:p15="http://schemas.microsoft.com/office/powerpoint/2012/main" xmlns:ahyp="http://schemas.microsoft.com/office/drawing/2018/hyperlinkcolor" showMasterPhAnim="0" showMasterSp="0">
+<p:notes xmlns:a="http://schemas.openxmlformats.org/drawingml/2006/main" xmlns:r="http://schemas.openxmlformats.org/officeDocument/2006/relationships" xmlns:p="http://schemas.openxmlformats.org/presentationml/2006/main" showMasterSp="0" showMasterPhAnim="0">
   <p:cSld>
     <p:spTree>
       <p:nvGrpSpPr>
-        <p:cNvPr id="115" name="Shape 115"/>
+        <p:cNvPr id="1" name="Shape 115"/>
         <p:cNvGrpSpPr/>
         <p:nvPr/>
       </p:nvGrpSpPr>
@@ -827,9 +847,11 @@
       <p:sp>
         <p:nvSpPr>
           <p:cNvPr id="116" name="Google Shape;116;g2080bd274a3_3_52:notes"/>
-          <p:cNvSpPr/>
+          <p:cNvSpPr>
+            <a:spLocks noGrp="1" noRot="1" noChangeAspect="1"/>
+          </p:cNvSpPr>
           <p:nvPr>
-            <p:ph idx="2" type="sldImg"/>
+            <p:ph type="sldImg" idx="2"/>
           </p:nvPr>
         </p:nvSpPr>
         <p:spPr>
@@ -838,9 +860,13 @@
             <a:ext cx="6096000" cy="3429000"/>
           </a:xfrm>
           <a:custGeom>
-            <a:rect b="b" l="l" r="r" t="t"/>
+            <a:avLst/>
+            <a:gdLst/>
+            <a:ahLst/>
+            <a:cxnLst/>
+            <a:rect l="l" t="t" r="r" b="b"/>
             <a:pathLst>
-              <a:path extrusionOk="0" h="120000" w="120000">
+              <a:path w="120000" h="120000" extrusionOk="0">
                 <a:moveTo>
                   <a:pt x="0" y="0"/>
                 </a:moveTo>
@@ -862,9 +888,11 @@
       <p:sp>
         <p:nvSpPr>
           <p:cNvPr id="117" name="Google Shape;117;g2080bd274a3_3_52:notes"/>
-          <p:cNvSpPr txBox="1"/>
+          <p:cNvSpPr txBox="1">
+            <a:spLocks noGrp="1"/>
+          </p:cNvSpPr>
           <p:nvPr>
-            <p:ph idx="1" type="body"/>
+            <p:ph type="body" idx="1"/>
           </p:nvPr>
         </p:nvSpPr>
         <p:spPr>
@@ -877,23 +905,20 @@
           </a:prstGeom>
         </p:spPr>
         <p:txBody>
-          <a:bodyPr anchorCtr="0" anchor="t" bIns="91425" lIns="91425" spcFirstLastPara="1" rIns="91425" wrap="square" tIns="91425">
+          <a:bodyPr spcFirstLastPara="1" wrap="square" lIns="91425" tIns="91425" rIns="91425" bIns="91425" anchor="t" anchorCtr="0">
             <a:noAutofit/>
           </a:bodyPr>
           <a:lstStyle/>
           <a:p>
-            <a:pPr indent="0" lvl="0" marL="0" rtl="0" algn="l">
-              <a:spcBef>
-                <a:spcPts val="0"/>
-              </a:spcBef>
-              <a:spcAft>
-                <a:spcPts val="0"/>
-              </a:spcAft>
-              <a:buNone/>
-            </a:pPr>
-            <a:r>
-              <a:t/>
-            </a:r>
+            <a:pPr marL="0" lvl="0" indent="0" algn="l" rtl="0">
+              <a:spcBef>
+                <a:spcPts val="0"/>
+              </a:spcBef>
+              <a:spcAft>
+                <a:spcPts val="0"/>
+              </a:spcAft>
+              <a:buNone/>
+            </a:pPr>
             <a:endParaRPr/>
           </a:p>
         </p:txBody>
@@ -907,11 +932,11 @@
 </file>
 
 <file path=ppt/notesSlides/notesSlide11.xml><?xml version="1.0" encoding="utf-8"?>
-<p:notes xmlns:a="http://schemas.openxmlformats.org/drawingml/2006/main" xmlns:r="http://schemas.openxmlformats.org/officeDocument/2006/relationships" xmlns:mc="http://schemas.openxmlformats.org/markup-compatibility/2006" xmlns:mv="urn:schemas-microsoft-com:mac:vml" xmlns:p="http://schemas.openxmlformats.org/presentationml/2006/main" xmlns:c="http://schemas.openxmlformats.org/drawingml/2006/chart" xmlns:dgm="http://schemas.openxmlformats.org/drawingml/2006/diagram" xmlns:o="urn:schemas-microsoft-com:office:office" xmlns:v="urn:schemas-microsoft-com:vml" xmlns:pvml="urn:schemas-microsoft-com:office:powerpoint" xmlns:com="http://schemas.openxmlformats.org/drawingml/2006/compatibility" xmlns:p14="http://schemas.microsoft.com/office/powerpoint/2010/main" xmlns:p15="http://schemas.microsoft.com/office/powerpoint/2012/main" xmlns:ahyp="http://schemas.microsoft.com/office/drawing/2018/hyperlinkcolor" showMasterPhAnim="0" showMasterSp="0">
+<p:notes xmlns:a="http://schemas.openxmlformats.org/drawingml/2006/main" xmlns:r="http://schemas.openxmlformats.org/officeDocument/2006/relationships" xmlns:p="http://schemas.openxmlformats.org/presentationml/2006/main" showMasterSp="0" showMasterPhAnim="0">
   <p:cSld>
     <p:spTree>
       <p:nvGrpSpPr>
-        <p:cNvPr id="121" name="Shape 121"/>
+        <p:cNvPr id="1" name="Shape 121"/>
         <p:cNvGrpSpPr/>
         <p:nvPr/>
       </p:nvGrpSpPr>
@@ -926,9 +951,11 @@
       <p:sp>
         <p:nvSpPr>
           <p:cNvPr id="122" name="Google Shape;122;g18968f297cd_1_0:notes"/>
-          <p:cNvSpPr/>
+          <p:cNvSpPr>
+            <a:spLocks noGrp="1" noRot="1" noChangeAspect="1"/>
+          </p:cNvSpPr>
           <p:nvPr>
-            <p:ph idx="2" type="sldImg"/>
+            <p:ph type="sldImg" idx="2"/>
           </p:nvPr>
         </p:nvSpPr>
         <p:spPr>
@@ -937,9 +964,13 @@
             <a:ext cx="6096000" cy="3429000"/>
           </a:xfrm>
           <a:custGeom>
-            <a:rect b="b" l="l" r="r" t="t"/>
+            <a:avLst/>
+            <a:gdLst/>
+            <a:ahLst/>
+            <a:cxnLst/>
+            <a:rect l="l" t="t" r="r" b="b"/>
             <a:pathLst>
-              <a:path extrusionOk="0" h="120000" w="120000">
+              <a:path w="120000" h="120000" extrusionOk="0">
                 <a:moveTo>
                   <a:pt x="0" y="0"/>
                 </a:moveTo>
@@ -961,9 +992,11 @@
       <p:sp>
         <p:nvSpPr>
           <p:cNvPr id="123" name="Google Shape;123;g18968f297cd_1_0:notes"/>
-          <p:cNvSpPr txBox="1"/>
+          <p:cNvSpPr txBox="1">
+            <a:spLocks noGrp="1"/>
+          </p:cNvSpPr>
           <p:nvPr>
-            <p:ph idx="1" type="body"/>
+            <p:ph type="body" idx="1"/>
           </p:nvPr>
         </p:nvSpPr>
         <p:spPr>
@@ -976,23 +1009,20 @@
           </a:prstGeom>
         </p:spPr>
         <p:txBody>
-          <a:bodyPr anchorCtr="0" anchor="t" bIns="91425" lIns="91425" spcFirstLastPara="1" rIns="91425" wrap="square" tIns="91425">
+          <a:bodyPr spcFirstLastPara="1" wrap="square" lIns="91425" tIns="91425" rIns="91425" bIns="91425" anchor="t" anchorCtr="0">
             <a:noAutofit/>
           </a:bodyPr>
           <a:lstStyle/>
           <a:p>
-            <a:pPr indent="0" lvl="0" marL="0" rtl="0" algn="l">
-              <a:spcBef>
-                <a:spcPts val="0"/>
-              </a:spcBef>
-              <a:spcAft>
-                <a:spcPts val="0"/>
-              </a:spcAft>
-              <a:buNone/>
-            </a:pPr>
-            <a:r>
-              <a:t/>
-            </a:r>
+            <a:pPr marL="0" lvl="0" indent="0" algn="l" rtl="0">
+              <a:spcBef>
+                <a:spcPts val="0"/>
+              </a:spcBef>
+              <a:spcAft>
+                <a:spcPts val="0"/>
+              </a:spcAft>
+              <a:buNone/>
+            </a:pPr>
             <a:endParaRPr/>
           </a:p>
         </p:txBody>
@@ -1006,11 +1036,11 @@
 </file>
 
 <file path=ppt/notesSlides/notesSlide12.xml><?xml version="1.0" encoding="utf-8"?>
-<p:notes xmlns:a="http://schemas.openxmlformats.org/drawingml/2006/main" xmlns:r="http://schemas.openxmlformats.org/officeDocument/2006/relationships" xmlns:mc="http://schemas.openxmlformats.org/markup-compatibility/2006" xmlns:mv="urn:schemas-microsoft-com:mac:vml" xmlns:p="http://schemas.openxmlformats.org/presentationml/2006/main" xmlns:c="http://schemas.openxmlformats.org/drawingml/2006/chart" xmlns:dgm="http://schemas.openxmlformats.org/drawingml/2006/diagram" xmlns:o="urn:schemas-microsoft-com:office:office" xmlns:v="urn:schemas-microsoft-com:vml" xmlns:pvml="urn:schemas-microsoft-com:office:powerpoint" xmlns:com="http://schemas.openxmlformats.org/drawingml/2006/compatibility" xmlns:p14="http://schemas.microsoft.com/office/powerpoint/2010/main" xmlns:p15="http://schemas.microsoft.com/office/powerpoint/2012/main" xmlns:ahyp="http://schemas.microsoft.com/office/drawing/2018/hyperlinkcolor" showMasterPhAnim="0" showMasterSp="0">
+<p:notes xmlns:a="http://schemas.openxmlformats.org/drawingml/2006/main" xmlns:r="http://schemas.openxmlformats.org/officeDocument/2006/relationships" xmlns:p="http://schemas.openxmlformats.org/presentationml/2006/main" showMasterSp="0" showMasterPhAnim="0">
   <p:cSld>
     <p:spTree>
       <p:nvGrpSpPr>
-        <p:cNvPr id="129" name="Shape 129"/>
+        <p:cNvPr id="1" name="Shape 129"/>
         <p:cNvGrpSpPr/>
         <p:nvPr/>
       </p:nvGrpSpPr>
@@ -1025,9 +1055,11 @@
       <p:sp>
         <p:nvSpPr>
           <p:cNvPr id="130" name="Google Shape;130;g18968f297cd_1_9:notes"/>
-          <p:cNvSpPr/>
+          <p:cNvSpPr>
+            <a:spLocks noGrp="1" noRot="1" noChangeAspect="1"/>
+          </p:cNvSpPr>
           <p:nvPr>
-            <p:ph idx="2" type="sldImg"/>
+            <p:ph type="sldImg" idx="2"/>
           </p:nvPr>
         </p:nvSpPr>
         <p:spPr>
@@ -1036,9 +1068,13 @@
             <a:ext cx="6096000" cy="3429000"/>
           </a:xfrm>
           <a:custGeom>
-            <a:rect b="b" l="l" r="r" t="t"/>
+            <a:avLst/>
+            <a:gdLst/>
+            <a:ahLst/>
+            <a:cxnLst/>
+            <a:rect l="l" t="t" r="r" b="b"/>
             <a:pathLst>
-              <a:path extrusionOk="0" h="120000" w="120000">
+              <a:path w="120000" h="120000" extrusionOk="0">
                 <a:moveTo>
                   <a:pt x="0" y="0"/>
                 </a:moveTo>
@@ -1060,9 +1096,11 @@
       <p:sp>
         <p:nvSpPr>
           <p:cNvPr id="131" name="Google Shape;131;g18968f297cd_1_9:notes"/>
-          <p:cNvSpPr txBox="1"/>
+          <p:cNvSpPr txBox="1">
+            <a:spLocks noGrp="1"/>
+          </p:cNvSpPr>
           <p:nvPr>
-            <p:ph idx="1" type="body"/>
+            <p:ph type="body" idx="1"/>
           </p:nvPr>
         </p:nvSpPr>
         <p:spPr>
@@ -1075,23 +1113,20 @@
           </a:prstGeom>
         </p:spPr>
         <p:txBody>
-          <a:bodyPr anchorCtr="0" anchor="t" bIns="91425" lIns="91425" spcFirstLastPara="1" rIns="91425" wrap="square" tIns="91425">
+          <a:bodyPr spcFirstLastPara="1" wrap="square" lIns="91425" tIns="91425" rIns="91425" bIns="91425" anchor="t" anchorCtr="0">
             <a:noAutofit/>
           </a:bodyPr>
           <a:lstStyle/>
           <a:p>
-            <a:pPr indent="0" lvl="0" marL="0" rtl="0" algn="l">
-              <a:spcBef>
-                <a:spcPts val="0"/>
-              </a:spcBef>
-              <a:spcAft>
-                <a:spcPts val="0"/>
-              </a:spcAft>
-              <a:buNone/>
-            </a:pPr>
-            <a:r>
-              <a:t/>
-            </a:r>
+            <a:pPr marL="0" lvl="0" indent="0" algn="l" rtl="0">
+              <a:spcBef>
+                <a:spcPts val="0"/>
+              </a:spcBef>
+              <a:spcAft>
+                <a:spcPts val="0"/>
+              </a:spcAft>
+              <a:buNone/>
+            </a:pPr>
             <a:endParaRPr/>
           </a:p>
         </p:txBody>
@@ -1105,11 +1140,11 @@
 </file>
 
 <file path=ppt/notesSlides/notesSlide13.xml><?xml version="1.0" encoding="utf-8"?>
-<p:notes xmlns:a="http://schemas.openxmlformats.org/drawingml/2006/main" xmlns:r="http://schemas.openxmlformats.org/officeDocument/2006/relationships" xmlns:mc="http://schemas.openxmlformats.org/markup-compatibility/2006" xmlns:mv="urn:schemas-microsoft-com:mac:vml" xmlns:p="http://schemas.openxmlformats.org/presentationml/2006/main" xmlns:c="http://schemas.openxmlformats.org/drawingml/2006/chart" xmlns:dgm="http://schemas.openxmlformats.org/drawingml/2006/diagram" xmlns:o="urn:schemas-microsoft-com:office:office" xmlns:v="urn:schemas-microsoft-com:vml" xmlns:pvml="urn:schemas-microsoft-com:office:powerpoint" xmlns:com="http://schemas.openxmlformats.org/drawingml/2006/compatibility" xmlns:p14="http://schemas.microsoft.com/office/powerpoint/2010/main" xmlns:p15="http://schemas.microsoft.com/office/powerpoint/2012/main" xmlns:ahyp="http://schemas.microsoft.com/office/drawing/2018/hyperlinkcolor" showMasterPhAnim="0" showMasterSp="0">
+<p:notes xmlns:a="http://schemas.openxmlformats.org/drawingml/2006/main" xmlns:r="http://schemas.openxmlformats.org/officeDocument/2006/relationships" xmlns:p="http://schemas.openxmlformats.org/presentationml/2006/main" showMasterSp="0" showMasterPhAnim="0">
   <p:cSld>
     <p:spTree>
       <p:nvGrpSpPr>
-        <p:cNvPr id="135" name="Shape 135"/>
+        <p:cNvPr id="1" name="Shape 135"/>
         <p:cNvGrpSpPr/>
         <p:nvPr/>
       </p:nvGrpSpPr>
@@ -1124,9 +1159,11 @@
       <p:sp>
         <p:nvSpPr>
           <p:cNvPr id="136" name="Google Shape;136;g18968f297cd_1_14:notes"/>
-          <p:cNvSpPr/>
+          <p:cNvSpPr>
+            <a:spLocks noGrp="1" noRot="1" noChangeAspect="1"/>
+          </p:cNvSpPr>
           <p:nvPr>
-            <p:ph idx="2" type="sldImg"/>
+            <p:ph type="sldImg" idx="2"/>
           </p:nvPr>
         </p:nvSpPr>
         <p:spPr>
@@ -1135,9 +1172,13 @@
             <a:ext cx="6096000" cy="3429000"/>
           </a:xfrm>
           <a:custGeom>
-            <a:rect b="b" l="l" r="r" t="t"/>
+            <a:avLst/>
+            <a:gdLst/>
+            <a:ahLst/>
+            <a:cxnLst/>
+            <a:rect l="l" t="t" r="r" b="b"/>
             <a:pathLst>
-              <a:path extrusionOk="0" h="120000" w="120000">
+              <a:path w="120000" h="120000" extrusionOk="0">
                 <a:moveTo>
                   <a:pt x="0" y="0"/>
                 </a:moveTo>
@@ -1159,9 +1200,11 @@
       <p:sp>
         <p:nvSpPr>
           <p:cNvPr id="137" name="Google Shape;137;g18968f297cd_1_14:notes"/>
-          <p:cNvSpPr txBox="1"/>
+          <p:cNvSpPr txBox="1">
+            <a:spLocks noGrp="1"/>
+          </p:cNvSpPr>
           <p:nvPr>
-            <p:ph idx="1" type="body"/>
+            <p:ph type="body" idx="1"/>
           </p:nvPr>
         </p:nvSpPr>
         <p:spPr>
@@ -1174,23 +1217,20 @@
           </a:prstGeom>
         </p:spPr>
         <p:txBody>
-          <a:bodyPr anchorCtr="0" anchor="t" bIns="91425" lIns="91425" spcFirstLastPara="1" rIns="91425" wrap="square" tIns="91425">
+          <a:bodyPr spcFirstLastPara="1" wrap="square" lIns="91425" tIns="91425" rIns="91425" bIns="91425" anchor="t" anchorCtr="0">
             <a:noAutofit/>
           </a:bodyPr>
           <a:lstStyle/>
           <a:p>
-            <a:pPr indent="0" lvl="0" marL="0" rtl="0" algn="l">
-              <a:spcBef>
-                <a:spcPts val="0"/>
-              </a:spcBef>
-              <a:spcAft>
-                <a:spcPts val="0"/>
-              </a:spcAft>
-              <a:buNone/>
-            </a:pPr>
-            <a:r>
-              <a:t/>
-            </a:r>
+            <a:pPr marL="0" lvl="0" indent="0" algn="l" rtl="0">
+              <a:spcBef>
+                <a:spcPts val="0"/>
+              </a:spcBef>
+              <a:spcAft>
+                <a:spcPts val="0"/>
+              </a:spcAft>
+              <a:buNone/>
+            </a:pPr>
             <a:endParaRPr/>
           </a:p>
         </p:txBody>
@@ -1204,11 +1244,11 @@
 </file>
 
 <file path=ppt/notesSlides/notesSlide14.xml><?xml version="1.0" encoding="utf-8"?>
-<p:notes xmlns:a="http://schemas.openxmlformats.org/drawingml/2006/main" xmlns:r="http://schemas.openxmlformats.org/officeDocument/2006/relationships" xmlns:mc="http://schemas.openxmlformats.org/markup-compatibility/2006" xmlns:mv="urn:schemas-microsoft-com:mac:vml" xmlns:p="http://schemas.openxmlformats.org/presentationml/2006/main" xmlns:c="http://schemas.openxmlformats.org/drawingml/2006/chart" xmlns:dgm="http://schemas.openxmlformats.org/drawingml/2006/diagram" xmlns:o="urn:schemas-microsoft-com:office:office" xmlns:v="urn:schemas-microsoft-com:vml" xmlns:pvml="urn:schemas-microsoft-com:office:powerpoint" xmlns:com="http://schemas.openxmlformats.org/drawingml/2006/compatibility" xmlns:p14="http://schemas.microsoft.com/office/powerpoint/2010/main" xmlns:p15="http://schemas.microsoft.com/office/powerpoint/2012/main" xmlns:ahyp="http://schemas.microsoft.com/office/drawing/2018/hyperlinkcolor" showMasterPhAnim="0" showMasterSp="0">
+<p:notes xmlns:a="http://schemas.openxmlformats.org/drawingml/2006/main" xmlns:r="http://schemas.openxmlformats.org/officeDocument/2006/relationships" xmlns:p="http://schemas.openxmlformats.org/presentationml/2006/main" showMasterSp="0" showMasterPhAnim="0">
   <p:cSld>
     <p:spTree>
       <p:nvGrpSpPr>
-        <p:cNvPr id="144" name="Shape 144"/>
+        <p:cNvPr id="1" name="Shape 144"/>
         <p:cNvGrpSpPr/>
         <p:nvPr/>
       </p:nvGrpSpPr>
@@ -1223,9 +1263,11 @@
       <p:sp>
         <p:nvSpPr>
           <p:cNvPr id="145" name="Google Shape;145;g18968f297cd_1_25:notes"/>
-          <p:cNvSpPr/>
+          <p:cNvSpPr>
+            <a:spLocks noGrp="1" noRot="1" noChangeAspect="1"/>
+          </p:cNvSpPr>
           <p:nvPr>
-            <p:ph idx="2" type="sldImg"/>
+            <p:ph type="sldImg" idx="2"/>
           </p:nvPr>
         </p:nvSpPr>
         <p:spPr>
@@ -1234,9 +1276,13 @@
             <a:ext cx="6096000" cy="3429000"/>
           </a:xfrm>
           <a:custGeom>
-            <a:rect b="b" l="l" r="r" t="t"/>
+            <a:avLst/>
+            <a:gdLst/>
+            <a:ahLst/>
+            <a:cxnLst/>
+            <a:rect l="l" t="t" r="r" b="b"/>
             <a:pathLst>
-              <a:path extrusionOk="0" h="120000" w="120000">
+              <a:path w="120000" h="120000" extrusionOk="0">
                 <a:moveTo>
                   <a:pt x="0" y="0"/>
                 </a:moveTo>
@@ -1258,9 +1304,11 @@
       <p:sp>
         <p:nvSpPr>
           <p:cNvPr id="146" name="Google Shape;146;g18968f297cd_1_25:notes"/>
-          <p:cNvSpPr txBox="1"/>
+          <p:cNvSpPr txBox="1">
+            <a:spLocks noGrp="1"/>
+          </p:cNvSpPr>
           <p:nvPr>
-            <p:ph idx="1" type="body"/>
+            <p:ph type="body" idx="1"/>
           </p:nvPr>
         </p:nvSpPr>
         <p:spPr>
@@ -1273,23 +1321,20 @@
           </a:prstGeom>
         </p:spPr>
         <p:txBody>
-          <a:bodyPr anchorCtr="0" anchor="t" bIns="91425" lIns="91425" spcFirstLastPara="1" rIns="91425" wrap="square" tIns="91425">
+          <a:bodyPr spcFirstLastPara="1" wrap="square" lIns="91425" tIns="91425" rIns="91425" bIns="91425" anchor="t" anchorCtr="0">
             <a:noAutofit/>
           </a:bodyPr>
           <a:lstStyle/>
           <a:p>
-            <a:pPr indent="0" lvl="0" marL="0" rtl="0" algn="l">
-              <a:spcBef>
-                <a:spcPts val="0"/>
-              </a:spcBef>
-              <a:spcAft>
-                <a:spcPts val="0"/>
-              </a:spcAft>
-              <a:buNone/>
-            </a:pPr>
-            <a:r>
-              <a:t/>
-            </a:r>
+            <a:pPr marL="0" lvl="0" indent="0" algn="l" rtl="0">
+              <a:spcBef>
+                <a:spcPts val="0"/>
+              </a:spcBef>
+              <a:spcAft>
+                <a:spcPts val="0"/>
+              </a:spcAft>
+              <a:buNone/>
+            </a:pPr>
             <a:endParaRPr/>
           </a:p>
         </p:txBody>
@@ -1303,11 +1348,11 @@
 </file>
 
 <file path=ppt/notesSlides/notesSlide15.xml><?xml version="1.0" encoding="utf-8"?>
-<p:notes xmlns:a="http://schemas.openxmlformats.org/drawingml/2006/main" xmlns:r="http://schemas.openxmlformats.org/officeDocument/2006/relationships" xmlns:mc="http://schemas.openxmlformats.org/markup-compatibility/2006" xmlns:mv="urn:schemas-microsoft-com:mac:vml" xmlns:p="http://schemas.openxmlformats.org/presentationml/2006/main" xmlns:c="http://schemas.openxmlformats.org/drawingml/2006/chart" xmlns:dgm="http://schemas.openxmlformats.org/drawingml/2006/diagram" xmlns:o="urn:schemas-microsoft-com:office:office" xmlns:v="urn:schemas-microsoft-com:vml" xmlns:pvml="urn:schemas-microsoft-com:office:powerpoint" xmlns:com="http://schemas.openxmlformats.org/drawingml/2006/compatibility" xmlns:p14="http://schemas.microsoft.com/office/powerpoint/2010/main" xmlns:p15="http://schemas.microsoft.com/office/powerpoint/2012/main" xmlns:ahyp="http://schemas.microsoft.com/office/drawing/2018/hyperlinkcolor" showMasterPhAnim="0" showMasterSp="0">
+<p:notes xmlns:a="http://schemas.openxmlformats.org/drawingml/2006/main" xmlns:r="http://schemas.openxmlformats.org/officeDocument/2006/relationships" xmlns:p="http://schemas.openxmlformats.org/presentationml/2006/main" showMasterSp="0" showMasterPhAnim="0">
   <p:cSld>
     <p:spTree>
       <p:nvGrpSpPr>
-        <p:cNvPr id="151" name="Shape 151"/>
+        <p:cNvPr id="1" name="Shape 151"/>
         <p:cNvGrpSpPr/>
         <p:nvPr/>
       </p:nvGrpSpPr>
@@ -1322,9 +1367,11 @@
       <p:sp>
         <p:nvSpPr>
           <p:cNvPr id="152" name="Google Shape;152;g1897a130d4d_0_11:notes"/>
-          <p:cNvSpPr/>
+          <p:cNvSpPr>
+            <a:spLocks noGrp="1" noRot="1" noChangeAspect="1"/>
+          </p:cNvSpPr>
           <p:nvPr>
-            <p:ph idx="2" type="sldImg"/>
+            <p:ph type="sldImg" idx="2"/>
           </p:nvPr>
         </p:nvSpPr>
         <p:spPr>
@@ -1333,9 +1380,13 @@
             <a:ext cx="6096000" cy="3429000"/>
           </a:xfrm>
           <a:custGeom>
-            <a:rect b="b" l="l" r="r" t="t"/>
+            <a:avLst/>
+            <a:gdLst/>
+            <a:ahLst/>
+            <a:cxnLst/>
+            <a:rect l="l" t="t" r="r" b="b"/>
             <a:pathLst>
-              <a:path extrusionOk="0" h="120000" w="120000">
+              <a:path w="120000" h="120000" extrusionOk="0">
                 <a:moveTo>
                   <a:pt x="0" y="0"/>
                 </a:moveTo>
@@ -1357,9 +1408,11 @@
       <p:sp>
         <p:nvSpPr>
           <p:cNvPr id="153" name="Google Shape;153;g1897a130d4d_0_11:notes"/>
-          <p:cNvSpPr txBox="1"/>
+          <p:cNvSpPr txBox="1">
+            <a:spLocks noGrp="1"/>
+          </p:cNvSpPr>
           <p:nvPr>
-            <p:ph idx="1" type="body"/>
+            <p:ph type="body" idx="1"/>
           </p:nvPr>
         </p:nvSpPr>
         <p:spPr>
@@ -1372,23 +1425,20 @@
           </a:prstGeom>
         </p:spPr>
         <p:txBody>
-          <a:bodyPr anchorCtr="0" anchor="t" bIns="91425" lIns="91425" spcFirstLastPara="1" rIns="91425" wrap="square" tIns="91425">
+          <a:bodyPr spcFirstLastPara="1" wrap="square" lIns="91425" tIns="91425" rIns="91425" bIns="91425" anchor="t" anchorCtr="0">
             <a:noAutofit/>
           </a:bodyPr>
           <a:lstStyle/>
           <a:p>
-            <a:pPr indent="0" lvl="0" marL="0" rtl="0" algn="l">
-              <a:spcBef>
-                <a:spcPts val="0"/>
-              </a:spcBef>
-              <a:spcAft>
-                <a:spcPts val="0"/>
-              </a:spcAft>
-              <a:buNone/>
-            </a:pPr>
-            <a:r>
-              <a:t/>
-            </a:r>
+            <a:pPr marL="0" lvl="0" indent="0" algn="l" rtl="0">
+              <a:spcBef>
+                <a:spcPts val="0"/>
+              </a:spcBef>
+              <a:spcAft>
+                <a:spcPts val="0"/>
+              </a:spcAft>
+              <a:buNone/>
+            </a:pPr>
             <a:endParaRPr/>
           </a:p>
         </p:txBody>
@@ -1402,11 +1452,11 @@
 </file>
 
 <file path=ppt/notesSlides/notesSlide16.xml><?xml version="1.0" encoding="utf-8"?>
-<p:notes xmlns:a="http://schemas.openxmlformats.org/drawingml/2006/main" xmlns:r="http://schemas.openxmlformats.org/officeDocument/2006/relationships" xmlns:mc="http://schemas.openxmlformats.org/markup-compatibility/2006" xmlns:mv="urn:schemas-microsoft-com:mac:vml" xmlns:p="http://schemas.openxmlformats.org/presentationml/2006/main" xmlns:c="http://schemas.openxmlformats.org/drawingml/2006/chart" xmlns:dgm="http://schemas.openxmlformats.org/drawingml/2006/diagram" xmlns:o="urn:schemas-microsoft-com:office:office" xmlns:v="urn:schemas-microsoft-com:vml" xmlns:pvml="urn:schemas-microsoft-com:office:powerpoint" xmlns:com="http://schemas.openxmlformats.org/drawingml/2006/compatibility" xmlns:p14="http://schemas.microsoft.com/office/powerpoint/2010/main" xmlns:p15="http://schemas.microsoft.com/office/powerpoint/2012/main" xmlns:ahyp="http://schemas.microsoft.com/office/drawing/2018/hyperlinkcolor" showMasterPhAnim="0" showMasterSp="0">
+<p:notes xmlns:a="http://schemas.openxmlformats.org/drawingml/2006/main" xmlns:r="http://schemas.openxmlformats.org/officeDocument/2006/relationships" xmlns:p="http://schemas.openxmlformats.org/presentationml/2006/main" showMasterSp="0" showMasterPhAnim="0">
   <p:cSld>
     <p:spTree>
       <p:nvGrpSpPr>
-        <p:cNvPr id="156" name="Shape 156"/>
+        <p:cNvPr id="1" name="Shape 156"/>
         <p:cNvGrpSpPr/>
         <p:nvPr/>
       </p:nvGrpSpPr>
@@ -1421,9 +1471,11 @@
       <p:sp>
         <p:nvSpPr>
           <p:cNvPr id="157" name="Google Shape;157;g1f23e22e0b8_0_0:notes"/>
-          <p:cNvSpPr/>
+          <p:cNvSpPr>
+            <a:spLocks noGrp="1" noRot="1" noChangeAspect="1"/>
+          </p:cNvSpPr>
           <p:nvPr>
-            <p:ph idx="2" type="sldImg"/>
+            <p:ph type="sldImg" idx="2"/>
           </p:nvPr>
         </p:nvSpPr>
         <p:spPr>
@@ -1432,9 +1484,13 @@
             <a:ext cx="6096000" cy="3429000"/>
           </a:xfrm>
           <a:custGeom>
-            <a:rect b="b" l="l" r="r" t="t"/>
+            <a:avLst/>
+            <a:gdLst/>
+            <a:ahLst/>
+            <a:cxnLst/>
+            <a:rect l="l" t="t" r="r" b="b"/>
             <a:pathLst>
-              <a:path extrusionOk="0" h="120000" w="120000">
+              <a:path w="120000" h="120000" extrusionOk="0">
                 <a:moveTo>
                   <a:pt x="0" y="0"/>
                 </a:moveTo>
@@ -1456,9 +1512,11 @@
       <p:sp>
         <p:nvSpPr>
           <p:cNvPr id="158" name="Google Shape;158;g1f23e22e0b8_0_0:notes"/>
-          <p:cNvSpPr txBox="1"/>
+          <p:cNvSpPr txBox="1">
+            <a:spLocks noGrp="1"/>
+          </p:cNvSpPr>
           <p:nvPr>
-            <p:ph idx="1" type="body"/>
+            <p:ph type="body" idx="1"/>
           </p:nvPr>
         </p:nvSpPr>
         <p:spPr>
@@ -1471,23 +1529,20 @@
           </a:prstGeom>
         </p:spPr>
         <p:txBody>
-          <a:bodyPr anchorCtr="0" anchor="t" bIns="91425" lIns="91425" spcFirstLastPara="1" rIns="91425" wrap="square" tIns="91425">
+          <a:bodyPr spcFirstLastPara="1" wrap="square" lIns="91425" tIns="91425" rIns="91425" bIns="91425" anchor="t" anchorCtr="0">
             <a:noAutofit/>
           </a:bodyPr>
           <a:lstStyle/>
           <a:p>
-            <a:pPr indent="0" lvl="0" marL="0" rtl="0" algn="l">
-              <a:spcBef>
-                <a:spcPts val="0"/>
-              </a:spcBef>
-              <a:spcAft>
-                <a:spcPts val="0"/>
-              </a:spcAft>
-              <a:buNone/>
-            </a:pPr>
-            <a:r>
-              <a:t/>
-            </a:r>
+            <a:pPr marL="0" lvl="0" indent="0" algn="l" rtl="0">
+              <a:spcBef>
+                <a:spcPts val="0"/>
+              </a:spcBef>
+              <a:spcAft>
+                <a:spcPts val="0"/>
+              </a:spcAft>
+              <a:buNone/>
+            </a:pPr>
             <a:endParaRPr/>
           </a:p>
         </p:txBody>
@@ -1501,11 +1556,11 @@
 </file>
 
 <file path=ppt/notesSlides/notesSlide17.xml><?xml version="1.0" encoding="utf-8"?>
-<p:notes xmlns:a="http://schemas.openxmlformats.org/drawingml/2006/main" xmlns:r="http://schemas.openxmlformats.org/officeDocument/2006/relationships" xmlns:mc="http://schemas.openxmlformats.org/markup-compatibility/2006" xmlns:mv="urn:schemas-microsoft-com:mac:vml" xmlns:p="http://schemas.openxmlformats.org/presentationml/2006/main" xmlns:c="http://schemas.openxmlformats.org/drawingml/2006/chart" xmlns:dgm="http://schemas.openxmlformats.org/drawingml/2006/diagram" xmlns:o="urn:schemas-microsoft-com:office:office" xmlns:v="urn:schemas-microsoft-com:vml" xmlns:pvml="urn:schemas-microsoft-com:office:powerpoint" xmlns:com="http://schemas.openxmlformats.org/drawingml/2006/compatibility" xmlns:p14="http://schemas.microsoft.com/office/powerpoint/2010/main" xmlns:p15="http://schemas.microsoft.com/office/powerpoint/2012/main" xmlns:ahyp="http://schemas.microsoft.com/office/drawing/2018/hyperlinkcolor" showMasterPhAnim="0" showMasterSp="0">
+<p:notes xmlns:a="http://schemas.openxmlformats.org/drawingml/2006/main" xmlns:r="http://schemas.openxmlformats.org/officeDocument/2006/relationships" xmlns:p="http://schemas.openxmlformats.org/presentationml/2006/main" showMasterSp="0" showMasterPhAnim="0">
   <p:cSld>
     <p:spTree>
       <p:nvGrpSpPr>
-        <p:cNvPr id="162" name="Shape 162"/>
+        <p:cNvPr id="1" name="Shape 162"/>
         <p:cNvGrpSpPr/>
         <p:nvPr/>
       </p:nvGrpSpPr>
@@ -1520,9 +1575,11 @@
       <p:sp>
         <p:nvSpPr>
           <p:cNvPr id="163" name="Google Shape;163;g1f23e22e0b8_0_56:notes"/>
-          <p:cNvSpPr/>
+          <p:cNvSpPr>
+            <a:spLocks noGrp="1" noRot="1" noChangeAspect="1"/>
+          </p:cNvSpPr>
           <p:nvPr>
-            <p:ph idx="2" type="sldImg"/>
+            <p:ph type="sldImg" idx="2"/>
           </p:nvPr>
         </p:nvSpPr>
         <p:spPr>
@@ -1531,9 +1588,13 @@
             <a:ext cx="6096000" cy="3429000"/>
           </a:xfrm>
           <a:custGeom>
-            <a:rect b="b" l="l" r="r" t="t"/>
+            <a:avLst/>
+            <a:gdLst/>
+            <a:ahLst/>
+            <a:cxnLst/>
+            <a:rect l="l" t="t" r="r" b="b"/>
             <a:pathLst>
-              <a:path extrusionOk="0" h="120000" w="120000">
+              <a:path w="120000" h="120000" extrusionOk="0">
                 <a:moveTo>
                   <a:pt x="0" y="0"/>
                 </a:moveTo>
@@ -1555,9 +1616,11 @@
       <p:sp>
         <p:nvSpPr>
           <p:cNvPr id="164" name="Google Shape;164;g1f23e22e0b8_0_56:notes"/>
-          <p:cNvSpPr txBox="1"/>
+          <p:cNvSpPr txBox="1">
+            <a:spLocks noGrp="1"/>
+          </p:cNvSpPr>
           <p:nvPr>
-            <p:ph idx="1" type="body"/>
+            <p:ph type="body" idx="1"/>
           </p:nvPr>
         </p:nvSpPr>
         <p:spPr>
@@ -1570,23 +1633,20 @@
           </a:prstGeom>
         </p:spPr>
         <p:txBody>
-          <a:bodyPr anchorCtr="0" anchor="t" bIns="91425" lIns="91425" spcFirstLastPara="1" rIns="91425" wrap="square" tIns="91425">
+          <a:bodyPr spcFirstLastPara="1" wrap="square" lIns="91425" tIns="91425" rIns="91425" bIns="91425" anchor="t" anchorCtr="0">
             <a:noAutofit/>
           </a:bodyPr>
           <a:lstStyle/>
           <a:p>
-            <a:pPr indent="0" lvl="0" marL="0" rtl="0" algn="l">
-              <a:spcBef>
-                <a:spcPts val="0"/>
-              </a:spcBef>
-              <a:spcAft>
-                <a:spcPts val="0"/>
-              </a:spcAft>
-              <a:buNone/>
-            </a:pPr>
-            <a:r>
-              <a:t/>
-            </a:r>
+            <a:pPr marL="0" lvl="0" indent="0" algn="l" rtl="0">
+              <a:spcBef>
+                <a:spcPts val="0"/>
+              </a:spcBef>
+              <a:spcAft>
+                <a:spcPts val="0"/>
+              </a:spcAft>
+              <a:buNone/>
+            </a:pPr>
             <a:endParaRPr/>
           </a:p>
         </p:txBody>
@@ -1600,11 +1660,11 @@
 </file>
 
 <file path=ppt/notesSlides/notesSlide18.xml><?xml version="1.0" encoding="utf-8"?>
-<p:notes xmlns:a="http://schemas.openxmlformats.org/drawingml/2006/main" xmlns:r="http://schemas.openxmlformats.org/officeDocument/2006/relationships" xmlns:mc="http://schemas.openxmlformats.org/markup-compatibility/2006" xmlns:mv="urn:schemas-microsoft-com:mac:vml" xmlns:p="http://schemas.openxmlformats.org/presentationml/2006/main" xmlns:c="http://schemas.openxmlformats.org/drawingml/2006/chart" xmlns:dgm="http://schemas.openxmlformats.org/drawingml/2006/diagram" xmlns:o="urn:schemas-microsoft-com:office:office" xmlns:v="urn:schemas-microsoft-com:vml" xmlns:pvml="urn:schemas-microsoft-com:office:powerpoint" xmlns:com="http://schemas.openxmlformats.org/drawingml/2006/compatibility" xmlns:p14="http://schemas.microsoft.com/office/powerpoint/2010/main" xmlns:p15="http://schemas.microsoft.com/office/powerpoint/2012/main" xmlns:ahyp="http://schemas.microsoft.com/office/drawing/2018/hyperlinkcolor" showMasterPhAnim="0" showMasterSp="0">
+<p:notes xmlns:a="http://schemas.openxmlformats.org/drawingml/2006/main" xmlns:r="http://schemas.openxmlformats.org/officeDocument/2006/relationships" xmlns:p="http://schemas.openxmlformats.org/presentationml/2006/main" showMasterSp="0" showMasterPhAnim="0">
   <p:cSld>
     <p:spTree>
       <p:nvGrpSpPr>
-        <p:cNvPr id="173" name="Shape 173"/>
+        <p:cNvPr id="1" name="Shape 173"/>
         <p:cNvGrpSpPr/>
         <p:nvPr/>
       </p:nvGrpSpPr>
@@ -1619,9 +1679,11 @@
       <p:sp>
         <p:nvSpPr>
           <p:cNvPr id="174" name="Google Shape;174;g1f23e22e0b8_0_11:notes"/>
-          <p:cNvSpPr/>
+          <p:cNvSpPr>
+            <a:spLocks noGrp="1" noRot="1" noChangeAspect="1"/>
+          </p:cNvSpPr>
           <p:nvPr>
-            <p:ph idx="2" type="sldImg"/>
+            <p:ph type="sldImg" idx="2"/>
           </p:nvPr>
         </p:nvSpPr>
         <p:spPr>
@@ -1630,9 +1692,13 @@
             <a:ext cx="6096000" cy="3429000"/>
           </a:xfrm>
           <a:custGeom>
-            <a:rect b="b" l="l" r="r" t="t"/>
+            <a:avLst/>
+            <a:gdLst/>
+            <a:ahLst/>
+            <a:cxnLst/>
+            <a:rect l="l" t="t" r="r" b="b"/>
             <a:pathLst>
-              <a:path extrusionOk="0" h="120000" w="120000">
+              <a:path w="120000" h="120000" extrusionOk="0">
                 <a:moveTo>
                   <a:pt x="0" y="0"/>
                 </a:moveTo>
@@ -1654,9 +1720,11 @@
       <p:sp>
         <p:nvSpPr>
           <p:cNvPr id="175" name="Google Shape;175;g1f23e22e0b8_0_11:notes"/>
-          <p:cNvSpPr txBox="1"/>
+          <p:cNvSpPr txBox="1">
+            <a:spLocks noGrp="1"/>
+          </p:cNvSpPr>
           <p:nvPr>
-            <p:ph idx="1" type="body"/>
+            <p:ph type="body" idx="1"/>
           </p:nvPr>
         </p:nvSpPr>
         <p:spPr>
@@ -1669,23 +1737,20 @@
           </a:prstGeom>
         </p:spPr>
         <p:txBody>
-          <a:bodyPr anchorCtr="0" anchor="t" bIns="91425" lIns="91425" spcFirstLastPara="1" rIns="91425" wrap="square" tIns="91425">
+          <a:bodyPr spcFirstLastPara="1" wrap="square" lIns="91425" tIns="91425" rIns="91425" bIns="91425" anchor="t" anchorCtr="0">
             <a:noAutofit/>
           </a:bodyPr>
           <a:lstStyle/>
           <a:p>
-            <a:pPr indent="0" lvl="0" marL="0" rtl="0" algn="l">
-              <a:spcBef>
-                <a:spcPts val="0"/>
-              </a:spcBef>
-              <a:spcAft>
-                <a:spcPts val="0"/>
-              </a:spcAft>
-              <a:buNone/>
-            </a:pPr>
-            <a:r>
-              <a:t/>
-            </a:r>
+            <a:pPr marL="0" lvl="0" indent="0" algn="l" rtl="0">
+              <a:spcBef>
+                <a:spcPts val="0"/>
+              </a:spcBef>
+              <a:spcAft>
+                <a:spcPts val="0"/>
+              </a:spcAft>
+              <a:buNone/>
+            </a:pPr>
             <a:endParaRPr/>
           </a:p>
         </p:txBody>
@@ -1699,11 +1764,11 @@
 </file>
 
 <file path=ppt/notesSlides/notesSlide19.xml><?xml version="1.0" encoding="utf-8"?>
-<p:notes xmlns:a="http://schemas.openxmlformats.org/drawingml/2006/main" xmlns:r="http://schemas.openxmlformats.org/officeDocument/2006/relationships" xmlns:mc="http://schemas.openxmlformats.org/markup-compatibility/2006" xmlns:mv="urn:schemas-microsoft-com:mac:vml" xmlns:p="http://schemas.openxmlformats.org/presentationml/2006/main" xmlns:c="http://schemas.openxmlformats.org/drawingml/2006/chart" xmlns:dgm="http://schemas.openxmlformats.org/drawingml/2006/diagram" xmlns:o="urn:schemas-microsoft-com:office:office" xmlns:v="urn:schemas-microsoft-com:vml" xmlns:pvml="urn:schemas-microsoft-com:office:powerpoint" xmlns:com="http://schemas.openxmlformats.org/drawingml/2006/compatibility" xmlns:p14="http://schemas.microsoft.com/office/powerpoint/2010/main" xmlns:p15="http://schemas.microsoft.com/office/powerpoint/2012/main" xmlns:ahyp="http://schemas.microsoft.com/office/drawing/2018/hyperlinkcolor" showMasterPhAnim="0" showMasterSp="0">
+<p:notes xmlns:a="http://schemas.openxmlformats.org/drawingml/2006/main" xmlns:r="http://schemas.openxmlformats.org/officeDocument/2006/relationships" xmlns:p="http://schemas.openxmlformats.org/presentationml/2006/main" showMasterSp="0" showMasterPhAnim="0">
   <p:cSld>
     <p:spTree>
       <p:nvGrpSpPr>
-        <p:cNvPr id="180" name="Shape 180"/>
+        <p:cNvPr id="1" name="Shape 180"/>
         <p:cNvGrpSpPr/>
         <p:nvPr/>
       </p:nvGrpSpPr>
@@ -1718,9 +1783,11 @@
       <p:sp>
         <p:nvSpPr>
           <p:cNvPr id="181" name="Google Shape;181;g1f23e22e0b8_0_25:notes"/>
-          <p:cNvSpPr/>
+          <p:cNvSpPr>
+            <a:spLocks noGrp="1" noRot="1" noChangeAspect="1"/>
+          </p:cNvSpPr>
           <p:nvPr>
-            <p:ph idx="2" type="sldImg"/>
+            <p:ph type="sldImg" idx="2"/>
           </p:nvPr>
         </p:nvSpPr>
         <p:spPr>
@@ -1729,9 +1796,13 @@
             <a:ext cx="6096000" cy="3429000"/>
           </a:xfrm>
           <a:custGeom>
-            <a:rect b="b" l="l" r="r" t="t"/>
+            <a:avLst/>
+            <a:gdLst/>
+            <a:ahLst/>
+            <a:cxnLst/>
+            <a:rect l="l" t="t" r="r" b="b"/>
             <a:pathLst>
-              <a:path extrusionOk="0" h="120000" w="120000">
+              <a:path w="120000" h="120000" extrusionOk="0">
                 <a:moveTo>
                   <a:pt x="0" y="0"/>
                 </a:moveTo>
@@ -1753,9 +1824,11 @@
       <p:sp>
         <p:nvSpPr>
           <p:cNvPr id="182" name="Google Shape;182;g1f23e22e0b8_0_25:notes"/>
-          <p:cNvSpPr txBox="1"/>
+          <p:cNvSpPr txBox="1">
+            <a:spLocks noGrp="1"/>
+          </p:cNvSpPr>
           <p:nvPr>
-            <p:ph idx="1" type="body"/>
+            <p:ph type="body" idx="1"/>
           </p:nvPr>
         </p:nvSpPr>
         <p:spPr>
@@ -1768,23 +1841,20 @@
           </a:prstGeom>
         </p:spPr>
         <p:txBody>
-          <a:bodyPr anchorCtr="0" anchor="t" bIns="91425" lIns="91425" spcFirstLastPara="1" rIns="91425" wrap="square" tIns="91425">
+          <a:bodyPr spcFirstLastPara="1" wrap="square" lIns="91425" tIns="91425" rIns="91425" bIns="91425" anchor="t" anchorCtr="0">
             <a:noAutofit/>
           </a:bodyPr>
           <a:lstStyle/>
           <a:p>
-            <a:pPr indent="0" lvl="0" marL="0" rtl="0" algn="l">
-              <a:spcBef>
-                <a:spcPts val="0"/>
-              </a:spcBef>
-              <a:spcAft>
-                <a:spcPts val="0"/>
-              </a:spcAft>
-              <a:buNone/>
-            </a:pPr>
-            <a:r>
-              <a:t/>
-            </a:r>
+            <a:pPr marL="0" lvl="0" indent="0" algn="l" rtl="0">
+              <a:spcBef>
+                <a:spcPts val="0"/>
+              </a:spcBef>
+              <a:spcAft>
+                <a:spcPts val="0"/>
+              </a:spcAft>
+              <a:buNone/>
+            </a:pPr>
             <a:endParaRPr/>
           </a:p>
         </p:txBody>
@@ -1798,11 +1868,11 @@
 </file>
 
 <file path=ppt/notesSlides/notesSlide2.xml><?xml version="1.0" encoding="utf-8"?>
-<p:notes xmlns:a="http://schemas.openxmlformats.org/drawingml/2006/main" xmlns:r="http://schemas.openxmlformats.org/officeDocument/2006/relationships" xmlns:mc="http://schemas.openxmlformats.org/markup-compatibility/2006" xmlns:mv="urn:schemas-microsoft-com:mac:vml" xmlns:p="http://schemas.openxmlformats.org/presentationml/2006/main" xmlns:c="http://schemas.openxmlformats.org/drawingml/2006/chart" xmlns:dgm="http://schemas.openxmlformats.org/drawingml/2006/diagram" xmlns:o="urn:schemas-microsoft-com:office:office" xmlns:v="urn:schemas-microsoft-com:vml" xmlns:pvml="urn:schemas-microsoft-com:office:powerpoint" xmlns:com="http://schemas.openxmlformats.org/drawingml/2006/compatibility" xmlns:p14="http://schemas.microsoft.com/office/powerpoint/2010/main" xmlns:p15="http://schemas.microsoft.com/office/powerpoint/2012/main" xmlns:ahyp="http://schemas.microsoft.com/office/drawing/2018/hyperlinkcolor" showMasterPhAnim="0" showMasterSp="0">
+<p:notes xmlns:a="http://schemas.openxmlformats.org/drawingml/2006/main" xmlns:r="http://schemas.openxmlformats.org/officeDocument/2006/relationships" xmlns:p="http://schemas.openxmlformats.org/presentationml/2006/main" showMasterSp="0" showMasterPhAnim="0">
   <p:cSld>
     <p:spTree>
       <p:nvGrpSpPr>
-        <p:cNvPr id="55" name="Shape 55"/>
+        <p:cNvPr id="1" name="Shape 55"/>
         <p:cNvGrpSpPr/>
         <p:nvPr/>
       </p:nvGrpSpPr>
@@ -1817,9 +1887,11 @@
       <p:sp>
         <p:nvSpPr>
           <p:cNvPr id="56" name="Google Shape;56;g18968f297cd_0_0:notes"/>
-          <p:cNvSpPr/>
+          <p:cNvSpPr>
+            <a:spLocks noGrp="1" noRot="1" noChangeAspect="1"/>
+          </p:cNvSpPr>
           <p:nvPr>
-            <p:ph idx="2" type="sldImg"/>
+            <p:ph type="sldImg" idx="2"/>
           </p:nvPr>
         </p:nvSpPr>
         <p:spPr>
@@ -1828,9 +1900,13 @@
             <a:ext cx="6096000" cy="3429000"/>
           </a:xfrm>
           <a:custGeom>
-            <a:rect b="b" l="l" r="r" t="t"/>
+            <a:avLst/>
+            <a:gdLst/>
+            <a:ahLst/>
+            <a:cxnLst/>
+            <a:rect l="l" t="t" r="r" b="b"/>
             <a:pathLst>
-              <a:path extrusionOk="0" h="120000" w="120000">
+              <a:path w="120000" h="120000" extrusionOk="0">
                 <a:moveTo>
                   <a:pt x="0" y="0"/>
                 </a:moveTo>
@@ -1852,9 +1928,11 @@
       <p:sp>
         <p:nvSpPr>
           <p:cNvPr id="57" name="Google Shape;57;g18968f297cd_0_0:notes"/>
-          <p:cNvSpPr txBox="1"/>
+          <p:cNvSpPr txBox="1">
+            <a:spLocks noGrp="1"/>
+          </p:cNvSpPr>
           <p:nvPr>
-            <p:ph idx="1" type="body"/>
+            <p:ph type="body" idx="1"/>
           </p:nvPr>
         </p:nvSpPr>
         <p:spPr>
@@ -1867,23 +1945,20 @@
           </a:prstGeom>
         </p:spPr>
         <p:txBody>
-          <a:bodyPr anchorCtr="0" anchor="t" bIns="91425" lIns="91425" spcFirstLastPara="1" rIns="91425" wrap="square" tIns="91425">
+          <a:bodyPr spcFirstLastPara="1" wrap="square" lIns="91425" tIns="91425" rIns="91425" bIns="91425" anchor="t" anchorCtr="0">
             <a:noAutofit/>
           </a:bodyPr>
           <a:lstStyle/>
           <a:p>
-            <a:pPr indent="0" lvl="0" marL="0" rtl="0" algn="l">
-              <a:spcBef>
-                <a:spcPts val="0"/>
-              </a:spcBef>
-              <a:spcAft>
-                <a:spcPts val="0"/>
-              </a:spcAft>
-              <a:buNone/>
-            </a:pPr>
-            <a:r>
-              <a:t/>
-            </a:r>
+            <a:pPr marL="0" lvl="0" indent="0" algn="l" rtl="0">
+              <a:spcBef>
+                <a:spcPts val="0"/>
+              </a:spcBef>
+              <a:spcAft>
+                <a:spcPts val="0"/>
+              </a:spcAft>
+              <a:buNone/>
+            </a:pPr>
             <a:endParaRPr/>
           </a:p>
         </p:txBody>
@@ -1897,11 +1972,11 @@
 </file>
 
 <file path=ppt/notesSlides/notesSlide20.xml><?xml version="1.0" encoding="utf-8"?>
-<p:notes xmlns:a="http://schemas.openxmlformats.org/drawingml/2006/main" xmlns:r="http://schemas.openxmlformats.org/officeDocument/2006/relationships" xmlns:mc="http://schemas.openxmlformats.org/markup-compatibility/2006" xmlns:mv="urn:schemas-microsoft-com:mac:vml" xmlns:p="http://schemas.openxmlformats.org/presentationml/2006/main" xmlns:c="http://schemas.openxmlformats.org/drawingml/2006/chart" xmlns:dgm="http://schemas.openxmlformats.org/drawingml/2006/diagram" xmlns:o="urn:schemas-microsoft-com:office:office" xmlns:v="urn:schemas-microsoft-com:vml" xmlns:pvml="urn:schemas-microsoft-com:office:powerpoint" xmlns:com="http://schemas.openxmlformats.org/drawingml/2006/compatibility" xmlns:p14="http://schemas.microsoft.com/office/powerpoint/2010/main" xmlns:p15="http://schemas.microsoft.com/office/powerpoint/2012/main" xmlns:ahyp="http://schemas.microsoft.com/office/drawing/2018/hyperlinkcolor" showMasterPhAnim="0" showMasterSp="0">
+<p:notes xmlns:a="http://schemas.openxmlformats.org/drawingml/2006/main" xmlns:r="http://schemas.openxmlformats.org/officeDocument/2006/relationships" xmlns:p="http://schemas.openxmlformats.org/presentationml/2006/main" showMasterSp="0" showMasterPhAnim="0">
   <p:cSld>
     <p:spTree>
       <p:nvGrpSpPr>
-        <p:cNvPr id="187" name="Shape 187"/>
+        <p:cNvPr id="1" name="Shape 187"/>
         <p:cNvGrpSpPr/>
         <p:nvPr/>
       </p:nvGrpSpPr>
@@ -1916,9 +1991,11 @@
       <p:sp>
         <p:nvSpPr>
           <p:cNvPr id="188" name="Google Shape;188;g1f23e22e0b8_0_80:notes"/>
-          <p:cNvSpPr/>
+          <p:cNvSpPr>
+            <a:spLocks noGrp="1" noRot="1" noChangeAspect="1"/>
+          </p:cNvSpPr>
           <p:nvPr>
-            <p:ph idx="2" type="sldImg"/>
+            <p:ph type="sldImg" idx="2"/>
           </p:nvPr>
         </p:nvSpPr>
         <p:spPr>
@@ -1927,9 +2004,13 @@
             <a:ext cx="6096000" cy="3429000"/>
           </a:xfrm>
           <a:custGeom>
-            <a:rect b="b" l="l" r="r" t="t"/>
+            <a:avLst/>
+            <a:gdLst/>
+            <a:ahLst/>
+            <a:cxnLst/>
+            <a:rect l="l" t="t" r="r" b="b"/>
             <a:pathLst>
-              <a:path extrusionOk="0" h="120000" w="120000">
+              <a:path w="120000" h="120000" extrusionOk="0">
                 <a:moveTo>
                   <a:pt x="0" y="0"/>
                 </a:moveTo>
@@ -1951,9 +2032,11 @@
       <p:sp>
         <p:nvSpPr>
           <p:cNvPr id="189" name="Google Shape;189;g1f23e22e0b8_0_80:notes"/>
-          <p:cNvSpPr txBox="1"/>
+          <p:cNvSpPr txBox="1">
+            <a:spLocks noGrp="1"/>
+          </p:cNvSpPr>
           <p:nvPr>
-            <p:ph idx="1" type="body"/>
+            <p:ph type="body" idx="1"/>
           </p:nvPr>
         </p:nvSpPr>
         <p:spPr>
@@ -1966,23 +2049,20 @@
           </a:prstGeom>
         </p:spPr>
         <p:txBody>
-          <a:bodyPr anchorCtr="0" anchor="t" bIns="91425" lIns="91425" spcFirstLastPara="1" rIns="91425" wrap="square" tIns="91425">
+          <a:bodyPr spcFirstLastPara="1" wrap="square" lIns="91425" tIns="91425" rIns="91425" bIns="91425" anchor="t" anchorCtr="0">
             <a:noAutofit/>
           </a:bodyPr>
           <a:lstStyle/>
           <a:p>
-            <a:pPr indent="0" lvl="0" marL="0" rtl="0" algn="l">
-              <a:spcBef>
-                <a:spcPts val="0"/>
-              </a:spcBef>
-              <a:spcAft>
-                <a:spcPts val="0"/>
-              </a:spcAft>
-              <a:buNone/>
-            </a:pPr>
-            <a:r>
-              <a:t/>
-            </a:r>
+            <a:pPr marL="0" lvl="0" indent="0" algn="l" rtl="0">
+              <a:spcBef>
+                <a:spcPts val="0"/>
+              </a:spcBef>
+              <a:spcAft>
+                <a:spcPts val="0"/>
+              </a:spcAft>
+              <a:buNone/>
+            </a:pPr>
             <a:endParaRPr/>
           </a:p>
         </p:txBody>
@@ -1996,11 +2076,11 @@
 </file>
 
 <file path=ppt/notesSlides/notesSlide21.xml><?xml version="1.0" encoding="utf-8"?>
-<p:notes xmlns:a="http://schemas.openxmlformats.org/drawingml/2006/main" xmlns:r="http://schemas.openxmlformats.org/officeDocument/2006/relationships" xmlns:mc="http://schemas.openxmlformats.org/markup-compatibility/2006" xmlns:mv="urn:schemas-microsoft-com:mac:vml" xmlns:p="http://schemas.openxmlformats.org/presentationml/2006/main" xmlns:c="http://schemas.openxmlformats.org/drawingml/2006/chart" xmlns:dgm="http://schemas.openxmlformats.org/drawingml/2006/diagram" xmlns:o="urn:schemas-microsoft-com:office:office" xmlns:v="urn:schemas-microsoft-com:vml" xmlns:pvml="urn:schemas-microsoft-com:office:powerpoint" xmlns:com="http://schemas.openxmlformats.org/drawingml/2006/compatibility" xmlns:p14="http://schemas.microsoft.com/office/powerpoint/2010/main" xmlns:p15="http://schemas.microsoft.com/office/powerpoint/2012/main" xmlns:ahyp="http://schemas.microsoft.com/office/drawing/2018/hyperlinkcolor" showMasterPhAnim="0" showMasterSp="0">
+<p:notes xmlns:a="http://schemas.openxmlformats.org/drawingml/2006/main" xmlns:r="http://schemas.openxmlformats.org/officeDocument/2006/relationships" xmlns:p="http://schemas.openxmlformats.org/presentationml/2006/main" showMasterSp="0" showMasterPhAnim="0">
   <p:cSld>
     <p:spTree>
       <p:nvGrpSpPr>
-        <p:cNvPr id="200" name="Shape 200"/>
+        <p:cNvPr id="1" name="Shape 200"/>
         <p:cNvGrpSpPr/>
         <p:nvPr/>
       </p:nvGrpSpPr>
@@ -2015,9 +2095,11 @@
       <p:sp>
         <p:nvSpPr>
           <p:cNvPr id="201" name="Google Shape;201;g1f23e22e0b8_0_5:notes"/>
-          <p:cNvSpPr/>
+          <p:cNvSpPr>
+            <a:spLocks noGrp="1" noRot="1" noChangeAspect="1"/>
+          </p:cNvSpPr>
           <p:nvPr>
-            <p:ph idx="2" type="sldImg"/>
+            <p:ph type="sldImg" idx="2"/>
           </p:nvPr>
         </p:nvSpPr>
         <p:spPr>
@@ -2026,9 +2108,13 @@
             <a:ext cx="6096000" cy="3429000"/>
           </a:xfrm>
           <a:custGeom>
-            <a:rect b="b" l="l" r="r" t="t"/>
+            <a:avLst/>
+            <a:gdLst/>
+            <a:ahLst/>
+            <a:cxnLst/>
+            <a:rect l="l" t="t" r="r" b="b"/>
             <a:pathLst>
-              <a:path extrusionOk="0" h="120000" w="120000">
+              <a:path w="120000" h="120000" extrusionOk="0">
                 <a:moveTo>
                   <a:pt x="0" y="0"/>
                 </a:moveTo>
@@ -2050,9 +2136,11 @@
       <p:sp>
         <p:nvSpPr>
           <p:cNvPr id="202" name="Google Shape;202;g1f23e22e0b8_0_5:notes"/>
-          <p:cNvSpPr txBox="1"/>
+          <p:cNvSpPr txBox="1">
+            <a:spLocks noGrp="1"/>
+          </p:cNvSpPr>
           <p:nvPr>
-            <p:ph idx="1" type="body"/>
+            <p:ph type="body" idx="1"/>
           </p:nvPr>
         </p:nvSpPr>
         <p:spPr>
@@ -2065,23 +2153,20 @@
           </a:prstGeom>
         </p:spPr>
         <p:txBody>
-          <a:bodyPr anchorCtr="0" anchor="t" bIns="91425" lIns="91425" spcFirstLastPara="1" rIns="91425" wrap="square" tIns="91425">
+          <a:bodyPr spcFirstLastPara="1" wrap="square" lIns="91425" tIns="91425" rIns="91425" bIns="91425" anchor="t" anchorCtr="0">
             <a:noAutofit/>
           </a:bodyPr>
           <a:lstStyle/>
           <a:p>
-            <a:pPr indent="0" lvl="0" marL="0" rtl="0" algn="l">
-              <a:spcBef>
-                <a:spcPts val="0"/>
-              </a:spcBef>
-              <a:spcAft>
-                <a:spcPts val="0"/>
-              </a:spcAft>
-              <a:buNone/>
-            </a:pPr>
-            <a:r>
-              <a:t/>
-            </a:r>
+            <a:pPr marL="0" lvl="0" indent="0" algn="l" rtl="0">
+              <a:spcBef>
+                <a:spcPts val="0"/>
+              </a:spcBef>
+              <a:spcAft>
+                <a:spcPts val="0"/>
+              </a:spcAft>
+              <a:buNone/>
+            </a:pPr>
             <a:endParaRPr/>
           </a:p>
         </p:txBody>
@@ -2095,11 +2180,11 @@
 </file>
 
 <file path=ppt/notesSlides/notesSlide22.xml><?xml version="1.0" encoding="utf-8"?>
-<p:notes xmlns:a="http://schemas.openxmlformats.org/drawingml/2006/main" xmlns:r="http://schemas.openxmlformats.org/officeDocument/2006/relationships" xmlns:mc="http://schemas.openxmlformats.org/markup-compatibility/2006" xmlns:mv="urn:schemas-microsoft-com:mac:vml" xmlns:p="http://schemas.openxmlformats.org/presentationml/2006/main" xmlns:c="http://schemas.openxmlformats.org/drawingml/2006/chart" xmlns:dgm="http://schemas.openxmlformats.org/drawingml/2006/diagram" xmlns:o="urn:schemas-microsoft-com:office:office" xmlns:v="urn:schemas-microsoft-com:vml" xmlns:pvml="urn:schemas-microsoft-com:office:powerpoint" xmlns:com="http://schemas.openxmlformats.org/drawingml/2006/compatibility" xmlns:p14="http://schemas.microsoft.com/office/powerpoint/2010/main" xmlns:p15="http://schemas.microsoft.com/office/powerpoint/2012/main" xmlns:ahyp="http://schemas.microsoft.com/office/drawing/2018/hyperlinkcolor" showMasterPhAnim="0" showMasterSp="0">
+<p:notes xmlns:a="http://schemas.openxmlformats.org/drawingml/2006/main" xmlns:r="http://schemas.openxmlformats.org/officeDocument/2006/relationships" xmlns:p="http://schemas.openxmlformats.org/presentationml/2006/main" showMasterSp="0" showMasterPhAnim="0">
   <p:cSld>
     <p:spTree>
       <p:nvGrpSpPr>
-        <p:cNvPr id="205" name="Shape 205"/>
+        <p:cNvPr id="1" name="Shape 205"/>
         <p:cNvGrpSpPr/>
         <p:nvPr/>
       </p:nvGrpSpPr>
@@ -2114,9 +2199,11 @@
       <p:sp>
         <p:nvSpPr>
           <p:cNvPr id="206" name="Google Shape;206;g1f23e22e0b8_0_45:notes"/>
-          <p:cNvSpPr/>
+          <p:cNvSpPr>
+            <a:spLocks noGrp="1" noRot="1" noChangeAspect="1"/>
+          </p:cNvSpPr>
           <p:nvPr>
-            <p:ph idx="2" type="sldImg"/>
+            <p:ph type="sldImg" idx="2"/>
           </p:nvPr>
         </p:nvSpPr>
         <p:spPr>
@@ -2125,9 +2212,13 @@
             <a:ext cx="6096000" cy="3429000"/>
           </a:xfrm>
           <a:custGeom>
-            <a:rect b="b" l="l" r="r" t="t"/>
+            <a:avLst/>
+            <a:gdLst/>
+            <a:ahLst/>
+            <a:cxnLst/>
+            <a:rect l="l" t="t" r="r" b="b"/>
             <a:pathLst>
-              <a:path extrusionOk="0" h="120000" w="120000">
+              <a:path w="120000" h="120000" extrusionOk="0">
                 <a:moveTo>
                   <a:pt x="0" y="0"/>
                 </a:moveTo>
@@ -2149,9 +2240,11 @@
       <p:sp>
         <p:nvSpPr>
           <p:cNvPr id="207" name="Google Shape;207;g1f23e22e0b8_0_45:notes"/>
-          <p:cNvSpPr txBox="1"/>
+          <p:cNvSpPr txBox="1">
+            <a:spLocks noGrp="1"/>
+          </p:cNvSpPr>
           <p:nvPr>
-            <p:ph idx="1" type="body"/>
+            <p:ph type="body" idx="1"/>
           </p:nvPr>
         </p:nvSpPr>
         <p:spPr>
@@ -2164,23 +2257,20 @@
           </a:prstGeom>
         </p:spPr>
         <p:txBody>
-          <a:bodyPr anchorCtr="0" anchor="t" bIns="91425" lIns="91425" spcFirstLastPara="1" rIns="91425" wrap="square" tIns="91425">
+          <a:bodyPr spcFirstLastPara="1" wrap="square" lIns="91425" tIns="91425" rIns="91425" bIns="91425" anchor="t" anchorCtr="0">
             <a:noAutofit/>
           </a:bodyPr>
           <a:lstStyle/>
           <a:p>
-            <a:pPr indent="0" lvl="0" marL="0" rtl="0" algn="l">
-              <a:spcBef>
-                <a:spcPts val="0"/>
-              </a:spcBef>
-              <a:spcAft>
-                <a:spcPts val="0"/>
-              </a:spcAft>
-              <a:buNone/>
-            </a:pPr>
-            <a:r>
-              <a:t/>
-            </a:r>
+            <a:pPr marL="0" lvl="0" indent="0" algn="l" rtl="0">
+              <a:spcBef>
+                <a:spcPts val="0"/>
+              </a:spcBef>
+              <a:spcAft>
+                <a:spcPts val="0"/>
+              </a:spcAft>
+              <a:buNone/>
+            </a:pPr>
             <a:endParaRPr/>
           </a:p>
         </p:txBody>
@@ -2194,11 +2284,11 @@
 </file>
 
 <file path=ppt/notesSlides/notesSlide23.xml><?xml version="1.0" encoding="utf-8"?>
-<p:notes xmlns:a="http://schemas.openxmlformats.org/drawingml/2006/main" xmlns:r="http://schemas.openxmlformats.org/officeDocument/2006/relationships" xmlns:mc="http://schemas.openxmlformats.org/markup-compatibility/2006" xmlns:mv="urn:schemas-microsoft-com:mac:vml" xmlns:p="http://schemas.openxmlformats.org/presentationml/2006/main" xmlns:c="http://schemas.openxmlformats.org/drawingml/2006/chart" xmlns:dgm="http://schemas.openxmlformats.org/drawingml/2006/diagram" xmlns:o="urn:schemas-microsoft-com:office:office" xmlns:v="urn:schemas-microsoft-com:vml" xmlns:pvml="urn:schemas-microsoft-com:office:powerpoint" xmlns:com="http://schemas.openxmlformats.org/drawingml/2006/compatibility" xmlns:p14="http://schemas.microsoft.com/office/powerpoint/2010/main" xmlns:p15="http://schemas.microsoft.com/office/powerpoint/2012/main" xmlns:ahyp="http://schemas.microsoft.com/office/drawing/2018/hyperlinkcolor" showMasterPhAnim="0" showMasterSp="0">
+<p:notes xmlns:a="http://schemas.openxmlformats.org/drawingml/2006/main" xmlns:r="http://schemas.openxmlformats.org/officeDocument/2006/relationships" xmlns:p="http://schemas.openxmlformats.org/presentationml/2006/main" showMasterSp="0" showMasterPhAnim="0">
   <p:cSld>
     <p:spTree>
       <p:nvGrpSpPr>
-        <p:cNvPr id="213" name="Shape 213"/>
+        <p:cNvPr id="1" name="Shape 213"/>
         <p:cNvGrpSpPr/>
         <p:nvPr/>
       </p:nvGrpSpPr>
@@ -2213,9 +2303,11 @@
       <p:sp>
         <p:nvSpPr>
           <p:cNvPr id="214" name="Google Shape;214;g1897a130d4d_0_0:notes"/>
-          <p:cNvSpPr/>
+          <p:cNvSpPr>
+            <a:spLocks noGrp="1" noRot="1" noChangeAspect="1"/>
+          </p:cNvSpPr>
           <p:nvPr>
-            <p:ph idx="2" type="sldImg"/>
+            <p:ph type="sldImg" idx="2"/>
           </p:nvPr>
         </p:nvSpPr>
         <p:spPr>
@@ -2224,9 +2316,13 @@
             <a:ext cx="6096000" cy="3429000"/>
           </a:xfrm>
           <a:custGeom>
-            <a:rect b="b" l="l" r="r" t="t"/>
+            <a:avLst/>
+            <a:gdLst/>
+            <a:ahLst/>
+            <a:cxnLst/>
+            <a:rect l="l" t="t" r="r" b="b"/>
             <a:pathLst>
-              <a:path extrusionOk="0" h="120000" w="120000">
+              <a:path w="120000" h="120000" extrusionOk="0">
                 <a:moveTo>
                   <a:pt x="0" y="0"/>
                 </a:moveTo>
@@ -2248,9 +2344,11 @@
       <p:sp>
         <p:nvSpPr>
           <p:cNvPr id="215" name="Google Shape;215;g1897a130d4d_0_0:notes"/>
-          <p:cNvSpPr txBox="1"/>
+          <p:cNvSpPr txBox="1">
+            <a:spLocks noGrp="1"/>
+          </p:cNvSpPr>
           <p:nvPr>
-            <p:ph idx="1" type="body"/>
+            <p:ph type="body" idx="1"/>
           </p:nvPr>
         </p:nvSpPr>
         <p:spPr>
@@ -2263,23 +2361,20 @@
           </a:prstGeom>
         </p:spPr>
         <p:txBody>
-          <a:bodyPr anchorCtr="0" anchor="t" bIns="91425" lIns="91425" spcFirstLastPara="1" rIns="91425" wrap="square" tIns="91425">
+          <a:bodyPr spcFirstLastPara="1" wrap="square" lIns="91425" tIns="91425" rIns="91425" bIns="91425" anchor="t" anchorCtr="0">
             <a:noAutofit/>
           </a:bodyPr>
           <a:lstStyle/>
           <a:p>
-            <a:pPr indent="0" lvl="0" marL="0" rtl="0" algn="l">
-              <a:spcBef>
-                <a:spcPts val="0"/>
-              </a:spcBef>
-              <a:spcAft>
-                <a:spcPts val="0"/>
-              </a:spcAft>
-              <a:buNone/>
-            </a:pPr>
-            <a:r>
-              <a:t/>
-            </a:r>
+            <a:pPr marL="0" lvl="0" indent="0" algn="l" rtl="0">
+              <a:spcBef>
+                <a:spcPts val="0"/>
+              </a:spcBef>
+              <a:spcAft>
+                <a:spcPts val="0"/>
+              </a:spcAft>
+              <a:buNone/>
+            </a:pPr>
             <a:endParaRPr/>
           </a:p>
         </p:txBody>
@@ -2293,11 +2388,11 @@
 </file>
 
 <file path=ppt/notesSlides/notesSlide3.xml><?xml version="1.0" encoding="utf-8"?>
-<p:notes xmlns:a="http://schemas.openxmlformats.org/drawingml/2006/main" xmlns:r="http://schemas.openxmlformats.org/officeDocument/2006/relationships" xmlns:mc="http://schemas.openxmlformats.org/markup-compatibility/2006" xmlns:mv="urn:schemas-microsoft-com:mac:vml" xmlns:p="http://schemas.openxmlformats.org/presentationml/2006/main" xmlns:c="http://schemas.openxmlformats.org/drawingml/2006/chart" xmlns:dgm="http://schemas.openxmlformats.org/drawingml/2006/diagram" xmlns:o="urn:schemas-microsoft-com:office:office" xmlns:v="urn:schemas-microsoft-com:vml" xmlns:pvml="urn:schemas-microsoft-com:office:powerpoint" xmlns:com="http://schemas.openxmlformats.org/drawingml/2006/compatibility" xmlns:p14="http://schemas.microsoft.com/office/powerpoint/2010/main" xmlns:p15="http://schemas.microsoft.com/office/powerpoint/2012/main" xmlns:ahyp="http://schemas.microsoft.com/office/drawing/2018/hyperlinkcolor" showMasterPhAnim="0" showMasterSp="0">
+<p:notes xmlns:a="http://schemas.openxmlformats.org/drawingml/2006/main" xmlns:r="http://schemas.openxmlformats.org/officeDocument/2006/relationships" xmlns:p="http://schemas.openxmlformats.org/presentationml/2006/main" showMasterSp="0" showMasterPhAnim="0">
   <p:cSld>
     <p:spTree>
       <p:nvGrpSpPr>
-        <p:cNvPr id="61" name="Shape 61"/>
+        <p:cNvPr id="1" name="Shape 61"/>
         <p:cNvGrpSpPr/>
         <p:nvPr/>
       </p:nvGrpSpPr>
@@ -2312,9 +2407,11 @@
       <p:sp>
         <p:nvSpPr>
           <p:cNvPr id="62" name="Google Shape;62;g1f2646de8cd_1_0:notes"/>
-          <p:cNvSpPr/>
+          <p:cNvSpPr>
+            <a:spLocks noGrp="1" noRot="1" noChangeAspect="1"/>
+          </p:cNvSpPr>
           <p:nvPr>
-            <p:ph idx="2" type="sldImg"/>
+            <p:ph type="sldImg" idx="2"/>
           </p:nvPr>
         </p:nvSpPr>
         <p:spPr>
@@ -2323,9 +2420,13 @@
             <a:ext cx="6096000" cy="3429000"/>
           </a:xfrm>
           <a:custGeom>
-            <a:rect b="b" l="l" r="r" t="t"/>
+            <a:avLst/>
+            <a:gdLst/>
+            <a:ahLst/>
+            <a:cxnLst/>
+            <a:rect l="l" t="t" r="r" b="b"/>
             <a:pathLst>
-              <a:path extrusionOk="0" h="120000" w="120000">
+              <a:path w="120000" h="120000" extrusionOk="0">
                 <a:moveTo>
                   <a:pt x="0" y="0"/>
                 </a:moveTo>
@@ -2347,9 +2448,11 @@
       <p:sp>
         <p:nvSpPr>
           <p:cNvPr id="63" name="Google Shape;63;g1f2646de8cd_1_0:notes"/>
-          <p:cNvSpPr txBox="1"/>
+          <p:cNvSpPr txBox="1">
+            <a:spLocks noGrp="1"/>
+          </p:cNvSpPr>
           <p:nvPr>
-            <p:ph idx="1" type="body"/>
+            <p:ph type="body" idx="1"/>
           </p:nvPr>
         </p:nvSpPr>
         <p:spPr>
@@ -2362,23 +2465,20 @@
           </a:prstGeom>
         </p:spPr>
         <p:txBody>
-          <a:bodyPr anchorCtr="0" anchor="t" bIns="91425" lIns="91425" spcFirstLastPara="1" rIns="91425" wrap="square" tIns="91425">
+          <a:bodyPr spcFirstLastPara="1" wrap="square" lIns="91425" tIns="91425" rIns="91425" bIns="91425" anchor="t" anchorCtr="0">
             <a:noAutofit/>
           </a:bodyPr>
           <a:lstStyle/>
           <a:p>
-            <a:pPr indent="0" lvl="0" marL="0" rtl="0" algn="l">
-              <a:spcBef>
-                <a:spcPts val="0"/>
-              </a:spcBef>
-              <a:spcAft>
-                <a:spcPts val="0"/>
-              </a:spcAft>
-              <a:buNone/>
-            </a:pPr>
-            <a:r>
-              <a:t/>
-            </a:r>
+            <a:pPr marL="0" lvl="0" indent="0" algn="l" rtl="0">
+              <a:spcBef>
+                <a:spcPts val="0"/>
+              </a:spcBef>
+              <a:spcAft>
+                <a:spcPts val="0"/>
+              </a:spcAft>
+              <a:buNone/>
+            </a:pPr>
             <a:endParaRPr/>
           </a:p>
         </p:txBody>
@@ -2392,11 +2492,11 @@
 </file>
 
 <file path=ppt/notesSlides/notesSlide4.xml><?xml version="1.0" encoding="utf-8"?>
-<p:notes xmlns:a="http://schemas.openxmlformats.org/drawingml/2006/main" xmlns:r="http://schemas.openxmlformats.org/officeDocument/2006/relationships" xmlns:mc="http://schemas.openxmlformats.org/markup-compatibility/2006" xmlns:mv="urn:schemas-microsoft-com:mac:vml" xmlns:p="http://schemas.openxmlformats.org/presentationml/2006/main" xmlns:c="http://schemas.openxmlformats.org/drawingml/2006/chart" xmlns:dgm="http://schemas.openxmlformats.org/drawingml/2006/diagram" xmlns:o="urn:schemas-microsoft-com:office:office" xmlns:v="urn:schemas-microsoft-com:vml" xmlns:pvml="urn:schemas-microsoft-com:office:powerpoint" xmlns:com="http://schemas.openxmlformats.org/drawingml/2006/compatibility" xmlns:p14="http://schemas.microsoft.com/office/powerpoint/2010/main" xmlns:p15="http://schemas.microsoft.com/office/powerpoint/2012/main" xmlns:ahyp="http://schemas.microsoft.com/office/drawing/2018/hyperlinkcolor" showMasterPhAnim="0" showMasterSp="0">
+<p:notes xmlns:a="http://schemas.openxmlformats.org/drawingml/2006/main" xmlns:r="http://schemas.openxmlformats.org/officeDocument/2006/relationships" xmlns:p="http://schemas.openxmlformats.org/presentationml/2006/main" showMasterSp="0" showMasterPhAnim="0">
   <p:cSld>
     <p:spTree>
       <p:nvGrpSpPr>
-        <p:cNvPr id="67" name="Shape 67"/>
+        <p:cNvPr id="1" name="Shape 67"/>
         <p:cNvGrpSpPr/>
         <p:nvPr/>
       </p:nvGrpSpPr>
@@ -2411,9 +2511,11 @@
       <p:sp>
         <p:nvSpPr>
           <p:cNvPr id="68" name="Google Shape;68;g2080bd274a3_3_0:notes"/>
-          <p:cNvSpPr/>
+          <p:cNvSpPr>
+            <a:spLocks noGrp="1" noRot="1" noChangeAspect="1"/>
+          </p:cNvSpPr>
           <p:nvPr>
-            <p:ph idx="2" type="sldImg"/>
+            <p:ph type="sldImg" idx="2"/>
           </p:nvPr>
         </p:nvSpPr>
         <p:spPr>
@@ -2422,9 +2524,13 @@
             <a:ext cx="6096000" cy="3429000"/>
           </a:xfrm>
           <a:custGeom>
-            <a:rect b="b" l="l" r="r" t="t"/>
+            <a:avLst/>
+            <a:gdLst/>
+            <a:ahLst/>
+            <a:cxnLst/>
+            <a:rect l="l" t="t" r="r" b="b"/>
             <a:pathLst>
-              <a:path extrusionOk="0" h="120000" w="120000">
+              <a:path w="120000" h="120000" extrusionOk="0">
                 <a:moveTo>
                   <a:pt x="0" y="0"/>
                 </a:moveTo>
@@ -2446,9 +2552,11 @@
       <p:sp>
         <p:nvSpPr>
           <p:cNvPr id="69" name="Google Shape;69;g2080bd274a3_3_0:notes"/>
-          <p:cNvSpPr txBox="1"/>
+          <p:cNvSpPr txBox="1">
+            <a:spLocks noGrp="1"/>
+          </p:cNvSpPr>
           <p:nvPr>
-            <p:ph idx="1" type="body"/>
+            <p:ph type="body" idx="1"/>
           </p:nvPr>
         </p:nvSpPr>
         <p:spPr>
@@ -2461,23 +2569,20 @@
           </a:prstGeom>
         </p:spPr>
         <p:txBody>
-          <a:bodyPr anchorCtr="0" anchor="t" bIns="91425" lIns="91425" spcFirstLastPara="1" rIns="91425" wrap="square" tIns="91425">
+          <a:bodyPr spcFirstLastPara="1" wrap="square" lIns="91425" tIns="91425" rIns="91425" bIns="91425" anchor="t" anchorCtr="0">
             <a:noAutofit/>
           </a:bodyPr>
           <a:lstStyle/>
           <a:p>
-            <a:pPr indent="0" lvl="0" marL="0" rtl="0" algn="l">
-              <a:spcBef>
-                <a:spcPts val="0"/>
-              </a:spcBef>
-              <a:spcAft>
-                <a:spcPts val="0"/>
-              </a:spcAft>
-              <a:buNone/>
-            </a:pPr>
-            <a:r>
-              <a:t/>
-            </a:r>
+            <a:pPr marL="0" lvl="0" indent="0" algn="l" rtl="0">
+              <a:spcBef>
+                <a:spcPts val="0"/>
+              </a:spcBef>
+              <a:spcAft>
+                <a:spcPts val="0"/>
+              </a:spcAft>
+              <a:buNone/>
+            </a:pPr>
             <a:endParaRPr/>
           </a:p>
         </p:txBody>
@@ -2491,11 +2596,11 @@
 </file>
 
 <file path=ppt/notesSlides/notesSlide5.xml><?xml version="1.0" encoding="utf-8"?>
-<p:notes xmlns:a="http://schemas.openxmlformats.org/drawingml/2006/main" xmlns:r="http://schemas.openxmlformats.org/officeDocument/2006/relationships" xmlns:mc="http://schemas.openxmlformats.org/markup-compatibility/2006" xmlns:mv="urn:schemas-microsoft-com:mac:vml" xmlns:p="http://schemas.openxmlformats.org/presentationml/2006/main" xmlns:c="http://schemas.openxmlformats.org/drawingml/2006/chart" xmlns:dgm="http://schemas.openxmlformats.org/drawingml/2006/diagram" xmlns:o="urn:schemas-microsoft-com:office:office" xmlns:v="urn:schemas-microsoft-com:vml" xmlns:pvml="urn:schemas-microsoft-com:office:powerpoint" xmlns:com="http://schemas.openxmlformats.org/drawingml/2006/compatibility" xmlns:p14="http://schemas.microsoft.com/office/powerpoint/2010/main" xmlns:p15="http://schemas.microsoft.com/office/powerpoint/2012/main" xmlns:ahyp="http://schemas.microsoft.com/office/drawing/2018/hyperlinkcolor" showMasterPhAnim="0" showMasterSp="0">
+<p:notes xmlns:a="http://schemas.openxmlformats.org/drawingml/2006/main" xmlns:r="http://schemas.openxmlformats.org/officeDocument/2006/relationships" xmlns:p="http://schemas.openxmlformats.org/presentationml/2006/main" showMasterSp="0" showMasterPhAnim="0">
   <p:cSld>
     <p:spTree>
       <p:nvGrpSpPr>
-        <p:cNvPr id="76" name="Shape 76"/>
+        <p:cNvPr id="1" name="Shape 76"/>
         <p:cNvGrpSpPr/>
         <p:nvPr/>
       </p:nvGrpSpPr>
@@ -2510,9 +2615,11 @@
       <p:sp>
         <p:nvSpPr>
           <p:cNvPr id="77" name="Google Shape;77;g2080bd274a3_3_5:notes"/>
-          <p:cNvSpPr/>
+          <p:cNvSpPr>
+            <a:spLocks noGrp="1" noRot="1" noChangeAspect="1"/>
+          </p:cNvSpPr>
           <p:nvPr>
-            <p:ph idx="2" type="sldImg"/>
+            <p:ph type="sldImg" idx="2"/>
           </p:nvPr>
         </p:nvSpPr>
         <p:spPr>
@@ -2521,9 +2628,13 @@
             <a:ext cx="6096000" cy="3429000"/>
           </a:xfrm>
           <a:custGeom>
-            <a:rect b="b" l="l" r="r" t="t"/>
+            <a:avLst/>
+            <a:gdLst/>
+            <a:ahLst/>
+            <a:cxnLst/>
+            <a:rect l="l" t="t" r="r" b="b"/>
             <a:pathLst>
-              <a:path extrusionOk="0" h="120000" w="120000">
+              <a:path w="120000" h="120000" extrusionOk="0">
                 <a:moveTo>
                   <a:pt x="0" y="0"/>
                 </a:moveTo>
@@ -2545,9 +2656,11 @@
       <p:sp>
         <p:nvSpPr>
           <p:cNvPr id="78" name="Google Shape;78;g2080bd274a3_3_5:notes"/>
-          <p:cNvSpPr txBox="1"/>
+          <p:cNvSpPr txBox="1">
+            <a:spLocks noGrp="1"/>
+          </p:cNvSpPr>
           <p:nvPr>
-            <p:ph idx="1" type="body"/>
+            <p:ph type="body" idx="1"/>
           </p:nvPr>
         </p:nvSpPr>
         <p:spPr>
@@ -2560,23 +2673,20 @@
           </a:prstGeom>
         </p:spPr>
         <p:txBody>
-          <a:bodyPr anchorCtr="0" anchor="t" bIns="91425" lIns="91425" spcFirstLastPara="1" rIns="91425" wrap="square" tIns="91425">
+          <a:bodyPr spcFirstLastPara="1" wrap="square" lIns="91425" tIns="91425" rIns="91425" bIns="91425" anchor="t" anchorCtr="0">
             <a:noAutofit/>
           </a:bodyPr>
           <a:lstStyle/>
           <a:p>
-            <a:pPr indent="0" lvl="0" marL="0" rtl="0" algn="l">
-              <a:spcBef>
-                <a:spcPts val="0"/>
-              </a:spcBef>
-              <a:spcAft>
-                <a:spcPts val="0"/>
-              </a:spcAft>
-              <a:buNone/>
-            </a:pPr>
-            <a:r>
-              <a:t/>
-            </a:r>
+            <a:pPr marL="0" lvl="0" indent="0" algn="l" rtl="0">
+              <a:spcBef>
+                <a:spcPts val="0"/>
+              </a:spcBef>
+              <a:spcAft>
+                <a:spcPts val="0"/>
+              </a:spcAft>
+              <a:buNone/>
+            </a:pPr>
             <a:endParaRPr/>
           </a:p>
         </p:txBody>
@@ -2590,11 +2700,11 @@
 </file>
 
 <file path=ppt/notesSlides/notesSlide6.xml><?xml version="1.0" encoding="utf-8"?>
-<p:notes xmlns:a="http://schemas.openxmlformats.org/drawingml/2006/main" xmlns:r="http://schemas.openxmlformats.org/officeDocument/2006/relationships" xmlns:mc="http://schemas.openxmlformats.org/markup-compatibility/2006" xmlns:mv="urn:schemas-microsoft-com:mac:vml" xmlns:p="http://schemas.openxmlformats.org/presentationml/2006/main" xmlns:c="http://schemas.openxmlformats.org/drawingml/2006/chart" xmlns:dgm="http://schemas.openxmlformats.org/drawingml/2006/diagram" xmlns:o="urn:schemas-microsoft-com:office:office" xmlns:v="urn:schemas-microsoft-com:vml" xmlns:pvml="urn:schemas-microsoft-com:office:powerpoint" xmlns:com="http://schemas.openxmlformats.org/drawingml/2006/compatibility" xmlns:p14="http://schemas.microsoft.com/office/powerpoint/2010/main" xmlns:p15="http://schemas.microsoft.com/office/powerpoint/2012/main" xmlns:ahyp="http://schemas.microsoft.com/office/drawing/2018/hyperlinkcolor" showMasterPhAnim="0" showMasterSp="0">
+<p:notes xmlns:a="http://schemas.openxmlformats.org/drawingml/2006/main" xmlns:r="http://schemas.openxmlformats.org/officeDocument/2006/relationships" xmlns:p="http://schemas.openxmlformats.org/presentationml/2006/main" showMasterSp="0" showMasterPhAnim="0">
   <p:cSld>
     <p:spTree>
       <p:nvGrpSpPr>
-        <p:cNvPr id="85" name="Shape 85"/>
+        <p:cNvPr id="1" name="Shape 85"/>
         <p:cNvGrpSpPr/>
         <p:nvPr/>
       </p:nvGrpSpPr>
@@ -2609,9 +2719,11 @@
       <p:sp>
         <p:nvSpPr>
           <p:cNvPr id="86" name="Google Shape;86;g2080bd274a3_3_46:notes"/>
-          <p:cNvSpPr/>
+          <p:cNvSpPr>
+            <a:spLocks noGrp="1" noRot="1" noChangeAspect="1"/>
+          </p:cNvSpPr>
           <p:nvPr>
-            <p:ph idx="2" type="sldImg"/>
+            <p:ph type="sldImg" idx="2"/>
           </p:nvPr>
         </p:nvSpPr>
         <p:spPr>
@@ -2620,9 +2732,13 @@
             <a:ext cx="6096000" cy="3429000"/>
           </a:xfrm>
           <a:custGeom>
-            <a:rect b="b" l="l" r="r" t="t"/>
+            <a:avLst/>
+            <a:gdLst/>
+            <a:ahLst/>
+            <a:cxnLst/>
+            <a:rect l="l" t="t" r="r" b="b"/>
             <a:pathLst>
-              <a:path extrusionOk="0" h="120000" w="120000">
+              <a:path w="120000" h="120000" extrusionOk="0">
                 <a:moveTo>
                   <a:pt x="0" y="0"/>
                 </a:moveTo>
@@ -2644,9 +2760,11 @@
       <p:sp>
         <p:nvSpPr>
           <p:cNvPr id="87" name="Google Shape;87;g2080bd274a3_3_46:notes"/>
-          <p:cNvSpPr txBox="1"/>
+          <p:cNvSpPr txBox="1">
+            <a:spLocks noGrp="1"/>
+          </p:cNvSpPr>
           <p:nvPr>
-            <p:ph idx="1" type="body"/>
+            <p:ph type="body" idx="1"/>
           </p:nvPr>
         </p:nvSpPr>
         <p:spPr>
@@ -2659,23 +2777,20 @@
           </a:prstGeom>
         </p:spPr>
         <p:txBody>
-          <a:bodyPr anchorCtr="0" anchor="t" bIns="91425" lIns="91425" spcFirstLastPara="1" rIns="91425" wrap="square" tIns="91425">
+          <a:bodyPr spcFirstLastPara="1" wrap="square" lIns="91425" tIns="91425" rIns="91425" bIns="91425" anchor="t" anchorCtr="0">
             <a:noAutofit/>
           </a:bodyPr>
           <a:lstStyle/>
           <a:p>
-            <a:pPr indent="0" lvl="0" marL="0" rtl="0" algn="l">
-              <a:spcBef>
-                <a:spcPts val="0"/>
-              </a:spcBef>
-              <a:spcAft>
-                <a:spcPts val="0"/>
-              </a:spcAft>
-              <a:buNone/>
-            </a:pPr>
-            <a:r>
-              <a:t/>
-            </a:r>
+            <a:pPr marL="0" lvl="0" indent="0" algn="l" rtl="0">
+              <a:spcBef>
+                <a:spcPts val="0"/>
+              </a:spcBef>
+              <a:spcAft>
+                <a:spcPts val="0"/>
+              </a:spcAft>
+              <a:buNone/>
+            </a:pPr>
             <a:endParaRPr/>
           </a:p>
         </p:txBody>
@@ -2689,11 +2804,11 @@
 </file>
 
 <file path=ppt/notesSlides/notesSlide7.xml><?xml version="1.0" encoding="utf-8"?>
-<p:notes xmlns:a="http://schemas.openxmlformats.org/drawingml/2006/main" xmlns:r="http://schemas.openxmlformats.org/officeDocument/2006/relationships" xmlns:mc="http://schemas.openxmlformats.org/markup-compatibility/2006" xmlns:mv="urn:schemas-microsoft-com:mac:vml" xmlns:p="http://schemas.openxmlformats.org/presentationml/2006/main" xmlns:c="http://schemas.openxmlformats.org/drawingml/2006/chart" xmlns:dgm="http://schemas.openxmlformats.org/drawingml/2006/diagram" xmlns:o="urn:schemas-microsoft-com:office:office" xmlns:v="urn:schemas-microsoft-com:vml" xmlns:pvml="urn:schemas-microsoft-com:office:powerpoint" xmlns:com="http://schemas.openxmlformats.org/drawingml/2006/compatibility" xmlns:p14="http://schemas.microsoft.com/office/powerpoint/2010/main" xmlns:p15="http://schemas.microsoft.com/office/powerpoint/2012/main" xmlns:ahyp="http://schemas.microsoft.com/office/drawing/2018/hyperlinkcolor" showMasterPhAnim="0" showMasterSp="0">
+<p:notes xmlns:a="http://schemas.openxmlformats.org/drawingml/2006/main" xmlns:r="http://schemas.openxmlformats.org/officeDocument/2006/relationships" xmlns:p="http://schemas.openxmlformats.org/presentationml/2006/main" showMasterSp="0" showMasterPhAnim="0">
   <p:cSld>
     <p:spTree>
       <p:nvGrpSpPr>
-        <p:cNvPr id="91" name="Shape 91"/>
+        <p:cNvPr id="1" name="Shape 91"/>
         <p:cNvGrpSpPr/>
         <p:nvPr/>
       </p:nvGrpSpPr>
@@ -2708,9 +2823,11 @@
       <p:sp>
         <p:nvSpPr>
           <p:cNvPr id="92" name="Google Shape;92;g18968f297cd_0_5:notes"/>
-          <p:cNvSpPr/>
+          <p:cNvSpPr>
+            <a:spLocks noGrp="1" noRot="1" noChangeAspect="1"/>
+          </p:cNvSpPr>
           <p:nvPr>
-            <p:ph idx="2" type="sldImg"/>
+            <p:ph type="sldImg" idx="2"/>
           </p:nvPr>
         </p:nvSpPr>
         <p:spPr>
@@ -2719,9 +2836,13 @@
             <a:ext cx="6096000" cy="3429000"/>
           </a:xfrm>
           <a:custGeom>
-            <a:rect b="b" l="l" r="r" t="t"/>
+            <a:avLst/>
+            <a:gdLst/>
+            <a:ahLst/>
+            <a:cxnLst/>
+            <a:rect l="l" t="t" r="r" b="b"/>
             <a:pathLst>
-              <a:path extrusionOk="0" h="120000" w="120000">
+              <a:path w="120000" h="120000" extrusionOk="0">
                 <a:moveTo>
                   <a:pt x="0" y="0"/>
                 </a:moveTo>
@@ -2743,9 +2864,11 @@
       <p:sp>
         <p:nvSpPr>
           <p:cNvPr id="93" name="Google Shape;93;g18968f297cd_0_5:notes"/>
-          <p:cNvSpPr txBox="1"/>
+          <p:cNvSpPr txBox="1">
+            <a:spLocks noGrp="1"/>
+          </p:cNvSpPr>
           <p:nvPr>
-            <p:ph idx="1" type="body"/>
+            <p:ph type="body" idx="1"/>
           </p:nvPr>
         </p:nvSpPr>
         <p:spPr>
@@ -2758,23 +2881,20 @@
           </a:prstGeom>
         </p:spPr>
         <p:txBody>
-          <a:bodyPr anchorCtr="0" anchor="t" bIns="91425" lIns="91425" spcFirstLastPara="1" rIns="91425" wrap="square" tIns="91425">
+          <a:bodyPr spcFirstLastPara="1" wrap="square" lIns="91425" tIns="91425" rIns="91425" bIns="91425" anchor="t" anchorCtr="0">
             <a:noAutofit/>
           </a:bodyPr>
           <a:lstStyle/>
           <a:p>
-            <a:pPr indent="0" lvl="0" marL="0" rtl="0" algn="l">
-              <a:spcBef>
-                <a:spcPts val="0"/>
-              </a:spcBef>
-              <a:spcAft>
-                <a:spcPts val="0"/>
-              </a:spcAft>
-              <a:buNone/>
-            </a:pPr>
-            <a:r>
-              <a:t/>
-            </a:r>
+            <a:pPr marL="0" lvl="0" indent="0" algn="l" rtl="0">
+              <a:spcBef>
+                <a:spcPts val="0"/>
+              </a:spcBef>
+              <a:spcAft>
+                <a:spcPts val="0"/>
+              </a:spcAft>
+              <a:buNone/>
+            </a:pPr>
             <a:endParaRPr/>
           </a:p>
         </p:txBody>
@@ -2788,11 +2908,11 @@
 </file>
 
 <file path=ppt/notesSlides/notesSlide8.xml><?xml version="1.0" encoding="utf-8"?>
-<p:notes xmlns:a="http://schemas.openxmlformats.org/drawingml/2006/main" xmlns:r="http://schemas.openxmlformats.org/officeDocument/2006/relationships" xmlns:mc="http://schemas.openxmlformats.org/markup-compatibility/2006" xmlns:mv="urn:schemas-microsoft-com:mac:vml" xmlns:p="http://schemas.openxmlformats.org/presentationml/2006/main" xmlns:c="http://schemas.openxmlformats.org/drawingml/2006/chart" xmlns:dgm="http://schemas.openxmlformats.org/drawingml/2006/diagram" xmlns:o="urn:schemas-microsoft-com:office:office" xmlns:v="urn:schemas-microsoft-com:vml" xmlns:pvml="urn:schemas-microsoft-com:office:powerpoint" xmlns:com="http://schemas.openxmlformats.org/drawingml/2006/compatibility" xmlns:p14="http://schemas.microsoft.com/office/powerpoint/2010/main" xmlns:p15="http://schemas.microsoft.com/office/powerpoint/2012/main" xmlns:ahyp="http://schemas.microsoft.com/office/drawing/2018/hyperlinkcolor" showMasterPhAnim="0" showMasterSp="0">
+<p:notes xmlns:a="http://schemas.openxmlformats.org/drawingml/2006/main" xmlns:r="http://schemas.openxmlformats.org/officeDocument/2006/relationships" xmlns:p="http://schemas.openxmlformats.org/presentationml/2006/main" showMasterSp="0" showMasterPhAnim="0">
   <p:cSld>
     <p:spTree>
       <p:nvGrpSpPr>
-        <p:cNvPr id="97" name="Shape 97"/>
+        <p:cNvPr id="1" name="Shape 97"/>
         <p:cNvGrpSpPr/>
         <p:nvPr/>
       </p:nvGrpSpPr>
@@ -2807,20 +2927,26 @@
       <p:sp>
         <p:nvSpPr>
           <p:cNvPr id="98" name="Google Shape;98;g2080bd274a3_3_10:notes"/>
-          <p:cNvSpPr/>
+          <p:cNvSpPr>
+            <a:spLocks noGrp="1" noRot="1" noChangeAspect="1"/>
+          </p:cNvSpPr>
           <p:nvPr>
-            <p:ph idx="2" type="sldImg"/>
+            <p:ph type="sldImg" idx="2"/>
           </p:nvPr>
         </p:nvSpPr>
         <p:spPr>
           <a:xfrm>
-            <a:off x="381300" y="685800"/>
+            <a:off x="381000" y="685800"/>
             <a:ext cx="6096000" cy="3429000"/>
           </a:xfrm>
           <a:custGeom>
-            <a:rect b="b" l="l" r="r" t="t"/>
+            <a:avLst/>
+            <a:gdLst/>
+            <a:ahLst/>
+            <a:cxnLst/>
+            <a:rect l="l" t="t" r="r" b="b"/>
             <a:pathLst>
-              <a:path extrusionOk="0" h="120000" w="120000">
+              <a:path w="120000" h="120000" extrusionOk="0">
                 <a:moveTo>
                   <a:pt x="0" y="0"/>
                 </a:moveTo>
@@ -2842,9 +2968,11 @@
       <p:sp>
         <p:nvSpPr>
           <p:cNvPr id="99" name="Google Shape;99;g2080bd274a3_3_10:notes"/>
-          <p:cNvSpPr txBox="1"/>
+          <p:cNvSpPr txBox="1">
+            <a:spLocks noGrp="1"/>
+          </p:cNvSpPr>
           <p:nvPr>
-            <p:ph idx="1" type="body"/>
+            <p:ph type="body" idx="1"/>
           </p:nvPr>
         </p:nvSpPr>
         <p:spPr>
@@ -2857,23 +2985,20 @@
           </a:prstGeom>
         </p:spPr>
         <p:txBody>
-          <a:bodyPr anchorCtr="0" anchor="t" bIns="91425" lIns="91425" spcFirstLastPara="1" rIns="91425" wrap="square" tIns="91425">
+          <a:bodyPr spcFirstLastPara="1" wrap="square" lIns="91425" tIns="91425" rIns="91425" bIns="91425" anchor="t" anchorCtr="0">
             <a:noAutofit/>
           </a:bodyPr>
           <a:lstStyle/>
           <a:p>
-            <a:pPr indent="0" lvl="0" marL="0" rtl="0" algn="l">
-              <a:spcBef>
-                <a:spcPts val="0"/>
-              </a:spcBef>
-              <a:spcAft>
-                <a:spcPts val="0"/>
-              </a:spcAft>
-              <a:buNone/>
-            </a:pPr>
-            <a:r>
-              <a:t/>
-            </a:r>
+            <a:pPr marL="0" lvl="0" indent="0" algn="l" rtl="0">
+              <a:spcBef>
+                <a:spcPts val="0"/>
+              </a:spcBef>
+              <a:spcAft>
+                <a:spcPts val="0"/>
+              </a:spcAft>
+              <a:buNone/>
+            </a:pPr>
             <a:endParaRPr/>
           </a:p>
         </p:txBody>
@@ -2887,11 +3012,11 @@
 </file>
 
 <file path=ppt/notesSlides/notesSlide9.xml><?xml version="1.0" encoding="utf-8"?>
-<p:notes xmlns:a="http://schemas.openxmlformats.org/drawingml/2006/main" xmlns:r="http://schemas.openxmlformats.org/officeDocument/2006/relationships" xmlns:mc="http://schemas.openxmlformats.org/markup-compatibility/2006" xmlns:mv="urn:schemas-microsoft-com:mac:vml" xmlns:p="http://schemas.openxmlformats.org/presentationml/2006/main" xmlns:c="http://schemas.openxmlformats.org/drawingml/2006/chart" xmlns:dgm="http://schemas.openxmlformats.org/drawingml/2006/diagram" xmlns:o="urn:schemas-microsoft-com:office:office" xmlns:v="urn:schemas-microsoft-com:vml" xmlns:pvml="urn:schemas-microsoft-com:office:powerpoint" xmlns:com="http://schemas.openxmlformats.org/drawingml/2006/compatibility" xmlns:p14="http://schemas.microsoft.com/office/powerpoint/2010/main" xmlns:p15="http://schemas.microsoft.com/office/powerpoint/2012/main" xmlns:ahyp="http://schemas.microsoft.com/office/drawing/2018/hyperlinkcolor" showMasterPhAnim="0" showMasterSp="0">
+<p:notes xmlns:a="http://schemas.openxmlformats.org/drawingml/2006/main" xmlns:r="http://schemas.openxmlformats.org/officeDocument/2006/relationships" xmlns:p="http://schemas.openxmlformats.org/presentationml/2006/main" showMasterSp="0" showMasterPhAnim="0">
   <p:cSld>
     <p:spTree>
       <p:nvGrpSpPr>
-        <p:cNvPr id="106" name="Shape 106"/>
+        <p:cNvPr id="1" name="Shape 106"/>
         <p:cNvGrpSpPr/>
         <p:nvPr/>
       </p:nvGrpSpPr>
@@ -2906,20 +3031,26 @@
       <p:sp>
         <p:nvSpPr>
           <p:cNvPr id="107" name="Google Shape;107;g2080bd274a3_3_15:notes"/>
-          <p:cNvSpPr/>
+          <p:cNvSpPr>
+            <a:spLocks noGrp="1" noRot="1" noChangeAspect="1"/>
+          </p:cNvSpPr>
           <p:nvPr>
-            <p:ph idx="2" type="sldImg"/>
+            <p:ph type="sldImg" idx="2"/>
           </p:nvPr>
         </p:nvSpPr>
         <p:spPr>
           <a:xfrm>
-            <a:off x="381300" y="685800"/>
+            <a:off x="381000" y="685800"/>
             <a:ext cx="6096000" cy="3429000"/>
           </a:xfrm>
           <a:custGeom>
-            <a:rect b="b" l="l" r="r" t="t"/>
+            <a:avLst/>
+            <a:gdLst/>
+            <a:ahLst/>
+            <a:cxnLst/>
+            <a:rect l="l" t="t" r="r" b="b"/>
             <a:pathLst>
-              <a:path extrusionOk="0" h="120000" w="120000">
+              <a:path w="120000" h="120000" extrusionOk="0">
                 <a:moveTo>
                   <a:pt x="0" y="0"/>
                 </a:moveTo>
@@ -2941,9 +3072,11 @@
       <p:sp>
         <p:nvSpPr>
           <p:cNvPr id="108" name="Google Shape;108;g2080bd274a3_3_15:notes"/>
-          <p:cNvSpPr txBox="1"/>
+          <p:cNvSpPr txBox="1">
+            <a:spLocks noGrp="1"/>
+          </p:cNvSpPr>
           <p:nvPr>
-            <p:ph idx="1" type="body"/>
+            <p:ph type="body" idx="1"/>
           </p:nvPr>
         </p:nvSpPr>
         <p:spPr>
@@ -2956,23 +3089,20 @@
           </a:prstGeom>
         </p:spPr>
         <p:txBody>
-          <a:bodyPr anchorCtr="0" anchor="t" bIns="91425" lIns="91425" spcFirstLastPara="1" rIns="91425" wrap="square" tIns="91425">
+          <a:bodyPr spcFirstLastPara="1" wrap="square" lIns="91425" tIns="91425" rIns="91425" bIns="91425" anchor="t" anchorCtr="0">
             <a:noAutofit/>
           </a:bodyPr>
           <a:lstStyle/>
           <a:p>
-            <a:pPr indent="0" lvl="0" marL="0" rtl="0" algn="l">
-              <a:spcBef>
-                <a:spcPts val="0"/>
-              </a:spcBef>
-              <a:spcAft>
-                <a:spcPts val="0"/>
-              </a:spcAft>
-              <a:buNone/>
-            </a:pPr>
-            <a:r>
-              <a:t/>
-            </a:r>
+            <a:pPr marL="0" lvl="0" indent="0" algn="l" rtl="0">
+              <a:spcBef>
+                <a:spcPts val="0"/>
+              </a:spcBef>
+              <a:spcAft>
+                <a:spcPts val="0"/>
+              </a:spcAft>
+              <a:buNone/>
+            </a:pPr>
             <a:endParaRPr/>
           </a:p>
         </p:txBody>
@@ -2986,11 +3116,11 @@
 </file>
 
 <file path=ppt/slideLayouts/slideLayout1.xml><?xml version="1.0" encoding="utf-8"?>
-<p:sldLayout xmlns:a="http://schemas.openxmlformats.org/drawingml/2006/main" xmlns:r="http://schemas.openxmlformats.org/officeDocument/2006/relationships" xmlns:mc="http://schemas.openxmlformats.org/markup-compatibility/2006" xmlns:mv="urn:schemas-microsoft-com:mac:vml" xmlns:p="http://schemas.openxmlformats.org/presentationml/2006/main" xmlns:c="http://schemas.openxmlformats.org/drawingml/2006/chart" xmlns:dgm="http://schemas.openxmlformats.org/drawingml/2006/diagram" xmlns:o="urn:schemas-microsoft-com:office:office" xmlns:v="urn:schemas-microsoft-com:vml" xmlns:pvml="urn:schemas-microsoft-com:office:powerpoint" xmlns:com="http://schemas.openxmlformats.org/drawingml/2006/compatibility" xmlns:p14="http://schemas.microsoft.com/office/powerpoint/2010/main" xmlns:p15="http://schemas.microsoft.com/office/powerpoint/2012/main" xmlns:ahyp="http://schemas.microsoft.com/office/drawing/2018/hyperlinkcolor" matchingName="Title slide" type="title">
+<p:sldLayout xmlns:a="http://schemas.openxmlformats.org/drawingml/2006/main" xmlns:r="http://schemas.openxmlformats.org/officeDocument/2006/relationships" xmlns:p="http://schemas.openxmlformats.org/presentationml/2006/main" matchingName="Title slide" type="title">
   <p:cSld name="TITLE">
     <p:spTree>
       <p:nvGrpSpPr>
-        <p:cNvPr id="9" name="Shape 9"/>
+        <p:cNvPr id="1" name="Shape 9"/>
         <p:cNvGrpSpPr/>
         <p:nvPr/>
       </p:nvGrpSpPr>
@@ -3005,7 +3135,9 @@
       <p:sp>
         <p:nvSpPr>
           <p:cNvPr id="10" name="Google Shape;10;p2"/>
-          <p:cNvSpPr txBox="1"/>
+          <p:cNvSpPr txBox="1">
+            <a:spLocks noGrp="1"/>
+          </p:cNvSpPr>
           <p:nvPr>
             <p:ph type="ctrTitle"/>
           </p:nvPr>
@@ -3020,7 +3152,7 @@
           </a:prstGeom>
         </p:spPr>
         <p:txBody>
-          <a:bodyPr anchorCtr="0" anchor="b" bIns="91425" lIns="91425" spcFirstLastPara="1" rIns="91425" wrap="square" tIns="91425">
+          <a:bodyPr spcFirstLastPara="1" wrap="square" lIns="91425" tIns="91425" rIns="91425" bIns="91425" anchor="b" anchorCtr="0">
             <a:normAutofit/>
           </a:bodyPr>
           <a:lstStyle>
@@ -3124,15 +3256,19 @@
               <a:defRPr sz="5200"/>
             </a:lvl9pPr>
           </a:lstStyle>
-          <a:p/>
+          <a:p>
+            <a:endParaRPr/>
+          </a:p>
         </p:txBody>
       </p:sp>
       <p:sp>
         <p:nvSpPr>
           <p:cNvPr id="11" name="Google Shape;11;p2"/>
-          <p:cNvSpPr txBox="1"/>
+          <p:cNvSpPr txBox="1">
+            <a:spLocks noGrp="1"/>
+          </p:cNvSpPr>
           <p:nvPr>
-            <p:ph idx="1" type="subTitle"/>
+            <p:ph type="subTitle" idx="1"/>
           </p:nvPr>
         </p:nvSpPr>
         <p:spPr>
@@ -3145,7 +3281,7 @@
           </a:prstGeom>
         </p:spPr>
         <p:txBody>
-          <a:bodyPr anchorCtr="0" anchor="t" bIns="91425" lIns="91425" spcFirstLastPara="1" rIns="91425" wrap="square" tIns="91425">
+          <a:bodyPr spcFirstLastPara="1" wrap="square" lIns="91425" tIns="91425" rIns="91425" bIns="91425" anchor="t" anchorCtr="0">
             <a:normAutofit/>
           </a:bodyPr>
           <a:lstStyle>
@@ -3276,15 +3412,19 @@
               <a:defRPr sz="2800"/>
             </a:lvl9pPr>
           </a:lstStyle>
-          <a:p/>
+          <a:p>
+            <a:endParaRPr/>
+          </a:p>
         </p:txBody>
       </p:sp>
       <p:sp>
         <p:nvSpPr>
           <p:cNvPr id="12" name="Google Shape;12;p2"/>
-          <p:cNvSpPr txBox="1"/>
+          <p:cNvSpPr txBox="1">
+            <a:spLocks noGrp="1"/>
+          </p:cNvSpPr>
           <p:nvPr>
-            <p:ph idx="12" type="sldNum"/>
+            <p:ph type="sldNum" idx="12"/>
           </p:nvPr>
         </p:nvSpPr>
         <p:spPr>
@@ -3297,7 +3437,7 @@
           </a:prstGeom>
         </p:spPr>
         <p:txBody>
-          <a:bodyPr anchorCtr="0" anchor="ctr" bIns="91425" lIns="91425" spcFirstLastPara="1" rIns="91425" wrap="square" tIns="91425">
+          <a:bodyPr spcFirstLastPara="1" wrap="square" lIns="91425" tIns="91425" rIns="91425" bIns="91425" anchor="ctr" anchorCtr="0">
             <a:normAutofit/>
           </a:bodyPr>
           <a:lstStyle>
@@ -3339,7 +3479,7 @@
             </a:lvl9pPr>
           </a:lstStyle>
           <a:p>
-            <a:pPr indent="0" lvl="0" marL="0" rtl="0" algn="r">
+            <a:pPr marL="0" lvl="0" indent="0" algn="r" rtl="0">
               <a:spcBef>
                 <a:spcPts val="0"/>
               </a:spcBef>
@@ -3365,11 +3505,11 @@
 </file>
 
 <file path=ppt/slideLayouts/slideLayout10.xml><?xml version="1.0" encoding="utf-8"?>
-<p:sldLayout xmlns:a="http://schemas.openxmlformats.org/drawingml/2006/main" xmlns:r="http://schemas.openxmlformats.org/officeDocument/2006/relationships" xmlns:mc="http://schemas.openxmlformats.org/markup-compatibility/2006" xmlns:mv="urn:schemas-microsoft-com:mac:vml" xmlns:p="http://schemas.openxmlformats.org/presentationml/2006/main" xmlns:c="http://schemas.openxmlformats.org/drawingml/2006/chart" xmlns:dgm="http://schemas.openxmlformats.org/drawingml/2006/diagram" xmlns:o="urn:schemas-microsoft-com:office:office" xmlns:v="urn:schemas-microsoft-com:vml" xmlns:pvml="urn:schemas-microsoft-com:office:powerpoint" xmlns:com="http://schemas.openxmlformats.org/drawingml/2006/compatibility" xmlns:p14="http://schemas.microsoft.com/office/powerpoint/2010/main" xmlns:p15="http://schemas.microsoft.com/office/powerpoint/2012/main" xmlns:ahyp="http://schemas.microsoft.com/office/drawing/2018/hyperlinkcolor" matchingName="Big number">
+<p:sldLayout xmlns:a="http://schemas.openxmlformats.org/drawingml/2006/main" xmlns:r="http://schemas.openxmlformats.org/officeDocument/2006/relationships" xmlns:p="http://schemas.openxmlformats.org/presentationml/2006/main" matchingName="Big number">
   <p:cSld name="BIG_NUMBER">
     <p:spTree>
       <p:nvGrpSpPr>
-        <p:cNvPr id="44" name="Shape 44"/>
+        <p:cNvPr id="1" name="Shape 44"/>
         <p:cNvGrpSpPr/>
         <p:nvPr/>
       </p:nvGrpSpPr>
@@ -3384,9 +3524,11 @@
       <p:sp>
         <p:nvSpPr>
           <p:cNvPr id="45" name="Google Shape;45;p11"/>
-          <p:cNvSpPr txBox="1"/>
+          <p:cNvSpPr txBox="1">
+            <a:spLocks noGrp="1"/>
+          </p:cNvSpPr>
           <p:nvPr>
-            <p:ph hasCustomPrompt="1" type="title"/>
+            <p:ph type="title" hasCustomPrompt="1"/>
           </p:nvPr>
         </p:nvSpPr>
         <p:spPr>
@@ -3399,7 +3541,7 @@
           </a:prstGeom>
         </p:spPr>
         <p:txBody>
-          <a:bodyPr anchorCtr="0" anchor="b" bIns="91425" lIns="91425" spcFirstLastPara="1" rIns="91425" wrap="square" tIns="91425">
+          <a:bodyPr spcFirstLastPara="1" wrap="square" lIns="91425" tIns="91425" rIns="91425" bIns="91425" anchor="b" anchorCtr="0">
             <a:normAutofit/>
           </a:bodyPr>
           <a:lstStyle>
@@ -3513,9 +3655,11 @@
       <p:sp>
         <p:nvSpPr>
           <p:cNvPr id="46" name="Google Shape;46;p11"/>
-          <p:cNvSpPr txBox="1"/>
+          <p:cNvSpPr txBox="1">
+            <a:spLocks noGrp="1"/>
+          </p:cNvSpPr>
           <p:nvPr>
-            <p:ph idx="1" type="body"/>
+            <p:ph type="body" idx="1"/>
           </p:nvPr>
         </p:nvSpPr>
         <p:spPr>
@@ -3528,11 +3672,11 @@
           </a:prstGeom>
         </p:spPr>
         <p:txBody>
-          <a:bodyPr anchorCtr="0" anchor="t" bIns="91425" lIns="91425" spcFirstLastPara="1" rIns="91425" wrap="square" tIns="91425">
+          <a:bodyPr spcFirstLastPara="1" wrap="square" lIns="91425" tIns="91425" rIns="91425" bIns="91425" anchor="t" anchorCtr="0">
             <a:normAutofit/>
           </a:bodyPr>
           <a:lstStyle>
-            <a:lvl1pPr indent="-342900" lvl="0" marL="457200" algn="ctr">
+            <a:lvl1pPr marL="457200" lvl="0" indent="-342900" algn="ctr">
               <a:spcBef>
                 <a:spcPts val="0"/>
               </a:spcBef>
@@ -3543,7 +3687,7 @@
               <a:buChar char="●"/>
               <a:defRPr/>
             </a:lvl1pPr>
-            <a:lvl2pPr indent="-317500" lvl="1" marL="914400" algn="ctr">
+            <a:lvl2pPr marL="914400" lvl="1" indent="-317500" algn="ctr">
               <a:spcBef>
                 <a:spcPts val="0"/>
               </a:spcBef>
@@ -3554,7 +3698,7 @@
               <a:buChar char="○"/>
               <a:defRPr/>
             </a:lvl2pPr>
-            <a:lvl3pPr indent="-317500" lvl="2" marL="1371600" algn="ctr">
+            <a:lvl3pPr marL="1371600" lvl="2" indent="-317500" algn="ctr">
               <a:spcBef>
                 <a:spcPts val="0"/>
               </a:spcBef>
@@ -3565,7 +3709,7 @@
               <a:buChar char="■"/>
               <a:defRPr/>
             </a:lvl3pPr>
-            <a:lvl4pPr indent="-317500" lvl="3" marL="1828800" algn="ctr">
+            <a:lvl4pPr marL="1828800" lvl="3" indent="-317500" algn="ctr">
               <a:spcBef>
                 <a:spcPts val="0"/>
               </a:spcBef>
@@ -3576,7 +3720,7 @@
               <a:buChar char="●"/>
               <a:defRPr/>
             </a:lvl4pPr>
-            <a:lvl5pPr indent="-317500" lvl="4" marL="2286000" algn="ctr">
+            <a:lvl5pPr marL="2286000" lvl="4" indent="-317500" algn="ctr">
               <a:spcBef>
                 <a:spcPts val="0"/>
               </a:spcBef>
@@ -3587,7 +3731,7 @@
               <a:buChar char="○"/>
               <a:defRPr/>
             </a:lvl5pPr>
-            <a:lvl6pPr indent="-317500" lvl="5" marL="2743200" algn="ctr">
+            <a:lvl6pPr marL="2743200" lvl="5" indent="-317500" algn="ctr">
               <a:spcBef>
                 <a:spcPts val="0"/>
               </a:spcBef>
@@ -3598,7 +3742,7 @@
               <a:buChar char="■"/>
               <a:defRPr/>
             </a:lvl6pPr>
-            <a:lvl7pPr indent="-317500" lvl="6" marL="3200400" algn="ctr">
+            <a:lvl7pPr marL="3200400" lvl="6" indent="-317500" algn="ctr">
               <a:spcBef>
                 <a:spcPts val="0"/>
               </a:spcBef>
@@ -3609,7 +3753,7 @@
               <a:buChar char="●"/>
               <a:defRPr/>
             </a:lvl7pPr>
-            <a:lvl8pPr indent="-317500" lvl="7" marL="3657600" algn="ctr">
+            <a:lvl8pPr marL="3657600" lvl="7" indent="-317500" algn="ctr">
               <a:spcBef>
                 <a:spcPts val="0"/>
               </a:spcBef>
@@ -3620,7 +3764,7 @@
               <a:buChar char="○"/>
               <a:defRPr/>
             </a:lvl8pPr>
-            <a:lvl9pPr indent="-317500" lvl="8" marL="4114800" algn="ctr">
+            <a:lvl9pPr marL="4114800" lvl="8" indent="-317500" algn="ctr">
               <a:spcBef>
                 <a:spcPts val="0"/>
               </a:spcBef>
@@ -3632,15 +3776,19 @@
               <a:defRPr/>
             </a:lvl9pPr>
           </a:lstStyle>
-          <a:p/>
+          <a:p>
+            <a:endParaRPr/>
+          </a:p>
         </p:txBody>
       </p:sp>
       <p:sp>
         <p:nvSpPr>
           <p:cNvPr id="47" name="Google Shape;47;p11"/>
-          <p:cNvSpPr txBox="1"/>
+          <p:cNvSpPr txBox="1">
+            <a:spLocks noGrp="1"/>
+          </p:cNvSpPr>
           <p:nvPr>
-            <p:ph idx="12" type="sldNum"/>
+            <p:ph type="sldNum" idx="12"/>
           </p:nvPr>
         </p:nvSpPr>
         <p:spPr>
@@ -3653,7 +3801,7 @@
           </a:prstGeom>
         </p:spPr>
         <p:txBody>
-          <a:bodyPr anchorCtr="0" anchor="ctr" bIns="91425" lIns="91425" spcFirstLastPara="1" rIns="91425" wrap="square" tIns="91425">
+          <a:bodyPr spcFirstLastPara="1" wrap="square" lIns="91425" tIns="91425" rIns="91425" bIns="91425" anchor="ctr" anchorCtr="0">
             <a:normAutofit/>
           </a:bodyPr>
           <a:lstStyle>
@@ -3695,7 +3843,7 @@
             </a:lvl9pPr>
           </a:lstStyle>
           <a:p>
-            <a:pPr indent="0" lvl="0" marL="0" rtl="0" algn="r">
+            <a:pPr marL="0" lvl="0" indent="0" algn="r" rtl="0">
               <a:spcBef>
                 <a:spcPts val="0"/>
               </a:spcBef>
@@ -3721,11 +3869,11 @@
 </file>
 
 <file path=ppt/slideLayouts/slideLayout11.xml><?xml version="1.0" encoding="utf-8"?>
-<p:sldLayout xmlns:a="http://schemas.openxmlformats.org/drawingml/2006/main" xmlns:r="http://schemas.openxmlformats.org/officeDocument/2006/relationships" xmlns:mc="http://schemas.openxmlformats.org/markup-compatibility/2006" xmlns:mv="urn:schemas-microsoft-com:mac:vml" xmlns:p="http://schemas.openxmlformats.org/presentationml/2006/main" xmlns:c="http://schemas.openxmlformats.org/drawingml/2006/chart" xmlns:dgm="http://schemas.openxmlformats.org/drawingml/2006/diagram" xmlns:o="urn:schemas-microsoft-com:office:office" xmlns:v="urn:schemas-microsoft-com:vml" xmlns:pvml="urn:schemas-microsoft-com:office:powerpoint" xmlns:com="http://schemas.openxmlformats.org/drawingml/2006/compatibility" xmlns:p14="http://schemas.microsoft.com/office/powerpoint/2010/main" xmlns:p15="http://schemas.microsoft.com/office/powerpoint/2012/main" xmlns:ahyp="http://schemas.microsoft.com/office/drawing/2018/hyperlinkcolor" matchingName="Blank" type="blank">
+<p:sldLayout xmlns:a="http://schemas.openxmlformats.org/drawingml/2006/main" xmlns:r="http://schemas.openxmlformats.org/officeDocument/2006/relationships" xmlns:p="http://schemas.openxmlformats.org/presentationml/2006/main" matchingName="Blank" type="blank">
   <p:cSld name="BLANK">
     <p:spTree>
       <p:nvGrpSpPr>
-        <p:cNvPr id="48" name="Shape 48"/>
+        <p:cNvPr id="1" name="Shape 48"/>
         <p:cNvGrpSpPr/>
         <p:nvPr/>
       </p:nvGrpSpPr>
@@ -3740,9 +3888,11 @@
       <p:sp>
         <p:nvSpPr>
           <p:cNvPr id="49" name="Google Shape;49;p12"/>
-          <p:cNvSpPr txBox="1"/>
+          <p:cNvSpPr txBox="1">
+            <a:spLocks noGrp="1"/>
+          </p:cNvSpPr>
           <p:nvPr>
-            <p:ph idx="12" type="sldNum"/>
+            <p:ph type="sldNum" idx="12"/>
           </p:nvPr>
         </p:nvSpPr>
         <p:spPr>
@@ -3755,7 +3905,7 @@
           </a:prstGeom>
         </p:spPr>
         <p:txBody>
-          <a:bodyPr anchorCtr="0" anchor="ctr" bIns="91425" lIns="91425" spcFirstLastPara="1" rIns="91425" wrap="square" tIns="91425">
+          <a:bodyPr spcFirstLastPara="1" wrap="square" lIns="91425" tIns="91425" rIns="91425" bIns="91425" anchor="ctr" anchorCtr="0">
             <a:normAutofit/>
           </a:bodyPr>
           <a:lstStyle>
@@ -3797,7 +3947,7 @@
             </a:lvl9pPr>
           </a:lstStyle>
           <a:p>
-            <a:pPr indent="0" lvl="0" marL="0" rtl="0" algn="r">
+            <a:pPr marL="0" lvl="0" indent="0" algn="r" rtl="0">
               <a:spcBef>
                 <a:spcPts val="0"/>
               </a:spcBef>
@@ -3823,11 +3973,11 @@
 </file>
 
 <file path=ppt/slideLayouts/slideLayout2.xml><?xml version="1.0" encoding="utf-8"?>
-<p:sldLayout xmlns:a="http://schemas.openxmlformats.org/drawingml/2006/main" xmlns:r="http://schemas.openxmlformats.org/officeDocument/2006/relationships" xmlns:mc="http://schemas.openxmlformats.org/markup-compatibility/2006" xmlns:mv="urn:schemas-microsoft-com:mac:vml" xmlns:p="http://schemas.openxmlformats.org/presentationml/2006/main" xmlns:c="http://schemas.openxmlformats.org/drawingml/2006/chart" xmlns:dgm="http://schemas.openxmlformats.org/drawingml/2006/diagram" xmlns:o="urn:schemas-microsoft-com:office:office" xmlns:v="urn:schemas-microsoft-com:vml" xmlns:pvml="urn:schemas-microsoft-com:office:powerpoint" xmlns:com="http://schemas.openxmlformats.org/drawingml/2006/compatibility" xmlns:p14="http://schemas.microsoft.com/office/powerpoint/2010/main" xmlns:p15="http://schemas.microsoft.com/office/powerpoint/2012/main" xmlns:ahyp="http://schemas.microsoft.com/office/drawing/2018/hyperlinkcolor" matchingName="Section header" type="secHead">
+<p:sldLayout xmlns:a="http://schemas.openxmlformats.org/drawingml/2006/main" xmlns:r="http://schemas.openxmlformats.org/officeDocument/2006/relationships" xmlns:p="http://schemas.openxmlformats.org/presentationml/2006/main" matchingName="Section header" type="secHead">
   <p:cSld name="SECTION_HEADER">
     <p:spTree>
       <p:nvGrpSpPr>
-        <p:cNvPr id="13" name="Shape 13"/>
+        <p:cNvPr id="1" name="Shape 13"/>
         <p:cNvGrpSpPr/>
         <p:nvPr/>
       </p:nvGrpSpPr>
@@ -3842,7 +3992,9 @@
       <p:sp>
         <p:nvSpPr>
           <p:cNvPr id="14" name="Google Shape;14;p3"/>
-          <p:cNvSpPr txBox="1"/>
+          <p:cNvSpPr txBox="1">
+            <a:spLocks noGrp="1"/>
+          </p:cNvSpPr>
           <p:nvPr>
             <p:ph type="title"/>
           </p:nvPr>
@@ -3857,7 +4009,7 @@
           </a:prstGeom>
         </p:spPr>
         <p:txBody>
-          <a:bodyPr anchorCtr="0" anchor="ctr" bIns="91425" lIns="91425" spcFirstLastPara="1" rIns="91425" wrap="square" tIns="91425">
+          <a:bodyPr spcFirstLastPara="1" wrap="square" lIns="91425" tIns="91425" rIns="91425" bIns="91425" anchor="ctr" anchorCtr="0">
             <a:normAutofit/>
           </a:bodyPr>
           <a:lstStyle>
@@ -3961,15 +4113,19 @@
               <a:defRPr sz="3600"/>
             </a:lvl9pPr>
           </a:lstStyle>
-          <a:p/>
+          <a:p>
+            <a:endParaRPr/>
+          </a:p>
         </p:txBody>
       </p:sp>
       <p:sp>
         <p:nvSpPr>
           <p:cNvPr id="15" name="Google Shape;15;p3"/>
-          <p:cNvSpPr txBox="1"/>
+          <p:cNvSpPr txBox="1">
+            <a:spLocks noGrp="1"/>
+          </p:cNvSpPr>
           <p:nvPr>
-            <p:ph idx="12" type="sldNum"/>
+            <p:ph type="sldNum" idx="12"/>
           </p:nvPr>
         </p:nvSpPr>
         <p:spPr>
@@ -3982,7 +4138,7 @@
           </a:prstGeom>
         </p:spPr>
         <p:txBody>
-          <a:bodyPr anchorCtr="0" anchor="ctr" bIns="91425" lIns="91425" spcFirstLastPara="1" rIns="91425" wrap="square" tIns="91425">
+          <a:bodyPr spcFirstLastPara="1" wrap="square" lIns="91425" tIns="91425" rIns="91425" bIns="91425" anchor="ctr" anchorCtr="0">
             <a:normAutofit/>
           </a:bodyPr>
           <a:lstStyle>
@@ -4024,7 +4180,7 @@
             </a:lvl9pPr>
           </a:lstStyle>
           <a:p>
-            <a:pPr indent="0" lvl="0" marL="0" rtl="0" algn="r">
+            <a:pPr marL="0" lvl="0" indent="0" algn="r" rtl="0">
               <a:spcBef>
                 <a:spcPts val="0"/>
               </a:spcBef>
@@ -4050,11 +4206,11 @@
 </file>
 
 <file path=ppt/slideLayouts/slideLayout3.xml><?xml version="1.0" encoding="utf-8"?>
-<p:sldLayout xmlns:a="http://schemas.openxmlformats.org/drawingml/2006/main" xmlns:r="http://schemas.openxmlformats.org/officeDocument/2006/relationships" xmlns:mc="http://schemas.openxmlformats.org/markup-compatibility/2006" xmlns:mv="urn:schemas-microsoft-com:mac:vml" xmlns:p="http://schemas.openxmlformats.org/presentationml/2006/main" xmlns:c="http://schemas.openxmlformats.org/drawingml/2006/chart" xmlns:dgm="http://schemas.openxmlformats.org/drawingml/2006/diagram" xmlns:o="urn:schemas-microsoft-com:office:office" xmlns:v="urn:schemas-microsoft-com:vml" xmlns:pvml="urn:schemas-microsoft-com:office:powerpoint" xmlns:com="http://schemas.openxmlformats.org/drawingml/2006/compatibility" xmlns:p14="http://schemas.microsoft.com/office/powerpoint/2010/main" xmlns:p15="http://schemas.microsoft.com/office/powerpoint/2012/main" xmlns:ahyp="http://schemas.microsoft.com/office/drawing/2018/hyperlinkcolor" matchingName="Title and body" type="tx">
+<p:sldLayout xmlns:a="http://schemas.openxmlformats.org/drawingml/2006/main" xmlns:r="http://schemas.openxmlformats.org/officeDocument/2006/relationships" xmlns:p="http://schemas.openxmlformats.org/presentationml/2006/main" matchingName="Title and body" type="tx">
   <p:cSld name="TITLE_AND_BODY">
     <p:spTree>
       <p:nvGrpSpPr>
-        <p:cNvPr id="16" name="Shape 16"/>
+        <p:cNvPr id="1" name="Shape 16"/>
         <p:cNvGrpSpPr/>
         <p:nvPr/>
       </p:nvGrpSpPr>
@@ -4069,7 +4225,9 @@
       <p:sp>
         <p:nvSpPr>
           <p:cNvPr id="17" name="Google Shape;17;p4"/>
-          <p:cNvSpPr txBox="1"/>
+          <p:cNvSpPr txBox="1">
+            <a:spLocks noGrp="1"/>
+          </p:cNvSpPr>
           <p:nvPr>
             <p:ph type="title"/>
           </p:nvPr>
@@ -4084,7 +4242,7 @@
           </a:prstGeom>
         </p:spPr>
         <p:txBody>
-          <a:bodyPr anchorCtr="0" anchor="t" bIns="91425" lIns="91425" spcFirstLastPara="1" rIns="91425" wrap="square" tIns="91425">
+          <a:bodyPr spcFirstLastPara="1" wrap="square" lIns="91425" tIns="91425" rIns="91425" bIns="91425" anchor="t" anchorCtr="0">
             <a:normAutofit/>
           </a:bodyPr>
           <a:lstStyle>
@@ -4188,15 +4346,19 @@
               <a:defRPr/>
             </a:lvl9pPr>
           </a:lstStyle>
-          <a:p/>
+          <a:p>
+            <a:endParaRPr/>
+          </a:p>
         </p:txBody>
       </p:sp>
       <p:sp>
         <p:nvSpPr>
           <p:cNvPr id="18" name="Google Shape;18;p4"/>
-          <p:cNvSpPr txBox="1"/>
+          <p:cNvSpPr txBox="1">
+            <a:spLocks noGrp="1"/>
+          </p:cNvSpPr>
           <p:nvPr>
-            <p:ph idx="1" type="body"/>
+            <p:ph type="body" idx="1"/>
           </p:nvPr>
         </p:nvSpPr>
         <p:spPr>
@@ -4209,11 +4371,11 @@
           </a:prstGeom>
         </p:spPr>
         <p:txBody>
-          <a:bodyPr anchorCtr="0" anchor="t" bIns="91425" lIns="91425" spcFirstLastPara="1" rIns="91425" wrap="square" tIns="91425">
+          <a:bodyPr spcFirstLastPara="1" wrap="square" lIns="91425" tIns="91425" rIns="91425" bIns="91425" anchor="t" anchorCtr="0">
             <a:normAutofit/>
           </a:bodyPr>
           <a:lstStyle>
-            <a:lvl1pPr indent="-342900" lvl="0" marL="457200">
+            <a:lvl1pPr marL="457200" lvl="0" indent="-342900">
               <a:spcBef>
                 <a:spcPts val="0"/>
               </a:spcBef>
@@ -4224,7 +4386,7 @@
               <a:buChar char="●"/>
               <a:defRPr/>
             </a:lvl1pPr>
-            <a:lvl2pPr indent="-317500" lvl="1" marL="914400">
+            <a:lvl2pPr marL="914400" lvl="1" indent="-317500">
               <a:spcBef>
                 <a:spcPts val="0"/>
               </a:spcBef>
@@ -4235,7 +4397,7 @@
               <a:buChar char="○"/>
               <a:defRPr/>
             </a:lvl2pPr>
-            <a:lvl3pPr indent="-317500" lvl="2" marL="1371600">
+            <a:lvl3pPr marL="1371600" lvl="2" indent="-317500">
               <a:spcBef>
                 <a:spcPts val="0"/>
               </a:spcBef>
@@ -4246,7 +4408,7 @@
               <a:buChar char="■"/>
               <a:defRPr/>
             </a:lvl3pPr>
-            <a:lvl4pPr indent="-317500" lvl="3" marL="1828800">
+            <a:lvl4pPr marL="1828800" lvl="3" indent="-317500">
               <a:spcBef>
                 <a:spcPts val="0"/>
               </a:spcBef>
@@ -4257,7 +4419,7 @@
               <a:buChar char="●"/>
               <a:defRPr/>
             </a:lvl4pPr>
-            <a:lvl5pPr indent="-317500" lvl="4" marL="2286000">
+            <a:lvl5pPr marL="2286000" lvl="4" indent="-317500">
               <a:spcBef>
                 <a:spcPts val="0"/>
               </a:spcBef>
@@ -4268,7 +4430,7 @@
               <a:buChar char="○"/>
               <a:defRPr/>
             </a:lvl5pPr>
-            <a:lvl6pPr indent="-317500" lvl="5" marL="2743200">
+            <a:lvl6pPr marL="2743200" lvl="5" indent="-317500">
               <a:spcBef>
                 <a:spcPts val="0"/>
               </a:spcBef>
@@ -4279,7 +4441,7 @@
               <a:buChar char="■"/>
               <a:defRPr/>
             </a:lvl6pPr>
-            <a:lvl7pPr indent="-317500" lvl="6" marL="3200400">
+            <a:lvl7pPr marL="3200400" lvl="6" indent="-317500">
               <a:spcBef>
                 <a:spcPts val="0"/>
               </a:spcBef>
@@ -4290,7 +4452,7 @@
               <a:buChar char="●"/>
               <a:defRPr/>
             </a:lvl7pPr>
-            <a:lvl8pPr indent="-317500" lvl="7" marL="3657600">
+            <a:lvl8pPr marL="3657600" lvl="7" indent="-317500">
               <a:spcBef>
                 <a:spcPts val="0"/>
               </a:spcBef>
@@ -4301,7 +4463,7 @@
               <a:buChar char="○"/>
               <a:defRPr/>
             </a:lvl8pPr>
-            <a:lvl9pPr indent="-317500" lvl="8" marL="4114800">
+            <a:lvl9pPr marL="4114800" lvl="8" indent="-317500">
               <a:spcBef>
                 <a:spcPts val="0"/>
               </a:spcBef>
@@ -4313,15 +4475,19 @@
               <a:defRPr/>
             </a:lvl9pPr>
           </a:lstStyle>
-          <a:p/>
+          <a:p>
+            <a:endParaRPr/>
+          </a:p>
         </p:txBody>
       </p:sp>
       <p:sp>
         <p:nvSpPr>
           <p:cNvPr id="19" name="Google Shape;19;p4"/>
-          <p:cNvSpPr txBox="1"/>
+          <p:cNvSpPr txBox="1">
+            <a:spLocks noGrp="1"/>
+          </p:cNvSpPr>
           <p:nvPr>
-            <p:ph idx="12" type="sldNum"/>
+            <p:ph type="sldNum" idx="12"/>
           </p:nvPr>
         </p:nvSpPr>
         <p:spPr>
@@ -4334,7 +4500,7 @@
           </a:prstGeom>
         </p:spPr>
         <p:txBody>
-          <a:bodyPr anchorCtr="0" anchor="ctr" bIns="91425" lIns="91425" spcFirstLastPara="1" rIns="91425" wrap="square" tIns="91425">
+          <a:bodyPr spcFirstLastPara="1" wrap="square" lIns="91425" tIns="91425" rIns="91425" bIns="91425" anchor="ctr" anchorCtr="0">
             <a:normAutofit/>
           </a:bodyPr>
           <a:lstStyle>
@@ -4376,7 +4542,7 @@
             </a:lvl9pPr>
           </a:lstStyle>
           <a:p>
-            <a:pPr indent="0" lvl="0" marL="0" rtl="0" algn="r">
+            <a:pPr marL="0" lvl="0" indent="0" algn="r" rtl="0">
               <a:spcBef>
                 <a:spcPts val="0"/>
               </a:spcBef>
@@ -4402,11 +4568,11 @@
 </file>
 
 <file path=ppt/slideLayouts/slideLayout4.xml><?xml version="1.0" encoding="utf-8"?>
-<p:sldLayout xmlns:a="http://schemas.openxmlformats.org/drawingml/2006/main" xmlns:r="http://schemas.openxmlformats.org/officeDocument/2006/relationships" xmlns:mc="http://schemas.openxmlformats.org/markup-compatibility/2006" xmlns:mv="urn:schemas-microsoft-com:mac:vml" xmlns:p="http://schemas.openxmlformats.org/presentationml/2006/main" xmlns:c="http://schemas.openxmlformats.org/drawingml/2006/chart" xmlns:dgm="http://schemas.openxmlformats.org/drawingml/2006/diagram" xmlns:o="urn:schemas-microsoft-com:office:office" xmlns:v="urn:schemas-microsoft-com:vml" xmlns:pvml="urn:schemas-microsoft-com:office:powerpoint" xmlns:com="http://schemas.openxmlformats.org/drawingml/2006/compatibility" xmlns:p14="http://schemas.microsoft.com/office/powerpoint/2010/main" xmlns:p15="http://schemas.microsoft.com/office/powerpoint/2012/main" xmlns:ahyp="http://schemas.microsoft.com/office/drawing/2018/hyperlinkcolor" matchingName="Title and two columns" type="twoColTx">
+<p:sldLayout xmlns:a="http://schemas.openxmlformats.org/drawingml/2006/main" xmlns:r="http://schemas.openxmlformats.org/officeDocument/2006/relationships" xmlns:p="http://schemas.openxmlformats.org/presentationml/2006/main" matchingName="Title and two columns" type="twoColTx">
   <p:cSld name="TITLE_AND_TWO_COLUMNS">
     <p:spTree>
       <p:nvGrpSpPr>
-        <p:cNvPr id="20" name="Shape 20"/>
+        <p:cNvPr id="1" name="Shape 20"/>
         <p:cNvGrpSpPr/>
         <p:nvPr/>
       </p:nvGrpSpPr>
@@ -4421,7 +4587,9 @@
       <p:sp>
         <p:nvSpPr>
           <p:cNvPr id="21" name="Google Shape;21;p5"/>
-          <p:cNvSpPr txBox="1"/>
+          <p:cNvSpPr txBox="1">
+            <a:spLocks noGrp="1"/>
+          </p:cNvSpPr>
           <p:nvPr>
             <p:ph type="title"/>
           </p:nvPr>
@@ -4436,7 +4604,7 @@
           </a:prstGeom>
         </p:spPr>
         <p:txBody>
-          <a:bodyPr anchorCtr="0" anchor="t" bIns="91425" lIns="91425" spcFirstLastPara="1" rIns="91425" wrap="square" tIns="91425">
+          <a:bodyPr spcFirstLastPara="1" wrap="square" lIns="91425" tIns="91425" rIns="91425" bIns="91425" anchor="t" anchorCtr="0">
             <a:normAutofit/>
           </a:bodyPr>
           <a:lstStyle>
@@ -4540,15 +4708,19 @@
               <a:defRPr/>
             </a:lvl9pPr>
           </a:lstStyle>
-          <a:p/>
+          <a:p>
+            <a:endParaRPr/>
+          </a:p>
         </p:txBody>
       </p:sp>
       <p:sp>
         <p:nvSpPr>
           <p:cNvPr id="22" name="Google Shape;22;p5"/>
-          <p:cNvSpPr txBox="1"/>
+          <p:cNvSpPr txBox="1">
+            <a:spLocks noGrp="1"/>
+          </p:cNvSpPr>
           <p:nvPr>
-            <p:ph idx="1" type="body"/>
+            <p:ph type="body" idx="1"/>
           </p:nvPr>
         </p:nvSpPr>
         <p:spPr>
@@ -4561,11 +4733,11 @@
           </a:prstGeom>
         </p:spPr>
         <p:txBody>
-          <a:bodyPr anchorCtr="0" anchor="t" bIns="91425" lIns="91425" spcFirstLastPara="1" rIns="91425" wrap="square" tIns="91425">
+          <a:bodyPr spcFirstLastPara="1" wrap="square" lIns="91425" tIns="91425" rIns="91425" bIns="91425" anchor="t" anchorCtr="0">
             <a:normAutofit/>
           </a:bodyPr>
           <a:lstStyle>
-            <a:lvl1pPr indent="-317500" lvl="0" marL="457200">
+            <a:lvl1pPr marL="457200" lvl="0" indent="-317500">
               <a:spcBef>
                 <a:spcPts val="0"/>
               </a:spcBef>
@@ -4576,7 +4748,7 @@
               <a:buChar char="●"/>
               <a:defRPr sz="1400"/>
             </a:lvl1pPr>
-            <a:lvl2pPr indent="-304800" lvl="1" marL="914400">
+            <a:lvl2pPr marL="914400" lvl="1" indent="-304800">
               <a:spcBef>
                 <a:spcPts val="0"/>
               </a:spcBef>
@@ -4587,7 +4759,7 @@
               <a:buChar char="○"/>
               <a:defRPr sz="1200"/>
             </a:lvl2pPr>
-            <a:lvl3pPr indent="-304800" lvl="2" marL="1371600">
+            <a:lvl3pPr marL="1371600" lvl="2" indent="-304800">
               <a:spcBef>
                 <a:spcPts val="0"/>
               </a:spcBef>
@@ -4598,7 +4770,7 @@
               <a:buChar char="■"/>
               <a:defRPr sz="1200"/>
             </a:lvl3pPr>
-            <a:lvl4pPr indent="-304800" lvl="3" marL="1828800">
+            <a:lvl4pPr marL="1828800" lvl="3" indent="-304800">
               <a:spcBef>
                 <a:spcPts val="0"/>
               </a:spcBef>
@@ -4609,7 +4781,7 @@
               <a:buChar char="●"/>
               <a:defRPr sz="1200"/>
             </a:lvl4pPr>
-            <a:lvl5pPr indent="-304800" lvl="4" marL="2286000">
+            <a:lvl5pPr marL="2286000" lvl="4" indent="-304800">
               <a:spcBef>
                 <a:spcPts val="0"/>
               </a:spcBef>
@@ -4620,7 +4792,7 @@
               <a:buChar char="○"/>
               <a:defRPr sz="1200"/>
             </a:lvl5pPr>
-            <a:lvl6pPr indent="-304800" lvl="5" marL="2743200">
+            <a:lvl6pPr marL="2743200" lvl="5" indent="-304800">
               <a:spcBef>
                 <a:spcPts val="0"/>
               </a:spcBef>
@@ -4631,7 +4803,7 @@
               <a:buChar char="■"/>
               <a:defRPr sz="1200"/>
             </a:lvl6pPr>
-            <a:lvl7pPr indent="-304800" lvl="6" marL="3200400">
+            <a:lvl7pPr marL="3200400" lvl="6" indent="-304800">
               <a:spcBef>
                 <a:spcPts val="0"/>
               </a:spcBef>
@@ -4642,7 +4814,7 @@
               <a:buChar char="●"/>
               <a:defRPr sz="1200"/>
             </a:lvl7pPr>
-            <a:lvl8pPr indent="-304800" lvl="7" marL="3657600">
+            <a:lvl8pPr marL="3657600" lvl="7" indent="-304800">
               <a:spcBef>
                 <a:spcPts val="0"/>
               </a:spcBef>
@@ -4653,7 +4825,7 @@
               <a:buChar char="○"/>
               <a:defRPr sz="1200"/>
             </a:lvl8pPr>
-            <a:lvl9pPr indent="-304800" lvl="8" marL="4114800">
+            <a:lvl9pPr marL="4114800" lvl="8" indent="-304800">
               <a:spcBef>
                 <a:spcPts val="0"/>
               </a:spcBef>
@@ -4665,15 +4837,19 @@
               <a:defRPr sz="1200"/>
             </a:lvl9pPr>
           </a:lstStyle>
-          <a:p/>
+          <a:p>
+            <a:endParaRPr/>
+          </a:p>
         </p:txBody>
       </p:sp>
       <p:sp>
         <p:nvSpPr>
           <p:cNvPr id="23" name="Google Shape;23;p5"/>
-          <p:cNvSpPr txBox="1"/>
+          <p:cNvSpPr txBox="1">
+            <a:spLocks noGrp="1"/>
+          </p:cNvSpPr>
           <p:nvPr>
-            <p:ph idx="2" type="body"/>
+            <p:ph type="body" idx="2"/>
           </p:nvPr>
         </p:nvSpPr>
         <p:spPr>
@@ -4686,11 +4862,11 @@
           </a:prstGeom>
         </p:spPr>
         <p:txBody>
-          <a:bodyPr anchorCtr="0" anchor="t" bIns="91425" lIns="91425" spcFirstLastPara="1" rIns="91425" wrap="square" tIns="91425">
+          <a:bodyPr spcFirstLastPara="1" wrap="square" lIns="91425" tIns="91425" rIns="91425" bIns="91425" anchor="t" anchorCtr="0">
             <a:normAutofit/>
           </a:bodyPr>
           <a:lstStyle>
-            <a:lvl1pPr indent="-317500" lvl="0" marL="457200">
+            <a:lvl1pPr marL="457200" lvl="0" indent="-317500">
               <a:spcBef>
                 <a:spcPts val="0"/>
               </a:spcBef>
@@ -4701,7 +4877,7 @@
               <a:buChar char="●"/>
               <a:defRPr sz="1400"/>
             </a:lvl1pPr>
-            <a:lvl2pPr indent="-304800" lvl="1" marL="914400">
+            <a:lvl2pPr marL="914400" lvl="1" indent="-304800">
               <a:spcBef>
                 <a:spcPts val="0"/>
               </a:spcBef>
@@ -4712,7 +4888,7 @@
               <a:buChar char="○"/>
               <a:defRPr sz="1200"/>
             </a:lvl2pPr>
-            <a:lvl3pPr indent="-304800" lvl="2" marL="1371600">
+            <a:lvl3pPr marL="1371600" lvl="2" indent="-304800">
               <a:spcBef>
                 <a:spcPts val="0"/>
               </a:spcBef>
@@ -4723,7 +4899,7 @@
               <a:buChar char="■"/>
               <a:defRPr sz="1200"/>
             </a:lvl3pPr>
-            <a:lvl4pPr indent="-304800" lvl="3" marL="1828800">
+            <a:lvl4pPr marL="1828800" lvl="3" indent="-304800">
               <a:spcBef>
                 <a:spcPts val="0"/>
               </a:spcBef>
@@ -4734,7 +4910,7 @@
               <a:buChar char="●"/>
               <a:defRPr sz="1200"/>
             </a:lvl4pPr>
-            <a:lvl5pPr indent="-304800" lvl="4" marL="2286000">
+            <a:lvl5pPr marL="2286000" lvl="4" indent="-304800">
               <a:spcBef>
                 <a:spcPts val="0"/>
               </a:spcBef>
@@ -4745,7 +4921,7 @@
               <a:buChar char="○"/>
               <a:defRPr sz="1200"/>
             </a:lvl5pPr>
-            <a:lvl6pPr indent="-304800" lvl="5" marL="2743200">
+            <a:lvl6pPr marL="2743200" lvl="5" indent="-304800">
               <a:spcBef>
                 <a:spcPts val="0"/>
               </a:spcBef>
@@ -4756,7 +4932,7 @@
               <a:buChar char="■"/>
               <a:defRPr sz="1200"/>
             </a:lvl6pPr>
-            <a:lvl7pPr indent="-304800" lvl="6" marL="3200400">
+            <a:lvl7pPr marL="3200400" lvl="6" indent="-304800">
               <a:spcBef>
                 <a:spcPts val="0"/>
               </a:spcBef>
@@ -4767,7 +4943,7 @@
               <a:buChar char="●"/>
               <a:defRPr sz="1200"/>
             </a:lvl7pPr>
-            <a:lvl8pPr indent="-304800" lvl="7" marL="3657600">
+            <a:lvl8pPr marL="3657600" lvl="7" indent="-304800">
               <a:spcBef>
                 <a:spcPts val="0"/>
               </a:spcBef>
@@ -4778,7 +4954,7 @@
               <a:buChar char="○"/>
               <a:defRPr sz="1200"/>
             </a:lvl8pPr>
-            <a:lvl9pPr indent="-304800" lvl="8" marL="4114800">
+            <a:lvl9pPr marL="4114800" lvl="8" indent="-304800">
               <a:spcBef>
                 <a:spcPts val="0"/>
               </a:spcBef>
@@ -4790,15 +4966,19 @@
               <a:defRPr sz="1200"/>
             </a:lvl9pPr>
           </a:lstStyle>
-          <a:p/>
+          <a:p>
+            <a:endParaRPr/>
+          </a:p>
         </p:txBody>
       </p:sp>
       <p:sp>
         <p:nvSpPr>
           <p:cNvPr id="24" name="Google Shape;24;p5"/>
-          <p:cNvSpPr txBox="1"/>
+          <p:cNvSpPr txBox="1">
+            <a:spLocks noGrp="1"/>
+          </p:cNvSpPr>
           <p:nvPr>
-            <p:ph idx="12" type="sldNum"/>
+            <p:ph type="sldNum" idx="12"/>
           </p:nvPr>
         </p:nvSpPr>
         <p:spPr>
@@ -4811,7 +4991,7 @@
           </a:prstGeom>
         </p:spPr>
         <p:txBody>
-          <a:bodyPr anchorCtr="0" anchor="ctr" bIns="91425" lIns="91425" spcFirstLastPara="1" rIns="91425" wrap="square" tIns="91425">
+          <a:bodyPr spcFirstLastPara="1" wrap="square" lIns="91425" tIns="91425" rIns="91425" bIns="91425" anchor="ctr" anchorCtr="0">
             <a:normAutofit/>
           </a:bodyPr>
           <a:lstStyle>
@@ -4853,7 +5033,7 @@
             </a:lvl9pPr>
           </a:lstStyle>
           <a:p>
-            <a:pPr indent="0" lvl="0" marL="0" rtl="0" algn="r">
+            <a:pPr marL="0" lvl="0" indent="0" algn="r" rtl="0">
               <a:spcBef>
                 <a:spcPts val="0"/>
               </a:spcBef>
@@ -4879,11 +5059,11 @@
 </file>
 
 <file path=ppt/slideLayouts/slideLayout5.xml><?xml version="1.0" encoding="utf-8"?>
-<p:sldLayout xmlns:a="http://schemas.openxmlformats.org/drawingml/2006/main" xmlns:r="http://schemas.openxmlformats.org/officeDocument/2006/relationships" xmlns:mc="http://schemas.openxmlformats.org/markup-compatibility/2006" xmlns:mv="urn:schemas-microsoft-com:mac:vml" xmlns:p="http://schemas.openxmlformats.org/presentationml/2006/main" xmlns:c="http://schemas.openxmlformats.org/drawingml/2006/chart" xmlns:dgm="http://schemas.openxmlformats.org/drawingml/2006/diagram" xmlns:o="urn:schemas-microsoft-com:office:office" xmlns:v="urn:schemas-microsoft-com:vml" xmlns:pvml="urn:schemas-microsoft-com:office:powerpoint" xmlns:com="http://schemas.openxmlformats.org/drawingml/2006/compatibility" xmlns:p14="http://schemas.microsoft.com/office/powerpoint/2010/main" xmlns:p15="http://schemas.microsoft.com/office/powerpoint/2012/main" xmlns:ahyp="http://schemas.microsoft.com/office/drawing/2018/hyperlinkcolor" matchingName="Title only" type="titleOnly">
+<p:sldLayout xmlns:a="http://schemas.openxmlformats.org/drawingml/2006/main" xmlns:r="http://schemas.openxmlformats.org/officeDocument/2006/relationships" xmlns:p="http://schemas.openxmlformats.org/presentationml/2006/main" matchingName="Title only" type="titleOnly">
   <p:cSld name="TITLE_ONLY">
     <p:spTree>
       <p:nvGrpSpPr>
-        <p:cNvPr id="25" name="Shape 25"/>
+        <p:cNvPr id="1" name="Shape 25"/>
         <p:cNvGrpSpPr/>
         <p:nvPr/>
       </p:nvGrpSpPr>
@@ -4898,7 +5078,9 @@
       <p:sp>
         <p:nvSpPr>
           <p:cNvPr id="26" name="Google Shape;26;p6"/>
-          <p:cNvSpPr txBox="1"/>
+          <p:cNvSpPr txBox="1">
+            <a:spLocks noGrp="1"/>
+          </p:cNvSpPr>
           <p:nvPr>
             <p:ph type="title"/>
           </p:nvPr>
@@ -4913,7 +5095,7 @@
           </a:prstGeom>
         </p:spPr>
         <p:txBody>
-          <a:bodyPr anchorCtr="0" anchor="t" bIns="91425" lIns="91425" spcFirstLastPara="1" rIns="91425" wrap="square" tIns="91425">
+          <a:bodyPr spcFirstLastPara="1" wrap="square" lIns="91425" tIns="91425" rIns="91425" bIns="91425" anchor="t" anchorCtr="0">
             <a:normAutofit/>
           </a:bodyPr>
           <a:lstStyle>
@@ -5017,15 +5199,19 @@
               <a:defRPr/>
             </a:lvl9pPr>
           </a:lstStyle>
-          <a:p/>
+          <a:p>
+            <a:endParaRPr/>
+          </a:p>
         </p:txBody>
       </p:sp>
       <p:sp>
         <p:nvSpPr>
           <p:cNvPr id="27" name="Google Shape;27;p6"/>
-          <p:cNvSpPr txBox="1"/>
+          <p:cNvSpPr txBox="1">
+            <a:spLocks noGrp="1"/>
+          </p:cNvSpPr>
           <p:nvPr>
-            <p:ph idx="12" type="sldNum"/>
+            <p:ph type="sldNum" idx="12"/>
           </p:nvPr>
         </p:nvSpPr>
         <p:spPr>
@@ -5038,7 +5224,7 @@
           </a:prstGeom>
         </p:spPr>
         <p:txBody>
-          <a:bodyPr anchorCtr="0" anchor="ctr" bIns="91425" lIns="91425" spcFirstLastPara="1" rIns="91425" wrap="square" tIns="91425">
+          <a:bodyPr spcFirstLastPara="1" wrap="square" lIns="91425" tIns="91425" rIns="91425" bIns="91425" anchor="ctr" anchorCtr="0">
             <a:normAutofit/>
           </a:bodyPr>
           <a:lstStyle>
@@ -5080,7 +5266,7 @@
             </a:lvl9pPr>
           </a:lstStyle>
           <a:p>
-            <a:pPr indent="0" lvl="0" marL="0" rtl="0" algn="r">
+            <a:pPr marL="0" lvl="0" indent="0" algn="r" rtl="0">
               <a:spcBef>
                 <a:spcPts val="0"/>
               </a:spcBef>
@@ -5106,11 +5292,11 @@
 </file>
 
 <file path=ppt/slideLayouts/slideLayout6.xml><?xml version="1.0" encoding="utf-8"?>
-<p:sldLayout xmlns:a="http://schemas.openxmlformats.org/drawingml/2006/main" xmlns:r="http://schemas.openxmlformats.org/officeDocument/2006/relationships" xmlns:mc="http://schemas.openxmlformats.org/markup-compatibility/2006" xmlns:mv="urn:schemas-microsoft-com:mac:vml" xmlns:p="http://schemas.openxmlformats.org/presentationml/2006/main" xmlns:c="http://schemas.openxmlformats.org/drawingml/2006/chart" xmlns:dgm="http://schemas.openxmlformats.org/drawingml/2006/diagram" xmlns:o="urn:schemas-microsoft-com:office:office" xmlns:v="urn:schemas-microsoft-com:vml" xmlns:pvml="urn:schemas-microsoft-com:office:powerpoint" xmlns:com="http://schemas.openxmlformats.org/drawingml/2006/compatibility" xmlns:p14="http://schemas.microsoft.com/office/powerpoint/2010/main" xmlns:p15="http://schemas.microsoft.com/office/powerpoint/2012/main" xmlns:ahyp="http://schemas.microsoft.com/office/drawing/2018/hyperlinkcolor" matchingName="One column text">
+<p:sldLayout xmlns:a="http://schemas.openxmlformats.org/drawingml/2006/main" xmlns:r="http://schemas.openxmlformats.org/officeDocument/2006/relationships" xmlns:p="http://schemas.openxmlformats.org/presentationml/2006/main" matchingName="One column text">
   <p:cSld name="ONE_COLUMN_TEXT">
     <p:spTree>
       <p:nvGrpSpPr>
-        <p:cNvPr id="28" name="Shape 28"/>
+        <p:cNvPr id="1" name="Shape 28"/>
         <p:cNvGrpSpPr/>
         <p:nvPr/>
       </p:nvGrpSpPr>
@@ -5125,7 +5311,9 @@
       <p:sp>
         <p:nvSpPr>
           <p:cNvPr id="29" name="Google Shape;29;p7"/>
-          <p:cNvSpPr txBox="1"/>
+          <p:cNvSpPr txBox="1">
+            <a:spLocks noGrp="1"/>
+          </p:cNvSpPr>
           <p:nvPr>
             <p:ph type="title"/>
           </p:nvPr>
@@ -5140,7 +5328,7 @@
           </a:prstGeom>
         </p:spPr>
         <p:txBody>
-          <a:bodyPr anchorCtr="0" anchor="b" bIns="91425" lIns="91425" spcFirstLastPara="1" rIns="91425" wrap="square" tIns="91425">
+          <a:bodyPr spcFirstLastPara="1" wrap="square" lIns="91425" tIns="91425" rIns="91425" bIns="91425" anchor="b" anchorCtr="0">
             <a:normAutofit/>
           </a:bodyPr>
           <a:lstStyle>
@@ -5244,15 +5432,19 @@
               <a:defRPr sz="2400"/>
             </a:lvl9pPr>
           </a:lstStyle>
-          <a:p/>
+          <a:p>
+            <a:endParaRPr/>
+          </a:p>
         </p:txBody>
       </p:sp>
       <p:sp>
         <p:nvSpPr>
           <p:cNvPr id="30" name="Google Shape;30;p7"/>
-          <p:cNvSpPr txBox="1"/>
+          <p:cNvSpPr txBox="1">
+            <a:spLocks noGrp="1"/>
+          </p:cNvSpPr>
           <p:nvPr>
-            <p:ph idx="1" type="body"/>
+            <p:ph type="body" idx="1"/>
           </p:nvPr>
         </p:nvSpPr>
         <p:spPr>
@@ -5265,11 +5457,11 @@
           </a:prstGeom>
         </p:spPr>
         <p:txBody>
-          <a:bodyPr anchorCtr="0" anchor="t" bIns="91425" lIns="91425" spcFirstLastPara="1" rIns="91425" wrap="square" tIns="91425">
+          <a:bodyPr spcFirstLastPara="1" wrap="square" lIns="91425" tIns="91425" rIns="91425" bIns="91425" anchor="t" anchorCtr="0">
             <a:normAutofit/>
           </a:bodyPr>
           <a:lstStyle>
-            <a:lvl1pPr indent="-304800" lvl="0" marL="457200">
+            <a:lvl1pPr marL="457200" lvl="0" indent="-304800">
               <a:spcBef>
                 <a:spcPts val="0"/>
               </a:spcBef>
@@ -5280,7 +5472,7 @@
               <a:buChar char="●"/>
               <a:defRPr sz="1200"/>
             </a:lvl1pPr>
-            <a:lvl2pPr indent="-304800" lvl="1" marL="914400">
+            <a:lvl2pPr marL="914400" lvl="1" indent="-304800">
               <a:spcBef>
                 <a:spcPts val="0"/>
               </a:spcBef>
@@ -5291,7 +5483,7 @@
               <a:buChar char="○"/>
               <a:defRPr sz="1200"/>
             </a:lvl2pPr>
-            <a:lvl3pPr indent="-304800" lvl="2" marL="1371600">
+            <a:lvl3pPr marL="1371600" lvl="2" indent="-304800">
               <a:spcBef>
                 <a:spcPts val="0"/>
               </a:spcBef>
@@ -5302,7 +5494,7 @@
               <a:buChar char="■"/>
               <a:defRPr sz="1200"/>
             </a:lvl3pPr>
-            <a:lvl4pPr indent="-304800" lvl="3" marL="1828800">
+            <a:lvl4pPr marL="1828800" lvl="3" indent="-304800">
               <a:spcBef>
                 <a:spcPts val="0"/>
               </a:spcBef>
@@ -5313,7 +5505,7 @@
               <a:buChar char="●"/>
               <a:defRPr sz="1200"/>
             </a:lvl4pPr>
-            <a:lvl5pPr indent="-304800" lvl="4" marL="2286000">
+            <a:lvl5pPr marL="2286000" lvl="4" indent="-304800">
               <a:spcBef>
                 <a:spcPts val="0"/>
               </a:spcBef>
@@ -5324,7 +5516,7 @@
               <a:buChar char="○"/>
               <a:defRPr sz="1200"/>
             </a:lvl5pPr>
-            <a:lvl6pPr indent="-304800" lvl="5" marL="2743200">
+            <a:lvl6pPr marL="2743200" lvl="5" indent="-304800">
               <a:spcBef>
                 <a:spcPts val="0"/>
               </a:spcBef>
@@ -5335,7 +5527,7 @@
               <a:buChar char="■"/>
               <a:defRPr sz="1200"/>
             </a:lvl6pPr>
-            <a:lvl7pPr indent="-304800" lvl="6" marL="3200400">
+            <a:lvl7pPr marL="3200400" lvl="6" indent="-304800">
               <a:spcBef>
                 <a:spcPts val="0"/>
               </a:spcBef>
@@ -5346,7 +5538,7 @@
               <a:buChar char="●"/>
               <a:defRPr sz="1200"/>
             </a:lvl7pPr>
-            <a:lvl8pPr indent="-304800" lvl="7" marL="3657600">
+            <a:lvl8pPr marL="3657600" lvl="7" indent="-304800">
               <a:spcBef>
                 <a:spcPts val="0"/>
               </a:spcBef>
@@ -5357,7 +5549,7 @@
               <a:buChar char="○"/>
               <a:defRPr sz="1200"/>
             </a:lvl8pPr>
-            <a:lvl9pPr indent="-304800" lvl="8" marL="4114800">
+            <a:lvl9pPr marL="4114800" lvl="8" indent="-304800">
               <a:spcBef>
                 <a:spcPts val="0"/>
               </a:spcBef>
@@ -5369,15 +5561,19 @@
               <a:defRPr sz="1200"/>
             </a:lvl9pPr>
           </a:lstStyle>
-          <a:p/>
+          <a:p>
+            <a:endParaRPr/>
+          </a:p>
         </p:txBody>
       </p:sp>
       <p:sp>
         <p:nvSpPr>
           <p:cNvPr id="31" name="Google Shape;31;p7"/>
-          <p:cNvSpPr txBox="1"/>
+          <p:cNvSpPr txBox="1">
+            <a:spLocks noGrp="1"/>
+          </p:cNvSpPr>
           <p:nvPr>
-            <p:ph idx="12" type="sldNum"/>
+            <p:ph type="sldNum" idx="12"/>
           </p:nvPr>
         </p:nvSpPr>
         <p:spPr>
@@ -5390,7 +5586,7 @@
           </a:prstGeom>
         </p:spPr>
         <p:txBody>
-          <a:bodyPr anchorCtr="0" anchor="ctr" bIns="91425" lIns="91425" spcFirstLastPara="1" rIns="91425" wrap="square" tIns="91425">
+          <a:bodyPr spcFirstLastPara="1" wrap="square" lIns="91425" tIns="91425" rIns="91425" bIns="91425" anchor="ctr" anchorCtr="0">
             <a:normAutofit/>
           </a:bodyPr>
           <a:lstStyle>
@@ -5432,7 +5628,7 @@
             </a:lvl9pPr>
           </a:lstStyle>
           <a:p>
-            <a:pPr indent="0" lvl="0" marL="0" rtl="0" algn="r">
+            <a:pPr marL="0" lvl="0" indent="0" algn="r" rtl="0">
               <a:spcBef>
                 <a:spcPts val="0"/>
               </a:spcBef>
@@ -5458,11 +5654,11 @@
 </file>
 
 <file path=ppt/slideLayouts/slideLayout7.xml><?xml version="1.0" encoding="utf-8"?>
-<p:sldLayout xmlns:a="http://schemas.openxmlformats.org/drawingml/2006/main" xmlns:r="http://schemas.openxmlformats.org/officeDocument/2006/relationships" xmlns:mc="http://schemas.openxmlformats.org/markup-compatibility/2006" xmlns:mv="urn:schemas-microsoft-com:mac:vml" xmlns:p="http://schemas.openxmlformats.org/presentationml/2006/main" xmlns:c="http://schemas.openxmlformats.org/drawingml/2006/chart" xmlns:dgm="http://schemas.openxmlformats.org/drawingml/2006/diagram" xmlns:o="urn:schemas-microsoft-com:office:office" xmlns:v="urn:schemas-microsoft-com:vml" xmlns:pvml="urn:schemas-microsoft-com:office:powerpoint" xmlns:com="http://schemas.openxmlformats.org/drawingml/2006/compatibility" xmlns:p14="http://schemas.microsoft.com/office/powerpoint/2010/main" xmlns:p15="http://schemas.microsoft.com/office/powerpoint/2012/main" xmlns:ahyp="http://schemas.microsoft.com/office/drawing/2018/hyperlinkcolor" matchingName="Main point">
+<p:sldLayout xmlns:a="http://schemas.openxmlformats.org/drawingml/2006/main" xmlns:r="http://schemas.openxmlformats.org/officeDocument/2006/relationships" xmlns:p="http://schemas.openxmlformats.org/presentationml/2006/main" matchingName="Main point">
   <p:cSld name="MAIN_POINT">
     <p:spTree>
       <p:nvGrpSpPr>
-        <p:cNvPr id="32" name="Shape 32"/>
+        <p:cNvPr id="1" name="Shape 32"/>
         <p:cNvGrpSpPr/>
         <p:nvPr/>
       </p:nvGrpSpPr>
@@ -5477,7 +5673,9 @@
       <p:sp>
         <p:nvSpPr>
           <p:cNvPr id="33" name="Google Shape;33;p8"/>
-          <p:cNvSpPr txBox="1"/>
+          <p:cNvSpPr txBox="1">
+            <a:spLocks noGrp="1"/>
+          </p:cNvSpPr>
           <p:nvPr>
             <p:ph type="title"/>
           </p:nvPr>
@@ -5492,7 +5690,7 @@
           </a:prstGeom>
         </p:spPr>
         <p:txBody>
-          <a:bodyPr anchorCtr="0" anchor="ctr" bIns="91425" lIns="91425" spcFirstLastPara="1" rIns="91425" wrap="square" tIns="91425">
+          <a:bodyPr spcFirstLastPara="1" wrap="square" lIns="91425" tIns="91425" rIns="91425" bIns="91425" anchor="ctr" anchorCtr="0">
             <a:normAutofit/>
           </a:bodyPr>
           <a:lstStyle>
@@ -5596,15 +5794,19 @@
               <a:defRPr sz="4800"/>
             </a:lvl9pPr>
           </a:lstStyle>
-          <a:p/>
+          <a:p>
+            <a:endParaRPr/>
+          </a:p>
         </p:txBody>
       </p:sp>
       <p:sp>
         <p:nvSpPr>
           <p:cNvPr id="34" name="Google Shape;34;p8"/>
-          <p:cNvSpPr txBox="1"/>
+          <p:cNvSpPr txBox="1">
+            <a:spLocks noGrp="1"/>
+          </p:cNvSpPr>
           <p:nvPr>
-            <p:ph idx="12" type="sldNum"/>
+            <p:ph type="sldNum" idx="12"/>
           </p:nvPr>
         </p:nvSpPr>
         <p:spPr>
@@ -5617,7 +5819,7 @@
           </a:prstGeom>
         </p:spPr>
         <p:txBody>
-          <a:bodyPr anchorCtr="0" anchor="ctr" bIns="91425" lIns="91425" spcFirstLastPara="1" rIns="91425" wrap="square" tIns="91425">
+          <a:bodyPr spcFirstLastPara="1" wrap="square" lIns="91425" tIns="91425" rIns="91425" bIns="91425" anchor="ctr" anchorCtr="0">
             <a:normAutofit/>
           </a:bodyPr>
           <a:lstStyle>
@@ -5659,7 +5861,7 @@
             </a:lvl9pPr>
           </a:lstStyle>
           <a:p>
-            <a:pPr indent="0" lvl="0" marL="0" rtl="0" algn="r">
+            <a:pPr marL="0" lvl="0" indent="0" algn="r" rtl="0">
               <a:spcBef>
                 <a:spcPts val="0"/>
               </a:spcBef>
@@ -5685,11 +5887,11 @@
 </file>
 
 <file path=ppt/slideLayouts/slideLayout8.xml><?xml version="1.0" encoding="utf-8"?>
-<p:sldLayout xmlns:a="http://schemas.openxmlformats.org/drawingml/2006/main" xmlns:r="http://schemas.openxmlformats.org/officeDocument/2006/relationships" xmlns:mc="http://schemas.openxmlformats.org/markup-compatibility/2006" xmlns:mv="urn:schemas-microsoft-com:mac:vml" xmlns:p="http://schemas.openxmlformats.org/presentationml/2006/main" xmlns:c="http://schemas.openxmlformats.org/drawingml/2006/chart" xmlns:dgm="http://schemas.openxmlformats.org/drawingml/2006/diagram" xmlns:o="urn:schemas-microsoft-com:office:office" xmlns:v="urn:schemas-microsoft-com:vml" xmlns:pvml="urn:schemas-microsoft-com:office:powerpoint" xmlns:com="http://schemas.openxmlformats.org/drawingml/2006/compatibility" xmlns:p14="http://schemas.microsoft.com/office/powerpoint/2010/main" xmlns:p15="http://schemas.microsoft.com/office/powerpoint/2012/main" xmlns:ahyp="http://schemas.microsoft.com/office/drawing/2018/hyperlinkcolor" matchingName="Section title and description">
+<p:sldLayout xmlns:a="http://schemas.openxmlformats.org/drawingml/2006/main" xmlns:r="http://schemas.openxmlformats.org/officeDocument/2006/relationships" xmlns:p="http://schemas.openxmlformats.org/presentationml/2006/main" matchingName="Section title and description">
   <p:cSld name="SECTION_TITLE_AND_DESCRIPTION">
     <p:spTree>
       <p:nvGrpSpPr>
-        <p:cNvPr id="35" name="Shape 35"/>
+        <p:cNvPr id="1" name="Shape 35"/>
         <p:cNvGrpSpPr/>
         <p:nvPr/>
       </p:nvGrpSpPr>
@@ -5723,23 +5925,20 @@
           </a:ln>
         </p:spPr>
         <p:txBody>
-          <a:bodyPr anchorCtr="0" anchor="ctr" bIns="91425" lIns="91425" spcFirstLastPara="1" rIns="91425" wrap="square" tIns="91425">
+          <a:bodyPr spcFirstLastPara="1" wrap="square" lIns="91425" tIns="91425" rIns="91425" bIns="91425" anchor="ctr" anchorCtr="0">
             <a:noAutofit/>
           </a:bodyPr>
           <a:lstStyle/>
           <a:p>
-            <a:pPr indent="0" lvl="0" marL="0" rtl="0" algn="l">
-              <a:spcBef>
-                <a:spcPts val="0"/>
-              </a:spcBef>
-              <a:spcAft>
-                <a:spcPts val="0"/>
-              </a:spcAft>
-              <a:buNone/>
-            </a:pPr>
-            <a:r>
-              <a:t/>
-            </a:r>
+            <a:pPr marL="0" lvl="0" indent="0" algn="l" rtl="0">
+              <a:spcBef>
+                <a:spcPts val="0"/>
+              </a:spcBef>
+              <a:spcAft>
+                <a:spcPts val="0"/>
+              </a:spcAft>
+              <a:buNone/>
+            </a:pPr>
             <a:endParaRPr/>
           </a:p>
         </p:txBody>
@@ -5747,7 +5946,9 @@
       <p:sp>
         <p:nvSpPr>
           <p:cNvPr id="37" name="Google Shape;37;p9"/>
-          <p:cNvSpPr txBox="1"/>
+          <p:cNvSpPr txBox="1">
+            <a:spLocks noGrp="1"/>
+          </p:cNvSpPr>
           <p:nvPr>
             <p:ph type="title"/>
           </p:nvPr>
@@ -5762,7 +5963,7 @@
           </a:prstGeom>
         </p:spPr>
         <p:txBody>
-          <a:bodyPr anchorCtr="0" anchor="b" bIns="91425" lIns="91425" spcFirstLastPara="1" rIns="91425" wrap="square" tIns="91425">
+          <a:bodyPr spcFirstLastPara="1" wrap="square" lIns="91425" tIns="91425" rIns="91425" bIns="91425" anchor="b" anchorCtr="0">
             <a:normAutofit/>
           </a:bodyPr>
           <a:lstStyle>
@@ -5866,15 +6067,19 @@
               <a:defRPr sz="4200"/>
             </a:lvl9pPr>
           </a:lstStyle>
-          <a:p/>
+          <a:p>
+            <a:endParaRPr/>
+          </a:p>
         </p:txBody>
       </p:sp>
       <p:sp>
         <p:nvSpPr>
           <p:cNvPr id="38" name="Google Shape;38;p9"/>
-          <p:cNvSpPr txBox="1"/>
+          <p:cNvSpPr txBox="1">
+            <a:spLocks noGrp="1"/>
+          </p:cNvSpPr>
           <p:nvPr>
-            <p:ph idx="1" type="subTitle"/>
+            <p:ph type="subTitle" idx="1"/>
           </p:nvPr>
         </p:nvSpPr>
         <p:spPr>
@@ -5887,7 +6092,7 @@
           </a:prstGeom>
         </p:spPr>
         <p:txBody>
-          <a:bodyPr anchorCtr="0" anchor="t" bIns="91425" lIns="91425" spcFirstLastPara="1" rIns="91425" wrap="square" tIns="91425">
+          <a:bodyPr spcFirstLastPara="1" wrap="square" lIns="91425" tIns="91425" rIns="91425" bIns="91425" anchor="t" anchorCtr="0">
             <a:normAutofit/>
           </a:bodyPr>
           <a:lstStyle>
@@ -6018,15 +6223,19 @@
               <a:defRPr sz="2100"/>
             </a:lvl9pPr>
           </a:lstStyle>
-          <a:p/>
+          <a:p>
+            <a:endParaRPr/>
+          </a:p>
         </p:txBody>
       </p:sp>
       <p:sp>
         <p:nvSpPr>
           <p:cNvPr id="39" name="Google Shape;39;p9"/>
-          <p:cNvSpPr txBox="1"/>
+          <p:cNvSpPr txBox="1">
+            <a:spLocks noGrp="1"/>
+          </p:cNvSpPr>
           <p:nvPr>
-            <p:ph idx="2" type="body"/>
+            <p:ph type="body" idx="2"/>
           </p:nvPr>
         </p:nvSpPr>
         <p:spPr>
@@ -6039,11 +6248,11 @@
           </a:prstGeom>
         </p:spPr>
         <p:txBody>
-          <a:bodyPr anchorCtr="0" anchor="ctr" bIns="91425" lIns="91425" spcFirstLastPara="1" rIns="91425" wrap="square" tIns="91425">
+          <a:bodyPr spcFirstLastPara="1" wrap="square" lIns="91425" tIns="91425" rIns="91425" bIns="91425" anchor="ctr" anchorCtr="0">
             <a:normAutofit/>
           </a:bodyPr>
           <a:lstStyle>
-            <a:lvl1pPr indent="-342900" lvl="0" marL="457200">
+            <a:lvl1pPr marL="457200" lvl="0" indent="-342900">
               <a:spcBef>
                 <a:spcPts val="0"/>
               </a:spcBef>
@@ -6054,7 +6263,7 @@
               <a:buChar char="●"/>
               <a:defRPr/>
             </a:lvl1pPr>
-            <a:lvl2pPr indent="-317500" lvl="1" marL="914400">
+            <a:lvl2pPr marL="914400" lvl="1" indent="-317500">
               <a:spcBef>
                 <a:spcPts val="0"/>
               </a:spcBef>
@@ -6065,7 +6274,7 @@
               <a:buChar char="○"/>
               <a:defRPr/>
             </a:lvl2pPr>
-            <a:lvl3pPr indent="-317500" lvl="2" marL="1371600">
+            <a:lvl3pPr marL="1371600" lvl="2" indent="-317500">
               <a:spcBef>
                 <a:spcPts val="0"/>
               </a:spcBef>
@@ -6076,7 +6285,7 @@
               <a:buChar char="■"/>
               <a:defRPr/>
             </a:lvl3pPr>
-            <a:lvl4pPr indent="-317500" lvl="3" marL="1828800">
+            <a:lvl4pPr marL="1828800" lvl="3" indent="-317500">
               <a:spcBef>
                 <a:spcPts val="0"/>
               </a:spcBef>
@@ -6087,7 +6296,7 @@
               <a:buChar char="●"/>
               <a:defRPr/>
             </a:lvl4pPr>
-            <a:lvl5pPr indent="-317500" lvl="4" marL="2286000">
+            <a:lvl5pPr marL="2286000" lvl="4" indent="-317500">
               <a:spcBef>
                 <a:spcPts val="0"/>
               </a:spcBef>
@@ -6098,7 +6307,7 @@
               <a:buChar char="○"/>
               <a:defRPr/>
             </a:lvl5pPr>
-            <a:lvl6pPr indent="-317500" lvl="5" marL="2743200">
+            <a:lvl6pPr marL="2743200" lvl="5" indent="-317500">
               <a:spcBef>
                 <a:spcPts val="0"/>
               </a:spcBef>
@@ -6109,7 +6318,7 @@
               <a:buChar char="■"/>
               <a:defRPr/>
             </a:lvl6pPr>
-            <a:lvl7pPr indent="-317500" lvl="6" marL="3200400">
+            <a:lvl7pPr marL="3200400" lvl="6" indent="-317500">
               <a:spcBef>
                 <a:spcPts val="0"/>
               </a:spcBef>
@@ -6120,7 +6329,7 @@
               <a:buChar char="●"/>
               <a:defRPr/>
             </a:lvl7pPr>
-            <a:lvl8pPr indent="-317500" lvl="7" marL="3657600">
+            <a:lvl8pPr marL="3657600" lvl="7" indent="-317500">
               <a:spcBef>
                 <a:spcPts val="0"/>
               </a:spcBef>
@@ -6131,7 +6340,7 @@
               <a:buChar char="○"/>
               <a:defRPr/>
             </a:lvl8pPr>
-            <a:lvl9pPr indent="-317500" lvl="8" marL="4114800">
+            <a:lvl9pPr marL="4114800" lvl="8" indent="-317500">
               <a:spcBef>
                 <a:spcPts val="0"/>
               </a:spcBef>
@@ -6143,15 +6352,19 @@
               <a:defRPr/>
             </a:lvl9pPr>
           </a:lstStyle>
-          <a:p/>
+          <a:p>
+            <a:endParaRPr/>
+          </a:p>
         </p:txBody>
       </p:sp>
       <p:sp>
         <p:nvSpPr>
           <p:cNvPr id="40" name="Google Shape;40;p9"/>
-          <p:cNvSpPr txBox="1"/>
+          <p:cNvSpPr txBox="1">
+            <a:spLocks noGrp="1"/>
+          </p:cNvSpPr>
           <p:nvPr>
-            <p:ph idx="12" type="sldNum"/>
+            <p:ph type="sldNum" idx="12"/>
           </p:nvPr>
         </p:nvSpPr>
         <p:spPr>
@@ -6164,7 +6377,7 @@
           </a:prstGeom>
         </p:spPr>
         <p:txBody>
-          <a:bodyPr anchorCtr="0" anchor="ctr" bIns="91425" lIns="91425" spcFirstLastPara="1" rIns="91425" wrap="square" tIns="91425">
+          <a:bodyPr spcFirstLastPara="1" wrap="square" lIns="91425" tIns="91425" rIns="91425" bIns="91425" anchor="ctr" anchorCtr="0">
             <a:normAutofit/>
           </a:bodyPr>
           <a:lstStyle>
@@ -6206,7 +6419,7 @@
             </a:lvl9pPr>
           </a:lstStyle>
           <a:p>
-            <a:pPr indent="0" lvl="0" marL="0" rtl="0" algn="r">
+            <a:pPr marL="0" lvl="0" indent="0" algn="r" rtl="0">
               <a:spcBef>
                 <a:spcPts val="0"/>
               </a:spcBef>
@@ -6232,11 +6445,11 @@
 </file>
 
 <file path=ppt/slideLayouts/slideLayout9.xml><?xml version="1.0" encoding="utf-8"?>
-<p:sldLayout xmlns:a="http://schemas.openxmlformats.org/drawingml/2006/main" xmlns:r="http://schemas.openxmlformats.org/officeDocument/2006/relationships" xmlns:mc="http://schemas.openxmlformats.org/markup-compatibility/2006" xmlns:mv="urn:schemas-microsoft-com:mac:vml" xmlns:p="http://schemas.openxmlformats.org/presentationml/2006/main" xmlns:c="http://schemas.openxmlformats.org/drawingml/2006/chart" xmlns:dgm="http://schemas.openxmlformats.org/drawingml/2006/diagram" xmlns:o="urn:schemas-microsoft-com:office:office" xmlns:v="urn:schemas-microsoft-com:vml" xmlns:pvml="urn:schemas-microsoft-com:office:powerpoint" xmlns:com="http://schemas.openxmlformats.org/drawingml/2006/compatibility" xmlns:p14="http://schemas.microsoft.com/office/powerpoint/2010/main" xmlns:p15="http://schemas.microsoft.com/office/powerpoint/2012/main" xmlns:ahyp="http://schemas.microsoft.com/office/drawing/2018/hyperlinkcolor" matchingName="Caption">
+<p:sldLayout xmlns:a="http://schemas.openxmlformats.org/drawingml/2006/main" xmlns:r="http://schemas.openxmlformats.org/officeDocument/2006/relationships" xmlns:p="http://schemas.openxmlformats.org/presentationml/2006/main" matchingName="Caption">
   <p:cSld name="CAPTION_ONLY">
     <p:spTree>
       <p:nvGrpSpPr>
-        <p:cNvPr id="41" name="Shape 41"/>
+        <p:cNvPr id="1" name="Shape 41"/>
         <p:cNvGrpSpPr/>
         <p:nvPr/>
       </p:nvGrpSpPr>
@@ -6251,9 +6464,11 @@
       <p:sp>
         <p:nvSpPr>
           <p:cNvPr id="42" name="Google Shape;42;p10"/>
-          <p:cNvSpPr txBox="1"/>
+          <p:cNvSpPr txBox="1">
+            <a:spLocks noGrp="1"/>
+          </p:cNvSpPr>
           <p:nvPr>
-            <p:ph idx="1" type="body"/>
+            <p:ph type="body" idx="1"/>
           </p:nvPr>
         </p:nvSpPr>
         <p:spPr>
@@ -6266,11 +6481,11 @@
           </a:prstGeom>
         </p:spPr>
         <p:txBody>
-          <a:bodyPr anchorCtr="0" anchor="ctr" bIns="91425" lIns="91425" spcFirstLastPara="1" rIns="91425" wrap="square" tIns="91425">
+          <a:bodyPr spcFirstLastPara="1" wrap="square" lIns="91425" tIns="91425" rIns="91425" bIns="91425" anchor="ctr" anchorCtr="0">
             <a:normAutofit/>
           </a:bodyPr>
           <a:lstStyle>
-            <a:lvl1pPr indent="-228600" lvl="0" marL="457200">
+            <a:lvl1pPr marL="457200" lvl="0" indent="-228600">
               <a:lnSpc>
                 <a:spcPct val="100000"/>
               </a:lnSpc>
@@ -6285,15 +6500,19 @@
               <a:defRPr/>
             </a:lvl1pPr>
           </a:lstStyle>
-          <a:p/>
+          <a:p>
+            <a:endParaRPr/>
+          </a:p>
         </p:txBody>
       </p:sp>
       <p:sp>
         <p:nvSpPr>
           <p:cNvPr id="43" name="Google Shape;43;p10"/>
-          <p:cNvSpPr txBox="1"/>
+          <p:cNvSpPr txBox="1">
+            <a:spLocks noGrp="1"/>
+          </p:cNvSpPr>
           <p:nvPr>
-            <p:ph idx="12" type="sldNum"/>
+            <p:ph type="sldNum" idx="12"/>
           </p:nvPr>
         </p:nvSpPr>
         <p:spPr>
@@ -6306,7 +6525,7 @@
           </a:prstGeom>
         </p:spPr>
         <p:txBody>
-          <a:bodyPr anchorCtr="0" anchor="ctr" bIns="91425" lIns="91425" spcFirstLastPara="1" rIns="91425" wrap="square" tIns="91425">
+          <a:bodyPr spcFirstLastPara="1" wrap="square" lIns="91425" tIns="91425" rIns="91425" bIns="91425" anchor="ctr" anchorCtr="0">
             <a:normAutofit/>
           </a:bodyPr>
           <a:lstStyle>
@@ -6348,7 +6567,7 @@
             </a:lvl9pPr>
           </a:lstStyle>
           <a:p>
-            <a:pPr indent="0" lvl="0" marL="0" rtl="0" algn="r">
+            <a:pPr marL="0" lvl="0" indent="0" algn="r" rtl="0">
               <a:spcBef>
                 <a:spcPts val="0"/>
               </a:spcBef>
@@ -6374,18 +6593,19 @@
 </file>
 
 <file path=ppt/slideMasters/slideMaster1.xml><?xml version="1.0" encoding="utf-8"?>
-<p:sldMaster xmlns:a="http://schemas.openxmlformats.org/drawingml/2006/main" xmlns:r="http://schemas.openxmlformats.org/officeDocument/2006/relationships" xmlns:mc="http://schemas.openxmlformats.org/markup-compatibility/2006" xmlns:mv="urn:schemas-microsoft-com:mac:vml" xmlns:p="http://schemas.openxmlformats.org/presentationml/2006/main" xmlns:c="http://schemas.openxmlformats.org/drawingml/2006/chart" xmlns:dgm="http://schemas.openxmlformats.org/drawingml/2006/diagram" xmlns:o="urn:schemas-microsoft-com:office:office" xmlns:v="urn:schemas-microsoft-com:vml" xmlns:pvml="urn:schemas-microsoft-com:office:powerpoint" xmlns:com="http://schemas.openxmlformats.org/drawingml/2006/compatibility" xmlns:p14="http://schemas.microsoft.com/office/powerpoint/2010/main" xmlns:p15="http://schemas.microsoft.com/office/powerpoint/2012/main" xmlns:ahyp="http://schemas.microsoft.com/office/drawing/2018/hyperlinkcolor">
+<p:sldMaster xmlns:a="http://schemas.openxmlformats.org/drawingml/2006/main" xmlns:r="http://schemas.openxmlformats.org/officeDocument/2006/relationships" xmlns:p="http://schemas.openxmlformats.org/presentationml/2006/main">
   <p:cSld name="simple-light-2">
     <p:bg>
       <p:bgPr>
         <a:solidFill>
           <a:schemeClr val="lt1"/>
         </a:solidFill>
+        <a:effectLst/>
       </p:bgPr>
     </p:bg>
     <p:spTree>
       <p:nvGrpSpPr>
-        <p:cNvPr id="5" name="Shape 5"/>
+        <p:cNvPr id="1" name="Shape 5"/>
         <p:cNvGrpSpPr/>
         <p:nvPr/>
       </p:nvGrpSpPr>
@@ -6400,7 +6620,9 @@
       <p:sp>
         <p:nvSpPr>
           <p:cNvPr id="6" name="Google Shape;6;p1"/>
-          <p:cNvSpPr txBox="1"/>
+          <p:cNvSpPr txBox="1">
+            <a:spLocks noGrp="1"/>
+          </p:cNvSpPr>
           <p:nvPr>
             <p:ph type="title"/>
           </p:nvPr>
@@ -6419,7 +6641,7 @@
           </a:ln>
         </p:spPr>
         <p:txBody>
-          <a:bodyPr anchorCtr="0" anchor="t" bIns="91425" lIns="91425" spcFirstLastPara="1" rIns="91425" wrap="square" tIns="91425">
+          <a:bodyPr spcFirstLastPara="1" wrap="square" lIns="91425" tIns="91425" rIns="91425" bIns="91425" anchor="t" anchorCtr="0">
             <a:normAutofit/>
           </a:bodyPr>
           <a:lstStyle>
@@ -6586,15 +6808,19 @@
               </a:defRPr>
             </a:lvl9pPr>
           </a:lstStyle>
-          <a:p/>
+          <a:p>
+            <a:endParaRPr/>
+          </a:p>
         </p:txBody>
       </p:sp>
       <p:sp>
         <p:nvSpPr>
           <p:cNvPr id="7" name="Google Shape;7;p1"/>
-          <p:cNvSpPr txBox="1"/>
+          <p:cNvSpPr txBox="1">
+            <a:spLocks noGrp="1"/>
+          </p:cNvSpPr>
           <p:nvPr>
-            <p:ph idx="1" type="body"/>
+            <p:ph type="body" idx="1"/>
           </p:nvPr>
         </p:nvSpPr>
         <p:spPr>
@@ -6611,11 +6837,11 @@
           </a:ln>
         </p:spPr>
         <p:txBody>
-          <a:bodyPr anchorCtr="0" anchor="t" bIns="91425" lIns="91425" spcFirstLastPara="1" rIns="91425" wrap="square" tIns="91425">
+          <a:bodyPr spcFirstLastPara="1" wrap="square" lIns="91425" tIns="91425" rIns="91425" bIns="91425" anchor="t" anchorCtr="0">
             <a:normAutofit/>
           </a:bodyPr>
           <a:lstStyle>
-            <a:lvl1pPr indent="-342900" lvl="0" marL="457200">
+            <a:lvl1pPr marL="457200" lvl="0" indent="-342900">
               <a:lnSpc>
                 <a:spcPct val="115000"/>
               </a:lnSpc>
@@ -6636,7 +6862,7 @@
                 </a:solidFill>
               </a:defRPr>
             </a:lvl1pPr>
-            <a:lvl2pPr indent="-317500" lvl="1" marL="914400">
+            <a:lvl2pPr marL="914400" lvl="1" indent="-317500">
               <a:lnSpc>
                 <a:spcPct val="115000"/>
               </a:lnSpc>
@@ -6657,7 +6883,7 @@
                 </a:solidFill>
               </a:defRPr>
             </a:lvl2pPr>
-            <a:lvl3pPr indent="-317500" lvl="2" marL="1371600">
+            <a:lvl3pPr marL="1371600" lvl="2" indent="-317500">
               <a:lnSpc>
                 <a:spcPct val="115000"/>
               </a:lnSpc>
@@ -6678,7 +6904,7 @@
                 </a:solidFill>
               </a:defRPr>
             </a:lvl3pPr>
-            <a:lvl4pPr indent="-317500" lvl="3" marL="1828800">
+            <a:lvl4pPr marL="1828800" lvl="3" indent="-317500">
               <a:lnSpc>
                 <a:spcPct val="115000"/>
               </a:lnSpc>
@@ -6699,7 +6925,7 @@
                 </a:solidFill>
               </a:defRPr>
             </a:lvl4pPr>
-            <a:lvl5pPr indent="-317500" lvl="4" marL="2286000">
+            <a:lvl5pPr marL="2286000" lvl="4" indent="-317500">
               <a:lnSpc>
                 <a:spcPct val="115000"/>
               </a:lnSpc>
@@ -6720,7 +6946,7 @@
                 </a:solidFill>
               </a:defRPr>
             </a:lvl5pPr>
-            <a:lvl6pPr indent="-317500" lvl="5" marL="2743200">
+            <a:lvl6pPr marL="2743200" lvl="5" indent="-317500">
               <a:lnSpc>
                 <a:spcPct val="115000"/>
               </a:lnSpc>
@@ -6741,7 +6967,7 @@
                 </a:solidFill>
               </a:defRPr>
             </a:lvl6pPr>
-            <a:lvl7pPr indent="-317500" lvl="6" marL="3200400">
+            <a:lvl7pPr marL="3200400" lvl="6" indent="-317500">
               <a:lnSpc>
                 <a:spcPct val="115000"/>
               </a:lnSpc>
@@ -6762,7 +6988,7 @@
                 </a:solidFill>
               </a:defRPr>
             </a:lvl7pPr>
-            <a:lvl8pPr indent="-317500" lvl="7" marL="3657600">
+            <a:lvl8pPr marL="3657600" lvl="7" indent="-317500">
               <a:lnSpc>
                 <a:spcPct val="115000"/>
               </a:lnSpc>
@@ -6783,7 +7009,7 @@
                 </a:solidFill>
               </a:defRPr>
             </a:lvl8pPr>
-            <a:lvl9pPr indent="-317500" lvl="8" marL="4114800">
+            <a:lvl9pPr marL="4114800" lvl="8" indent="-317500">
               <a:lnSpc>
                 <a:spcPct val="115000"/>
               </a:lnSpc>
@@ -6805,15 +7031,19 @@
               </a:defRPr>
             </a:lvl9pPr>
           </a:lstStyle>
-          <a:p/>
+          <a:p>
+            <a:endParaRPr/>
+          </a:p>
         </p:txBody>
       </p:sp>
       <p:sp>
         <p:nvSpPr>
           <p:cNvPr id="8" name="Google Shape;8;p1"/>
-          <p:cNvSpPr txBox="1"/>
+          <p:cNvSpPr txBox="1">
+            <a:spLocks noGrp="1"/>
+          </p:cNvSpPr>
           <p:nvPr>
-            <p:ph idx="12" type="sldNum"/>
+            <p:ph type="sldNum" idx="12"/>
           </p:nvPr>
         </p:nvSpPr>
         <p:spPr>
@@ -6830,7 +7060,7 @@
           </a:ln>
         </p:spPr>
         <p:txBody>
-          <a:bodyPr anchorCtr="0" anchor="ctr" bIns="91425" lIns="91425" spcFirstLastPara="1" rIns="91425" wrap="square" tIns="91425">
+          <a:bodyPr spcFirstLastPara="1" wrap="square" lIns="91425" tIns="91425" rIns="91425" bIns="91425" anchor="ctr" anchorCtr="0">
             <a:normAutofit/>
           </a:bodyPr>
           <a:lstStyle>
@@ -6908,7 +7138,7 @@
             </a:lvl9pPr>
           </a:lstStyle>
           <a:p>
-            <a:pPr indent="0" lvl="0" marL="0" rtl="0" algn="r">
+            <a:pPr marL="0" lvl="0" indent="0" algn="r" rtl="0">
               <a:spcBef>
                 <a:spcPts val="0"/>
               </a:spcBef>
@@ -6927,7 +7157,7 @@
       </p:sp>
     </p:spTree>
   </p:cSld>
-  <p:clrMap accent1="accent1" accent2="accent2" accent3="accent3" accent4="accent4" accent5="accent5" accent6="accent6" bg1="lt1" bg2="dk2" tx1="dk1" tx2="lt2" folHlink="folHlink" hlink="hlink"/>
+  <p:clrMap bg1="lt1" tx1="dk1" bg2="dk2" tx2="lt2" accent1="accent1" accent2="accent2" accent3="accent3" accent4="accent4" accent5="accent5" accent6="accent6" hlink="hlink" folHlink="folHlink"/>
   <p:sldLayoutIdLst>
     <p:sldLayoutId id="2147483648" r:id="rId1"/>
     <p:sldLayoutId id="2147483649" r:id="rId2"/>
@@ -6941,10 +7171,10 @@
     <p:sldLayoutId id="2147483657" r:id="rId10"/>
     <p:sldLayoutId id="2147483658" r:id="rId11"/>
   </p:sldLayoutIdLst>
-  <p:hf dt="0" ftr="0" hdr="0" sldNum="0"/>
+  <p:hf sldNum="0" hdr="0" ftr="0" dt="0"/>
   <p:txStyles>
     <p:titleStyle>
-      <a:defPPr lvl="0" marR="0" rtl="0" algn="l">
+      <a:defPPr marR="0" lvl="0" algn="l" rtl="0">
         <a:lnSpc>
           <a:spcPct val="100000"/>
         </a:lnSpc>
@@ -6955,7 +7185,7 @@
           <a:spcPts val="0"/>
         </a:spcAft>
       </a:defPPr>
-      <a:lvl1pPr lvl="0" marR="0" rtl="0" algn="l">
+      <a:lvl1pPr marR="0" lvl="0" algn="l" rtl="0">
         <a:lnSpc>
           <a:spcPct val="100000"/>
         </a:lnSpc>
@@ -6969,7 +7199,7 @@
           <a:srgbClr val="000000"/>
         </a:buClr>
         <a:buFont typeface="Arial"/>
-        <a:defRPr b="0" i="0" sz="1400" u="none" cap="none" strike="noStrike">
+        <a:defRPr sz="1400" b="0" i="0" u="none" strike="noStrike" cap="none">
           <a:solidFill>
             <a:srgbClr val="000000"/>
           </a:solidFill>
@@ -6979,7 +7209,7 @@
           <a:sym typeface="Arial"/>
         </a:defRPr>
       </a:lvl1pPr>
-      <a:lvl2pPr lvl="1" marR="0" rtl="0" algn="l">
+      <a:lvl2pPr marR="0" lvl="1" algn="l" rtl="0">
         <a:lnSpc>
           <a:spcPct val="100000"/>
         </a:lnSpc>
@@ -6993,7 +7223,7 @@
           <a:srgbClr val="000000"/>
         </a:buClr>
         <a:buFont typeface="Arial"/>
-        <a:defRPr b="0" i="0" sz="1400" u="none" cap="none" strike="noStrike">
+        <a:defRPr sz="1400" b="0" i="0" u="none" strike="noStrike" cap="none">
           <a:solidFill>
             <a:srgbClr val="000000"/>
           </a:solidFill>
@@ -7003,7 +7233,7 @@
           <a:sym typeface="Arial"/>
         </a:defRPr>
       </a:lvl2pPr>
-      <a:lvl3pPr lvl="2" marR="0" rtl="0" algn="l">
+      <a:lvl3pPr marR="0" lvl="2" algn="l" rtl="0">
         <a:lnSpc>
           <a:spcPct val="100000"/>
         </a:lnSpc>
@@ -7017,7 +7247,7 @@
           <a:srgbClr val="000000"/>
         </a:buClr>
         <a:buFont typeface="Arial"/>
-        <a:defRPr b="0" i="0" sz="1400" u="none" cap="none" strike="noStrike">
+        <a:defRPr sz="1400" b="0" i="0" u="none" strike="noStrike" cap="none">
           <a:solidFill>
             <a:srgbClr val="000000"/>
           </a:solidFill>
@@ -7027,7 +7257,7 @@
           <a:sym typeface="Arial"/>
         </a:defRPr>
       </a:lvl3pPr>
-      <a:lvl4pPr lvl="3" marR="0" rtl="0" algn="l">
+      <a:lvl4pPr marR="0" lvl="3" algn="l" rtl="0">
         <a:lnSpc>
           <a:spcPct val="100000"/>
         </a:lnSpc>
@@ -7041,7 +7271,7 @@
           <a:srgbClr val="000000"/>
         </a:buClr>
         <a:buFont typeface="Arial"/>
-        <a:defRPr b="0" i="0" sz="1400" u="none" cap="none" strike="noStrike">
+        <a:defRPr sz="1400" b="0" i="0" u="none" strike="noStrike" cap="none">
           <a:solidFill>
             <a:srgbClr val="000000"/>
           </a:solidFill>
@@ -7051,7 +7281,7 @@
           <a:sym typeface="Arial"/>
         </a:defRPr>
       </a:lvl4pPr>
-      <a:lvl5pPr lvl="4" marR="0" rtl="0" algn="l">
+      <a:lvl5pPr marR="0" lvl="4" algn="l" rtl="0">
         <a:lnSpc>
           <a:spcPct val="100000"/>
         </a:lnSpc>
@@ -7065,7 +7295,7 @@
           <a:srgbClr val="000000"/>
         </a:buClr>
         <a:buFont typeface="Arial"/>
-        <a:defRPr b="0" i="0" sz="1400" u="none" cap="none" strike="noStrike">
+        <a:defRPr sz="1400" b="0" i="0" u="none" strike="noStrike" cap="none">
           <a:solidFill>
             <a:srgbClr val="000000"/>
           </a:solidFill>
@@ -7075,7 +7305,7 @@
           <a:sym typeface="Arial"/>
         </a:defRPr>
       </a:lvl5pPr>
-      <a:lvl6pPr lvl="5" marR="0" rtl="0" algn="l">
+      <a:lvl6pPr marR="0" lvl="5" algn="l" rtl="0">
         <a:lnSpc>
           <a:spcPct val="100000"/>
         </a:lnSpc>
@@ -7089,7 +7319,7 @@
           <a:srgbClr val="000000"/>
         </a:buClr>
         <a:buFont typeface="Arial"/>
-        <a:defRPr b="0" i="0" sz="1400" u="none" cap="none" strike="noStrike">
+        <a:defRPr sz="1400" b="0" i="0" u="none" strike="noStrike" cap="none">
           <a:solidFill>
             <a:srgbClr val="000000"/>
           </a:solidFill>
@@ -7099,7 +7329,7 @@
           <a:sym typeface="Arial"/>
         </a:defRPr>
       </a:lvl6pPr>
-      <a:lvl7pPr lvl="6" marR="0" rtl="0" algn="l">
+      <a:lvl7pPr marR="0" lvl="6" algn="l" rtl="0">
         <a:lnSpc>
           <a:spcPct val="100000"/>
         </a:lnSpc>
@@ -7113,7 +7343,7 @@
           <a:srgbClr val="000000"/>
         </a:buClr>
         <a:buFont typeface="Arial"/>
-        <a:defRPr b="0" i="0" sz="1400" u="none" cap="none" strike="noStrike">
+        <a:defRPr sz="1400" b="0" i="0" u="none" strike="noStrike" cap="none">
           <a:solidFill>
             <a:srgbClr val="000000"/>
           </a:solidFill>
@@ -7123,7 +7353,7 @@
           <a:sym typeface="Arial"/>
         </a:defRPr>
       </a:lvl7pPr>
-      <a:lvl8pPr lvl="7" marR="0" rtl="0" algn="l">
+      <a:lvl8pPr marR="0" lvl="7" algn="l" rtl="0">
         <a:lnSpc>
           <a:spcPct val="100000"/>
         </a:lnSpc>
@@ -7137,7 +7367,7 @@
           <a:srgbClr val="000000"/>
         </a:buClr>
         <a:buFont typeface="Arial"/>
-        <a:defRPr b="0" i="0" sz="1400" u="none" cap="none" strike="noStrike">
+        <a:defRPr sz="1400" b="0" i="0" u="none" strike="noStrike" cap="none">
           <a:solidFill>
             <a:srgbClr val="000000"/>
           </a:solidFill>
@@ -7147,7 +7377,7 @@
           <a:sym typeface="Arial"/>
         </a:defRPr>
       </a:lvl8pPr>
-      <a:lvl9pPr lvl="8" marR="0" rtl="0" algn="l">
+      <a:lvl9pPr marR="0" lvl="8" algn="l" rtl="0">
         <a:lnSpc>
           <a:spcPct val="100000"/>
         </a:lnSpc>
@@ -7161,7 +7391,7 @@
           <a:srgbClr val="000000"/>
         </a:buClr>
         <a:buFont typeface="Arial"/>
-        <a:defRPr b="0" i="0" sz="1400" u="none" cap="none" strike="noStrike">
+        <a:defRPr sz="1400" b="0" i="0" u="none" strike="noStrike" cap="none">
           <a:solidFill>
             <a:srgbClr val="000000"/>
           </a:solidFill>
@@ -7173,7 +7403,7 @@
       </a:lvl9pPr>
     </p:titleStyle>
     <p:bodyStyle>
-      <a:defPPr lvl="0" marR="0" rtl="0" algn="l">
+      <a:defPPr marR="0" lvl="0" algn="l" rtl="0">
         <a:lnSpc>
           <a:spcPct val="100000"/>
         </a:lnSpc>
@@ -7184,7 +7414,7 @@
           <a:spcPts val="0"/>
         </a:spcAft>
       </a:defPPr>
-      <a:lvl1pPr lvl="0" marR="0" rtl="0" algn="l">
+      <a:lvl1pPr marR="0" lvl="0" algn="l" rtl="0">
         <a:lnSpc>
           <a:spcPct val="100000"/>
         </a:lnSpc>
@@ -7198,7 +7428,7 @@
           <a:srgbClr val="000000"/>
         </a:buClr>
         <a:buFont typeface="Arial"/>
-        <a:defRPr b="0" i="0" sz="1400" u="none" cap="none" strike="noStrike">
+        <a:defRPr sz="1400" b="0" i="0" u="none" strike="noStrike" cap="none">
           <a:solidFill>
             <a:srgbClr val="000000"/>
           </a:solidFill>
@@ -7208,7 +7438,7 @@
           <a:sym typeface="Arial"/>
         </a:defRPr>
       </a:lvl1pPr>
-      <a:lvl2pPr lvl="1" marR="0" rtl="0" algn="l">
+      <a:lvl2pPr marR="0" lvl="1" algn="l" rtl="0">
         <a:lnSpc>
           <a:spcPct val="100000"/>
         </a:lnSpc>
@@ -7222,7 +7452,7 @@
           <a:srgbClr val="000000"/>
         </a:buClr>
         <a:buFont typeface="Arial"/>
-        <a:defRPr b="0" i="0" sz="1400" u="none" cap="none" strike="noStrike">
+        <a:defRPr sz="1400" b="0" i="0" u="none" strike="noStrike" cap="none">
           <a:solidFill>
             <a:srgbClr val="000000"/>
           </a:solidFill>
@@ -7232,7 +7462,7 @@
           <a:sym typeface="Arial"/>
         </a:defRPr>
       </a:lvl2pPr>
-      <a:lvl3pPr lvl="2" marR="0" rtl="0" algn="l">
+      <a:lvl3pPr marR="0" lvl="2" algn="l" rtl="0">
         <a:lnSpc>
           <a:spcPct val="100000"/>
         </a:lnSpc>
@@ -7246,7 +7476,7 @@
           <a:srgbClr val="000000"/>
         </a:buClr>
         <a:buFont typeface="Arial"/>
-        <a:defRPr b="0" i="0" sz="1400" u="none" cap="none" strike="noStrike">
+        <a:defRPr sz="1400" b="0" i="0" u="none" strike="noStrike" cap="none">
           <a:solidFill>
             <a:srgbClr val="000000"/>
           </a:solidFill>
@@ -7256,7 +7486,7 @@
           <a:sym typeface="Arial"/>
         </a:defRPr>
       </a:lvl3pPr>
-      <a:lvl4pPr lvl="3" marR="0" rtl="0" algn="l">
+      <a:lvl4pPr marR="0" lvl="3" algn="l" rtl="0">
         <a:lnSpc>
           <a:spcPct val="100000"/>
         </a:lnSpc>
@@ -7270,7 +7500,7 @@
           <a:srgbClr val="000000"/>
         </a:buClr>
         <a:buFont typeface="Arial"/>
-        <a:defRPr b="0" i="0" sz="1400" u="none" cap="none" strike="noStrike">
+        <a:defRPr sz="1400" b="0" i="0" u="none" strike="noStrike" cap="none">
           <a:solidFill>
             <a:srgbClr val="000000"/>
           </a:solidFill>
@@ -7280,7 +7510,7 @@
           <a:sym typeface="Arial"/>
         </a:defRPr>
       </a:lvl4pPr>
-      <a:lvl5pPr lvl="4" marR="0" rtl="0" algn="l">
+      <a:lvl5pPr marR="0" lvl="4" algn="l" rtl="0">
         <a:lnSpc>
           <a:spcPct val="100000"/>
         </a:lnSpc>
@@ -7294,7 +7524,7 @@
           <a:srgbClr val="000000"/>
         </a:buClr>
         <a:buFont typeface="Arial"/>
-        <a:defRPr b="0" i="0" sz="1400" u="none" cap="none" strike="noStrike">
+        <a:defRPr sz="1400" b="0" i="0" u="none" strike="noStrike" cap="none">
           <a:solidFill>
             <a:srgbClr val="000000"/>
           </a:solidFill>
@@ -7304,7 +7534,7 @@
           <a:sym typeface="Arial"/>
         </a:defRPr>
       </a:lvl5pPr>
-      <a:lvl6pPr lvl="5" marR="0" rtl="0" algn="l">
+      <a:lvl6pPr marR="0" lvl="5" algn="l" rtl="0">
         <a:lnSpc>
           <a:spcPct val="100000"/>
         </a:lnSpc>
@@ -7318,7 +7548,7 @@
           <a:srgbClr val="000000"/>
         </a:buClr>
         <a:buFont typeface="Arial"/>
-        <a:defRPr b="0" i="0" sz="1400" u="none" cap="none" strike="noStrike">
+        <a:defRPr sz="1400" b="0" i="0" u="none" strike="noStrike" cap="none">
           <a:solidFill>
             <a:srgbClr val="000000"/>
           </a:solidFill>
@@ -7328,7 +7558,7 @@
           <a:sym typeface="Arial"/>
         </a:defRPr>
       </a:lvl6pPr>
-      <a:lvl7pPr lvl="6" marR="0" rtl="0" algn="l">
+      <a:lvl7pPr marR="0" lvl="6" algn="l" rtl="0">
         <a:lnSpc>
           <a:spcPct val="100000"/>
         </a:lnSpc>
@@ -7342,7 +7572,7 @@
           <a:srgbClr val="000000"/>
         </a:buClr>
         <a:buFont typeface="Arial"/>
-        <a:defRPr b="0" i="0" sz="1400" u="none" cap="none" strike="noStrike">
+        <a:defRPr sz="1400" b="0" i="0" u="none" strike="noStrike" cap="none">
           <a:solidFill>
             <a:srgbClr val="000000"/>
           </a:solidFill>
@@ -7352,7 +7582,7 @@
           <a:sym typeface="Arial"/>
         </a:defRPr>
       </a:lvl7pPr>
-      <a:lvl8pPr lvl="7" marR="0" rtl="0" algn="l">
+      <a:lvl8pPr marR="0" lvl="7" algn="l" rtl="0">
         <a:lnSpc>
           <a:spcPct val="100000"/>
         </a:lnSpc>
@@ -7366,7 +7596,7 @@
           <a:srgbClr val="000000"/>
         </a:buClr>
         <a:buFont typeface="Arial"/>
-        <a:defRPr b="0" i="0" sz="1400" u="none" cap="none" strike="noStrike">
+        <a:defRPr sz="1400" b="0" i="0" u="none" strike="noStrike" cap="none">
           <a:solidFill>
             <a:srgbClr val="000000"/>
           </a:solidFill>
@@ -7376,7 +7606,7 @@
           <a:sym typeface="Arial"/>
         </a:defRPr>
       </a:lvl8pPr>
-      <a:lvl9pPr lvl="8" marR="0" rtl="0" algn="l">
+      <a:lvl9pPr marR="0" lvl="8" algn="l" rtl="0">
         <a:lnSpc>
           <a:spcPct val="100000"/>
         </a:lnSpc>
@@ -7390,7 +7620,7 @@
           <a:srgbClr val="000000"/>
         </a:buClr>
         <a:buFont typeface="Arial"/>
-        <a:defRPr b="0" i="0" sz="1400" u="none" cap="none" strike="noStrike">
+        <a:defRPr sz="1400" b="0" i="0" u="none" strike="noStrike" cap="none">
           <a:solidFill>
             <a:srgbClr val="000000"/>
           </a:solidFill>
@@ -7402,7 +7632,7 @@
       </a:lvl9pPr>
     </p:bodyStyle>
     <p:otherStyle>
-      <a:defPPr lvl="0" marR="0" rtl="0" algn="l">
+      <a:defPPr marR="0" lvl="0" algn="l" rtl="0">
         <a:lnSpc>
           <a:spcPct val="100000"/>
         </a:lnSpc>
@@ -7413,7 +7643,7 @@
           <a:spcPts val="0"/>
         </a:spcAft>
       </a:defPPr>
-      <a:lvl1pPr lvl="0" marR="0" rtl="0" algn="l">
+      <a:lvl1pPr marR="0" lvl="0" algn="l" rtl="0">
         <a:lnSpc>
           <a:spcPct val="100000"/>
         </a:lnSpc>
@@ -7427,7 +7657,7 @@
           <a:srgbClr val="000000"/>
         </a:buClr>
         <a:buFont typeface="Arial"/>
-        <a:defRPr b="0" i="0" sz="1400" u="none" cap="none" strike="noStrike">
+        <a:defRPr sz="1400" b="0" i="0" u="none" strike="noStrike" cap="none">
           <a:solidFill>
             <a:srgbClr val="000000"/>
           </a:solidFill>
@@ -7437,7 +7667,7 @@
           <a:sym typeface="Arial"/>
         </a:defRPr>
       </a:lvl1pPr>
-      <a:lvl2pPr lvl="1" marR="0" rtl="0" algn="l">
+      <a:lvl2pPr marR="0" lvl="1" algn="l" rtl="0">
         <a:lnSpc>
           <a:spcPct val="100000"/>
         </a:lnSpc>
@@ -7451,7 +7681,7 @@
           <a:srgbClr val="000000"/>
         </a:buClr>
         <a:buFont typeface="Arial"/>
-        <a:defRPr b="0" i="0" sz="1400" u="none" cap="none" strike="noStrike">
+        <a:defRPr sz="1400" b="0" i="0" u="none" strike="noStrike" cap="none">
           <a:solidFill>
             <a:srgbClr val="000000"/>
           </a:solidFill>
@@ -7461,7 +7691,7 @@
           <a:sym typeface="Arial"/>
         </a:defRPr>
       </a:lvl2pPr>
-      <a:lvl3pPr lvl="2" marR="0" rtl="0" algn="l">
+      <a:lvl3pPr marR="0" lvl="2" algn="l" rtl="0">
         <a:lnSpc>
           <a:spcPct val="100000"/>
         </a:lnSpc>
@@ -7475,7 +7705,7 @@
           <a:srgbClr val="000000"/>
         </a:buClr>
         <a:buFont typeface="Arial"/>
-        <a:defRPr b="0" i="0" sz="1400" u="none" cap="none" strike="noStrike">
+        <a:defRPr sz="1400" b="0" i="0" u="none" strike="noStrike" cap="none">
           <a:solidFill>
             <a:srgbClr val="000000"/>
           </a:solidFill>
@@ -7485,7 +7715,7 @@
           <a:sym typeface="Arial"/>
         </a:defRPr>
       </a:lvl3pPr>
-      <a:lvl4pPr lvl="3" marR="0" rtl="0" algn="l">
+      <a:lvl4pPr marR="0" lvl="3" algn="l" rtl="0">
         <a:lnSpc>
           <a:spcPct val="100000"/>
         </a:lnSpc>
@@ -7499,7 +7729,7 @@
           <a:srgbClr val="000000"/>
         </a:buClr>
         <a:buFont typeface="Arial"/>
-        <a:defRPr b="0" i="0" sz="1400" u="none" cap="none" strike="noStrike">
+        <a:defRPr sz="1400" b="0" i="0" u="none" strike="noStrike" cap="none">
           <a:solidFill>
             <a:srgbClr val="000000"/>
           </a:solidFill>
@@ -7509,7 +7739,7 @@
           <a:sym typeface="Arial"/>
         </a:defRPr>
       </a:lvl4pPr>
-      <a:lvl5pPr lvl="4" marR="0" rtl="0" algn="l">
+      <a:lvl5pPr marR="0" lvl="4" algn="l" rtl="0">
         <a:lnSpc>
           <a:spcPct val="100000"/>
         </a:lnSpc>
@@ -7523,7 +7753,7 @@
           <a:srgbClr val="000000"/>
         </a:buClr>
         <a:buFont typeface="Arial"/>
-        <a:defRPr b="0" i="0" sz="1400" u="none" cap="none" strike="noStrike">
+        <a:defRPr sz="1400" b="0" i="0" u="none" strike="noStrike" cap="none">
           <a:solidFill>
             <a:srgbClr val="000000"/>
           </a:solidFill>
@@ -7533,7 +7763,7 @@
           <a:sym typeface="Arial"/>
         </a:defRPr>
       </a:lvl5pPr>
-      <a:lvl6pPr lvl="5" marR="0" rtl="0" algn="l">
+      <a:lvl6pPr marR="0" lvl="5" algn="l" rtl="0">
         <a:lnSpc>
           <a:spcPct val="100000"/>
         </a:lnSpc>
@@ -7547,7 +7777,7 @@
           <a:srgbClr val="000000"/>
         </a:buClr>
         <a:buFont typeface="Arial"/>
-        <a:defRPr b="0" i="0" sz="1400" u="none" cap="none" strike="noStrike">
+        <a:defRPr sz="1400" b="0" i="0" u="none" strike="noStrike" cap="none">
           <a:solidFill>
             <a:srgbClr val="000000"/>
           </a:solidFill>
@@ -7557,7 +7787,7 @@
           <a:sym typeface="Arial"/>
         </a:defRPr>
       </a:lvl6pPr>
-      <a:lvl7pPr lvl="6" marR="0" rtl="0" algn="l">
+      <a:lvl7pPr marR="0" lvl="6" algn="l" rtl="0">
         <a:lnSpc>
           <a:spcPct val="100000"/>
         </a:lnSpc>
@@ -7571,7 +7801,7 @@
           <a:srgbClr val="000000"/>
         </a:buClr>
         <a:buFont typeface="Arial"/>
-        <a:defRPr b="0" i="0" sz="1400" u="none" cap="none" strike="noStrike">
+        <a:defRPr sz="1400" b="0" i="0" u="none" strike="noStrike" cap="none">
           <a:solidFill>
             <a:srgbClr val="000000"/>
           </a:solidFill>
@@ -7581,7 +7811,7 @@
           <a:sym typeface="Arial"/>
         </a:defRPr>
       </a:lvl7pPr>
-      <a:lvl8pPr lvl="7" marR="0" rtl="0" algn="l">
+      <a:lvl8pPr marR="0" lvl="7" algn="l" rtl="0">
         <a:lnSpc>
           <a:spcPct val="100000"/>
         </a:lnSpc>
@@ -7595,7 +7825,7 @@
           <a:srgbClr val="000000"/>
         </a:buClr>
         <a:buFont typeface="Arial"/>
-        <a:defRPr b="0" i="0" sz="1400" u="none" cap="none" strike="noStrike">
+        <a:defRPr sz="1400" b="0" i="0" u="none" strike="noStrike" cap="none">
           <a:solidFill>
             <a:srgbClr val="000000"/>
           </a:solidFill>
@@ -7605,7 +7835,7 @@
           <a:sym typeface="Arial"/>
         </a:defRPr>
       </a:lvl8pPr>
-      <a:lvl9pPr lvl="8" marR="0" rtl="0" algn="l">
+      <a:lvl9pPr marR="0" lvl="8" algn="l" rtl="0">
         <a:lnSpc>
           <a:spcPct val="100000"/>
         </a:lnSpc>
@@ -7619,7 +7849,7 @@
           <a:srgbClr val="000000"/>
         </a:buClr>
         <a:buFont typeface="Arial"/>
-        <a:defRPr b="0" i="0" sz="1400" u="none" cap="none" strike="noStrike">
+        <a:defRPr sz="1400" b="0" i="0" u="none" strike="noStrike" cap="none">
           <a:solidFill>
             <a:srgbClr val="000000"/>
           </a:solidFill>
@@ -7635,11 +7865,11 @@
 </file>
 
 <file path=ppt/slides/slide1.xml><?xml version="1.0" encoding="utf-8"?>
-<p:sld xmlns:a="http://schemas.openxmlformats.org/drawingml/2006/main" xmlns:r="http://schemas.openxmlformats.org/officeDocument/2006/relationships" xmlns:mc="http://schemas.openxmlformats.org/markup-compatibility/2006" xmlns:mv="urn:schemas-microsoft-com:mac:vml" xmlns:p="http://schemas.openxmlformats.org/presentationml/2006/main" xmlns:c="http://schemas.openxmlformats.org/drawingml/2006/chart" xmlns:dgm="http://schemas.openxmlformats.org/drawingml/2006/diagram" xmlns:o="urn:schemas-microsoft-com:office:office" xmlns:v="urn:schemas-microsoft-com:vml" xmlns:pvml="urn:schemas-microsoft-com:office:powerpoint" xmlns:com="http://schemas.openxmlformats.org/drawingml/2006/compatibility" xmlns:p14="http://schemas.microsoft.com/office/powerpoint/2010/main" xmlns:p15="http://schemas.microsoft.com/office/powerpoint/2012/main" xmlns:ahyp="http://schemas.microsoft.com/office/drawing/2018/hyperlinkcolor">
+<p:sld xmlns:a="http://schemas.openxmlformats.org/drawingml/2006/main" xmlns:r="http://schemas.openxmlformats.org/officeDocument/2006/relationships" xmlns:p="http://schemas.openxmlformats.org/presentationml/2006/main">
   <p:cSld>
     <p:spTree>
       <p:nvGrpSpPr>
-        <p:cNvPr id="53" name="Shape 53"/>
+        <p:cNvPr id="1" name="Shape 53"/>
         <p:cNvGrpSpPr/>
         <p:nvPr/>
       </p:nvGrpSpPr>
@@ -7654,7 +7884,9 @@
       <p:sp>
         <p:nvSpPr>
           <p:cNvPr id="54" name="Google Shape;54;p13"/>
-          <p:cNvSpPr txBox="1"/>
+          <p:cNvSpPr txBox="1">
+            <a:spLocks noGrp="1"/>
+          </p:cNvSpPr>
           <p:nvPr>
             <p:ph type="ctrTitle"/>
           </p:nvPr>
@@ -7669,12 +7901,12 @@
           </a:prstGeom>
         </p:spPr>
         <p:txBody>
-          <a:bodyPr anchorCtr="0" anchor="b" bIns="91425" lIns="91425" spcFirstLastPara="1" rIns="91425" wrap="square" tIns="91425">
+          <a:bodyPr spcFirstLastPara="1" wrap="square" lIns="91425" tIns="91425" rIns="91425" bIns="91425" anchor="b" anchorCtr="0">
             <a:normAutofit/>
           </a:bodyPr>
           <a:lstStyle/>
           <a:p>
-            <a:pPr indent="0" lvl="0" marL="0" rtl="0" algn="ctr">
+            <a:pPr marL="0" lvl="0" indent="0" algn="ctr" rtl="0">
               <a:spcBef>
                 <a:spcPts val="0"/>
               </a:spcBef>
@@ -7720,11 +7952,11 @@
 </file>
 
 <file path=ppt/slides/slide10.xml><?xml version="1.0" encoding="utf-8"?>
-<p:sld xmlns:a="http://schemas.openxmlformats.org/drawingml/2006/main" xmlns:r="http://schemas.openxmlformats.org/officeDocument/2006/relationships" xmlns:mc="http://schemas.openxmlformats.org/markup-compatibility/2006" xmlns:mv="urn:schemas-microsoft-com:mac:vml" xmlns:p="http://schemas.openxmlformats.org/presentationml/2006/main" xmlns:c="http://schemas.openxmlformats.org/drawingml/2006/chart" xmlns:dgm="http://schemas.openxmlformats.org/drawingml/2006/diagram" xmlns:o="urn:schemas-microsoft-com:office:office" xmlns:v="urn:schemas-microsoft-com:vml" xmlns:pvml="urn:schemas-microsoft-com:office:powerpoint" xmlns:com="http://schemas.openxmlformats.org/drawingml/2006/compatibility" xmlns:p14="http://schemas.microsoft.com/office/powerpoint/2010/main" xmlns:p15="http://schemas.microsoft.com/office/powerpoint/2012/main" xmlns:ahyp="http://schemas.microsoft.com/office/drawing/2018/hyperlinkcolor">
+<p:sld xmlns:a="http://schemas.openxmlformats.org/drawingml/2006/main" xmlns:r="http://schemas.openxmlformats.org/officeDocument/2006/relationships" xmlns:p="http://schemas.openxmlformats.org/presentationml/2006/main">
   <p:cSld>
     <p:spTree>
       <p:nvGrpSpPr>
-        <p:cNvPr id="118" name="Shape 118"/>
+        <p:cNvPr id="1" name="Shape 118"/>
         <p:cNvGrpSpPr/>
         <p:nvPr/>
       </p:nvGrpSpPr>
@@ -7739,7 +7971,9 @@
       <p:sp>
         <p:nvSpPr>
           <p:cNvPr id="119" name="Google Shape;119;p22"/>
-          <p:cNvSpPr txBox="1"/>
+          <p:cNvSpPr txBox="1">
+            <a:spLocks noGrp="1"/>
+          </p:cNvSpPr>
           <p:nvPr>
             <p:ph type="title"/>
           </p:nvPr>
@@ -7754,12 +7988,12 @@
           </a:prstGeom>
         </p:spPr>
         <p:txBody>
-          <a:bodyPr anchorCtr="0" anchor="t" bIns="91425" lIns="91425" spcFirstLastPara="1" rIns="91425" wrap="square" tIns="91425">
+          <a:bodyPr spcFirstLastPara="1" wrap="square" lIns="91425" tIns="91425" rIns="91425" bIns="91425" anchor="t" anchorCtr="0">
             <a:normAutofit fontScale="90000"/>
           </a:bodyPr>
           <a:lstStyle/>
           <a:p>
-            <a:pPr indent="0" lvl="0" marL="0" rtl="0" algn="l">
+            <a:pPr marL="0" lvl="0" indent="0" algn="l" rtl="0">
               <a:spcBef>
                 <a:spcPts val="0"/>
               </a:spcBef>
@@ -7779,9 +8013,11 @@
       <p:sp>
         <p:nvSpPr>
           <p:cNvPr id="120" name="Google Shape;120;p22"/>
-          <p:cNvSpPr txBox="1"/>
+          <p:cNvSpPr txBox="1">
+            <a:spLocks noGrp="1"/>
+          </p:cNvSpPr>
           <p:nvPr>
-            <p:ph idx="1" type="body"/>
+            <p:ph type="body" idx="1"/>
           </p:nvPr>
         </p:nvSpPr>
         <p:spPr>
@@ -7794,12 +8030,12 @@
           </a:prstGeom>
         </p:spPr>
         <p:txBody>
-          <a:bodyPr anchorCtr="0" anchor="t" bIns="91425" lIns="91425" spcFirstLastPara="1" rIns="91425" wrap="square" tIns="91425">
+          <a:bodyPr spcFirstLastPara="1" wrap="square" lIns="91425" tIns="91425" rIns="91425" bIns="91425" anchor="t" anchorCtr="0">
             <a:normAutofit/>
           </a:bodyPr>
           <a:lstStyle/>
           <a:p>
-            <a:pPr indent="0" lvl="0" marL="0" rtl="0" algn="l">
+            <a:pPr marL="0" lvl="0" indent="0" algn="l" rtl="0">
               <a:spcBef>
                 <a:spcPts val="0"/>
               </a:spcBef>
@@ -7815,7 +8051,7 @@
             <a:endParaRPr sz="1050"/>
           </a:p>
           <a:p>
-            <a:pPr indent="0" lvl="0" marL="0" rtl="0" algn="l">
+            <a:pPr marL="0" lvl="0" indent="0" algn="l" rtl="0">
               <a:spcBef>
                 <a:spcPts val="1200"/>
               </a:spcBef>
@@ -7831,7 +8067,7 @@
             <a:endParaRPr sz="1050"/>
           </a:p>
           <a:p>
-            <a:pPr indent="0" lvl="0" marL="0" rtl="0" algn="l">
+            <a:pPr marL="0" lvl="0" indent="0" algn="l" rtl="0">
               <a:spcBef>
                 <a:spcPts val="1200"/>
               </a:spcBef>
@@ -7841,13 +8077,13 @@
               <a:buNone/>
             </a:pPr>
             <a:r>
-              <a:rPr b="1" lang="en-GB" sz="1050"/>
+              <a:rPr lang="en-GB" sz="1050" b="1"/>
               <a:t>Hypothesis Answer:</a:t>
             </a:r>
-            <a:endParaRPr b="1" sz="1050"/>
-          </a:p>
-          <a:p>
-            <a:pPr indent="0" lvl="0" marL="0" rtl="0" algn="l">
+            <a:endParaRPr sz="1050" b="1"/>
+          </a:p>
+          <a:p>
+            <a:pPr marL="0" lvl="0" indent="0" algn="l" rtl="0">
               <a:spcBef>
                 <a:spcPts val="1200"/>
               </a:spcBef>
@@ -7873,11 +8109,11 @@
 </file>
 
 <file path=ppt/slides/slide11.xml><?xml version="1.0" encoding="utf-8"?>
-<p:sld xmlns:a="http://schemas.openxmlformats.org/drawingml/2006/main" xmlns:r="http://schemas.openxmlformats.org/officeDocument/2006/relationships" xmlns:mc="http://schemas.openxmlformats.org/markup-compatibility/2006" xmlns:mv="urn:schemas-microsoft-com:mac:vml" xmlns:p="http://schemas.openxmlformats.org/presentationml/2006/main" xmlns:c="http://schemas.openxmlformats.org/drawingml/2006/chart" xmlns:dgm="http://schemas.openxmlformats.org/drawingml/2006/diagram" xmlns:o="urn:schemas-microsoft-com:office:office" xmlns:v="urn:schemas-microsoft-com:vml" xmlns:pvml="urn:schemas-microsoft-com:office:powerpoint" xmlns:com="http://schemas.openxmlformats.org/drawingml/2006/compatibility" xmlns:p14="http://schemas.microsoft.com/office/powerpoint/2010/main" xmlns:p15="http://schemas.microsoft.com/office/powerpoint/2012/main" xmlns:ahyp="http://schemas.microsoft.com/office/drawing/2018/hyperlinkcolor">
+<p:sld xmlns:a="http://schemas.openxmlformats.org/drawingml/2006/main" xmlns:r="http://schemas.openxmlformats.org/officeDocument/2006/relationships" xmlns:p="http://schemas.openxmlformats.org/presentationml/2006/main">
   <p:cSld>
     <p:spTree>
       <p:nvGrpSpPr>
-        <p:cNvPr id="124" name="Shape 124"/>
+        <p:cNvPr id="1" name="Shape 124"/>
         <p:cNvGrpSpPr/>
         <p:nvPr/>
       </p:nvGrpSpPr>
@@ -7892,7 +8128,9 @@
       <p:sp>
         <p:nvSpPr>
           <p:cNvPr id="125" name="Google Shape;125;p23"/>
-          <p:cNvSpPr txBox="1"/>
+          <p:cNvSpPr txBox="1">
+            <a:spLocks noGrp="1"/>
+          </p:cNvSpPr>
           <p:nvPr>
             <p:ph type="title"/>
           </p:nvPr>
@@ -7907,12 +8145,12 @@
           </a:prstGeom>
         </p:spPr>
         <p:txBody>
-          <a:bodyPr anchorCtr="0" anchor="t" bIns="91425" lIns="91425" spcFirstLastPara="1" rIns="91425" wrap="square" tIns="91425">
+          <a:bodyPr spcFirstLastPara="1" wrap="square" lIns="91425" tIns="91425" rIns="91425" bIns="91425" anchor="t" anchorCtr="0">
             <a:normAutofit fontScale="90000"/>
           </a:bodyPr>
           <a:lstStyle/>
           <a:p>
-            <a:pPr indent="0" lvl="0" marL="0" rtl="0" algn="ctr">
+            <a:pPr marL="0" lvl="0" indent="0" algn="ctr" rtl="0">
               <a:spcBef>
                 <a:spcPts val="0"/>
               </a:spcBef>
@@ -7956,9 +8194,11 @@
       <p:sp>
         <p:nvSpPr>
           <p:cNvPr id="126" name="Google Shape;126;p23"/>
-          <p:cNvSpPr txBox="1"/>
+          <p:cNvSpPr txBox="1">
+            <a:spLocks noGrp="1"/>
+          </p:cNvSpPr>
           <p:nvPr>
-            <p:ph idx="1" type="body"/>
+            <p:ph type="body" idx="1"/>
           </p:nvPr>
         </p:nvSpPr>
         <p:spPr>
@@ -7971,12 +8211,12 @@
           </a:prstGeom>
         </p:spPr>
         <p:txBody>
-          <a:bodyPr anchorCtr="0" anchor="t" bIns="91425" lIns="91425" spcFirstLastPara="1" rIns="91425" wrap="square" tIns="91425">
+          <a:bodyPr spcFirstLastPara="1" wrap="square" lIns="91425" tIns="91425" rIns="91425" bIns="91425" anchor="t" anchorCtr="0">
             <a:normAutofit/>
           </a:bodyPr>
           <a:lstStyle/>
           <a:p>
-            <a:pPr indent="0" lvl="0" marL="0" rtl="0" algn="l">
+            <a:pPr marL="0" lvl="0" indent="0" algn="l" rtl="0">
               <a:spcBef>
                 <a:spcPts val="0"/>
               </a:spcBef>
@@ -7992,7 +8232,7 @@
             <a:endParaRPr/>
           </a:p>
           <a:p>
-            <a:pPr indent="0" lvl="0" marL="0" rtl="0" algn="l">
+            <a:pPr marL="0" lvl="0" indent="0" algn="l" rtl="0">
               <a:spcBef>
                 <a:spcPts val="1200"/>
               </a:spcBef>
@@ -8008,7 +8248,7 @@
             <a:endParaRPr/>
           </a:p>
           <a:p>
-            <a:pPr indent="0" lvl="0" marL="0" rtl="0" algn="l">
+            <a:pPr marL="0" lvl="0" indent="0" algn="l" rtl="0">
               <a:spcBef>
                 <a:spcPts val="1200"/>
               </a:spcBef>
@@ -8024,7 +8264,7 @@
             <a:endParaRPr/>
           </a:p>
           <a:p>
-            <a:pPr indent="0" lvl="0" marL="0" rtl="0" algn="l">
+            <a:pPr marL="0" lvl="0" indent="0" algn="l" rtl="0">
               <a:spcBef>
                 <a:spcPts val="1200"/>
               </a:spcBef>
@@ -8084,34 +8324,31 @@
             <a:avLst/>
           </a:prstGeom>
           <a:noFill/>
-          <a:ln cap="flat" cmpd="sng" w="9525">
+          <a:ln w="9525" cap="flat" cmpd="sng">
             <a:solidFill>
               <a:srgbClr val="FF0000"/>
             </a:solidFill>
             <a:prstDash val="solid"/>
             <a:round/>
-            <a:headEnd len="sm" w="sm" type="none"/>
-            <a:tailEnd len="sm" w="sm" type="none"/>
+            <a:headEnd type="none" w="sm" len="sm"/>
+            <a:tailEnd type="none" w="sm" len="sm"/>
           </a:ln>
         </p:spPr>
         <p:txBody>
-          <a:bodyPr anchorCtr="0" anchor="ctr" bIns="91425" lIns="91425" spcFirstLastPara="1" rIns="91425" wrap="square" tIns="91425">
+          <a:bodyPr spcFirstLastPara="1" wrap="square" lIns="91425" tIns="91425" rIns="91425" bIns="91425" anchor="ctr" anchorCtr="0">
             <a:noAutofit/>
           </a:bodyPr>
           <a:lstStyle/>
           <a:p>
-            <a:pPr indent="0" lvl="0" marL="0" rtl="0" algn="l">
-              <a:spcBef>
-                <a:spcPts val="0"/>
-              </a:spcBef>
-              <a:spcAft>
-                <a:spcPts val="0"/>
-              </a:spcAft>
-              <a:buNone/>
-            </a:pPr>
-            <a:r>
-              <a:t/>
-            </a:r>
+            <a:pPr marL="0" lvl="0" indent="0" algn="l" rtl="0">
+              <a:spcBef>
+                <a:spcPts val="0"/>
+              </a:spcBef>
+              <a:spcAft>
+                <a:spcPts val="0"/>
+              </a:spcAft>
+              <a:buNone/>
+            </a:pPr>
             <a:endParaRPr sz="1900"/>
           </a:p>
         </p:txBody>
@@ -8125,11 +8362,11 @@
 </file>
 
 <file path=ppt/slides/slide12.xml><?xml version="1.0" encoding="utf-8"?>
-<p:sld xmlns:a="http://schemas.openxmlformats.org/drawingml/2006/main" xmlns:r="http://schemas.openxmlformats.org/officeDocument/2006/relationships" xmlns:mc="http://schemas.openxmlformats.org/markup-compatibility/2006" xmlns:mv="urn:schemas-microsoft-com:mac:vml" xmlns:p="http://schemas.openxmlformats.org/presentationml/2006/main" xmlns:c="http://schemas.openxmlformats.org/drawingml/2006/chart" xmlns:dgm="http://schemas.openxmlformats.org/drawingml/2006/diagram" xmlns:o="urn:schemas-microsoft-com:office:office" xmlns:v="urn:schemas-microsoft-com:vml" xmlns:pvml="urn:schemas-microsoft-com:office:powerpoint" xmlns:com="http://schemas.openxmlformats.org/drawingml/2006/compatibility" xmlns:p14="http://schemas.microsoft.com/office/powerpoint/2010/main" xmlns:p15="http://schemas.microsoft.com/office/powerpoint/2012/main" xmlns:ahyp="http://schemas.microsoft.com/office/drawing/2018/hyperlinkcolor">
+<p:sld xmlns:a="http://schemas.openxmlformats.org/drawingml/2006/main" xmlns:r="http://schemas.openxmlformats.org/officeDocument/2006/relationships" xmlns:p="http://schemas.openxmlformats.org/presentationml/2006/main">
   <p:cSld>
     <p:spTree>
       <p:nvGrpSpPr>
-        <p:cNvPr id="132" name="Shape 132"/>
+        <p:cNvPr id="1" name="Shape 132"/>
         <p:cNvGrpSpPr/>
         <p:nvPr/>
       </p:nvGrpSpPr>
@@ -8206,11 +8443,11 @@
 </file>
 
 <file path=ppt/slides/slide13.xml><?xml version="1.0" encoding="utf-8"?>
-<p:sld xmlns:a="http://schemas.openxmlformats.org/drawingml/2006/main" xmlns:r="http://schemas.openxmlformats.org/officeDocument/2006/relationships" xmlns:mc="http://schemas.openxmlformats.org/markup-compatibility/2006" xmlns:mv="urn:schemas-microsoft-com:mac:vml" xmlns:p="http://schemas.openxmlformats.org/presentationml/2006/main" xmlns:c="http://schemas.openxmlformats.org/drawingml/2006/chart" xmlns:dgm="http://schemas.openxmlformats.org/drawingml/2006/diagram" xmlns:o="urn:schemas-microsoft-com:office:office" xmlns:v="urn:schemas-microsoft-com:vml" xmlns:pvml="urn:schemas-microsoft-com:office:powerpoint" xmlns:com="http://schemas.openxmlformats.org/drawingml/2006/compatibility" xmlns:p14="http://schemas.microsoft.com/office/powerpoint/2010/main" xmlns:p15="http://schemas.microsoft.com/office/powerpoint/2012/main" xmlns:ahyp="http://schemas.microsoft.com/office/drawing/2018/hyperlinkcolor">
+<p:sld xmlns:a="http://schemas.openxmlformats.org/drawingml/2006/main" xmlns:r="http://schemas.openxmlformats.org/officeDocument/2006/relationships" xmlns:p="http://schemas.openxmlformats.org/presentationml/2006/main">
   <p:cSld>
     <p:spTree>
       <p:nvGrpSpPr>
-        <p:cNvPr id="138" name="Shape 138"/>
+        <p:cNvPr id="1" name="Shape 138"/>
         <p:cNvGrpSpPr/>
         <p:nvPr/>
       </p:nvGrpSpPr>
@@ -8237,34 +8474,31 @@
             <a:avLst/>
           </a:prstGeom>
           <a:noFill/>
-          <a:ln cap="flat" cmpd="sng" w="9525">
+          <a:ln w="9525" cap="flat" cmpd="sng">
             <a:solidFill>
               <a:srgbClr val="BF9000"/>
             </a:solidFill>
             <a:prstDash val="solid"/>
             <a:round/>
-            <a:headEnd len="sm" w="sm" type="none"/>
-            <a:tailEnd len="sm" w="sm" type="none"/>
+            <a:headEnd type="none" w="sm" len="sm"/>
+            <a:tailEnd type="none" w="sm" len="sm"/>
           </a:ln>
         </p:spPr>
         <p:txBody>
-          <a:bodyPr anchorCtr="0" anchor="ctr" bIns="91425" lIns="91425" spcFirstLastPara="1" rIns="91425" wrap="square" tIns="91425">
+          <a:bodyPr spcFirstLastPara="1" wrap="square" lIns="91425" tIns="91425" rIns="91425" bIns="91425" anchor="ctr" anchorCtr="0">
             <a:noAutofit/>
           </a:bodyPr>
           <a:lstStyle/>
           <a:p>
-            <a:pPr indent="0" lvl="0" marL="0" rtl="0" algn="l">
-              <a:spcBef>
-                <a:spcPts val="0"/>
-              </a:spcBef>
-              <a:spcAft>
-                <a:spcPts val="0"/>
-              </a:spcAft>
-              <a:buNone/>
-            </a:pPr>
-            <a:r>
-              <a:t/>
-            </a:r>
+            <a:pPr marL="0" lvl="0" indent="0" algn="l" rtl="0">
+              <a:spcBef>
+                <a:spcPts val="0"/>
+              </a:spcBef>
+              <a:spcAft>
+                <a:spcPts val="0"/>
+              </a:spcAft>
+              <a:buNone/>
+            </a:pPr>
             <a:endParaRPr/>
           </a:p>
         </p:txBody>
@@ -8289,12 +8523,12 @@
           </a:ln>
         </p:spPr>
         <p:txBody>
-          <a:bodyPr anchorCtr="0" anchor="t" bIns="91425" lIns="91425" spcFirstLastPara="1" rIns="91425" wrap="square" tIns="91425">
+          <a:bodyPr spcFirstLastPara="1" wrap="square" lIns="91425" tIns="91425" rIns="91425" bIns="91425" anchor="t" anchorCtr="0">
             <a:spAutoFit/>
           </a:bodyPr>
           <a:lstStyle/>
           <a:p>
-            <a:pPr indent="0" lvl="0" marL="0" rtl="0" algn="ctr">
+            <a:pPr marL="0" lvl="0" indent="0" algn="ctr" rtl="0">
               <a:spcBef>
                 <a:spcPts val="0"/>
               </a:spcBef>
@@ -8340,12 +8574,12 @@
           </a:ln>
         </p:spPr>
         <p:txBody>
-          <a:bodyPr anchorCtr="0" anchor="t" bIns="91425" lIns="91425" spcFirstLastPara="1" rIns="91425" wrap="square" tIns="91425">
+          <a:bodyPr spcFirstLastPara="1" wrap="square" lIns="91425" tIns="91425" rIns="91425" bIns="91425" anchor="t" anchorCtr="0">
             <a:spAutoFit/>
           </a:bodyPr>
           <a:lstStyle/>
           <a:p>
-            <a:pPr indent="0" lvl="0" marL="0" rtl="0" algn="l">
+            <a:pPr marL="0" lvl="0" indent="0" algn="l" rtl="0">
               <a:spcBef>
                 <a:spcPts val="0"/>
               </a:spcBef>
@@ -8369,7 +8603,7 @@
             </a:endParaRPr>
           </a:p>
           <a:p>
-            <a:pPr indent="0" lvl="0" marL="0" rtl="0" algn="l">
+            <a:pPr marL="0" lvl="0" indent="0" algn="l" rtl="0">
               <a:lnSpc>
                 <a:spcPct val="115000"/>
               </a:lnSpc>
@@ -8396,7 +8630,7 @@
             </a:endParaRPr>
           </a:p>
           <a:p>
-            <a:pPr indent="0" lvl="0" marL="0" rtl="0" algn="r">
+            <a:pPr marL="0" lvl="0" indent="0" algn="r" rtl="0">
               <a:lnSpc>
                 <a:spcPct val="115000"/>
               </a:lnSpc>
@@ -8408,9 +8642,6 @@
               </a:spcAft>
               <a:buNone/>
             </a:pPr>
-            <a:r>
-              <a:t/>
-            </a:r>
             <a:endParaRPr sz="900">
               <a:solidFill>
                 <a:srgbClr val="D4D4D4"/>
@@ -8418,18 +8649,15 @@
             </a:endParaRPr>
           </a:p>
           <a:p>
-            <a:pPr indent="0" lvl="0" marL="0" rtl="0" algn="l">
-              <a:spcBef>
-                <a:spcPts val="0"/>
-              </a:spcBef>
-              <a:spcAft>
-                <a:spcPts val="0"/>
-              </a:spcAft>
-              <a:buNone/>
-            </a:pPr>
-            <a:r>
-              <a:t/>
-            </a:r>
+            <a:pPr marL="0" lvl="0" indent="0" algn="l" rtl="0">
+              <a:spcBef>
+                <a:spcPts val="0"/>
+              </a:spcBef>
+              <a:spcAft>
+                <a:spcPts val="0"/>
+              </a:spcAft>
+              <a:buNone/>
+            </a:pPr>
             <a:endParaRPr sz="900">
               <a:solidFill>
                 <a:srgbClr val="D4D4D4"/>
@@ -8481,34 +8709,31 @@
             <a:avLst/>
           </a:prstGeom>
           <a:noFill/>
-          <a:ln cap="flat" cmpd="sng" w="9525">
+          <a:ln w="9525" cap="flat" cmpd="sng">
             <a:solidFill>
               <a:srgbClr val="FF0000"/>
             </a:solidFill>
             <a:prstDash val="solid"/>
             <a:round/>
-            <a:headEnd len="sm" w="sm" type="none"/>
-            <a:tailEnd len="sm" w="sm" type="none"/>
+            <a:headEnd type="none" w="sm" len="sm"/>
+            <a:tailEnd type="none" w="sm" len="sm"/>
           </a:ln>
         </p:spPr>
         <p:txBody>
-          <a:bodyPr anchorCtr="0" anchor="ctr" bIns="91425" lIns="91425" spcFirstLastPara="1" rIns="91425" wrap="square" tIns="91425">
+          <a:bodyPr spcFirstLastPara="1" wrap="square" lIns="91425" tIns="91425" rIns="91425" bIns="91425" anchor="ctr" anchorCtr="0">
             <a:noAutofit/>
           </a:bodyPr>
           <a:lstStyle/>
           <a:p>
-            <a:pPr indent="0" lvl="0" marL="0" rtl="0" algn="l">
-              <a:spcBef>
-                <a:spcPts val="0"/>
-              </a:spcBef>
-              <a:spcAft>
-                <a:spcPts val="0"/>
-              </a:spcAft>
-              <a:buNone/>
-            </a:pPr>
-            <a:r>
-              <a:t/>
-            </a:r>
+            <a:pPr marL="0" lvl="0" indent="0" algn="l" rtl="0">
+              <a:spcBef>
+                <a:spcPts val="0"/>
+              </a:spcBef>
+              <a:spcAft>
+                <a:spcPts val="0"/>
+              </a:spcAft>
+              <a:buNone/>
+            </a:pPr>
             <a:endParaRPr/>
           </a:p>
         </p:txBody>
@@ -8522,11 +8747,11 @@
 </file>
 
 <file path=ppt/slides/slide14.xml><?xml version="1.0" encoding="utf-8"?>
-<p:sld xmlns:a="http://schemas.openxmlformats.org/drawingml/2006/main" xmlns:r="http://schemas.openxmlformats.org/officeDocument/2006/relationships" xmlns:mc="http://schemas.openxmlformats.org/markup-compatibility/2006" xmlns:mv="urn:schemas-microsoft-com:mac:vml" xmlns:p="http://schemas.openxmlformats.org/presentationml/2006/main" xmlns:c="http://schemas.openxmlformats.org/drawingml/2006/chart" xmlns:dgm="http://schemas.openxmlformats.org/drawingml/2006/diagram" xmlns:o="urn:schemas-microsoft-com:office:office" xmlns:v="urn:schemas-microsoft-com:vml" xmlns:pvml="urn:schemas-microsoft-com:office:powerpoint" xmlns:com="http://schemas.openxmlformats.org/drawingml/2006/compatibility" xmlns:p14="http://schemas.microsoft.com/office/powerpoint/2010/main" xmlns:p15="http://schemas.microsoft.com/office/powerpoint/2012/main" xmlns:ahyp="http://schemas.microsoft.com/office/drawing/2018/hyperlinkcolor">
+<p:sld xmlns:a="http://schemas.openxmlformats.org/drawingml/2006/main" xmlns:r="http://schemas.openxmlformats.org/officeDocument/2006/relationships" xmlns:p="http://schemas.openxmlformats.org/presentationml/2006/main">
   <p:cSld>
     <p:spTree>
       <p:nvGrpSpPr>
-        <p:cNvPr id="147" name="Shape 147"/>
+        <p:cNvPr id="1" name="Shape 147"/>
         <p:cNvGrpSpPr/>
         <p:nvPr/>
       </p:nvGrpSpPr>
@@ -8541,7 +8766,9 @@
       <p:sp>
         <p:nvSpPr>
           <p:cNvPr id="148" name="Google Shape;148;p26"/>
-          <p:cNvSpPr txBox="1"/>
+          <p:cNvSpPr txBox="1">
+            <a:spLocks noGrp="1"/>
+          </p:cNvSpPr>
           <p:nvPr>
             <p:ph type="title"/>
           </p:nvPr>
@@ -8556,12 +8783,12 @@
           </a:prstGeom>
         </p:spPr>
         <p:txBody>
-          <a:bodyPr anchorCtr="0" anchor="t" bIns="91425" lIns="91425" spcFirstLastPara="1" rIns="91425" wrap="square" tIns="91425">
+          <a:bodyPr spcFirstLastPara="1" wrap="square" lIns="91425" tIns="91425" rIns="91425" bIns="91425" anchor="t" anchorCtr="0">
             <a:noAutofit/>
           </a:bodyPr>
           <a:lstStyle/>
           <a:p>
-            <a:pPr indent="0" lvl="0" marL="0" rtl="0" algn="ctr">
+            <a:pPr marL="0" lvl="0" indent="0" algn="ctr" rtl="0">
               <a:spcBef>
                 <a:spcPts val="0"/>
               </a:spcBef>
@@ -8573,11 +8800,7 @@
             </a:pPr>
             <a:r>
               <a:rPr lang="en-GB" sz="2020"/>
-              <a:t>F-Test=0.691  </a:t>
-            </a:r>
-            <a:r>
-              <a:rPr lang="en-GB" sz="2020"/>
-              <a:t>P-value = 0.733</a:t>
+              <a:t>F-Test=0.691  P-value = 0.733</a:t>
             </a:r>
             <a:endParaRPr sz="2020"/>
           </a:p>
@@ -8648,11 +8871,11 @@
 </file>
 
 <file path=ppt/slides/slide15.xml><?xml version="1.0" encoding="utf-8"?>
-<p:sld xmlns:a="http://schemas.openxmlformats.org/drawingml/2006/main" xmlns:r="http://schemas.openxmlformats.org/officeDocument/2006/relationships" xmlns:mc="http://schemas.openxmlformats.org/markup-compatibility/2006" xmlns:mv="urn:schemas-microsoft-com:mac:vml" xmlns:p="http://schemas.openxmlformats.org/presentationml/2006/main" xmlns:c="http://schemas.openxmlformats.org/drawingml/2006/chart" xmlns:dgm="http://schemas.openxmlformats.org/drawingml/2006/diagram" xmlns:o="urn:schemas-microsoft-com:office:office" xmlns:v="urn:schemas-microsoft-com:vml" xmlns:pvml="urn:schemas-microsoft-com:office:powerpoint" xmlns:com="http://schemas.openxmlformats.org/drawingml/2006/compatibility" xmlns:p14="http://schemas.microsoft.com/office/powerpoint/2010/main" xmlns:p15="http://schemas.microsoft.com/office/powerpoint/2012/main" xmlns:ahyp="http://schemas.microsoft.com/office/drawing/2018/hyperlinkcolor">
+<p:sld xmlns:a="http://schemas.openxmlformats.org/drawingml/2006/main" xmlns:r="http://schemas.openxmlformats.org/officeDocument/2006/relationships" xmlns:p="http://schemas.openxmlformats.org/presentationml/2006/main">
   <p:cSld>
     <p:spTree>
       <p:nvGrpSpPr>
-        <p:cNvPr id="154" name="Shape 154"/>
+        <p:cNvPr id="1" name="Shape 154"/>
         <p:cNvGrpSpPr/>
         <p:nvPr/>
       </p:nvGrpSpPr>
@@ -8667,7 +8890,9 @@
       <p:sp>
         <p:nvSpPr>
           <p:cNvPr id="155" name="Google Shape;155;p27"/>
-          <p:cNvSpPr txBox="1"/>
+          <p:cNvSpPr txBox="1">
+            <a:spLocks noGrp="1"/>
+          </p:cNvSpPr>
           <p:nvPr>
             <p:ph type="title"/>
           </p:nvPr>
@@ -8682,12 +8907,12 @@
           </a:prstGeom>
         </p:spPr>
         <p:txBody>
-          <a:bodyPr anchorCtr="0" anchor="t" bIns="91425" lIns="91425" spcFirstLastPara="1" rIns="91425" wrap="square" tIns="91425">
+          <a:bodyPr spcFirstLastPara="1" wrap="square" lIns="91425" tIns="91425" rIns="91425" bIns="91425" anchor="t" anchorCtr="0">
             <a:noAutofit/>
           </a:bodyPr>
           <a:lstStyle/>
           <a:p>
-            <a:pPr indent="0" lvl="0" marL="0" rtl="0" algn="ctr">
+            <a:pPr marL="0" lvl="0" indent="0" algn="ctr" rtl="0">
               <a:lnSpc>
                 <a:spcPct val="115000"/>
               </a:lnSpc>
@@ -8706,11 +8931,7 @@
             </a:pPr>
             <a:r>
               <a:rPr lang="en-GB" sz="4000"/>
-              <a:t>T</a:t>
-            </a:r>
-            <a:r>
-              <a:rPr lang="en-GB" sz="4000"/>
-              <a:t>he number of reviews DOES NOT have an effect on the restaurants ratings on Yelp</a:t>
+              <a:t>The number of reviews DOES NOT have an effect on the restaurants ratings on Yelp</a:t>
             </a:r>
             <a:endParaRPr sz="4000"/>
           </a:p>
@@ -8725,11 +8946,11 @@
 </file>
 
 <file path=ppt/slides/slide16.xml><?xml version="1.0" encoding="utf-8"?>
-<p:sld xmlns:a="http://schemas.openxmlformats.org/drawingml/2006/main" xmlns:r="http://schemas.openxmlformats.org/officeDocument/2006/relationships" xmlns:mc="http://schemas.openxmlformats.org/markup-compatibility/2006" xmlns:mv="urn:schemas-microsoft-com:mac:vml" xmlns:p="http://schemas.openxmlformats.org/presentationml/2006/main" xmlns:c="http://schemas.openxmlformats.org/drawingml/2006/chart" xmlns:dgm="http://schemas.openxmlformats.org/drawingml/2006/diagram" xmlns:o="urn:schemas-microsoft-com:office:office" xmlns:v="urn:schemas-microsoft-com:vml" xmlns:pvml="urn:schemas-microsoft-com:office:powerpoint" xmlns:com="http://schemas.openxmlformats.org/drawingml/2006/compatibility" xmlns:p14="http://schemas.microsoft.com/office/powerpoint/2010/main" xmlns:p15="http://schemas.microsoft.com/office/powerpoint/2012/main" xmlns:ahyp="http://schemas.microsoft.com/office/drawing/2018/hyperlinkcolor">
+<p:sld xmlns:a="http://schemas.openxmlformats.org/drawingml/2006/main" xmlns:r="http://schemas.openxmlformats.org/officeDocument/2006/relationships" xmlns:p="http://schemas.openxmlformats.org/presentationml/2006/main">
   <p:cSld>
     <p:spTree>
       <p:nvGrpSpPr>
-        <p:cNvPr id="159" name="Shape 159"/>
+        <p:cNvPr id="1" name="Shape 159"/>
         <p:cNvGrpSpPr/>
         <p:nvPr/>
       </p:nvGrpSpPr>
@@ -8744,7 +8965,9 @@
       <p:sp>
         <p:nvSpPr>
           <p:cNvPr id="160" name="Google Shape;160;p28"/>
-          <p:cNvSpPr txBox="1"/>
+          <p:cNvSpPr txBox="1">
+            <a:spLocks noGrp="1"/>
+          </p:cNvSpPr>
           <p:nvPr>
             <p:ph type="title"/>
           </p:nvPr>
@@ -8759,12 +8982,12 @@
           </a:prstGeom>
         </p:spPr>
         <p:txBody>
-          <a:bodyPr anchorCtr="0" anchor="t" bIns="91425" lIns="91425" spcFirstLastPara="1" rIns="91425" wrap="square" tIns="91425">
+          <a:bodyPr spcFirstLastPara="1" wrap="square" lIns="91425" tIns="91425" rIns="91425" bIns="91425" anchor="t" anchorCtr="0">
             <a:noAutofit/>
           </a:bodyPr>
           <a:lstStyle/>
           <a:p>
-            <a:pPr indent="0" lvl="0" marL="0" rtl="0" algn="l">
+            <a:pPr marL="0" lvl="0" indent="0" algn="l" rtl="0">
               <a:spcBef>
                 <a:spcPts val="0"/>
               </a:spcBef>
@@ -8775,7 +8998,7 @@
               <a:buNone/>
             </a:pPr>
             <a:r>
-              <a:rPr b="1" lang="en-GB" sz="1987"/>
+              <a:rPr lang="en-GB" sz="1987" b="1"/>
               <a:t>Analyzing Restaurant Diversity</a:t>
             </a:r>
             <a:r>
@@ -8783,7 +9006,7 @@
               <a:t>: </a:t>
             </a:r>
             <a:r>
-              <a:rPr b="1" lang="en-GB" sz="1987">
+              <a:rPr lang="en-GB" sz="1987" b="1">
                 <a:highlight>
                   <a:srgbClr val="EA9999"/>
                 </a:highlight>
@@ -8791,18 +9014,18 @@
               <a:t>Toronto</a:t>
             </a:r>
             <a:r>
-              <a:rPr b="1" lang="en-GB" sz="1987"/>
+              <a:rPr lang="en-GB" sz="1987" b="1"/>
               <a:t> vs. </a:t>
             </a:r>
             <a:r>
-              <a:rPr b="1" lang="en-GB" sz="1987">
+              <a:rPr lang="en-GB" sz="1987" b="1">
                 <a:highlight>
                   <a:srgbClr val="FFD966"/>
                 </a:highlight>
               </a:rPr>
               <a:t>Vancouver</a:t>
             </a:r>
-            <a:endParaRPr b="1" sz="1987">
+            <a:endParaRPr sz="1987" b="1">
               <a:highlight>
                 <a:srgbClr val="FFD966"/>
               </a:highlight>
@@ -8813,9 +9036,11 @@
       <p:sp>
         <p:nvSpPr>
           <p:cNvPr id="161" name="Google Shape;161;p28"/>
-          <p:cNvSpPr txBox="1"/>
+          <p:cNvSpPr txBox="1">
+            <a:spLocks noGrp="1"/>
+          </p:cNvSpPr>
           <p:nvPr>
-            <p:ph idx="1" type="body"/>
+            <p:ph type="body" idx="1"/>
           </p:nvPr>
         </p:nvSpPr>
         <p:spPr>
@@ -8828,12 +9053,12 @@
           </a:prstGeom>
         </p:spPr>
         <p:txBody>
-          <a:bodyPr anchorCtr="0" anchor="t" bIns="91425" lIns="91425" spcFirstLastPara="1" rIns="91425" wrap="square" tIns="91425">
+          <a:bodyPr spcFirstLastPara="1" wrap="square" lIns="91425" tIns="91425" rIns="91425" bIns="91425" anchor="t" anchorCtr="0">
             <a:normAutofit/>
           </a:bodyPr>
           <a:lstStyle/>
           <a:p>
-            <a:pPr indent="0" lvl="0" marL="0" rtl="0" algn="l">
+            <a:pPr marL="0" lvl="0" indent="0" algn="l" rtl="0">
               <a:spcBef>
                 <a:spcPts val="0"/>
               </a:spcBef>
@@ -8843,13 +9068,13 @@
               <a:buNone/>
             </a:pPr>
             <a:r>
-              <a:rPr b="1" lang="en-GB"/>
+              <a:rPr lang="en-GB" b="1"/>
               <a:t>Uniqueness of Options</a:t>
             </a:r>
             <a:endParaRPr b="1"/>
           </a:p>
           <a:p>
-            <a:pPr indent="-317500" lvl="1" marL="914400" rtl="0" algn="l">
+            <a:pPr marL="914400" lvl="1" indent="-317500" algn="l" rtl="0">
               <a:spcBef>
                 <a:spcPts val="1200"/>
               </a:spcBef>
@@ -8866,7 +9091,7 @@
             <a:endParaRPr/>
           </a:p>
           <a:p>
-            <a:pPr indent="-317500" lvl="1" marL="914400" rtl="0" algn="l">
+            <a:pPr marL="914400" lvl="1" indent="-317500" algn="l" rtl="0">
               <a:spcBef>
                 <a:spcPts val="0"/>
               </a:spcBef>
@@ -8883,7 +9108,7 @@
             <a:endParaRPr/>
           </a:p>
           <a:p>
-            <a:pPr indent="0" lvl="0" marL="0" rtl="0" algn="l">
+            <a:pPr marL="0" lvl="0" indent="0" algn="l" rtl="0">
               <a:spcBef>
                 <a:spcPts val="1200"/>
               </a:spcBef>
@@ -8893,13 +9118,13 @@
               <a:buNone/>
             </a:pPr>
             <a:r>
-              <a:rPr b="1" lang="en-GB"/>
+              <a:rPr lang="en-GB" b="1"/>
               <a:t>Uniqueness in Taste</a:t>
             </a:r>
             <a:endParaRPr b="1"/>
           </a:p>
           <a:p>
-            <a:pPr indent="-317500" lvl="1" marL="914400" rtl="0" algn="l">
+            <a:pPr marL="914400" lvl="1" indent="-317500" algn="l" rtl="0">
               <a:lnSpc>
                 <a:spcPct val="150000"/>
               </a:lnSpc>
@@ -8919,7 +9144,7 @@
             <a:endParaRPr/>
           </a:p>
           <a:p>
-            <a:pPr indent="-317500" lvl="1" marL="914400" rtl="0" algn="l">
+            <a:pPr marL="914400" lvl="1" indent="-317500" algn="l" rtl="0">
               <a:spcBef>
                 <a:spcPts val="0"/>
               </a:spcBef>
@@ -8946,11 +9171,11 @@
 </file>
 
 <file path=ppt/slides/slide17.xml><?xml version="1.0" encoding="utf-8"?>
-<p:sld xmlns:a="http://schemas.openxmlformats.org/drawingml/2006/main" xmlns:r="http://schemas.openxmlformats.org/officeDocument/2006/relationships" xmlns:mc="http://schemas.openxmlformats.org/markup-compatibility/2006" xmlns:mv="urn:schemas-microsoft-com:mac:vml" xmlns:p="http://schemas.openxmlformats.org/presentationml/2006/main" xmlns:c="http://schemas.openxmlformats.org/drawingml/2006/chart" xmlns:dgm="http://schemas.openxmlformats.org/drawingml/2006/diagram" xmlns:o="urn:schemas-microsoft-com:office:office" xmlns:v="urn:schemas-microsoft-com:vml" xmlns:pvml="urn:schemas-microsoft-com:office:powerpoint" xmlns:com="http://schemas.openxmlformats.org/drawingml/2006/compatibility" xmlns:p14="http://schemas.microsoft.com/office/powerpoint/2010/main" xmlns:p15="http://schemas.microsoft.com/office/powerpoint/2012/main" xmlns:ahyp="http://schemas.microsoft.com/office/drawing/2018/hyperlinkcolor">
+<p:sld xmlns:a="http://schemas.openxmlformats.org/drawingml/2006/main" xmlns:r="http://schemas.openxmlformats.org/officeDocument/2006/relationships" xmlns:p="http://schemas.openxmlformats.org/presentationml/2006/main">
   <p:cSld>
     <p:spTree>
       <p:nvGrpSpPr>
-        <p:cNvPr id="165" name="Shape 165"/>
+        <p:cNvPr id="1" name="Shape 165"/>
         <p:cNvGrpSpPr/>
         <p:nvPr/>
       </p:nvGrpSpPr>
@@ -8965,9 +9190,11 @@
       <p:sp>
         <p:nvSpPr>
           <p:cNvPr id="166" name="Google Shape;166;p29"/>
-          <p:cNvSpPr txBox="1"/>
+          <p:cNvSpPr txBox="1">
+            <a:spLocks noGrp="1"/>
+          </p:cNvSpPr>
           <p:nvPr>
-            <p:ph idx="1" type="body"/>
+            <p:ph type="body" idx="1"/>
           </p:nvPr>
         </p:nvSpPr>
         <p:spPr>
@@ -8980,12 +9207,12 @@
           </a:prstGeom>
         </p:spPr>
         <p:txBody>
-          <a:bodyPr anchorCtr="0" anchor="t" bIns="91425" lIns="91425" spcFirstLastPara="1" rIns="91425" wrap="square" tIns="91425">
+          <a:bodyPr spcFirstLastPara="1" wrap="square" lIns="91425" tIns="91425" rIns="91425" bIns="91425" anchor="t" anchorCtr="0">
             <a:normAutofit/>
           </a:bodyPr>
           <a:lstStyle/>
           <a:p>
-            <a:pPr indent="0" lvl="0" marL="0" rtl="0" algn="r">
+            <a:pPr marL="0" lvl="0" indent="0" algn="r" rtl="0">
               <a:spcBef>
                 <a:spcPts val="0"/>
               </a:spcBef>
@@ -8995,14 +9222,14 @@
               <a:buNone/>
             </a:pPr>
             <a:r>
-              <a:rPr b="1" lang="en-GB" sz="2900">
+              <a:rPr lang="en-GB" sz="2900" b="1">
                 <a:solidFill>
                   <a:srgbClr val="E06666"/>
                 </a:solidFill>
               </a:rPr>
               <a:t>Toronto</a:t>
             </a:r>
-            <a:endParaRPr b="1" sz="2900">
+            <a:endParaRPr sz="2900" b="1">
               <a:solidFill>
                 <a:srgbClr val="E06666"/>
               </a:solidFill>
@@ -9013,9 +9240,11 @@
       <p:sp>
         <p:nvSpPr>
           <p:cNvPr id="167" name="Google Shape;167;p29"/>
-          <p:cNvSpPr txBox="1"/>
+          <p:cNvSpPr txBox="1">
+            <a:spLocks noGrp="1"/>
+          </p:cNvSpPr>
           <p:nvPr>
-            <p:ph idx="1" type="body"/>
+            <p:ph type="body" idx="1"/>
           </p:nvPr>
         </p:nvSpPr>
         <p:spPr>
@@ -9028,12 +9257,12 @@
           </a:prstGeom>
         </p:spPr>
         <p:txBody>
-          <a:bodyPr anchorCtr="0" anchor="t" bIns="91425" lIns="91425" spcFirstLastPara="1" rIns="91425" wrap="square" tIns="91425">
+          <a:bodyPr spcFirstLastPara="1" wrap="square" lIns="91425" tIns="91425" rIns="91425" bIns="91425" anchor="t" anchorCtr="0">
             <a:normAutofit/>
           </a:bodyPr>
           <a:lstStyle/>
           <a:p>
-            <a:pPr indent="0" lvl="0" marL="0" rtl="0" algn="l">
+            <a:pPr marL="0" lvl="0" indent="0" algn="l" rtl="0">
               <a:spcBef>
                 <a:spcPts val="0"/>
               </a:spcBef>
@@ -9043,14 +9272,14 @@
               <a:buNone/>
             </a:pPr>
             <a:r>
-              <a:rPr b="1" lang="en-GB" sz="2900">
+              <a:rPr lang="en-GB" sz="2900" b="1">
                 <a:solidFill>
                   <a:srgbClr val="E69138"/>
                 </a:solidFill>
               </a:rPr>
               <a:t>Vancouver</a:t>
             </a:r>
-            <a:endParaRPr b="1" sz="2900">
+            <a:endParaRPr sz="2900" b="1">
               <a:solidFill>
                 <a:srgbClr val="E69138"/>
               </a:solidFill>
@@ -9061,9 +9290,11 @@
       <p:sp>
         <p:nvSpPr>
           <p:cNvPr id="168" name="Google Shape;168;p29"/>
-          <p:cNvSpPr txBox="1"/>
+          <p:cNvSpPr txBox="1">
+            <a:spLocks noGrp="1"/>
+          </p:cNvSpPr>
           <p:nvPr>
-            <p:ph idx="1" type="body"/>
+            <p:ph type="body" idx="1"/>
           </p:nvPr>
         </p:nvSpPr>
         <p:spPr>
@@ -9076,12 +9307,12 @@
           </a:prstGeom>
         </p:spPr>
         <p:txBody>
-          <a:bodyPr anchorCtr="0" anchor="t" bIns="91425" lIns="91425" spcFirstLastPara="1" rIns="91425" wrap="square" tIns="91425">
+          <a:bodyPr spcFirstLastPara="1" wrap="square" lIns="91425" tIns="91425" rIns="91425" bIns="91425" anchor="t" anchorCtr="0">
             <a:normAutofit/>
           </a:bodyPr>
           <a:lstStyle/>
           <a:p>
-            <a:pPr indent="0" lvl="0" marL="0" rtl="0" algn="r">
+            <a:pPr marL="0" lvl="0" indent="0" algn="r" rtl="0">
               <a:spcBef>
                 <a:spcPts val="0"/>
               </a:spcBef>
@@ -9117,9 +9348,11 @@
       <p:sp>
         <p:nvSpPr>
           <p:cNvPr id="169" name="Google Shape;169;p29"/>
-          <p:cNvSpPr txBox="1"/>
+          <p:cNvSpPr txBox="1">
+            <a:spLocks noGrp="1"/>
+          </p:cNvSpPr>
           <p:nvPr>
-            <p:ph idx="1" type="body"/>
+            <p:ph type="body" idx="1"/>
           </p:nvPr>
         </p:nvSpPr>
         <p:spPr>
@@ -9132,12 +9365,12 @@
           </a:prstGeom>
         </p:spPr>
         <p:txBody>
-          <a:bodyPr anchorCtr="0" anchor="t" bIns="91425" lIns="91425" spcFirstLastPara="1" rIns="91425" wrap="square" tIns="91425">
+          <a:bodyPr spcFirstLastPara="1" wrap="square" lIns="91425" tIns="91425" rIns="91425" bIns="91425" anchor="t" anchorCtr="0">
             <a:normAutofit/>
           </a:bodyPr>
           <a:lstStyle/>
           <a:p>
-            <a:pPr indent="0" lvl="0" marL="0" rtl="0" algn="r">
+            <a:pPr marL="0" lvl="0" indent="0" algn="r" rtl="0">
               <a:spcBef>
                 <a:spcPts val="0"/>
               </a:spcBef>
@@ -9147,14 +9380,14 @@
               <a:buNone/>
             </a:pPr>
             <a:r>
-              <a:rPr b="1" lang="en-GB" sz="2800">
+              <a:rPr lang="en-GB" sz="2800" b="1">
                 <a:solidFill>
                   <a:srgbClr val="E06666"/>
                 </a:solidFill>
               </a:rPr>
               <a:t>122</a:t>
             </a:r>
-            <a:endParaRPr b="1" sz="2800">
+            <a:endParaRPr sz="2800" b="1">
               <a:solidFill>
                 <a:srgbClr val="E06666"/>
               </a:solidFill>
@@ -9165,9 +9398,11 @@
       <p:sp>
         <p:nvSpPr>
           <p:cNvPr id="170" name="Google Shape;170;p29"/>
-          <p:cNvSpPr txBox="1"/>
+          <p:cNvSpPr txBox="1">
+            <a:spLocks noGrp="1"/>
+          </p:cNvSpPr>
           <p:nvPr>
-            <p:ph idx="1" type="body"/>
+            <p:ph type="body" idx="1"/>
           </p:nvPr>
         </p:nvSpPr>
         <p:spPr>
@@ -9180,12 +9415,12 @@
           </a:prstGeom>
         </p:spPr>
         <p:txBody>
-          <a:bodyPr anchorCtr="0" anchor="t" bIns="91425" lIns="91425" spcFirstLastPara="1" rIns="91425" wrap="square" tIns="91425">
+          <a:bodyPr spcFirstLastPara="1" wrap="square" lIns="91425" tIns="91425" rIns="91425" bIns="91425" anchor="t" anchorCtr="0">
             <a:normAutofit/>
           </a:bodyPr>
           <a:lstStyle/>
           <a:p>
-            <a:pPr indent="0" lvl="0" marL="0" rtl="0" algn="l">
+            <a:pPr marL="0" lvl="0" indent="0" algn="l" rtl="0">
               <a:spcBef>
                 <a:spcPts val="0"/>
               </a:spcBef>
@@ -9195,14 +9430,14 @@
               <a:buNone/>
             </a:pPr>
             <a:r>
-              <a:rPr b="1" lang="en-GB" sz="2800">
+              <a:rPr lang="en-GB" sz="2800" b="1">
                 <a:solidFill>
                   <a:srgbClr val="E69138"/>
                 </a:solidFill>
               </a:rPr>
               <a:t>119</a:t>
             </a:r>
-            <a:endParaRPr b="1" sz="2800">
+            <a:endParaRPr sz="2800" b="1">
               <a:solidFill>
                 <a:srgbClr val="E69138"/>
               </a:solidFill>
@@ -9213,9 +9448,11 @@
       <p:sp>
         <p:nvSpPr>
           <p:cNvPr id="171" name="Google Shape;171;p29"/>
-          <p:cNvSpPr txBox="1"/>
+          <p:cNvSpPr txBox="1">
+            <a:spLocks noGrp="1"/>
+          </p:cNvSpPr>
           <p:nvPr>
-            <p:ph idx="1" type="body"/>
+            <p:ph type="body" idx="1"/>
           </p:nvPr>
         </p:nvSpPr>
         <p:spPr>
@@ -9228,12 +9465,12 @@
           </a:prstGeom>
         </p:spPr>
         <p:txBody>
-          <a:bodyPr anchorCtr="0" anchor="t" bIns="91425" lIns="91425" spcFirstLastPara="1" rIns="91425" wrap="square" tIns="91425">
+          <a:bodyPr spcFirstLastPara="1" wrap="square" lIns="91425" tIns="91425" rIns="91425" bIns="91425" anchor="t" anchorCtr="0">
             <a:noAutofit/>
           </a:bodyPr>
           <a:lstStyle/>
           <a:p>
-            <a:pPr indent="0" lvl="0" marL="0" rtl="0" algn="r">
+            <a:pPr marL="0" lvl="0" indent="0" algn="r" rtl="0">
               <a:lnSpc>
                 <a:spcPct val="80000"/>
               </a:lnSpc>
@@ -9307,11 +9544,11 @@
 </file>
 
 <file path=ppt/slides/slide18.xml><?xml version="1.0" encoding="utf-8"?>
-<p:sld xmlns:a="http://schemas.openxmlformats.org/drawingml/2006/main" xmlns:r="http://schemas.openxmlformats.org/officeDocument/2006/relationships" xmlns:mc="http://schemas.openxmlformats.org/markup-compatibility/2006" xmlns:mv="urn:schemas-microsoft-com:mac:vml" xmlns:p="http://schemas.openxmlformats.org/presentationml/2006/main" xmlns:c="http://schemas.openxmlformats.org/drawingml/2006/chart" xmlns:dgm="http://schemas.openxmlformats.org/drawingml/2006/diagram" xmlns:o="urn:schemas-microsoft-com:office:office" xmlns:v="urn:schemas-microsoft-com:vml" xmlns:pvml="urn:schemas-microsoft-com:office:powerpoint" xmlns:com="http://schemas.openxmlformats.org/drawingml/2006/compatibility" xmlns:p14="http://schemas.microsoft.com/office/powerpoint/2010/main" xmlns:p15="http://schemas.microsoft.com/office/powerpoint/2012/main" xmlns:ahyp="http://schemas.microsoft.com/office/drawing/2018/hyperlinkcolor">
+<p:sld xmlns:a="http://schemas.openxmlformats.org/drawingml/2006/main" xmlns:r="http://schemas.openxmlformats.org/officeDocument/2006/relationships" xmlns:p="http://schemas.openxmlformats.org/presentationml/2006/main">
   <p:cSld>
     <p:spTree>
       <p:nvGrpSpPr>
-        <p:cNvPr id="176" name="Shape 176"/>
+        <p:cNvPr id="1" name="Shape 176"/>
         <p:cNvGrpSpPr/>
         <p:nvPr/>
       </p:nvGrpSpPr>
@@ -9343,12 +9580,12 @@
           </a:ln>
         </p:spPr>
         <p:txBody>
-          <a:bodyPr anchorCtr="0" anchor="t" bIns="91425" lIns="91425" spcFirstLastPara="1" rIns="91425" wrap="square" tIns="91425">
+          <a:bodyPr spcFirstLastPara="1" wrap="square" lIns="91425" tIns="91425" rIns="91425" bIns="91425" anchor="t" anchorCtr="0">
             <a:spAutoFit/>
           </a:bodyPr>
           <a:lstStyle/>
           <a:p>
-            <a:pPr indent="0" lvl="0" marL="0" rtl="0" algn="l">
+            <a:pPr marL="0" lvl="0" indent="0" algn="l" rtl="0">
               <a:spcBef>
                 <a:spcPts val="0"/>
               </a:spcBef>
@@ -9358,11 +9595,11 @@
               <a:buNone/>
             </a:pPr>
             <a:r>
-              <a:rPr b="1" lang="en-GB" sz="1800"/>
+              <a:rPr lang="en-GB" sz="1800" b="1"/>
               <a:t>Unique Restaurants in </a:t>
             </a:r>
             <a:r>
-              <a:rPr b="1" lang="en-GB" sz="1800">
+              <a:rPr lang="en-GB" sz="1800" b="1">
                 <a:highlight>
                   <a:srgbClr val="EA9999"/>
                 </a:highlight>
@@ -9370,7 +9607,7 @@
               <a:t>Toronto </a:t>
             </a:r>
             <a:r>
-              <a:rPr b="1" lang="en-GB" sz="1800">
+              <a:rPr lang="en-GB" sz="1800" b="1">
                 <a:highlight>
                   <a:schemeClr val="lt1"/>
                 </a:highlight>
@@ -9378,7 +9615,7 @@
               <a:t> </a:t>
             </a:r>
             <a:r>
-              <a:rPr b="1" i="1" lang="en-GB" sz="1000">
+              <a:rPr lang="en-GB" sz="1000" b="1" i="1">
                 <a:highlight>
                   <a:schemeClr val="lt1"/>
                 </a:highlight>
@@ -9386,14 +9623,14 @@
               <a:t>(</a:t>
             </a:r>
             <a:r>
-              <a:rPr i="1" lang="en-GB" sz="1000">
+              <a:rPr lang="en-GB" sz="1000" i="1">
                 <a:highlight>
                   <a:schemeClr val="lt1"/>
                 </a:highlight>
               </a:rPr>
               <a:t>29 Unique Categories)</a:t>
             </a:r>
-            <a:endParaRPr i="1" sz="1000">
+            <a:endParaRPr sz="1000" i="1">
               <a:highlight>
                 <a:schemeClr val="lt1"/>
               </a:highlight>
@@ -9421,12 +9658,12 @@
           </a:ln>
         </p:spPr>
         <p:txBody>
-          <a:bodyPr anchorCtr="0" anchor="t" bIns="91425" lIns="91425" spcFirstLastPara="1" rIns="91425" wrap="square" tIns="91425">
+          <a:bodyPr spcFirstLastPara="1" wrap="square" lIns="91425" tIns="91425" rIns="91425" bIns="91425" anchor="t" anchorCtr="0">
             <a:spAutoFit/>
           </a:bodyPr>
           <a:lstStyle/>
           <a:p>
-            <a:pPr indent="0" lvl="0" marL="0" rtl="0" algn="l">
+            <a:pPr marL="0" lvl="0" indent="0" algn="l" rtl="0">
               <a:spcBef>
                 <a:spcPts val="0"/>
               </a:spcBef>
@@ -9440,7 +9677,7 @@
               <a:t>Notable mentions: Maha’s (</a:t>
             </a:r>
             <a:r>
-              <a:rPr b="1" lang="en-GB" sz="1100"/>
+              <a:rPr lang="en-GB" sz="1100" b="1"/>
               <a:t>Egyptian</a:t>
             </a:r>
             <a:r>
@@ -9448,7 +9685,7 @@
               <a:t>), The House On Parliament (</a:t>
             </a:r>
             <a:r>
-              <a:rPr b="1" lang="en-GB" sz="1100"/>
+              <a:rPr lang="en-GB" sz="1100" b="1"/>
               <a:t>British</a:t>
             </a:r>
             <a:r>
@@ -9456,7 +9693,7 @@
               <a:t>), Café Polonez (</a:t>
             </a:r>
             <a:r>
-              <a:rPr b="1" lang="en-GB" sz="1100"/>
+              <a:rPr lang="en-GB" sz="1100" b="1"/>
               <a:t>Polish</a:t>
             </a:r>
             <a:r>
@@ -9504,11 +9741,11 @@
 </file>
 
 <file path=ppt/slides/slide19.xml><?xml version="1.0" encoding="utf-8"?>
-<p:sld xmlns:a="http://schemas.openxmlformats.org/drawingml/2006/main" xmlns:r="http://schemas.openxmlformats.org/officeDocument/2006/relationships" xmlns:mc="http://schemas.openxmlformats.org/markup-compatibility/2006" xmlns:mv="urn:schemas-microsoft-com:mac:vml" xmlns:p="http://schemas.openxmlformats.org/presentationml/2006/main" xmlns:c="http://schemas.openxmlformats.org/drawingml/2006/chart" xmlns:dgm="http://schemas.openxmlformats.org/drawingml/2006/diagram" xmlns:o="urn:schemas-microsoft-com:office:office" xmlns:v="urn:schemas-microsoft-com:vml" xmlns:pvml="urn:schemas-microsoft-com:office:powerpoint" xmlns:com="http://schemas.openxmlformats.org/drawingml/2006/compatibility" xmlns:p14="http://schemas.microsoft.com/office/powerpoint/2010/main" xmlns:p15="http://schemas.microsoft.com/office/powerpoint/2012/main" xmlns:ahyp="http://schemas.microsoft.com/office/drawing/2018/hyperlinkcolor">
+<p:sld xmlns:a="http://schemas.openxmlformats.org/drawingml/2006/main" xmlns:r="http://schemas.openxmlformats.org/officeDocument/2006/relationships" xmlns:p="http://schemas.openxmlformats.org/presentationml/2006/main">
   <p:cSld>
     <p:spTree>
       <p:nvGrpSpPr>
-        <p:cNvPr id="183" name="Shape 183"/>
+        <p:cNvPr id="1" name="Shape 183"/>
         <p:cNvGrpSpPr/>
         <p:nvPr/>
       </p:nvGrpSpPr>
@@ -9568,12 +9805,12 @@
           </a:ln>
         </p:spPr>
         <p:txBody>
-          <a:bodyPr anchorCtr="0" anchor="t" bIns="91425" lIns="91425" spcFirstLastPara="1" rIns="91425" wrap="square" tIns="91425">
+          <a:bodyPr spcFirstLastPara="1" wrap="square" lIns="91425" tIns="91425" rIns="91425" bIns="91425" anchor="t" anchorCtr="0">
             <a:spAutoFit/>
           </a:bodyPr>
           <a:lstStyle/>
           <a:p>
-            <a:pPr indent="0" lvl="0" marL="0" rtl="0" algn="l">
+            <a:pPr marL="0" lvl="0" indent="0" algn="l" rtl="0">
               <a:spcBef>
                 <a:spcPts val="0"/>
               </a:spcBef>
@@ -9583,11 +9820,11 @@
               <a:buNone/>
             </a:pPr>
             <a:r>
-              <a:rPr b="1" lang="en-GB" sz="1800"/>
+              <a:rPr lang="en-GB" sz="1800" b="1"/>
               <a:t>Unique Restaurants in </a:t>
             </a:r>
             <a:r>
-              <a:rPr b="1" lang="en-GB" sz="1800">
+              <a:rPr lang="en-GB" sz="1800" b="1">
                 <a:highlight>
                   <a:srgbClr val="FFD966"/>
                 </a:highlight>
@@ -9595,7 +9832,7 @@
               <a:t>Vancouver </a:t>
             </a:r>
             <a:r>
-              <a:rPr b="1" i="1" lang="en-GB" sz="1000">
+              <a:rPr lang="en-GB" sz="1000" b="1" i="1">
                 <a:solidFill>
                   <a:schemeClr val="dk1"/>
                 </a:solidFill>
@@ -9606,7 +9843,7 @@
               <a:t> (</a:t>
             </a:r>
             <a:r>
-              <a:rPr i="1" lang="en-GB" sz="1000">
+              <a:rPr lang="en-GB" sz="1000" i="1">
                 <a:solidFill>
                   <a:schemeClr val="dk1"/>
                 </a:solidFill>
@@ -9616,7 +9853,7 @@
               </a:rPr>
               <a:t>26 Unique Categories)</a:t>
             </a:r>
-            <a:endParaRPr b="1" sz="1800">
+            <a:endParaRPr sz="1800" b="1">
               <a:highlight>
                 <a:srgbClr val="FFD966"/>
               </a:highlight>
@@ -9644,12 +9881,12 @@
           </a:ln>
         </p:spPr>
         <p:txBody>
-          <a:bodyPr anchorCtr="0" anchor="t" bIns="91425" lIns="91425" spcFirstLastPara="1" rIns="91425" wrap="square" tIns="91425">
+          <a:bodyPr spcFirstLastPara="1" wrap="square" lIns="91425" tIns="91425" rIns="91425" bIns="91425" anchor="t" anchorCtr="0">
             <a:spAutoFit/>
           </a:bodyPr>
           <a:lstStyle/>
           <a:p>
-            <a:pPr indent="0" lvl="0" marL="0" rtl="0" algn="l">
+            <a:pPr marL="0" lvl="0" indent="0" algn="l" rtl="0">
               <a:spcBef>
                 <a:spcPts val="0"/>
               </a:spcBef>
@@ -9664,26 +9901,10 @@
                   <a:schemeClr val="dk1"/>
                 </a:solidFill>
               </a:rPr>
-              <a:t>Notable mentions: </a:t>
+              <a:t>Notable mentions: Phnom Penh (</a:t>
             </a:r>
             <a:r>
-              <a:rPr lang="en-GB" sz="1100">
-                <a:solidFill>
-                  <a:schemeClr val="dk1"/>
-                </a:solidFill>
-              </a:rPr>
-              <a:t>Phnom Penh</a:t>
-            </a:r>
-            <a:r>
-              <a:rPr lang="en-GB" sz="1100">
-                <a:solidFill>
-                  <a:schemeClr val="dk1"/>
-                </a:solidFill>
-              </a:rPr>
-              <a:t> (</a:t>
-            </a:r>
-            <a:r>
-              <a:rPr b="1" lang="en-GB" sz="1100">
+              <a:rPr lang="en-GB" sz="1100" b="1">
                 <a:solidFill>
                   <a:schemeClr val="dk1"/>
                 </a:solidFill>
@@ -9696,26 +9917,10 @@
                   <a:schemeClr val="dk1"/>
                 </a:solidFill>
               </a:rPr>
-              <a:t>), </a:t>
+              <a:t>), Chambar (</a:t>
             </a:r>
             <a:r>
-              <a:rPr lang="en-GB" sz="1100">
-                <a:solidFill>
-                  <a:schemeClr val="dk1"/>
-                </a:solidFill>
-              </a:rPr>
-              <a:t>Chambar </a:t>
-            </a:r>
-            <a:r>
-              <a:rPr lang="en-GB" sz="1100">
-                <a:solidFill>
-                  <a:schemeClr val="dk1"/>
-                </a:solidFill>
-              </a:rPr>
-              <a:t>(</a:t>
-            </a:r>
-            <a:r>
-              <a:rPr b="1" lang="en-GB" sz="1100">
+              <a:rPr lang="en-GB" sz="1100" b="1">
                 <a:solidFill>
                   <a:schemeClr val="dk1"/>
                 </a:solidFill>
@@ -9728,26 +9933,10 @@
                   <a:schemeClr val="dk1"/>
                 </a:solidFill>
               </a:rPr>
-              <a:t>), </a:t>
+              <a:t>), Nightingale (</a:t>
             </a:r>
             <a:r>
-              <a:rPr lang="en-GB" sz="1100">
-                <a:solidFill>
-                  <a:schemeClr val="dk1"/>
-                </a:solidFill>
-              </a:rPr>
-              <a:t>Nightingale</a:t>
-            </a:r>
-            <a:r>
-              <a:rPr lang="en-GB" sz="1100">
-                <a:solidFill>
-                  <a:schemeClr val="dk1"/>
-                </a:solidFill>
-              </a:rPr>
-              <a:t> (</a:t>
-            </a:r>
-            <a:r>
-              <a:rPr b="1" lang="en-GB" sz="1100">
+              <a:rPr lang="en-GB" sz="1100" b="1">
                 <a:solidFill>
                   <a:schemeClr val="dk1"/>
                 </a:solidFill>
@@ -9779,11 +9968,11 @@
 </file>
 
 <file path=ppt/slides/slide2.xml><?xml version="1.0" encoding="utf-8"?>
-<p:sld xmlns:a="http://schemas.openxmlformats.org/drawingml/2006/main" xmlns:r="http://schemas.openxmlformats.org/officeDocument/2006/relationships" xmlns:mc="http://schemas.openxmlformats.org/markup-compatibility/2006" xmlns:mv="urn:schemas-microsoft-com:mac:vml" xmlns:p="http://schemas.openxmlformats.org/presentationml/2006/main" xmlns:c="http://schemas.openxmlformats.org/drawingml/2006/chart" xmlns:dgm="http://schemas.openxmlformats.org/drawingml/2006/diagram" xmlns:o="urn:schemas-microsoft-com:office:office" xmlns:v="urn:schemas-microsoft-com:vml" xmlns:pvml="urn:schemas-microsoft-com:office:powerpoint" xmlns:com="http://schemas.openxmlformats.org/drawingml/2006/compatibility" xmlns:p14="http://schemas.microsoft.com/office/powerpoint/2010/main" xmlns:p15="http://schemas.microsoft.com/office/powerpoint/2012/main" xmlns:ahyp="http://schemas.microsoft.com/office/drawing/2018/hyperlinkcolor">
+<p:sld xmlns:a="http://schemas.openxmlformats.org/drawingml/2006/main" xmlns:r="http://schemas.openxmlformats.org/officeDocument/2006/relationships" xmlns:p="http://schemas.openxmlformats.org/presentationml/2006/main">
   <p:cSld>
     <p:spTree>
       <p:nvGrpSpPr>
-        <p:cNvPr id="58" name="Shape 58"/>
+        <p:cNvPr id="1" name="Shape 58"/>
         <p:cNvGrpSpPr/>
         <p:nvPr/>
       </p:nvGrpSpPr>
@@ -9798,7 +9987,9 @@
       <p:sp>
         <p:nvSpPr>
           <p:cNvPr id="59" name="Google Shape;59;p14"/>
-          <p:cNvSpPr txBox="1"/>
+          <p:cNvSpPr txBox="1">
+            <a:spLocks noGrp="1"/>
+          </p:cNvSpPr>
           <p:nvPr>
             <p:ph type="title"/>
           </p:nvPr>
@@ -9813,12 +10004,12 @@
           </a:prstGeom>
         </p:spPr>
         <p:txBody>
-          <a:bodyPr anchorCtr="0" anchor="t" bIns="91425" lIns="91425" spcFirstLastPara="1" rIns="91425" wrap="square" tIns="91425">
+          <a:bodyPr spcFirstLastPara="1" wrap="square" lIns="91425" tIns="91425" rIns="91425" bIns="91425" anchor="t" anchorCtr="0">
             <a:normAutofit fontScale="90000"/>
           </a:bodyPr>
           <a:lstStyle/>
           <a:p>
-            <a:pPr indent="0" lvl="0" marL="0" rtl="0" algn="l">
+            <a:pPr marL="0" lvl="0" indent="0" algn="l" rtl="0">
               <a:spcBef>
                 <a:spcPts val="0"/>
               </a:spcBef>
@@ -9838,9 +10029,11 @@
       <p:sp>
         <p:nvSpPr>
           <p:cNvPr id="60" name="Google Shape;60;p14"/>
-          <p:cNvSpPr txBox="1"/>
+          <p:cNvSpPr txBox="1">
+            <a:spLocks noGrp="1"/>
+          </p:cNvSpPr>
           <p:nvPr>
-            <p:ph idx="1" type="body"/>
+            <p:ph type="body" idx="1"/>
           </p:nvPr>
         </p:nvSpPr>
         <p:spPr>
@@ -9853,12 +10046,12 @@
           </a:prstGeom>
         </p:spPr>
         <p:txBody>
-          <a:bodyPr anchorCtr="0" anchor="t" bIns="91425" lIns="91425" spcFirstLastPara="1" rIns="91425" wrap="square" tIns="91425">
+          <a:bodyPr spcFirstLastPara="1" wrap="square" lIns="91425" tIns="91425" rIns="91425" bIns="91425" anchor="t" anchorCtr="0">
             <a:normAutofit/>
           </a:bodyPr>
           <a:lstStyle/>
           <a:p>
-            <a:pPr indent="0" lvl="0" marL="0" rtl="0" algn="l">
+            <a:pPr marL="0" lvl="0" indent="0" algn="l" rtl="0">
               <a:lnSpc>
                 <a:spcPct val="135714"/>
               </a:lnSpc>
@@ -9891,7 +10084,7 @@
             </a:endParaRPr>
           </a:p>
           <a:p>
-            <a:pPr indent="0" lvl="0" marL="0" rtl="0" algn="l">
+            <a:pPr marL="0" lvl="0" indent="0" algn="l" rtl="0">
               <a:lnSpc>
                 <a:spcPct val="135714"/>
               </a:lnSpc>
@@ -9903,9 +10096,6 @@
               </a:spcAft>
               <a:buNone/>
             </a:pPr>
-            <a:r>
-              <a:t/>
-            </a:r>
             <a:endParaRPr sz="1150">
               <a:solidFill>
                 <a:schemeClr val="dk1"/>
@@ -9916,7 +10106,7 @@
             </a:endParaRPr>
           </a:p>
           <a:p>
-            <a:pPr indent="0" lvl="0" marL="0" rtl="0" algn="l">
+            <a:pPr marL="0" lvl="0" indent="0" algn="l" rtl="0">
               <a:lnSpc>
                 <a:spcPct val="135714"/>
               </a:lnSpc>
@@ -9949,7 +10139,7 @@
             </a:endParaRPr>
           </a:p>
           <a:p>
-            <a:pPr indent="0" lvl="0" marL="0" rtl="0" algn="l">
+            <a:pPr marL="0" lvl="0" indent="0" algn="l" rtl="0">
               <a:lnSpc>
                 <a:spcPct val="135714"/>
               </a:lnSpc>
@@ -9961,9 +10151,6 @@
               </a:spcAft>
               <a:buNone/>
             </a:pPr>
-            <a:r>
-              <a:t/>
-            </a:r>
             <a:endParaRPr sz="1150">
               <a:solidFill>
                 <a:schemeClr val="dk1"/>
@@ -9974,7 +10161,7 @@
             </a:endParaRPr>
           </a:p>
           <a:p>
-            <a:pPr indent="0" lvl="0" marL="0" rtl="0" algn="l">
+            <a:pPr marL="0" lvl="0" indent="0" algn="l" rtl="0">
               <a:lnSpc>
                 <a:spcPct val="135714"/>
               </a:lnSpc>
@@ -9986,9 +10173,6 @@
               </a:spcAft>
               <a:buNone/>
             </a:pPr>
-            <a:r>
-              <a:t/>
-            </a:r>
             <a:endParaRPr sz="1150">
               <a:solidFill>
                 <a:schemeClr val="dk1"/>
@@ -10009,11 +10193,11 @@
 </file>
 
 <file path=ppt/slides/slide20.xml><?xml version="1.0" encoding="utf-8"?>
-<p:sld xmlns:a="http://schemas.openxmlformats.org/drawingml/2006/main" xmlns:r="http://schemas.openxmlformats.org/officeDocument/2006/relationships" xmlns:mc="http://schemas.openxmlformats.org/markup-compatibility/2006" xmlns:mv="urn:schemas-microsoft-com:mac:vml" xmlns:p="http://schemas.openxmlformats.org/presentationml/2006/main" xmlns:c="http://schemas.openxmlformats.org/drawingml/2006/chart" xmlns:dgm="http://schemas.openxmlformats.org/drawingml/2006/diagram" xmlns:o="urn:schemas-microsoft-com:office:office" xmlns:v="urn:schemas-microsoft-com:vml" xmlns:pvml="urn:schemas-microsoft-com:office:powerpoint" xmlns:com="http://schemas.openxmlformats.org/drawingml/2006/compatibility" xmlns:p14="http://schemas.microsoft.com/office/powerpoint/2010/main" xmlns:p15="http://schemas.microsoft.com/office/powerpoint/2012/main" xmlns:ahyp="http://schemas.microsoft.com/office/drawing/2018/hyperlinkcolor">
+<p:sld xmlns:a="http://schemas.openxmlformats.org/drawingml/2006/main" xmlns:r="http://schemas.openxmlformats.org/officeDocument/2006/relationships" xmlns:p="http://schemas.openxmlformats.org/presentationml/2006/main">
   <p:cSld>
     <p:spTree>
       <p:nvGrpSpPr>
-        <p:cNvPr id="190" name="Shape 190"/>
+        <p:cNvPr id="1" name="Shape 190"/>
         <p:cNvGrpSpPr/>
         <p:nvPr/>
       </p:nvGrpSpPr>
@@ -10028,7 +10212,9 @@
       <p:sp>
         <p:nvSpPr>
           <p:cNvPr id="191" name="Google Shape;191;p32"/>
-          <p:cNvSpPr txBox="1"/>
+          <p:cNvSpPr txBox="1">
+            <a:spLocks noGrp="1"/>
+          </p:cNvSpPr>
           <p:nvPr>
             <p:ph type="title"/>
           </p:nvPr>
@@ -10043,12 +10229,12 @@
           </a:prstGeom>
         </p:spPr>
         <p:txBody>
-          <a:bodyPr anchorCtr="0" anchor="t" bIns="91425" lIns="91425" spcFirstLastPara="1" rIns="91425" wrap="square" tIns="91425">
+          <a:bodyPr spcFirstLastPara="1" wrap="square" lIns="91425" tIns="91425" rIns="91425" bIns="91425" anchor="t" anchorCtr="0">
             <a:normAutofit fontScale="90000"/>
           </a:bodyPr>
           <a:lstStyle/>
           <a:p>
-            <a:pPr indent="0" lvl="0" marL="0" rtl="0" algn="l">
+            <a:pPr marL="0" lvl="0" indent="0" algn="l" rtl="0">
               <a:spcBef>
                 <a:spcPts val="0"/>
               </a:spcBef>
@@ -10058,7 +10244,7 @@
               <a:buNone/>
             </a:pPr>
             <a:r>
-              <a:rPr b="1" lang="en-GB"/>
+              <a:rPr lang="en-GB" b="1"/>
               <a:t>Weighted Rating per Common Category</a:t>
             </a:r>
             <a:endParaRPr b="1"/>
@@ -10068,9 +10254,11 @@
       <p:sp>
         <p:nvSpPr>
           <p:cNvPr id="192" name="Google Shape;192;p32"/>
-          <p:cNvSpPr txBox="1"/>
+          <p:cNvSpPr txBox="1">
+            <a:spLocks noGrp="1"/>
+          </p:cNvSpPr>
           <p:nvPr>
-            <p:ph idx="1" type="body"/>
+            <p:ph type="body" idx="1"/>
           </p:nvPr>
         </p:nvSpPr>
         <p:spPr>
@@ -10083,12 +10271,12 @@
           </a:prstGeom>
         </p:spPr>
         <p:txBody>
-          <a:bodyPr anchorCtr="0" anchor="b" bIns="91425" lIns="91425" spcFirstLastPara="1" rIns="91425" wrap="square" tIns="91425">
+          <a:bodyPr spcFirstLastPara="1" wrap="square" lIns="91425" tIns="91425" rIns="91425" bIns="91425" anchor="b" anchorCtr="0">
             <a:normAutofit/>
           </a:bodyPr>
           <a:lstStyle/>
           <a:p>
-            <a:pPr indent="0" lvl="0" marL="0" rtl="0" algn="ctr">
+            <a:pPr marL="0" lvl="0" indent="0" algn="ctr" rtl="0">
               <a:spcBef>
                 <a:spcPts val="0"/>
               </a:spcBef>
@@ -10098,19 +10286,21 @@
               <a:buNone/>
             </a:pPr>
             <a:r>
-              <a:rPr b="1" lang="en-GB" sz="2400"/>
+              <a:rPr lang="en-GB" sz="2400" b="1"/>
               <a:t>Restaurant Reviews</a:t>
             </a:r>
-            <a:endParaRPr b="1" sz="2400"/>
+            <a:endParaRPr sz="2400" b="1"/>
           </a:p>
         </p:txBody>
       </p:sp>
       <p:sp>
         <p:nvSpPr>
           <p:cNvPr id="193" name="Google Shape;193;p32"/>
-          <p:cNvSpPr txBox="1"/>
+          <p:cNvSpPr txBox="1">
+            <a:spLocks noGrp="1"/>
+          </p:cNvSpPr>
           <p:nvPr>
-            <p:ph idx="1" type="body"/>
+            <p:ph type="body" idx="1"/>
           </p:nvPr>
         </p:nvSpPr>
         <p:spPr>
@@ -10123,12 +10313,12 @@
           </a:prstGeom>
         </p:spPr>
         <p:txBody>
-          <a:bodyPr anchorCtr="0" anchor="t" bIns="91425" lIns="91425" spcFirstLastPara="1" rIns="91425" wrap="square" tIns="91425">
+          <a:bodyPr spcFirstLastPara="1" wrap="square" lIns="91425" tIns="91425" rIns="91425" bIns="91425" anchor="t" anchorCtr="0">
             <a:normAutofit/>
           </a:bodyPr>
           <a:lstStyle/>
           <a:p>
-            <a:pPr indent="0" lvl="0" marL="0" rtl="0" algn="ctr">
+            <a:pPr marL="0" lvl="0" indent="0" algn="ctr" rtl="0">
               <a:spcBef>
                 <a:spcPts val="0"/>
               </a:spcBef>
@@ -10138,7 +10328,7 @@
               <a:buNone/>
             </a:pPr>
             <a:r>
-              <a:rPr b="1" lang="en-GB"/>
+              <a:rPr lang="en-GB" b="1"/>
               <a:t>_______________________</a:t>
             </a:r>
             <a:endParaRPr b="1"/>
@@ -10148,9 +10338,11 @@
       <p:sp>
         <p:nvSpPr>
           <p:cNvPr id="194" name="Google Shape;194;p32"/>
-          <p:cNvSpPr txBox="1"/>
+          <p:cNvSpPr txBox="1">
+            <a:spLocks noGrp="1"/>
+          </p:cNvSpPr>
           <p:nvPr>
-            <p:ph idx="1" type="body"/>
+            <p:ph type="body" idx="1"/>
           </p:nvPr>
         </p:nvSpPr>
         <p:spPr>
@@ -10163,12 +10355,12 @@
           </a:prstGeom>
         </p:spPr>
         <p:txBody>
-          <a:bodyPr anchorCtr="0" anchor="t" bIns="91425" lIns="91425" spcFirstLastPara="1" rIns="91425" wrap="square" tIns="91425">
+          <a:bodyPr spcFirstLastPara="1" wrap="square" lIns="91425" tIns="91425" rIns="91425" bIns="91425" anchor="t" anchorCtr="0">
             <a:normAutofit/>
           </a:bodyPr>
           <a:lstStyle/>
           <a:p>
-            <a:pPr indent="0" lvl="0" marL="0" rtl="0" algn="ctr">
+            <a:pPr marL="0" lvl="0" indent="0" algn="ctr" rtl="0">
               <a:spcBef>
                 <a:spcPts val="0"/>
               </a:spcBef>
@@ -10178,10 +10370,10 @@
               <a:buNone/>
             </a:pPr>
             <a:r>
-              <a:rPr b="1" lang="en-GB" sz="2000"/>
+              <a:rPr lang="en-GB" sz="2000" b="1"/>
               <a:t>Total Category Reviews</a:t>
             </a:r>
-            <a:endParaRPr b="1" sz="2000"/>
+            <a:endParaRPr sz="2000" b="1"/>
           </a:p>
         </p:txBody>
       </p:sp>
@@ -10198,38 +10390,35 @@
           </a:xfrm>
           <a:prstGeom prst="leftBracket">
             <a:avLst>
-              <a:gd fmla="val 8333" name="adj"/>
+              <a:gd name="adj" fmla="val 8333"/>
             </a:avLst>
           </a:prstGeom>
           <a:noFill/>
-          <a:ln cap="flat" cmpd="sng" w="9525">
+          <a:ln w="9525" cap="flat" cmpd="sng">
             <a:solidFill>
               <a:schemeClr val="dk2"/>
             </a:solidFill>
             <a:prstDash val="solid"/>
             <a:round/>
-            <a:headEnd len="sm" w="sm" type="none"/>
-            <a:tailEnd len="sm" w="sm" type="none"/>
+            <a:headEnd type="none" w="sm" len="sm"/>
+            <a:tailEnd type="none" w="sm" len="sm"/>
           </a:ln>
         </p:spPr>
         <p:txBody>
-          <a:bodyPr anchorCtr="0" anchor="ctr" bIns="91425" lIns="91425" spcFirstLastPara="1" rIns="91425" wrap="square" tIns="91425">
+          <a:bodyPr spcFirstLastPara="1" wrap="square" lIns="91425" tIns="91425" rIns="91425" bIns="91425" anchor="ctr" anchorCtr="0">
             <a:noAutofit/>
           </a:bodyPr>
           <a:lstStyle/>
           <a:p>
-            <a:pPr indent="0" lvl="0" marL="0" rtl="0" algn="l">
-              <a:spcBef>
-                <a:spcPts val="0"/>
-              </a:spcBef>
-              <a:spcAft>
-                <a:spcPts val="0"/>
-              </a:spcAft>
-              <a:buNone/>
-            </a:pPr>
-            <a:r>
-              <a:t/>
-            </a:r>
+            <a:pPr marL="0" lvl="0" indent="0" algn="l" rtl="0">
+              <a:spcBef>
+                <a:spcPts val="0"/>
+              </a:spcBef>
+              <a:spcAft>
+                <a:spcPts val="0"/>
+              </a:spcAft>
+              <a:buNone/>
+            </a:pPr>
             <a:endParaRPr/>
           </a:p>
         </p:txBody>
@@ -10247,38 +10436,35 @@
           </a:xfrm>
           <a:prstGeom prst="rightBracket">
             <a:avLst>
-              <a:gd fmla="val 8333" name="adj"/>
+              <a:gd name="adj" fmla="val 8333"/>
             </a:avLst>
           </a:prstGeom>
           <a:noFill/>
-          <a:ln cap="flat" cmpd="sng" w="9525">
+          <a:ln w="9525" cap="flat" cmpd="sng">
             <a:solidFill>
               <a:schemeClr val="dk2"/>
             </a:solidFill>
             <a:prstDash val="solid"/>
             <a:round/>
-            <a:headEnd len="sm" w="sm" type="none"/>
-            <a:tailEnd len="sm" w="sm" type="none"/>
+            <a:headEnd type="none" w="sm" len="sm"/>
+            <a:tailEnd type="none" w="sm" len="sm"/>
           </a:ln>
         </p:spPr>
         <p:txBody>
-          <a:bodyPr anchorCtr="0" anchor="ctr" bIns="91425" lIns="91425" spcFirstLastPara="1" rIns="91425" wrap="square" tIns="91425">
+          <a:bodyPr spcFirstLastPara="1" wrap="square" lIns="91425" tIns="91425" rIns="91425" bIns="91425" anchor="ctr" anchorCtr="0">
             <a:noAutofit/>
           </a:bodyPr>
           <a:lstStyle/>
           <a:p>
-            <a:pPr indent="0" lvl="0" marL="0" rtl="0" algn="l">
-              <a:spcBef>
-                <a:spcPts val="0"/>
-              </a:spcBef>
-              <a:spcAft>
-                <a:spcPts val="0"/>
-              </a:spcAft>
-              <a:buNone/>
-            </a:pPr>
-            <a:r>
-              <a:t/>
-            </a:r>
+            <a:pPr marL="0" lvl="0" indent="0" algn="l" rtl="0">
+              <a:spcBef>
+                <a:spcPts val="0"/>
+              </a:spcBef>
+              <a:spcAft>
+                <a:spcPts val="0"/>
+              </a:spcAft>
+              <a:buNone/>
+            </a:pPr>
             <a:endParaRPr/>
           </a:p>
         </p:txBody>
@@ -10286,9 +10472,11 @@
       <p:sp>
         <p:nvSpPr>
           <p:cNvPr id="197" name="Google Shape;197;p32"/>
-          <p:cNvSpPr txBox="1"/>
+          <p:cNvSpPr txBox="1">
+            <a:spLocks noGrp="1"/>
+          </p:cNvSpPr>
           <p:nvPr>
-            <p:ph idx="1" type="body"/>
+            <p:ph type="body" idx="1"/>
           </p:nvPr>
         </p:nvSpPr>
         <p:spPr>
@@ -10301,12 +10489,12 @@
           </a:prstGeom>
         </p:spPr>
         <p:txBody>
-          <a:bodyPr anchorCtr="0" anchor="b" bIns="91425" lIns="91425" spcFirstLastPara="1" rIns="91425" wrap="square" tIns="91425">
+          <a:bodyPr spcFirstLastPara="1" wrap="square" lIns="91425" tIns="91425" rIns="91425" bIns="91425" anchor="b" anchorCtr="0">
             <a:normAutofit/>
           </a:bodyPr>
           <a:lstStyle/>
           <a:p>
-            <a:pPr indent="0" lvl="0" marL="0" rtl="0" algn="ctr">
+            <a:pPr marL="0" lvl="0" indent="0" algn="ctr" rtl="0">
               <a:spcBef>
                 <a:spcPts val="0"/>
               </a:spcBef>
@@ -10316,10 +10504,10 @@
               <a:buNone/>
             </a:pPr>
             <a:r>
-              <a:rPr b="1" lang="en-GB" sz="2400"/>
+              <a:rPr lang="en-GB" sz="2400" b="1"/>
               <a:t>Restaurant Rating</a:t>
             </a:r>
-            <a:endParaRPr b="1" sz="2400"/>
+            <a:endParaRPr sz="2400" b="1"/>
           </a:p>
         </p:txBody>
       </p:sp>
@@ -10336,40 +10524,37 @@
           </a:xfrm>
           <a:prstGeom prst="mathMultiply">
             <a:avLst>
-              <a:gd fmla="val 23520" name="adj1"/>
+              <a:gd name="adj1" fmla="val 23520"/>
             </a:avLst>
           </a:prstGeom>
           <a:solidFill>
             <a:schemeClr val="dk1"/>
           </a:solidFill>
-          <a:ln cap="flat" cmpd="sng" w="9525">
+          <a:ln w="9525" cap="flat" cmpd="sng">
             <a:solidFill>
               <a:schemeClr val="dk2"/>
             </a:solidFill>
             <a:prstDash val="solid"/>
             <a:round/>
-            <a:headEnd len="sm" w="sm" type="none"/>
-            <a:tailEnd len="sm" w="sm" type="none"/>
+            <a:headEnd type="none" w="sm" len="sm"/>
+            <a:tailEnd type="none" w="sm" len="sm"/>
           </a:ln>
         </p:spPr>
         <p:txBody>
-          <a:bodyPr anchorCtr="0" anchor="ctr" bIns="91425" lIns="91425" spcFirstLastPara="1" rIns="91425" wrap="square" tIns="91425">
+          <a:bodyPr spcFirstLastPara="1" wrap="square" lIns="91425" tIns="91425" rIns="91425" bIns="91425" anchor="ctr" anchorCtr="0">
             <a:noAutofit/>
           </a:bodyPr>
           <a:lstStyle/>
           <a:p>
-            <a:pPr indent="0" lvl="0" marL="0" rtl="0" algn="l">
-              <a:spcBef>
-                <a:spcPts val="0"/>
-              </a:spcBef>
-              <a:spcAft>
-                <a:spcPts val="0"/>
-              </a:spcAft>
-              <a:buNone/>
-            </a:pPr>
-            <a:r>
-              <a:t/>
-            </a:r>
+            <a:pPr marL="0" lvl="0" indent="0" algn="l" rtl="0">
+              <a:spcBef>
+                <a:spcPts val="0"/>
+              </a:spcBef>
+              <a:spcAft>
+                <a:spcPts val="0"/>
+              </a:spcAft>
+              <a:buNone/>
+            </a:pPr>
             <a:endParaRPr/>
           </a:p>
         </p:txBody>
@@ -10377,9 +10562,11 @@
       <p:sp>
         <p:nvSpPr>
           <p:cNvPr id="199" name="Google Shape;199;p32"/>
-          <p:cNvSpPr txBox="1"/>
+          <p:cNvSpPr txBox="1">
+            <a:spLocks noGrp="1"/>
+          </p:cNvSpPr>
           <p:nvPr>
-            <p:ph idx="1" type="body"/>
+            <p:ph type="body" idx="1"/>
           </p:nvPr>
         </p:nvSpPr>
         <p:spPr>
@@ -10392,12 +10579,12 @@
           </a:prstGeom>
         </p:spPr>
         <p:txBody>
-          <a:bodyPr anchorCtr="0" anchor="ctr" bIns="91425" lIns="91425" spcFirstLastPara="1" rIns="91425" wrap="square" tIns="91425">
+          <a:bodyPr spcFirstLastPara="1" wrap="square" lIns="91425" tIns="91425" rIns="91425" bIns="91425" anchor="ctr" anchorCtr="0">
             <a:normAutofit/>
           </a:bodyPr>
           <a:lstStyle/>
           <a:p>
-            <a:pPr indent="0" lvl="0" marL="0" rtl="0" algn="ctr">
+            <a:pPr marL="0" lvl="0" indent="0" algn="ctr" rtl="0">
               <a:spcBef>
                 <a:spcPts val="0"/>
               </a:spcBef>
@@ -10407,10 +10594,10 @@
               <a:buNone/>
             </a:pPr>
             <a:r>
-              <a:rPr b="1" lang="en-GB" sz="8000"/>
+              <a:rPr lang="en-GB" sz="8000" b="1"/>
               <a:t>𝝨</a:t>
             </a:r>
-            <a:endParaRPr b="1" sz="8000"/>
+            <a:endParaRPr sz="8000" b="1"/>
           </a:p>
         </p:txBody>
       </p:sp>
@@ -10423,11 +10610,11 @@
 </file>
 
 <file path=ppt/slides/slide21.xml><?xml version="1.0" encoding="utf-8"?>
-<p:sld xmlns:a="http://schemas.openxmlformats.org/drawingml/2006/main" xmlns:r="http://schemas.openxmlformats.org/officeDocument/2006/relationships" xmlns:mc="http://schemas.openxmlformats.org/markup-compatibility/2006" xmlns:mv="urn:schemas-microsoft-com:mac:vml" xmlns:p="http://schemas.openxmlformats.org/presentationml/2006/main" xmlns:c="http://schemas.openxmlformats.org/drawingml/2006/chart" xmlns:dgm="http://schemas.openxmlformats.org/drawingml/2006/diagram" xmlns:o="urn:schemas-microsoft-com:office:office" xmlns:v="urn:schemas-microsoft-com:vml" xmlns:pvml="urn:schemas-microsoft-com:office:powerpoint" xmlns:com="http://schemas.openxmlformats.org/drawingml/2006/compatibility" xmlns:p14="http://schemas.microsoft.com/office/powerpoint/2010/main" xmlns:p15="http://schemas.microsoft.com/office/powerpoint/2012/main" xmlns:ahyp="http://schemas.microsoft.com/office/drawing/2018/hyperlinkcolor">
+<p:sld xmlns:a="http://schemas.openxmlformats.org/drawingml/2006/main" xmlns:r="http://schemas.openxmlformats.org/officeDocument/2006/relationships" xmlns:p="http://schemas.openxmlformats.org/presentationml/2006/main">
   <p:cSld>
     <p:spTree>
       <p:nvGrpSpPr>
-        <p:cNvPr id="203" name="Shape 203"/>
+        <p:cNvPr id="1" name="Shape 203"/>
         <p:cNvGrpSpPr/>
         <p:nvPr/>
       </p:nvGrpSpPr>
@@ -10476,11 +10663,11 @@
 </file>
 
 <file path=ppt/slides/slide22.xml><?xml version="1.0" encoding="utf-8"?>
-<p:sld xmlns:a="http://schemas.openxmlformats.org/drawingml/2006/main" xmlns:r="http://schemas.openxmlformats.org/officeDocument/2006/relationships" xmlns:mc="http://schemas.openxmlformats.org/markup-compatibility/2006" xmlns:mv="urn:schemas-microsoft-com:mac:vml" xmlns:p="http://schemas.openxmlformats.org/presentationml/2006/main" xmlns:c="http://schemas.openxmlformats.org/drawingml/2006/chart" xmlns:dgm="http://schemas.openxmlformats.org/drawingml/2006/diagram" xmlns:o="urn:schemas-microsoft-com:office:office" xmlns:v="urn:schemas-microsoft-com:vml" xmlns:pvml="urn:schemas-microsoft-com:office:powerpoint" xmlns:com="http://schemas.openxmlformats.org/drawingml/2006/compatibility" xmlns:p14="http://schemas.microsoft.com/office/powerpoint/2010/main" xmlns:p15="http://schemas.microsoft.com/office/powerpoint/2012/main" xmlns:ahyp="http://schemas.microsoft.com/office/drawing/2018/hyperlinkcolor">
+<p:sld xmlns:a="http://schemas.openxmlformats.org/drawingml/2006/main" xmlns:r="http://schemas.openxmlformats.org/officeDocument/2006/relationships" xmlns:p="http://schemas.openxmlformats.org/presentationml/2006/main">
   <p:cSld>
     <p:spTree>
       <p:nvGrpSpPr>
-        <p:cNvPr id="208" name="Shape 208"/>
+        <p:cNvPr id="1" name="Shape 208"/>
         <p:cNvGrpSpPr/>
         <p:nvPr/>
       </p:nvGrpSpPr>
@@ -10495,7 +10682,9 @@
       <p:sp>
         <p:nvSpPr>
           <p:cNvPr id="209" name="Google Shape;209;p34"/>
-          <p:cNvSpPr txBox="1"/>
+          <p:cNvSpPr txBox="1">
+            <a:spLocks noGrp="1"/>
+          </p:cNvSpPr>
           <p:nvPr>
             <p:ph type="title"/>
           </p:nvPr>
@@ -10510,12 +10699,12 @@
           </a:prstGeom>
         </p:spPr>
         <p:txBody>
-          <a:bodyPr anchorCtr="0" anchor="t" bIns="91425" lIns="91425" spcFirstLastPara="1" rIns="91425" wrap="square" tIns="91425">
+          <a:bodyPr spcFirstLastPara="1" wrap="square" lIns="91425" tIns="91425" rIns="91425" bIns="91425" anchor="t" anchorCtr="0">
             <a:normAutofit fontScale="90000"/>
           </a:bodyPr>
           <a:lstStyle/>
           <a:p>
-            <a:pPr indent="0" lvl="0" marL="0" rtl="0" algn="l">
+            <a:pPr marL="0" lvl="0" indent="0" algn="l" rtl="0">
               <a:lnSpc>
                 <a:spcPct val="95000"/>
               </a:lnSpc>
@@ -10533,19 +10722,21 @@
               <a:buNone/>
             </a:pPr>
             <a:r>
-              <a:rPr b="1" lang="en-GB" sz="1860"/>
+              <a:rPr lang="en-GB" sz="1860" b="1"/>
               <a:t>Are the Yelp ratings of the categories of restaurants independently distributed?</a:t>
             </a:r>
-            <a:endParaRPr b="1" sz="3500"/>
+            <a:endParaRPr sz="3500" b="1"/>
           </a:p>
         </p:txBody>
       </p:sp>
       <p:sp>
         <p:nvSpPr>
           <p:cNvPr id="210" name="Google Shape;210;p34"/>
-          <p:cNvSpPr txBox="1"/>
+          <p:cNvSpPr txBox="1">
+            <a:spLocks noGrp="1"/>
+          </p:cNvSpPr>
           <p:nvPr>
-            <p:ph idx="1" type="body"/>
+            <p:ph type="body" idx="1"/>
           </p:nvPr>
         </p:nvSpPr>
         <p:spPr>
@@ -10558,12 +10749,12 @@
           </a:prstGeom>
         </p:spPr>
         <p:txBody>
-          <a:bodyPr anchorCtr="0" anchor="t" bIns="91425" lIns="91425" spcFirstLastPara="1" rIns="91425" wrap="square" tIns="91425">
+          <a:bodyPr spcFirstLastPara="1" wrap="square" lIns="91425" tIns="91425" rIns="91425" bIns="91425" anchor="t" anchorCtr="0">
             <a:noAutofit/>
           </a:bodyPr>
           <a:lstStyle/>
           <a:p>
-            <a:pPr indent="0" lvl="0" marL="0" rtl="0" algn="l">
+            <a:pPr marL="0" lvl="0" indent="0" algn="l" rtl="0">
               <a:lnSpc>
                 <a:spcPct val="95000"/>
               </a:lnSpc>
@@ -10591,7 +10782,7 @@
             </a:endParaRPr>
           </a:p>
           <a:p>
-            <a:pPr indent="0" lvl="0" marL="0" rtl="0" algn="l">
+            <a:pPr marL="0" lvl="0" indent="0" algn="l" rtl="0">
               <a:lnSpc>
                 <a:spcPct val="95000"/>
               </a:lnSpc>
@@ -10619,7 +10810,7 @@
             </a:endParaRPr>
           </a:p>
           <a:p>
-            <a:pPr indent="0" lvl="0" marL="0" rtl="0" algn="l">
+            <a:pPr marL="0" lvl="0" indent="0" algn="l" rtl="0">
               <a:lnSpc>
                 <a:spcPct val="95000"/>
               </a:lnSpc>
@@ -10632,9 +10823,6 @@
               <a:buSzPts val="440"/>
               <a:buNone/>
             </a:pPr>
-            <a:r>
-              <a:t/>
-            </a:r>
             <a:endParaRPr sz="1160">
               <a:solidFill>
                 <a:schemeClr val="dk1"/>
@@ -10642,7 +10830,7 @@
             </a:endParaRPr>
           </a:p>
           <a:p>
-            <a:pPr indent="0" lvl="0" marL="0" rtl="0" algn="l">
+            <a:pPr marL="0" lvl="0" indent="0" algn="l" rtl="0">
               <a:lnSpc>
                 <a:spcPct val="95000"/>
               </a:lnSpc>
@@ -10659,9 +10847,6 @@
               <a:buFont typeface="Arial"/>
               <a:buNone/>
             </a:pPr>
-            <a:r>
-              <a:t/>
-            </a:r>
             <a:endParaRPr sz="1160">
               <a:solidFill>
                 <a:schemeClr val="dk1"/>
@@ -10669,7 +10854,7 @@
             </a:endParaRPr>
           </a:p>
           <a:p>
-            <a:pPr indent="0" lvl="0" marL="0" rtl="0" algn="l">
+            <a:pPr marL="0" lvl="0" indent="0" algn="l" rtl="0">
               <a:lnSpc>
                 <a:spcPct val="95000"/>
               </a:lnSpc>
@@ -10682,9 +10867,6 @@
               <a:buSzPts val="440"/>
               <a:buNone/>
             </a:pPr>
-            <a:r>
-              <a:t/>
-            </a:r>
             <a:endParaRPr sz="1520">
               <a:solidFill>
                 <a:schemeClr val="dk1"/>
@@ -10696,7 +10878,9 @@
       <p:sp>
         <p:nvSpPr>
           <p:cNvPr id="211" name="Google Shape;211;p34"/>
-          <p:cNvSpPr txBox="1"/>
+          <p:cNvSpPr txBox="1">
+            <a:spLocks noGrp="1"/>
+          </p:cNvSpPr>
           <p:nvPr>
             <p:ph type="title"/>
           </p:nvPr>
@@ -10711,12 +10895,12 @@
           </a:prstGeom>
         </p:spPr>
         <p:txBody>
-          <a:bodyPr anchorCtr="0" anchor="t" bIns="91425" lIns="91425" spcFirstLastPara="1" rIns="91425" wrap="square" tIns="91425">
+          <a:bodyPr spcFirstLastPara="1" wrap="square" lIns="91425" tIns="91425" rIns="91425" bIns="91425" anchor="t" anchorCtr="0">
             <a:noAutofit/>
           </a:bodyPr>
           <a:lstStyle/>
           <a:p>
-            <a:pPr indent="0" lvl="0" marL="0" rtl="0" algn="l">
+            <a:pPr marL="0" lvl="0" indent="0" algn="l" rtl="0">
               <a:lnSpc>
                 <a:spcPct val="95000"/>
               </a:lnSpc>
@@ -10734,13 +10918,13 @@
               <a:buNone/>
             </a:pPr>
             <a:r>
-              <a:rPr b="1" lang="en-GB" sz="1500"/>
+              <a:rPr lang="en-GB" sz="1500" b="1"/>
               <a:t>Is the distribution of restaurants across categories independent between Toronto and Vancouver?</a:t>
             </a:r>
-            <a:endParaRPr b="1" sz="1500"/>
-          </a:p>
-          <a:p>
-            <a:pPr indent="0" lvl="0" marL="0" rtl="0" algn="l">
+            <a:endParaRPr sz="1500" b="1"/>
+          </a:p>
+          <a:p>
+            <a:pPr marL="0" lvl="0" indent="0" algn="l" rtl="0">
               <a:lnSpc>
                 <a:spcPct val="95000"/>
               </a:lnSpc>
@@ -10752,9 +10936,6 @@
               </a:spcAft>
               <a:buNone/>
             </a:pPr>
-            <a:r>
-              <a:t/>
-            </a:r>
             <a:endParaRPr sz="1860"/>
           </a:p>
         </p:txBody>
@@ -10779,12 +10960,12 @@
           </a:ln>
         </p:spPr>
         <p:txBody>
-          <a:bodyPr anchorCtr="0" anchor="t" bIns="91425" lIns="91425" spcFirstLastPara="1" rIns="91425" wrap="square" tIns="91425">
+          <a:bodyPr spcFirstLastPara="1" wrap="square" lIns="91425" tIns="91425" rIns="91425" bIns="91425" anchor="t" anchorCtr="0">
             <a:spAutoFit/>
           </a:bodyPr>
           <a:lstStyle/>
           <a:p>
-            <a:pPr indent="0" lvl="0" marL="0" rtl="0" algn="l">
+            <a:pPr marL="0" lvl="0" indent="0" algn="l" rtl="0">
               <a:lnSpc>
                 <a:spcPct val="95000"/>
               </a:lnSpc>
@@ -10816,7 +10997,7 @@
             </a:endParaRPr>
           </a:p>
           <a:p>
-            <a:pPr indent="0" lvl="0" marL="0" rtl="0" algn="l">
+            <a:pPr marL="0" lvl="0" indent="0" algn="l" rtl="0">
               <a:lnSpc>
                 <a:spcPct val="95000"/>
               </a:lnSpc>
@@ -10854,11 +11035,11 @@
 </file>
 
 <file path=ppt/slides/slide23.xml><?xml version="1.0" encoding="utf-8"?>
-<p:sld xmlns:a="http://schemas.openxmlformats.org/drawingml/2006/main" xmlns:r="http://schemas.openxmlformats.org/officeDocument/2006/relationships" xmlns:mc="http://schemas.openxmlformats.org/markup-compatibility/2006" xmlns:mv="urn:schemas-microsoft-com:mac:vml" xmlns:p="http://schemas.openxmlformats.org/presentationml/2006/main" xmlns:c="http://schemas.openxmlformats.org/drawingml/2006/chart" xmlns:dgm="http://schemas.openxmlformats.org/drawingml/2006/diagram" xmlns:o="urn:schemas-microsoft-com:office:office" xmlns:v="urn:schemas-microsoft-com:vml" xmlns:pvml="urn:schemas-microsoft-com:office:powerpoint" xmlns:com="http://schemas.openxmlformats.org/drawingml/2006/compatibility" xmlns:p14="http://schemas.microsoft.com/office/powerpoint/2010/main" xmlns:p15="http://schemas.microsoft.com/office/powerpoint/2012/main" xmlns:ahyp="http://schemas.microsoft.com/office/drawing/2018/hyperlinkcolor">
+<p:sld xmlns:a="http://schemas.openxmlformats.org/drawingml/2006/main" xmlns:r="http://schemas.openxmlformats.org/officeDocument/2006/relationships" xmlns:p="http://schemas.openxmlformats.org/presentationml/2006/main">
   <p:cSld>
     <p:spTree>
       <p:nvGrpSpPr>
-        <p:cNvPr id="216" name="Shape 216"/>
+        <p:cNvPr id="1" name="Shape 216"/>
         <p:cNvGrpSpPr/>
         <p:nvPr/>
       </p:nvGrpSpPr>
@@ -10873,7 +11054,9 @@
       <p:sp>
         <p:nvSpPr>
           <p:cNvPr id="217" name="Google Shape;217;p35"/>
-          <p:cNvSpPr txBox="1"/>
+          <p:cNvSpPr txBox="1">
+            <a:spLocks noGrp="1"/>
+          </p:cNvSpPr>
           <p:nvPr>
             <p:ph type="title"/>
           </p:nvPr>
@@ -10888,12 +11071,12 @@
           </a:prstGeom>
         </p:spPr>
         <p:txBody>
-          <a:bodyPr anchorCtr="0" anchor="t" bIns="91425" lIns="91425" spcFirstLastPara="1" rIns="91425" wrap="square" tIns="91425">
+          <a:bodyPr spcFirstLastPara="1" wrap="square" lIns="91425" tIns="91425" rIns="91425" bIns="91425" anchor="t" anchorCtr="0">
             <a:normAutofit fontScale="90000"/>
           </a:bodyPr>
           <a:lstStyle/>
           <a:p>
-            <a:pPr indent="0" lvl="0" marL="0" rtl="0" algn="ctr">
+            <a:pPr marL="0" lvl="0" indent="0" algn="ctr" rtl="0">
               <a:spcBef>
                 <a:spcPts val="0"/>
               </a:spcBef>
@@ -10930,12 +11113,12 @@
           </a:ln>
         </p:spPr>
         <p:txBody>
-          <a:bodyPr anchorCtr="0" anchor="t" bIns="91425" lIns="91425" spcFirstLastPara="1" rIns="91425" wrap="square" tIns="91425">
+          <a:bodyPr spcFirstLastPara="1" wrap="square" lIns="91425" tIns="91425" rIns="91425" bIns="91425" anchor="t" anchorCtr="0">
             <a:spAutoFit/>
           </a:bodyPr>
           <a:lstStyle/>
           <a:p>
-            <a:pPr indent="0" lvl="0" marL="0" rtl="0" algn="ctr">
+            <a:pPr marL="0" lvl="0" indent="0" algn="ctr" rtl="0">
               <a:spcBef>
                 <a:spcPts val="0"/>
               </a:spcBef>
@@ -10961,11 +11144,11 @@
 </file>
 
 <file path=ppt/slides/slide3.xml><?xml version="1.0" encoding="utf-8"?>
-<p:sld xmlns:a="http://schemas.openxmlformats.org/drawingml/2006/main" xmlns:r="http://schemas.openxmlformats.org/officeDocument/2006/relationships" xmlns:mc="http://schemas.openxmlformats.org/markup-compatibility/2006" xmlns:mv="urn:schemas-microsoft-com:mac:vml" xmlns:p="http://schemas.openxmlformats.org/presentationml/2006/main" xmlns:c="http://schemas.openxmlformats.org/drawingml/2006/chart" xmlns:dgm="http://schemas.openxmlformats.org/drawingml/2006/diagram" xmlns:o="urn:schemas-microsoft-com:office:office" xmlns:v="urn:schemas-microsoft-com:vml" xmlns:pvml="urn:schemas-microsoft-com:office:powerpoint" xmlns:com="http://schemas.openxmlformats.org/drawingml/2006/compatibility" xmlns:p14="http://schemas.microsoft.com/office/powerpoint/2010/main" xmlns:p15="http://schemas.microsoft.com/office/powerpoint/2012/main" xmlns:ahyp="http://schemas.microsoft.com/office/drawing/2018/hyperlinkcolor">
+<p:sld xmlns:a="http://schemas.openxmlformats.org/drawingml/2006/main" xmlns:r="http://schemas.openxmlformats.org/officeDocument/2006/relationships" xmlns:p="http://schemas.openxmlformats.org/presentationml/2006/main">
   <p:cSld>
     <p:spTree>
       <p:nvGrpSpPr>
-        <p:cNvPr id="64" name="Shape 64"/>
+        <p:cNvPr id="1" name="Shape 64"/>
         <p:cNvGrpSpPr/>
         <p:nvPr/>
       </p:nvGrpSpPr>
@@ -10980,7 +11163,9 @@
       <p:sp>
         <p:nvSpPr>
           <p:cNvPr id="65" name="Google Shape;65;p15"/>
-          <p:cNvSpPr txBox="1"/>
+          <p:cNvSpPr txBox="1">
+            <a:spLocks noGrp="1"/>
+          </p:cNvSpPr>
           <p:nvPr>
             <p:ph type="title"/>
           </p:nvPr>
@@ -10995,12 +11180,12 @@
           </a:prstGeom>
         </p:spPr>
         <p:txBody>
-          <a:bodyPr anchorCtr="0" anchor="t" bIns="91425" lIns="91425" spcFirstLastPara="1" rIns="91425" wrap="square" tIns="91425">
+          <a:bodyPr spcFirstLastPara="1" wrap="square" lIns="91425" tIns="91425" rIns="91425" bIns="91425" anchor="t" anchorCtr="0">
             <a:normAutofit fontScale="90000"/>
           </a:bodyPr>
           <a:lstStyle/>
           <a:p>
-            <a:pPr indent="0" lvl="0" marL="0" rtl="0" algn="l">
+            <a:pPr marL="0" lvl="0" indent="0" algn="l" rtl="0">
               <a:spcBef>
                 <a:spcPts val="0"/>
               </a:spcBef>
@@ -11020,9 +11205,11 @@
       <p:sp>
         <p:nvSpPr>
           <p:cNvPr id="66" name="Google Shape;66;p15"/>
-          <p:cNvSpPr txBox="1"/>
+          <p:cNvSpPr txBox="1">
+            <a:spLocks noGrp="1"/>
+          </p:cNvSpPr>
           <p:nvPr>
-            <p:ph idx="1" type="body"/>
+            <p:ph type="body" idx="1"/>
           </p:nvPr>
         </p:nvSpPr>
         <p:spPr>
@@ -11035,12 +11222,12 @@
           </a:prstGeom>
         </p:spPr>
         <p:txBody>
-          <a:bodyPr anchorCtr="0" anchor="t" bIns="91425" lIns="91425" spcFirstLastPara="1" rIns="91425" wrap="square" tIns="91425">
+          <a:bodyPr spcFirstLastPara="1" wrap="square" lIns="91425" tIns="91425" rIns="91425" bIns="91425" anchor="t" anchorCtr="0">
             <a:normAutofit/>
           </a:bodyPr>
           <a:lstStyle/>
           <a:p>
-            <a:pPr indent="0" lvl="0" marL="0" rtl="0" algn="l">
+            <a:pPr marL="0" lvl="0" indent="0" algn="l" rtl="0">
               <a:lnSpc>
                 <a:spcPct val="135714"/>
               </a:lnSpc>
@@ -11083,11 +11270,11 @@
 </file>
 
 <file path=ppt/slides/slide4.xml><?xml version="1.0" encoding="utf-8"?>
-<p:sld xmlns:a="http://schemas.openxmlformats.org/drawingml/2006/main" xmlns:r="http://schemas.openxmlformats.org/officeDocument/2006/relationships" xmlns:mc="http://schemas.openxmlformats.org/markup-compatibility/2006" xmlns:mv="urn:schemas-microsoft-com:mac:vml" xmlns:p="http://schemas.openxmlformats.org/presentationml/2006/main" xmlns:c="http://schemas.openxmlformats.org/drawingml/2006/chart" xmlns:dgm="http://schemas.openxmlformats.org/drawingml/2006/diagram" xmlns:o="urn:schemas-microsoft-com:office:office" xmlns:v="urn:schemas-microsoft-com:vml" xmlns:pvml="urn:schemas-microsoft-com:office:powerpoint" xmlns:com="http://schemas.openxmlformats.org/drawingml/2006/compatibility" xmlns:p14="http://schemas.microsoft.com/office/powerpoint/2010/main" xmlns:p15="http://schemas.microsoft.com/office/powerpoint/2012/main" xmlns:ahyp="http://schemas.microsoft.com/office/drawing/2018/hyperlinkcolor">
+<p:sld xmlns:a="http://schemas.openxmlformats.org/drawingml/2006/main" xmlns:r="http://schemas.openxmlformats.org/officeDocument/2006/relationships" xmlns:p="http://schemas.openxmlformats.org/presentationml/2006/main">
   <p:cSld>
     <p:spTree>
       <p:nvGrpSpPr>
-        <p:cNvPr id="70" name="Shape 70"/>
+        <p:cNvPr id="1" name="Shape 70"/>
         <p:cNvGrpSpPr/>
         <p:nvPr/>
       </p:nvGrpSpPr>
@@ -11102,7 +11289,9 @@
       <p:sp>
         <p:nvSpPr>
           <p:cNvPr id="71" name="Google Shape;71;p16"/>
-          <p:cNvSpPr txBox="1"/>
+          <p:cNvSpPr txBox="1">
+            <a:spLocks noGrp="1"/>
+          </p:cNvSpPr>
           <p:nvPr>
             <p:ph type="title"/>
           </p:nvPr>
@@ -11117,12 +11306,12 @@
           </a:prstGeom>
         </p:spPr>
         <p:txBody>
-          <a:bodyPr anchorCtr="0" anchor="t" bIns="91425" lIns="91425" spcFirstLastPara="1" rIns="91425" wrap="square" tIns="91425">
+          <a:bodyPr spcFirstLastPara="1" wrap="square" lIns="91425" tIns="91425" rIns="91425" bIns="91425" anchor="t" anchorCtr="0">
             <a:normAutofit fontScale="90000"/>
           </a:bodyPr>
           <a:lstStyle/>
           <a:p>
-            <a:pPr indent="0" lvl="0" marL="0" rtl="0" algn="l">
+            <a:pPr marL="0" lvl="0" indent="0" algn="l" rtl="0">
               <a:spcBef>
                 <a:spcPts val="0"/>
               </a:spcBef>
@@ -11142,9 +11331,11 @@
       <p:sp>
         <p:nvSpPr>
           <p:cNvPr id="72" name="Google Shape;72;p16"/>
-          <p:cNvSpPr txBox="1"/>
+          <p:cNvSpPr txBox="1">
+            <a:spLocks noGrp="1"/>
+          </p:cNvSpPr>
           <p:nvPr>
-            <p:ph idx="1" type="body"/>
+            <p:ph type="body" idx="1"/>
           </p:nvPr>
         </p:nvSpPr>
         <p:spPr>
@@ -11157,12 +11348,12 @@
           </a:prstGeom>
         </p:spPr>
         <p:txBody>
-          <a:bodyPr anchorCtr="0" anchor="t" bIns="91425" lIns="91425" spcFirstLastPara="1" rIns="91425" wrap="square" tIns="91425">
+          <a:bodyPr spcFirstLastPara="1" wrap="square" lIns="91425" tIns="91425" rIns="91425" bIns="91425" anchor="t" anchorCtr="0">
             <a:noAutofit/>
           </a:bodyPr>
           <a:lstStyle/>
           <a:p>
-            <a:pPr indent="0" lvl="0" marL="0" rtl="0" algn="l">
+            <a:pPr marL="0" lvl="0" indent="0" algn="l" rtl="0">
               <a:spcBef>
                 <a:spcPts val="0"/>
               </a:spcBef>
@@ -11186,7 +11377,7 @@
             </a:endParaRPr>
           </a:p>
           <a:p>
-            <a:pPr indent="0" lvl="0" marL="0" rtl="0" algn="l">
+            <a:pPr marL="0" lvl="0" indent="0" algn="l" rtl="0">
               <a:spcBef>
                 <a:spcPts val="1200"/>
               </a:spcBef>
@@ -11210,7 +11401,7 @@
             </a:endParaRPr>
           </a:p>
           <a:p>
-            <a:pPr indent="0" lvl="0" marL="0" rtl="0" algn="l">
+            <a:pPr marL="0" lvl="0" indent="0" algn="l" rtl="0">
               <a:spcBef>
                 <a:spcPts val="1200"/>
               </a:spcBef>
@@ -11219,9 +11410,6 @@
               </a:spcAft>
               <a:buNone/>
             </a:pPr>
-            <a:r>
-              <a:t/>
-            </a:r>
             <a:endParaRPr sz="1200">
               <a:solidFill>
                 <a:schemeClr val="dk1"/>
@@ -11229,7 +11417,7 @@
             </a:endParaRPr>
           </a:p>
           <a:p>
-            <a:pPr indent="0" lvl="0" marL="0" rtl="0" algn="l">
+            <a:pPr marL="0" lvl="0" indent="0" algn="l" rtl="0">
               <a:lnSpc>
                 <a:spcPct val="100000"/>
               </a:lnSpc>
@@ -11246,9 +11434,6 @@
               <a:buFont typeface="Arial"/>
               <a:buNone/>
             </a:pPr>
-            <a:r>
-              <a:t/>
-            </a:r>
             <a:endParaRPr sz="1200">
               <a:solidFill>
                 <a:schemeClr val="dk1"/>
@@ -11256,7 +11441,7 @@
             </a:endParaRPr>
           </a:p>
           <a:p>
-            <a:pPr indent="0" lvl="0" marL="0" rtl="0" algn="l">
+            <a:pPr marL="0" lvl="0" indent="0" algn="l" rtl="0">
               <a:spcBef>
                 <a:spcPts val="0"/>
               </a:spcBef>
@@ -11265,9 +11450,6 @@
               </a:spcAft>
               <a:buNone/>
             </a:pPr>
-            <a:r>
-              <a:t/>
-            </a:r>
             <a:endParaRPr sz="1200">
               <a:solidFill>
                 <a:schemeClr val="dk1"/>
@@ -11296,12 +11478,12 @@
           </a:ln>
         </p:spPr>
         <p:txBody>
-          <a:bodyPr anchorCtr="0" anchor="t" bIns="91425" lIns="91425" spcFirstLastPara="1" rIns="91425" wrap="square" tIns="91425">
+          <a:bodyPr spcFirstLastPara="1" wrap="square" lIns="91425" tIns="91425" rIns="91425" bIns="91425" anchor="t" anchorCtr="0">
             <a:spAutoFit/>
           </a:bodyPr>
           <a:lstStyle/>
           <a:p>
-            <a:pPr indent="0" lvl="0" marL="0" rtl="0" algn="l">
+            <a:pPr marL="0" lvl="0" indent="0" algn="l" rtl="0">
               <a:spcBef>
                 <a:spcPts val="0"/>
               </a:spcBef>
@@ -11330,7 +11512,7 @@
             </a:endParaRPr>
           </a:p>
           <a:p>
-            <a:pPr indent="0" lvl="0" marL="0" rtl="0" algn="l">
+            <a:pPr marL="0" lvl="0" indent="0" algn="l" rtl="0">
               <a:lnSpc>
                 <a:spcPct val="135714"/>
               </a:lnSpc>
@@ -11409,12 +11591,12 @@
           </a:ln>
         </p:spPr>
         <p:txBody>
-          <a:bodyPr anchorCtr="0" anchor="t" bIns="91425" lIns="91425" spcFirstLastPara="1" rIns="91425" wrap="square" tIns="91425">
+          <a:bodyPr spcFirstLastPara="1" wrap="square" lIns="91425" tIns="91425" rIns="91425" bIns="91425" anchor="t" anchorCtr="0">
             <a:spAutoFit/>
           </a:bodyPr>
           <a:lstStyle/>
           <a:p>
-            <a:pPr indent="-295275" lvl="0" marL="457200" rtl="0" algn="l">
+            <a:pPr marL="457200" lvl="0" indent="-295275" algn="l" rtl="0">
               <a:lnSpc>
                 <a:spcPct val="135714"/>
               </a:lnSpc>
@@ -11451,7 +11633,7 @@
             </a:endParaRPr>
           </a:p>
           <a:p>
-            <a:pPr indent="-295275" lvl="0" marL="457200" rtl="0" algn="l">
+            <a:pPr marL="457200" lvl="0" indent="-295275" algn="l" rtl="0">
               <a:lnSpc>
                 <a:spcPct val="135714"/>
               </a:lnSpc>
@@ -11491,11 +11673,11 @@
 </file>
 
 <file path=ppt/slides/slide5.xml><?xml version="1.0" encoding="utf-8"?>
-<p:sld xmlns:a="http://schemas.openxmlformats.org/drawingml/2006/main" xmlns:r="http://schemas.openxmlformats.org/officeDocument/2006/relationships" xmlns:mc="http://schemas.openxmlformats.org/markup-compatibility/2006" xmlns:mv="urn:schemas-microsoft-com:mac:vml" xmlns:p="http://schemas.openxmlformats.org/presentationml/2006/main" xmlns:c="http://schemas.openxmlformats.org/drawingml/2006/chart" xmlns:dgm="http://schemas.openxmlformats.org/drawingml/2006/diagram" xmlns:o="urn:schemas-microsoft-com:office:office" xmlns:v="urn:schemas-microsoft-com:vml" xmlns:pvml="urn:schemas-microsoft-com:office:powerpoint" xmlns:com="http://schemas.openxmlformats.org/drawingml/2006/compatibility" xmlns:p14="http://schemas.microsoft.com/office/powerpoint/2010/main" xmlns:p15="http://schemas.microsoft.com/office/powerpoint/2012/main" xmlns:ahyp="http://schemas.microsoft.com/office/drawing/2018/hyperlinkcolor">
+<p:sld xmlns:a="http://schemas.openxmlformats.org/drawingml/2006/main" xmlns:r="http://schemas.openxmlformats.org/officeDocument/2006/relationships" xmlns:p="http://schemas.openxmlformats.org/presentationml/2006/main">
   <p:cSld>
     <p:spTree>
       <p:nvGrpSpPr>
-        <p:cNvPr id="79" name="Shape 79"/>
+        <p:cNvPr id="1" name="Shape 79"/>
         <p:cNvGrpSpPr/>
         <p:nvPr/>
       </p:nvGrpSpPr>
@@ -11510,7 +11692,9 @@
       <p:sp>
         <p:nvSpPr>
           <p:cNvPr id="80" name="Google Shape;80;p17"/>
-          <p:cNvSpPr txBox="1"/>
+          <p:cNvSpPr txBox="1">
+            <a:spLocks noGrp="1"/>
+          </p:cNvSpPr>
           <p:nvPr>
             <p:ph type="title"/>
           </p:nvPr>
@@ -11525,12 +11709,12 @@
           </a:prstGeom>
         </p:spPr>
         <p:txBody>
-          <a:bodyPr anchorCtr="0" anchor="t" bIns="91425" lIns="91425" spcFirstLastPara="1" rIns="91425" wrap="square" tIns="91425">
+          <a:bodyPr spcFirstLastPara="1" wrap="square" lIns="91425" tIns="91425" rIns="91425" bIns="91425" anchor="t" anchorCtr="0">
             <a:normAutofit fontScale="90000"/>
           </a:bodyPr>
           <a:lstStyle/>
           <a:p>
-            <a:pPr indent="0" lvl="0" marL="0" rtl="0" algn="l">
+            <a:pPr marL="0" lvl="0" indent="0" algn="l" rtl="0">
               <a:spcBef>
                 <a:spcPts val="0"/>
               </a:spcBef>
@@ -11550,9 +11734,11 @@
       <p:sp>
         <p:nvSpPr>
           <p:cNvPr id="81" name="Google Shape;81;p17"/>
-          <p:cNvSpPr txBox="1"/>
+          <p:cNvSpPr txBox="1">
+            <a:spLocks noGrp="1"/>
+          </p:cNvSpPr>
           <p:nvPr>
-            <p:ph idx="1" type="body"/>
+            <p:ph type="body" idx="1"/>
           </p:nvPr>
         </p:nvSpPr>
         <p:spPr>
@@ -11565,12 +11751,12 @@
           </a:prstGeom>
         </p:spPr>
         <p:txBody>
-          <a:bodyPr anchorCtr="0" anchor="t" bIns="91425" lIns="91425" spcFirstLastPara="1" rIns="91425" wrap="square" tIns="91425">
+          <a:bodyPr spcFirstLastPara="1" wrap="square" lIns="91425" tIns="91425" rIns="91425" bIns="91425" anchor="t" anchorCtr="0">
             <a:noAutofit/>
           </a:bodyPr>
           <a:lstStyle/>
           <a:p>
-            <a:pPr indent="0" lvl="0" marL="0" rtl="0" algn="l">
+            <a:pPr marL="0" lvl="0" indent="0" algn="l" rtl="0">
               <a:lnSpc>
                 <a:spcPct val="100000"/>
               </a:lnSpc>
@@ -11602,7 +11788,7 @@
             </a:endParaRPr>
           </a:p>
           <a:p>
-            <a:pPr indent="-298450" lvl="0" marL="457200" rtl="0" algn="l">
+            <a:pPr marL="457200" lvl="0" indent="-298450" algn="l" rtl="0">
               <a:lnSpc>
                 <a:spcPct val="100000"/>
               </a:lnSpc>
@@ -11633,7 +11819,7 @@
             </a:endParaRPr>
           </a:p>
           <a:p>
-            <a:pPr indent="-298450" lvl="0" marL="457200" rtl="0" algn="l">
+            <a:pPr marL="457200" lvl="0" indent="-298450" algn="l" rtl="0">
               <a:lnSpc>
                 <a:spcPct val="100000"/>
               </a:lnSpc>
@@ -11664,7 +11850,7 @@
             </a:endParaRPr>
           </a:p>
           <a:p>
-            <a:pPr indent="-298450" lvl="0" marL="457200" rtl="0" algn="l">
+            <a:pPr marL="457200" lvl="0" indent="-298450" algn="l" rtl="0">
               <a:lnSpc>
                 <a:spcPct val="100000"/>
               </a:lnSpc>
@@ -11695,7 +11881,7 @@
             </a:endParaRPr>
           </a:p>
           <a:p>
-            <a:pPr indent="-298450" lvl="0" marL="457200" rtl="0" algn="l">
+            <a:pPr marL="457200" lvl="0" indent="-298450" algn="l" rtl="0">
               <a:lnSpc>
                 <a:spcPct val="100000"/>
               </a:lnSpc>
@@ -11726,7 +11912,7 @@
             </a:endParaRPr>
           </a:p>
           <a:p>
-            <a:pPr indent="-298450" lvl="0" marL="457200" rtl="0" algn="l">
+            <a:pPr marL="457200" lvl="0" indent="-298450" algn="l" rtl="0">
               <a:lnSpc>
                 <a:spcPct val="100000"/>
               </a:lnSpc>
@@ -11757,7 +11943,7 @@
             </a:endParaRPr>
           </a:p>
           <a:p>
-            <a:pPr indent="-298450" lvl="0" marL="457200" rtl="0" algn="l">
+            <a:pPr marL="457200" lvl="0" indent="-298450" algn="l" rtl="0">
               <a:lnSpc>
                 <a:spcPct val="100000"/>
               </a:lnSpc>
@@ -11788,7 +11974,7 @@
             </a:endParaRPr>
           </a:p>
           <a:p>
-            <a:pPr indent="0" lvl="0" marL="0" rtl="0" algn="l">
+            <a:pPr marL="0" lvl="0" indent="0" algn="l" rtl="0">
               <a:lnSpc>
                 <a:spcPct val="100000"/>
               </a:lnSpc>
@@ -11820,7 +12006,7 @@
             </a:endParaRPr>
           </a:p>
           <a:p>
-            <a:pPr indent="-298450" lvl="0" marL="457200" rtl="0" algn="l">
+            <a:pPr marL="457200" lvl="0" indent="-298450" algn="l" rtl="0">
               <a:lnSpc>
                 <a:spcPct val="100000"/>
               </a:lnSpc>
@@ -11851,7 +12037,7 @@
             </a:endParaRPr>
           </a:p>
           <a:p>
-            <a:pPr indent="-298450" lvl="0" marL="457200" rtl="0" algn="l">
+            <a:pPr marL="457200" lvl="0" indent="-298450" algn="l" rtl="0">
               <a:lnSpc>
                 <a:spcPct val="100000"/>
               </a:lnSpc>
@@ -11882,7 +12068,7 @@
             </a:endParaRPr>
           </a:p>
           <a:p>
-            <a:pPr indent="-298450" lvl="0" marL="457200" rtl="0" algn="l">
+            <a:pPr marL="457200" lvl="0" indent="-298450" algn="l" rtl="0">
               <a:lnSpc>
                 <a:spcPct val="100000"/>
               </a:lnSpc>
@@ -11913,7 +12099,7 @@
             </a:endParaRPr>
           </a:p>
           <a:p>
-            <a:pPr indent="-298450" lvl="0" marL="457200" rtl="0" algn="l">
+            <a:pPr marL="457200" lvl="0" indent="-298450" algn="l" rtl="0">
               <a:lnSpc>
                 <a:spcPct val="100000"/>
               </a:lnSpc>
@@ -11944,7 +12130,7 @@
             </a:endParaRPr>
           </a:p>
           <a:p>
-            <a:pPr indent="-298450" lvl="0" marL="457200" rtl="0" algn="l">
+            <a:pPr marL="457200" lvl="0" indent="-298450" algn="l" rtl="0">
               <a:lnSpc>
                 <a:spcPct val="100000"/>
               </a:lnSpc>
@@ -11975,7 +12161,7 @@
             </a:endParaRPr>
           </a:p>
           <a:p>
-            <a:pPr indent="-298450" lvl="0" marL="457200" rtl="0" algn="l">
+            <a:pPr marL="457200" lvl="0" indent="-298450" algn="l" rtl="0">
               <a:lnSpc>
                 <a:spcPct val="100000"/>
               </a:lnSpc>
@@ -12006,7 +12192,7 @@
             </a:endParaRPr>
           </a:p>
           <a:p>
-            <a:pPr indent="0" lvl="0" marL="0" rtl="0" algn="l">
+            <a:pPr marL="0" lvl="0" indent="0" algn="l" rtl="0">
               <a:lnSpc>
                 <a:spcPct val="100000"/>
               </a:lnSpc>
@@ -12019,9 +12205,6 @@
               <a:buSzPts val="358"/>
               <a:buNone/>
             </a:pPr>
-            <a:r>
-              <a:t/>
-            </a:r>
             <a:endParaRPr sz="700">
               <a:solidFill>
                 <a:schemeClr val="dk1"/>
@@ -12078,12 +12261,12 @@
           </a:ln>
         </p:spPr>
         <p:txBody>
-          <a:bodyPr anchorCtr="0" anchor="t" bIns="91425" lIns="91425" spcFirstLastPara="1" rIns="91425" wrap="square" tIns="91425">
+          <a:bodyPr spcFirstLastPara="1" wrap="square" lIns="91425" tIns="91425" rIns="91425" bIns="91425" anchor="t" anchorCtr="0">
             <a:spAutoFit/>
           </a:bodyPr>
           <a:lstStyle/>
           <a:p>
-            <a:pPr indent="0" lvl="0" marL="0" rtl="0" algn="l">
+            <a:pPr marL="0" lvl="0" indent="0" algn="l" rtl="0">
               <a:lnSpc>
                 <a:spcPct val="135714"/>
               </a:lnSpc>
@@ -12131,12 +12314,12 @@
           </a:ln>
         </p:spPr>
         <p:txBody>
-          <a:bodyPr anchorCtr="0" anchor="t" bIns="91425" lIns="91425" spcFirstLastPara="1" rIns="91425" wrap="square" tIns="91425">
+          <a:bodyPr spcFirstLastPara="1" wrap="square" lIns="91425" tIns="91425" rIns="91425" bIns="91425" anchor="t" anchorCtr="0">
             <a:spAutoFit/>
           </a:bodyPr>
           <a:lstStyle/>
           <a:p>
-            <a:pPr indent="0" lvl="0" marL="0" rtl="0" algn="l">
+            <a:pPr marL="0" lvl="0" indent="0" algn="l" rtl="0">
               <a:lnSpc>
                 <a:spcPct val="135714"/>
               </a:lnSpc>
@@ -12172,11 +12355,11 @@
 </file>
 
 <file path=ppt/slides/slide6.xml><?xml version="1.0" encoding="utf-8"?>
-<p:sld xmlns:a="http://schemas.openxmlformats.org/drawingml/2006/main" xmlns:r="http://schemas.openxmlformats.org/officeDocument/2006/relationships" xmlns:mc="http://schemas.openxmlformats.org/markup-compatibility/2006" xmlns:mv="urn:schemas-microsoft-com:mac:vml" xmlns:p="http://schemas.openxmlformats.org/presentationml/2006/main" xmlns:c="http://schemas.openxmlformats.org/drawingml/2006/chart" xmlns:dgm="http://schemas.openxmlformats.org/drawingml/2006/diagram" xmlns:o="urn:schemas-microsoft-com:office:office" xmlns:v="urn:schemas-microsoft-com:vml" xmlns:pvml="urn:schemas-microsoft-com:office:powerpoint" xmlns:com="http://schemas.openxmlformats.org/drawingml/2006/compatibility" xmlns:p14="http://schemas.microsoft.com/office/powerpoint/2010/main" xmlns:p15="http://schemas.microsoft.com/office/powerpoint/2012/main" xmlns:ahyp="http://schemas.microsoft.com/office/drawing/2018/hyperlinkcolor">
+<p:sld xmlns:a="http://schemas.openxmlformats.org/drawingml/2006/main" xmlns:r="http://schemas.openxmlformats.org/officeDocument/2006/relationships" xmlns:p="http://schemas.openxmlformats.org/presentationml/2006/main">
   <p:cSld>
     <p:spTree>
       <p:nvGrpSpPr>
-        <p:cNvPr id="88" name="Shape 88"/>
+        <p:cNvPr id="1" name="Shape 88"/>
         <p:cNvGrpSpPr/>
         <p:nvPr/>
       </p:nvGrpSpPr>
@@ -12191,7 +12374,9 @@
       <p:sp>
         <p:nvSpPr>
           <p:cNvPr id="89" name="Google Shape;89;p18"/>
-          <p:cNvSpPr txBox="1"/>
+          <p:cNvSpPr txBox="1">
+            <a:spLocks noGrp="1"/>
+          </p:cNvSpPr>
           <p:nvPr>
             <p:ph type="title"/>
           </p:nvPr>
@@ -12206,12 +12391,12 @@
           </a:prstGeom>
         </p:spPr>
         <p:txBody>
-          <a:bodyPr anchorCtr="0" anchor="t" bIns="91425" lIns="91425" spcFirstLastPara="1" rIns="91425" wrap="square" tIns="91425">
+          <a:bodyPr spcFirstLastPara="1" wrap="square" lIns="91425" tIns="91425" rIns="91425" bIns="91425" anchor="t" anchorCtr="0">
             <a:normAutofit fontScale="90000"/>
           </a:bodyPr>
           <a:lstStyle/>
           <a:p>
-            <a:pPr indent="0" lvl="0" marL="0" rtl="0" algn="l">
+            <a:pPr marL="0" lvl="0" indent="0" algn="l" rtl="0">
               <a:spcBef>
                 <a:spcPts val="0"/>
               </a:spcBef>
@@ -12231,9 +12416,11 @@
       <p:sp>
         <p:nvSpPr>
           <p:cNvPr id="90" name="Google Shape;90;p18"/>
-          <p:cNvSpPr txBox="1"/>
+          <p:cNvSpPr txBox="1">
+            <a:spLocks noGrp="1"/>
+          </p:cNvSpPr>
           <p:nvPr>
-            <p:ph idx="1" type="body"/>
+            <p:ph type="body" idx="1"/>
           </p:nvPr>
         </p:nvSpPr>
         <p:spPr>
@@ -12246,12 +12433,12 @@
           </a:prstGeom>
         </p:spPr>
         <p:txBody>
-          <a:bodyPr anchorCtr="0" anchor="t" bIns="91425" lIns="91425" spcFirstLastPara="1" rIns="91425" wrap="square" tIns="91425">
+          <a:bodyPr spcFirstLastPara="1" wrap="square" lIns="91425" tIns="91425" rIns="91425" bIns="91425" anchor="t" anchorCtr="0">
             <a:normAutofit/>
           </a:bodyPr>
           <a:lstStyle/>
           <a:p>
-            <a:pPr indent="0" lvl="0" marL="0" rtl="0" algn="l">
+            <a:pPr marL="0" lvl="0" indent="0" algn="l" rtl="0">
               <a:lnSpc>
                 <a:spcPct val="135714"/>
               </a:lnSpc>
@@ -12284,7 +12471,7 @@
             </a:endParaRPr>
           </a:p>
           <a:p>
-            <a:pPr indent="0" lvl="0" marL="0" rtl="0" algn="l">
+            <a:pPr marL="0" lvl="0" indent="0" algn="l" rtl="0">
               <a:lnSpc>
                 <a:spcPct val="135714"/>
               </a:lnSpc>
@@ -12296,9 +12483,6 @@
               </a:spcAft>
               <a:buNone/>
             </a:pPr>
-            <a:r>
-              <a:t/>
-            </a:r>
             <a:endParaRPr sz="1050">
               <a:solidFill>
                 <a:schemeClr val="dk1"/>
@@ -12309,7 +12493,7 @@
             </a:endParaRPr>
           </a:p>
           <a:p>
-            <a:pPr indent="0" lvl="0" marL="0" rtl="0" algn="l">
+            <a:pPr marL="0" lvl="0" indent="0" algn="l" rtl="0">
               <a:lnSpc>
                 <a:spcPct val="135714"/>
               </a:lnSpc>
@@ -12322,7 +12506,7 @@
               <a:buNone/>
             </a:pPr>
             <a:r>
-              <a:rPr b="1" lang="en-GB" sz="1050">
+              <a:rPr lang="en-GB" sz="1050" b="1">
                 <a:solidFill>
                   <a:schemeClr val="dk1"/>
                 </a:solidFill>
@@ -12332,7 +12516,7 @@
               </a:rPr>
               <a:t>Hypothesis Answer: </a:t>
             </a:r>
-            <a:endParaRPr b="1" sz="1050">
+            <a:endParaRPr sz="1050" b="1">
               <a:solidFill>
                 <a:schemeClr val="dk1"/>
               </a:solidFill>
@@ -12342,7 +12526,7 @@
             </a:endParaRPr>
           </a:p>
           <a:p>
-            <a:pPr indent="0" lvl="0" marL="0" rtl="0" algn="l">
+            <a:pPr marL="0" lvl="0" indent="0" algn="l" rtl="0">
               <a:spcBef>
                 <a:spcPts val="0"/>
               </a:spcBef>
@@ -12360,7 +12544,7 @@
               <a:rPr lang="en-GB" sz="1050"/>
               <a:t>There may be implicit bias in the population sample. Based on the data that was collected however, there does not appear to be a large difference in restaurant ratings between Vancouver and Toronto.</a:t>
             </a:r>
-            <a:endParaRPr b="1" sz="1050">
+            <a:endParaRPr sz="1050" b="1">
               <a:solidFill>
                 <a:schemeClr val="dk1"/>
               </a:solidFill>
@@ -12370,7 +12554,7 @@
             </a:endParaRPr>
           </a:p>
           <a:p>
-            <a:pPr indent="0" lvl="0" marL="0" rtl="0" algn="l">
+            <a:pPr marL="0" lvl="0" indent="0" algn="l" rtl="0">
               <a:spcBef>
                 <a:spcPts val="1200"/>
               </a:spcBef>
@@ -12379,9 +12563,6 @@
               </a:spcAft>
               <a:buNone/>
             </a:pPr>
-            <a:r>
-              <a:t/>
-            </a:r>
             <a:endParaRPr/>
           </a:p>
         </p:txBody>
@@ -12395,11 +12576,11 @@
 </file>
 
 <file path=ppt/slides/slide7.xml><?xml version="1.0" encoding="utf-8"?>
-<p:sld xmlns:a="http://schemas.openxmlformats.org/drawingml/2006/main" xmlns:r="http://schemas.openxmlformats.org/officeDocument/2006/relationships" xmlns:mc="http://schemas.openxmlformats.org/markup-compatibility/2006" xmlns:mv="urn:schemas-microsoft-com:mac:vml" xmlns:p="http://schemas.openxmlformats.org/presentationml/2006/main" xmlns:c="http://schemas.openxmlformats.org/drawingml/2006/chart" xmlns:dgm="http://schemas.openxmlformats.org/drawingml/2006/diagram" xmlns:o="urn:schemas-microsoft-com:office:office" xmlns:v="urn:schemas-microsoft-com:vml" xmlns:pvml="urn:schemas-microsoft-com:office:powerpoint" xmlns:com="http://schemas.openxmlformats.org/drawingml/2006/compatibility" xmlns:p14="http://schemas.microsoft.com/office/powerpoint/2010/main" xmlns:p15="http://schemas.microsoft.com/office/powerpoint/2012/main" xmlns:ahyp="http://schemas.microsoft.com/office/drawing/2018/hyperlinkcolor">
+<p:sld xmlns:a="http://schemas.openxmlformats.org/drawingml/2006/main" xmlns:r="http://schemas.openxmlformats.org/officeDocument/2006/relationships" xmlns:p="http://schemas.openxmlformats.org/presentationml/2006/main">
   <p:cSld>
     <p:spTree>
       <p:nvGrpSpPr>
-        <p:cNvPr id="94" name="Shape 94"/>
+        <p:cNvPr id="1" name="Shape 94"/>
         <p:cNvGrpSpPr/>
         <p:nvPr/>
       </p:nvGrpSpPr>
@@ -12414,7 +12595,9 @@
       <p:sp>
         <p:nvSpPr>
           <p:cNvPr id="95" name="Google Shape;95;p19"/>
-          <p:cNvSpPr txBox="1"/>
+          <p:cNvSpPr txBox="1">
+            <a:spLocks noGrp="1"/>
+          </p:cNvSpPr>
           <p:nvPr>
             <p:ph type="title"/>
           </p:nvPr>
@@ -12429,12 +12612,12 @@
           </a:prstGeom>
         </p:spPr>
         <p:txBody>
-          <a:bodyPr anchorCtr="0" anchor="t" bIns="91425" lIns="91425" spcFirstLastPara="1" rIns="91425" wrap="square" tIns="91425">
+          <a:bodyPr spcFirstLastPara="1" wrap="square" lIns="91425" tIns="91425" rIns="91425" bIns="91425" anchor="t" anchorCtr="0">
             <a:normAutofit fontScale="90000"/>
           </a:bodyPr>
           <a:lstStyle/>
           <a:p>
-            <a:pPr indent="0" lvl="0" marL="0" rtl="0" algn="l">
+            <a:pPr marL="0" lvl="0" indent="0" algn="l" rtl="0">
               <a:spcBef>
                 <a:spcPts val="0"/>
               </a:spcBef>
@@ -12454,9 +12637,11 @@
       <p:sp>
         <p:nvSpPr>
           <p:cNvPr id="96" name="Google Shape;96;p19"/>
-          <p:cNvSpPr txBox="1"/>
+          <p:cNvSpPr txBox="1">
+            <a:spLocks noGrp="1"/>
+          </p:cNvSpPr>
           <p:nvPr>
-            <p:ph idx="1" type="body"/>
+            <p:ph type="body" idx="1"/>
           </p:nvPr>
         </p:nvSpPr>
         <p:spPr>
@@ -12469,12 +12654,12 @@
           </a:prstGeom>
         </p:spPr>
         <p:txBody>
-          <a:bodyPr anchorCtr="0" anchor="t" bIns="91425" lIns="91425" spcFirstLastPara="1" rIns="91425" wrap="square" tIns="91425">
+          <a:bodyPr spcFirstLastPara="1" wrap="square" lIns="91425" tIns="91425" rIns="91425" bIns="91425" anchor="t" anchorCtr="0">
             <a:normAutofit/>
           </a:bodyPr>
           <a:lstStyle/>
           <a:p>
-            <a:pPr indent="0" lvl="0" marL="0" rtl="0" algn="l">
+            <a:pPr marL="0" lvl="0" indent="0" algn="l" rtl="0">
               <a:lnSpc>
                 <a:spcPct val="135714"/>
               </a:lnSpc>
@@ -12512,7 +12697,7 @@
             </a:endParaRPr>
           </a:p>
           <a:p>
-            <a:pPr indent="0" lvl="0" marL="0" rtl="0" algn="l">
+            <a:pPr marL="0" lvl="0" indent="0" algn="l" rtl="0">
               <a:spcBef>
                 <a:spcPts val="0"/>
               </a:spcBef>
@@ -12521,9 +12706,6 @@
               </a:spcAft>
               <a:buNone/>
             </a:pPr>
-            <a:r>
-              <a:t/>
-            </a:r>
             <a:endParaRPr/>
           </a:p>
         </p:txBody>
@@ -12537,11 +12719,11 @@
 </file>
 
 <file path=ppt/slides/slide8.xml><?xml version="1.0" encoding="utf-8"?>
-<p:sld xmlns:a="http://schemas.openxmlformats.org/drawingml/2006/main" xmlns:r="http://schemas.openxmlformats.org/officeDocument/2006/relationships" xmlns:mc="http://schemas.openxmlformats.org/markup-compatibility/2006" xmlns:mv="urn:schemas-microsoft-com:mac:vml" xmlns:p="http://schemas.openxmlformats.org/presentationml/2006/main" xmlns:c="http://schemas.openxmlformats.org/drawingml/2006/chart" xmlns:dgm="http://schemas.openxmlformats.org/drawingml/2006/diagram" xmlns:o="urn:schemas-microsoft-com:office:office" xmlns:v="urn:schemas-microsoft-com:vml" xmlns:pvml="urn:schemas-microsoft-com:office:powerpoint" xmlns:com="http://schemas.openxmlformats.org/drawingml/2006/compatibility" xmlns:p14="http://schemas.microsoft.com/office/powerpoint/2010/main" xmlns:p15="http://schemas.microsoft.com/office/powerpoint/2012/main" xmlns:ahyp="http://schemas.microsoft.com/office/drawing/2018/hyperlinkcolor">
+<p:sld xmlns:a="http://schemas.openxmlformats.org/drawingml/2006/main" xmlns:r="http://schemas.openxmlformats.org/officeDocument/2006/relationships" xmlns:p="http://schemas.openxmlformats.org/presentationml/2006/main">
   <p:cSld>
     <p:spTree>
       <p:nvGrpSpPr>
-        <p:cNvPr id="100" name="Shape 100"/>
+        <p:cNvPr id="1" name="Shape 100"/>
         <p:cNvGrpSpPr/>
         <p:nvPr/>
       </p:nvGrpSpPr>
@@ -12556,7 +12738,9 @@
       <p:sp>
         <p:nvSpPr>
           <p:cNvPr id="101" name="Google Shape;101;p20"/>
-          <p:cNvSpPr txBox="1"/>
+          <p:cNvSpPr txBox="1">
+            <a:spLocks noGrp="1"/>
+          </p:cNvSpPr>
           <p:nvPr>
             <p:ph type="title"/>
           </p:nvPr>
@@ -12571,12 +12755,12 @@
           </a:prstGeom>
         </p:spPr>
         <p:txBody>
-          <a:bodyPr anchorCtr="0" anchor="t" bIns="91425" lIns="91425" spcFirstLastPara="1" rIns="91425" wrap="square" tIns="91425">
+          <a:bodyPr spcFirstLastPara="1" wrap="square" lIns="91425" tIns="91425" rIns="91425" bIns="91425" anchor="t" anchorCtr="0">
             <a:normAutofit fontScale="90000"/>
           </a:bodyPr>
           <a:lstStyle/>
           <a:p>
-            <a:pPr indent="0" lvl="0" marL="0" rtl="0" algn="l">
+            <a:pPr marL="0" lvl="0" indent="0" algn="l" rtl="0">
               <a:spcBef>
                 <a:spcPts val="0"/>
               </a:spcBef>
@@ -12596,9 +12780,11 @@
       <p:sp>
         <p:nvSpPr>
           <p:cNvPr id="102" name="Google Shape;102;p20"/>
-          <p:cNvSpPr txBox="1"/>
+          <p:cNvSpPr txBox="1">
+            <a:spLocks noGrp="1"/>
+          </p:cNvSpPr>
           <p:nvPr>
-            <p:ph idx="1" type="body"/>
+            <p:ph type="body" idx="1"/>
           </p:nvPr>
         </p:nvSpPr>
         <p:spPr>
@@ -12611,12 +12797,12 @@
           </a:prstGeom>
         </p:spPr>
         <p:txBody>
-          <a:bodyPr anchorCtr="0" anchor="t" bIns="91425" lIns="91425" spcFirstLastPara="1" rIns="91425" wrap="square" tIns="91425">
+          <a:bodyPr spcFirstLastPara="1" wrap="square" lIns="91425" tIns="91425" rIns="91425" bIns="91425" anchor="t" anchorCtr="0">
             <a:normAutofit/>
           </a:bodyPr>
           <a:lstStyle/>
           <a:p>
-            <a:pPr indent="0" lvl="0" marL="0" rtl="0" algn="l">
+            <a:pPr marL="0" lvl="0" indent="0" algn="l" rtl="0">
               <a:spcBef>
                 <a:spcPts val="0"/>
               </a:spcBef>
@@ -12640,7 +12826,7 @@
             </a:endParaRPr>
           </a:p>
           <a:p>
-            <a:pPr indent="0" lvl="0" marL="0" rtl="0" algn="l">
+            <a:pPr marL="0" lvl="0" indent="0" algn="l" rtl="0">
               <a:spcBef>
                 <a:spcPts val="1200"/>
               </a:spcBef>
@@ -12685,12 +12871,12 @@
           </a:ln>
         </p:spPr>
         <p:txBody>
-          <a:bodyPr anchorCtr="0" anchor="t" bIns="91425" lIns="91425" spcFirstLastPara="1" rIns="91425" wrap="square" tIns="91425">
+          <a:bodyPr spcFirstLastPara="1" wrap="square" lIns="91425" tIns="91425" rIns="91425" bIns="91425" anchor="t" anchorCtr="0">
             <a:spAutoFit/>
           </a:bodyPr>
           <a:lstStyle/>
           <a:p>
-            <a:pPr indent="0" lvl="0" marL="0" rtl="0" algn="l">
+            <a:pPr marL="0" lvl="0" indent="0" algn="l" rtl="0">
               <a:spcBef>
                 <a:spcPts val="0"/>
               </a:spcBef>
@@ -12707,24 +12893,16 @@
           </a:p>
         </p:txBody>
       </p:sp>
-      <p:pic>
-        <p:nvPicPr>
-          <p:cNvPr id="104" name="Google Shape;104;p20"/>
-          <p:cNvPicPr preferRelativeResize="0"/>
+      <p:sp>
+        <p:nvSpPr>
+          <p:cNvPr id="105" name="Google Shape;105;p20"/>
+          <p:cNvSpPr txBox="1"/>
           <p:nvPr/>
-        </p:nvPicPr>
-        <p:blipFill>
-          <a:blip r:embed="rId3">
-            <a:alphaModFix/>
-          </a:blip>
-          <a:stretch>
-            <a:fillRect/>
-          </a:stretch>
-        </p:blipFill>
-        <p:spPr>
-          <a:xfrm>
-            <a:off x="152400" y="1482300"/>
-            <a:ext cx="4032164" cy="3194400"/>
+        </p:nvSpPr>
+        <p:spPr>
+          <a:xfrm>
+            <a:off x="461250" y="4527900"/>
+            <a:ext cx="8221500" cy="585000"/>
           </a:xfrm>
           <a:prstGeom prst="rect">
             <a:avLst/>
@@ -12734,33 +12912,13 @@
             <a:noFill/>
           </a:ln>
         </p:spPr>
-      </p:pic>
-      <p:sp>
-        <p:nvSpPr>
-          <p:cNvPr id="105" name="Google Shape;105;p20"/>
-          <p:cNvSpPr txBox="1"/>
-          <p:nvPr/>
-        </p:nvSpPr>
-        <p:spPr>
-          <a:xfrm>
-            <a:off x="461250" y="4527900"/>
-            <a:ext cx="8221500" cy="585000"/>
-          </a:xfrm>
-          <a:prstGeom prst="rect">
-            <a:avLst/>
-          </a:prstGeom>
-          <a:noFill/>
-          <a:ln>
-            <a:noFill/>
-          </a:ln>
-        </p:spPr>
         <p:txBody>
-          <a:bodyPr anchorCtr="0" anchor="t" bIns="91425" lIns="91425" spcFirstLastPara="1" rIns="91425" wrap="square" tIns="91425">
+          <a:bodyPr spcFirstLastPara="1" wrap="square" lIns="91425" tIns="91425" rIns="91425" bIns="91425" anchor="t" anchorCtr="0">
             <a:spAutoFit/>
           </a:bodyPr>
           <a:lstStyle/>
           <a:p>
-            <a:pPr indent="0" lvl="0" marL="0" rtl="0" algn="l">
+            <a:pPr marL="0" lvl="0" indent="0" algn="l" rtl="0">
               <a:spcBef>
                 <a:spcPts val="0"/>
               </a:spcBef>
@@ -12777,6 +12935,36 @@
           </a:p>
         </p:txBody>
       </p:sp>
+      <p:pic>
+        <p:nvPicPr>
+          <p:cNvPr id="3" name="Picture 2">
+            <a:extLst>
+              <a:ext uri="{FF2B5EF4-FFF2-40B4-BE49-F238E27FC236}">
+                <a16:creationId xmlns:a16="http://schemas.microsoft.com/office/drawing/2014/main" id="{9427974F-9616-59F7-20FC-D45EA5BAAC55}"/>
+              </a:ext>
+            </a:extLst>
+          </p:cNvPr>
+          <p:cNvPicPr>
+            <a:picLocks noChangeAspect="1"/>
+          </p:cNvPicPr>
+          <p:nvPr/>
+        </p:nvPicPr>
+        <p:blipFill>
+          <a:blip r:embed="rId3"/>
+          <a:stretch>
+            <a:fillRect/>
+          </a:stretch>
+        </p:blipFill>
+        <p:spPr>
+          <a:xfrm>
+            <a:off x="253252" y="1300953"/>
+            <a:ext cx="3874995" cy="3069886"/>
+          </a:xfrm>
+          <a:prstGeom prst="rect">
+            <a:avLst/>
+          </a:prstGeom>
+        </p:spPr>
+      </p:pic>
     </p:spTree>
   </p:cSld>
   <p:clrMapOvr>
@@ -12786,11 +12974,11 @@
 </file>
 
 <file path=ppt/slides/slide9.xml><?xml version="1.0" encoding="utf-8"?>
-<p:sld xmlns:a="http://schemas.openxmlformats.org/drawingml/2006/main" xmlns:r="http://schemas.openxmlformats.org/officeDocument/2006/relationships" xmlns:mc="http://schemas.openxmlformats.org/markup-compatibility/2006" xmlns:mv="urn:schemas-microsoft-com:mac:vml" xmlns:p="http://schemas.openxmlformats.org/presentationml/2006/main" xmlns:c="http://schemas.openxmlformats.org/drawingml/2006/chart" xmlns:dgm="http://schemas.openxmlformats.org/drawingml/2006/diagram" xmlns:o="urn:schemas-microsoft-com:office:office" xmlns:v="urn:schemas-microsoft-com:vml" xmlns:pvml="urn:schemas-microsoft-com:office:powerpoint" xmlns:com="http://schemas.openxmlformats.org/drawingml/2006/compatibility" xmlns:p14="http://schemas.microsoft.com/office/powerpoint/2010/main" xmlns:p15="http://schemas.microsoft.com/office/powerpoint/2012/main" xmlns:ahyp="http://schemas.microsoft.com/office/drawing/2018/hyperlinkcolor">
+<p:sld xmlns:a="http://schemas.openxmlformats.org/drawingml/2006/main" xmlns:r="http://schemas.openxmlformats.org/officeDocument/2006/relationships" xmlns:p="http://schemas.openxmlformats.org/presentationml/2006/main">
   <p:cSld>
     <p:spTree>
       <p:nvGrpSpPr>
-        <p:cNvPr id="109" name="Shape 109"/>
+        <p:cNvPr id="1" name="Shape 109"/>
         <p:cNvGrpSpPr/>
         <p:nvPr/>
       </p:nvGrpSpPr>
@@ -12805,7 +12993,9 @@
       <p:sp>
         <p:nvSpPr>
           <p:cNvPr id="110" name="Google Shape;110;p21"/>
-          <p:cNvSpPr txBox="1"/>
+          <p:cNvSpPr txBox="1">
+            <a:spLocks noGrp="1"/>
+          </p:cNvSpPr>
           <p:nvPr>
             <p:ph type="title"/>
           </p:nvPr>
@@ -12820,12 +13010,12 @@
           </a:prstGeom>
         </p:spPr>
         <p:txBody>
-          <a:bodyPr anchorCtr="0" anchor="t" bIns="91425" lIns="91425" spcFirstLastPara="1" rIns="91425" wrap="square" tIns="91425">
+          <a:bodyPr spcFirstLastPara="1" wrap="square" lIns="91425" tIns="91425" rIns="91425" bIns="91425" anchor="t" anchorCtr="0">
             <a:normAutofit fontScale="90000"/>
           </a:bodyPr>
           <a:lstStyle/>
           <a:p>
-            <a:pPr indent="0" lvl="0" marL="0" rtl="0" algn="l">
+            <a:pPr marL="0" lvl="0" indent="0" algn="l" rtl="0">
               <a:spcBef>
                 <a:spcPts val="0"/>
               </a:spcBef>
@@ -12846,18 +13036,15 @@
             <a:endParaRPr/>
           </a:p>
           <a:p>
-            <a:pPr indent="0" lvl="0" marL="0" rtl="0" algn="l">
-              <a:spcBef>
-                <a:spcPts val="0"/>
-              </a:spcBef>
-              <a:spcAft>
-                <a:spcPts val="0"/>
-              </a:spcAft>
-              <a:buNone/>
-            </a:pPr>
-            <a:r>
-              <a:t/>
-            </a:r>
+            <a:pPr marL="0" lvl="0" indent="0" algn="l" rtl="0">
+              <a:spcBef>
+                <a:spcPts val="0"/>
+              </a:spcBef>
+              <a:spcAft>
+                <a:spcPts val="0"/>
+              </a:spcAft>
+              <a:buNone/>
+            </a:pPr>
             <a:endParaRPr/>
           </a:p>
         </p:txBody>
@@ -12865,9 +13052,11 @@
       <p:sp>
         <p:nvSpPr>
           <p:cNvPr id="111" name="Google Shape;111;p21"/>
-          <p:cNvSpPr txBox="1"/>
+          <p:cNvSpPr txBox="1">
+            <a:spLocks noGrp="1"/>
+          </p:cNvSpPr>
           <p:nvPr>
-            <p:ph idx="1" type="body"/>
+            <p:ph type="body" idx="1"/>
           </p:nvPr>
         </p:nvSpPr>
         <p:spPr>
@@ -12880,12 +13069,12 @@
           </a:prstGeom>
         </p:spPr>
         <p:txBody>
-          <a:bodyPr anchorCtr="0" anchor="t" bIns="91425" lIns="91425" spcFirstLastPara="1" rIns="91425" wrap="square" tIns="91425">
+          <a:bodyPr spcFirstLastPara="1" wrap="square" lIns="91425" tIns="91425" rIns="91425" bIns="91425" anchor="t" anchorCtr="0">
             <a:normAutofit fontScale="77500" lnSpcReduction="10000"/>
           </a:bodyPr>
           <a:lstStyle/>
           <a:p>
-            <a:pPr indent="0" lvl="0" marL="0" rtl="0" algn="l">
+            <a:pPr marL="0" lvl="0" indent="0" algn="l" rtl="0">
               <a:spcBef>
                 <a:spcPts val="0"/>
               </a:spcBef>
@@ -12909,7 +13098,7 @@
             </a:endParaRPr>
           </a:p>
           <a:p>
-            <a:pPr indent="0" lvl="0" marL="0" rtl="0" algn="l">
+            <a:pPr marL="0" lvl="0" indent="0" algn="l" rtl="0">
               <a:spcBef>
                 <a:spcPts val="1200"/>
               </a:spcBef>
@@ -12933,7 +13122,7 @@
             </a:endParaRPr>
           </a:p>
           <a:p>
-            <a:pPr indent="0" lvl="0" marL="0" rtl="0" algn="l">
+            <a:pPr marL="0" lvl="0" indent="0" algn="l" rtl="0">
               <a:spcBef>
                 <a:spcPts val="1200"/>
               </a:spcBef>
@@ -12942,9 +13131,6 @@
               </a:spcAft>
               <a:buNone/>
             </a:pPr>
-            <a:r>
-              <a:t/>
-            </a:r>
             <a:endParaRPr sz="1050">
               <a:solidFill>
                 <a:schemeClr val="dk1"/>
@@ -12952,7 +13138,7 @@
             </a:endParaRPr>
           </a:p>
           <a:p>
-            <a:pPr indent="0" lvl="0" marL="0" rtl="0" algn="l">
+            <a:pPr marL="0" lvl="0" indent="0" algn="l" rtl="0">
               <a:spcBef>
                 <a:spcPts val="1200"/>
               </a:spcBef>
@@ -12961,9 +13147,6 @@
               </a:spcAft>
               <a:buNone/>
             </a:pPr>
-            <a:r>
-              <a:t/>
-            </a:r>
             <a:endParaRPr sz="1050">
               <a:solidFill>
                 <a:schemeClr val="dk1"/>
@@ -12992,12 +13175,12 @@
           </a:ln>
         </p:spPr>
         <p:txBody>
-          <a:bodyPr anchorCtr="0" anchor="t" bIns="91425" lIns="91425" spcFirstLastPara="1" rIns="91425" wrap="square" tIns="91425">
+          <a:bodyPr spcFirstLastPara="1" wrap="square" lIns="91425" tIns="91425" rIns="91425" bIns="91425" anchor="t" anchorCtr="0">
             <a:spAutoFit/>
           </a:bodyPr>
           <a:lstStyle/>
           <a:p>
-            <a:pPr indent="0" lvl="0" marL="0" rtl="0" algn="l">
+            <a:pPr marL="0" lvl="0" indent="0" algn="l" rtl="0">
               <a:spcBef>
                 <a:spcPts val="0"/>
               </a:spcBef>
@@ -13013,40 +13196,29 @@
             <a:endParaRPr/>
           </a:p>
           <a:p>
-            <a:pPr indent="0" lvl="0" marL="0" rtl="0" algn="l">
-              <a:spcBef>
-                <a:spcPts val="0"/>
-              </a:spcBef>
-              <a:spcAft>
-                <a:spcPts val="0"/>
-              </a:spcAft>
-              <a:buNone/>
-            </a:pPr>
-            <a:r>
-              <a:t/>
-            </a:r>
+            <a:pPr marL="0" lvl="0" indent="0" algn="l" rtl="0">
+              <a:spcBef>
+                <a:spcPts val="0"/>
+              </a:spcBef>
+              <a:spcAft>
+                <a:spcPts val="0"/>
+              </a:spcAft>
+              <a:buNone/>
+            </a:pPr>
             <a:endParaRPr/>
           </a:p>
         </p:txBody>
       </p:sp>
-      <p:pic>
-        <p:nvPicPr>
-          <p:cNvPr id="113" name="Google Shape;113;p21"/>
-          <p:cNvPicPr preferRelativeResize="0"/>
+      <p:sp>
+        <p:nvSpPr>
+          <p:cNvPr id="114" name="Google Shape;114;p21"/>
+          <p:cNvSpPr txBox="1"/>
           <p:nvPr/>
-        </p:nvPicPr>
-        <p:blipFill>
-          <a:blip r:embed="rId3">
-            <a:alphaModFix/>
-          </a:blip>
-          <a:stretch>
-            <a:fillRect/>
-          </a:stretch>
-        </p:blipFill>
-        <p:spPr>
-          <a:xfrm>
-            <a:off x="93150" y="1475775"/>
-            <a:ext cx="3913259" cy="3100200"/>
+        </p:nvSpPr>
+        <p:spPr>
+          <a:xfrm>
+            <a:off x="461250" y="4527900"/>
+            <a:ext cx="8221500" cy="585000"/>
           </a:xfrm>
           <a:prstGeom prst="rect">
             <a:avLst/>
@@ -13056,33 +13228,13 @@
             <a:noFill/>
           </a:ln>
         </p:spPr>
-      </p:pic>
-      <p:sp>
-        <p:nvSpPr>
-          <p:cNvPr id="114" name="Google Shape;114;p21"/>
-          <p:cNvSpPr txBox="1"/>
-          <p:nvPr/>
-        </p:nvSpPr>
-        <p:spPr>
-          <a:xfrm>
-            <a:off x="461250" y="4527900"/>
-            <a:ext cx="8221500" cy="585000"/>
-          </a:xfrm>
-          <a:prstGeom prst="rect">
-            <a:avLst/>
-          </a:prstGeom>
-          <a:noFill/>
-          <a:ln>
-            <a:noFill/>
-          </a:ln>
-        </p:spPr>
         <p:txBody>
-          <a:bodyPr anchorCtr="0" anchor="t" bIns="91425" lIns="91425" spcFirstLastPara="1" rIns="91425" wrap="square" tIns="91425">
+          <a:bodyPr spcFirstLastPara="1" wrap="square" lIns="91425" tIns="91425" rIns="91425" bIns="91425" anchor="t" anchorCtr="0">
             <a:spAutoFit/>
           </a:bodyPr>
           <a:lstStyle/>
           <a:p>
-            <a:pPr indent="0" lvl="0" marL="0" rtl="0" algn="l">
+            <a:pPr marL="0" lvl="0" indent="0" algn="l" rtl="0">
               <a:spcBef>
                 <a:spcPts val="0"/>
               </a:spcBef>
@@ -13099,6 +13251,36 @@
           </a:p>
         </p:txBody>
       </p:sp>
+      <p:pic>
+        <p:nvPicPr>
+          <p:cNvPr id="3" name="Picture 2">
+            <a:extLst>
+              <a:ext uri="{FF2B5EF4-FFF2-40B4-BE49-F238E27FC236}">
+                <a16:creationId xmlns:a16="http://schemas.microsoft.com/office/drawing/2014/main" id="{17A38358-EC2E-A25D-A9B6-5F558F5C8ECB}"/>
+              </a:ext>
+            </a:extLst>
+          </p:cNvPr>
+          <p:cNvPicPr>
+            <a:picLocks noChangeAspect="1"/>
+          </p:cNvPicPr>
+          <p:nvPr/>
+        </p:nvPicPr>
+        <p:blipFill>
+          <a:blip r:embed="rId3"/>
+          <a:stretch>
+            <a:fillRect/>
+          </a:stretch>
+        </p:blipFill>
+        <p:spPr>
+          <a:xfrm>
+            <a:off x="167114" y="1332325"/>
+            <a:ext cx="3908612" cy="3096519"/>
+          </a:xfrm>
+          <a:prstGeom prst="rect">
+            <a:avLst/>
+          </a:prstGeom>
+        </p:spPr>
+      </p:pic>
     </p:spTree>
   </p:cSld>
   <p:clrMapOvr>
@@ -13108,7 +13290,7 @@
 </file>
 
 <file path=ppt/theme/theme1.xml><?xml version="1.0" encoding="utf-8"?>
-<a:theme xmlns:a="http://schemas.openxmlformats.org/drawingml/2006/main" xmlns:r="http://schemas.openxmlformats.org/officeDocument/2006/relationships" name="Simple Light">
+<a:theme xmlns:a="http://schemas.openxmlformats.org/drawingml/2006/main" name="Simple Light">
   <a:themeElements>
     <a:clrScheme name="Simple Light">
       <a:dk1>
@@ -13383,11 +13565,13 @@
       </a:bgFillStyleLst>
     </a:fmtScheme>
   </a:themeElements>
+  <a:objectDefaults/>
+  <a:extraClrSchemeLst/>
 </a:theme>
 </file>
 
 <file path=ppt/theme/theme2.xml><?xml version="1.0" encoding="utf-8"?>
-<a:theme xmlns:a="http://schemas.openxmlformats.org/drawingml/2006/main" xmlns:r="http://schemas.openxmlformats.org/officeDocument/2006/relationships">
+<a:theme xmlns:a="http://schemas.openxmlformats.org/drawingml/2006/main">
   <a:themeElements>
     <a:clrScheme name="Default">
       <a:dk1>
@@ -13662,5 +13846,7 @@
       </a:bgFillStyleLst>
     </a:fmtScheme>
   </a:themeElements>
+  <a:objectDefaults/>
+  <a:extraClrSchemeLst/>
 </a:theme>
 </file>